--- a/figures/resources/output_saving.pptx
+++ b/figures/resources/output_saving.pptx
@@ -104,6 +104,11 @@
       </a:defRPr>
     </a:lvl9pPr>
   </p:defaultTextStyle>
+  <p:extLst>
+    <p:ext uri="{EFAFB233-063F-42B5-8137-9DF3F51BA10A}">
+      <p15:sldGuideLst xmlns:p15="http://schemas.microsoft.com/office/powerpoint/2012/main"/>
+    </p:ext>
+  </p:extLst>
 </p:presentation>
 </file>
 
@@ -238,7 +243,7 @@
           <a:p>
             <a:fld id="{F5BBD67F-9228-4D1B-A549-79D3048EE694}" type="datetimeFigureOut">
               <a:rPr lang="en-US" smtClean="0"/>
-              <a:t>12/20/2021</a:t>
+              <a:t>1/23/2022</a:t>
             </a:fld>
             <a:endParaRPr lang="en-US"/>
           </a:p>
@@ -408,7 +413,7 @@
           <a:p>
             <a:fld id="{F5BBD67F-9228-4D1B-A549-79D3048EE694}" type="datetimeFigureOut">
               <a:rPr lang="en-US" smtClean="0"/>
-              <a:t>12/20/2021</a:t>
+              <a:t>1/23/2022</a:t>
             </a:fld>
             <a:endParaRPr lang="en-US"/>
           </a:p>
@@ -588,7 +593,7 @@
           <a:p>
             <a:fld id="{F5BBD67F-9228-4D1B-A549-79D3048EE694}" type="datetimeFigureOut">
               <a:rPr lang="en-US" smtClean="0"/>
-              <a:t>12/20/2021</a:t>
+              <a:t>1/23/2022</a:t>
             </a:fld>
             <a:endParaRPr lang="en-US"/>
           </a:p>
@@ -758,7 +763,7 @@
           <a:p>
             <a:fld id="{F5BBD67F-9228-4D1B-A549-79D3048EE694}" type="datetimeFigureOut">
               <a:rPr lang="en-US" smtClean="0"/>
-              <a:t>12/20/2021</a:t>
+              <a:t>1/23/2022</a:t>
             </a:fld>
             <a:endParaRPr lang="en-US"/>
           </a:p>
@@ -1004,7 +1009,7 @@
           <a:p>
             <a:fld id="{F5BBD67F-9228-4D1B-A549-79D3048EE694}" type="datetimeFigureOut">
               <a:rPr lang="en-US" smtClean="0"/>
-              <a:t>12/20/2021</a:t>
+              <a:t>1/23/2022</a:t>
             </a:fld>
             <a:endParaRPr lang="en-US"/>
           </a:p>
@@ -1236,7 +1241,7 @@
           <a:p>
             <a:fld id="{F5BBD67F-9228-4D1B-A549-79D3048EE694}" type="datetimeFigureOut">
               <a:rPr lang="en-US" smtClean="0"/>
-              <a:t>12/20/2021</a:t>
+              <a:t>1/23/2022</a:t>
             </a:fld>
             <a:endParaRPr lang="en-US"/>
           </a:p>
@@ -1603,7 +1608,7 @@
           <a:p>
             <a:fld id="{F5BBD67F-9228-4D1B-A549-79D3048EE694}" type="datetimeFigureOut">
               <a:rPr lang="en-US" smtClean="0"/>
-              <a:t>12/20/2021</a:t>
+              <a:t>1/23/2022</a:t>
             </a:fld>
             <a:endParaRPr lang="en-US"/>
           </a:p>
@@ -1721,7 +1726,7 @@
           <a:p>
             <a:fld id="{F5BBD67F-9228-4D1B-A549-79D3048EE694}" type="datetimeFigureOut">
               <a:rPr lang="en-US" smtClean="0"/>
-              <a:t>12/20/2021</a:t>
+              <a:t>1/23/2022</a:t>
             </a:fld>
             <a:endParaRPr lang="en-US"/>
           </a:p>
@@ -1816,7 +1821,7 @@
           <a:p>
             <a:fld id="{F5BBD67F-9228-4D1B-A549-79D3048EE694}" type="datetimeFigureOut">
               <a:rPr lang="en-US" smtClean="0"/>
-              <a:t>12/20/2021</a:t>
+              <a:t>1/23/2022</a:t>
             </a:fld>
             <a:endParaRPr lang="en-US"/>
           </a:p>
@@ -2093,7 +2098,7 @@
           <a:p>
             <a:fld id="{F5BBD67F-9228-4D1B-A549-79D3048EE694}" type="datetimeFigureOut">
               <a:rPr lang="en-US" smtClean="0"/>
-              <a:t>12/20/2021</a:t>
+              <a:t>1/23/2022</a:t>
             </a:fld>
             <a:endParaRPr lang="en-US"/>
           </a:p>
@@ -2346,7 +2351,7 @@
           <a:p>
             <a:fld id="{F5BBD67F-9228-4D1B-A549-79D3048EE694}" type="datetimeFigureOut">
               <a:rPr lang="en-US" smtClean="0"/>
-              <a:t>12/20/2021</a:t>
+              <a:t>1/23/2022</a:t>
             </a:fld>
             <a:endParaRPr lang="en-US"/>
           </a:p>
@@ -2559,7 +2564,7 @@
           <a:p>
             <a:fld id="{F5BBD67F-9228-4D1B-A549-79D3048EE694}" type="datetimeFigureOut">
               <a:rPr lang="en-US" smtClean="0"/>
-              <a:t>12/20/2021</a:t>
+              <a:t>1/23/2022</a:t>
             </a:fld>
             <a:endParaRPr lang="en-US"/>
           </a:p>
@@ -2966,74 +2971,30 @@
       </p:grpSpPr>
       <p:pic>
         <p:nvPicPr>
-          <p:cNvPr id="7" name="Picture 6"/>
-          <p:cNvPicPr>
-            <a:picLocks noChangeAspect="1"/>
-          </p:cNvPicPr>
-          <p:nvPr/>
-        </p:nvPicPr>
-        <p:blipFill>
-          <a:blip r:embed="rId2"/>
-          <a:stretch>
-            <a:fillRect/>
-          </a:stretch>
-        </p:blipFill>
-        <p:spPr>
-          <a:xfrm>
-            <a:off x="6712033" y="2674156"/>
-            <a:ext cx="1276620" cy="1832770"/>
-          </a:xfrm>
-          <a:prstGeom prst="rect">
-            <a:avLst/>
-          </a:prstGeom>
-        </p:spPr>
-      </p:pic>
-      <p:pic>
-        <p:nvPicPr>
           <p:cNvPr id="8" name="Picture 7"/>
           <p:cNvPicPr>
             <a:picLocks noChangeAspect="1"/>
           </p:cNvPicPr>
           <p:nvPr/>
         </p:nvPicPr>
-        <p:blipFill>
-          <a:blip r:embed="rId3"/>
-          <a:stretch>
-            <a:fillRect/>
-          </a:stretch>
+        <p:blipFill rotWithShape="1">
+          <a:blip r:embed="rId2"/>
+          <a:srcRect l="1550" t="15184" r="1809" b="1566"/>
+          <a:stretch/>
         </p:blipFill>
         <p:spPr>
           <a:xfrm>
-            <a:off x="6712033" y="4762500"/>
-            <a:ext cx="1655812" cy="1914928"/>
+            <a:off x="5774177" y="5053262"/>
+            <a:ext cx="1600200" cy="1594185"/>
           </a:xfrm>
           <a:prstGeom prst="rect">
             <a:avLst/>
           </a:prstGeom>
-        </p:spPr>
-      </p:pic>
-      <p:pic>
-        <p:nvPicPr>
-          <p:cNvPr id="9" name="Picture 8"/>
-          <p:cNvPicPr>
-            <a:picLocks noChangeAspect="1"/>
-          </p:cNvPicPr>
-          <p:nvPr/>
-        </p:nvPicPr>
-        <p:blipFill>
-          <a:blip r:embed="rId4"/>
-          <a:stretch>
-            <a:fillRect/>
-          </a:stretch>
-        </p:blipFill>
-        <p:spPr>
-          <a:xfrm>
-            <a:off x="6712033" y="482619"/>
-            <a:ext cx="2439479" cy="1971807"/>
-          </a:xfrm>
-          <a:prstGeom prst="rect">
-            <a:avLst/>
-          </a:prstGeom>
+          <a:ln>
+            <a:solidFill>
+              <a:schemeClr val="tx1"/>
+            </a:solidFill>
+          </a:ln>
         </p:spPr>
       </p:pic>
       <p:sp>
@@ -3044,7 +3005,7 @@
         </p:nvSpPr>
         <p:spPr>
           <a:xfrm>
-            <a:off x="1547346" y="1419628"/>
+            <a:off x="1304114" y="1717046"/>
             <a:ext cx="1308050" cy="369332"/>
           </a:xfrm>
           <a:prstGeom prst="rect">
@@ -3059,12 +3020,8 @@
           <a:lstStyle/>
           <a:p>
             <a:r>
-              <a:rPr lang="nl-NL" smtClean="0"/>
-              <a:t>Input </a:t>
-            </a:r>
-            <a:r>
               <a:rPr lang="nl-NL" dirty="0" smtClean="0"/>
-              <a:t>image</a:t>
+              <a:t>Input image</a:t>
             </a:r>
             <a:endParaRPr lang="en-US" dirty="0"/>
           </a:p>
@@ -3078,7 +3035,7 @@
         </p:nvSpPr>
         <p:spPr>
           <a:xfrm>
-            <a:off x="9420050" y="5535298"/>
+            <a:off x="10503354" y="5535298"/>
             <a:ext cx="1225015" cy="369332"/>
           </a:xfrm>
           <a:prstGeom prst="rect">
@@ -3108,8 +3065,8 @@
         </p:nvSpPr>
         <p:spPr>
           <a:xfrm>
-            <a:off x="9420050" y="1283856"/>
-            <a:ext cx="1380058" cy="369332"/>
+            <a:off x="10503354" y="1234962"/>
+            <a:ext cx="1598194" cy="646331"/>
           </a:xfrm>
           <a:prstGeom prst="rect">
             <a:avLst/>
@@ -3122,9 +3079,17 @@
           </a:bodyPr>
           <a:lstStyle/>
           <a:p>
+            <a:pPr algn="ctr"/>
             <a:r>
               <a:rPr lang="nl-NL" dirty="0" smtClean="0"/>
-              <a:t>Results table</a:t>
+              <a:t>Measurements</a:t>
+            </a:r>
+          </a:p>
+          <a:p>
+            <a:pPr algn="ctr"/>
+            <a:r>
+              <a:rPr lang="nl-NL" dirty="0" smtClean="0"/>
+              <a:t>table</a:t>
             </a:r>
             <a:endParaRPr lang="en-US" dirty="0"/>
           </a:p>
@@ -3138,7 +3103,7 @@
         </p:nvSpPr>
         <p:spPr>
           <a:xfrm>
-            <a:off x="9420050" y="3405875"/>
+            <a:off x="10503354" y="3385130"/>
             <a:ext cx="851259" cy="369332"/>
           </a:xfrm>
           <a:prstGeom prst="rect">
@@ -3168,8 +3133,8 @@
         </p:nvCxnSpPr>
         <p:spPr>
           <a:xfrm>
-            <a:off x="4070350" y="3554200"/>
-            <a:ext cx="2025650" cy="0"/>
+            <a:off x="3761168" y="3569796"/>
+            <a:ext cx="1390586" cy="0"/>
           </a:xfrm>
           <a:prstGeom prst="straightConnector1">
             <a:avLst/>
@@ -3204,8 +3169,8 @@
         </p:nvSpPr>
         <p:spPr>
           <a:xfrm>
-            <a:off x="4000289" y="2980425"/>
-            <a:ext cx="2308902" cy="369332"/>
+            <a:off x="3684871" y="2953154"/>
+            <a:ext cx="1543179" cy="369332"/>
           </a:xfrm>
           <a:prstGeom prst="rect">
             <a:avLst/>
@@ -3220,7 +3185,11 @@
           <a:p>
             <a:r>
               <a:rPr lang="nl-NL" dirty="0" smtClean="0"/>
-              <a:t>Image analysis process</a:t>
+              <a:t>Image </a:t>
+            </a:r>
+            <a:r>
+              <a:rPr lang="nl-NL" dirty="0" smtClean="0"/>
+              <a:t>analysis</a:t>
             </a:r>
             <a:endParaRPr lang="en-US" dirty="0"/>
           </a:p>
@@ -3234,22 +3203,2525 @@
           </p:cNvPicPr>
           <p:nvPr/>
         </p:nvPicPr>
+        <p:blipFill rotWithShape="1">
+          <a:blip r:embed="rId3"/>
+          <a:srcRect l="2034" t="14991" r="2064" b="1637"/>
+          <a:stretch/>
+        </p:blipFill>
+        <p:spPr>
+          <a:xfrm>
+            <a:off x="733926" y="2400300"/>
+            <a:ext cx="2448427" cy="2430379"/>
+          </a:xfrm>
+          <a:prstGeom prst="rect">
+            <a:avLst/>
+          </a:prstGeom>
+        </p:spPr>
+      </p:pic>
+      <p:graphicFrame>
+        <p:nvGraphicFramePr>
+          <p:cNvPr id="2" name="Table 1"/>
+          <p:cNvGraphicFramePr>
+            <a:graphicFrameLocks noGrp="1"/>
+          </p:cNvGraphicFramePr>
+          <p:nvPr>
+            <p:extLst>
+              <p:ext uri="{D42A27DB-BD31-4B8C-83A1-F6EECF244321}">
+                <p14:modId xmlns:p14="http://schemas.microsoft.com/office/powerpoint/2010/main" val="2996222531"/>
+              </p:ext>
+            </p:extLst>
+          </p:nvPr>
+        </p:nvGraphicFramePr>
+        <p:xfrm>
+          <a:off x="5767889" y="752878"/>
+          <a:ext cx="3657600" cy="1333500"/>
+        </p:xfrm>
+        <a:graphic>
+          <a:graphicData uri="http://schemas.openxmlformats.org/drawingml/2006/table">
+            <a:tbl>
+              <a:tblPr>
+                <a:tableStyleId>{3B4B98B0-60AC-42C2-AFA5-B58CD77FA1E5}</a:tableStyleId>
+              </a:tblPr>
+              <a:tblGrid>
+                <a:gridCol w="609600">
+                  <a:extLst>
+                    <a:ext uri="{9D8B030D-6E8A-4147-A177-3AD203B41FA5}">
+                      <a16:colId xmlns:a16="http://schemas.microsoft.com/office/drawing/2014/main" val="3083052946"/>
+                    </a:ext>
+                  </a:extLst>
+                </a:gridCol>
+                <a:gridCol w="609600">
+                  <a:extLst>
+                    <a:ext uri="{9D8B030D-6E8A-4147-A177-3AD203B41FA5}">
+                      <a16:colId xmlns:a16="http://schemas.microsoft.com/office/drawing/2014/main" val="2739335031"/>
+                    </a:ext>
+                  </a:extLst>
+                </a:gridCol>
+                <a:gridCol w="609600">
+                  <a:extLst>
+                    <a:ext uri="{9D8B030D-6E8A-4147-A177-3AD203B41FA5}">
+                      <a16:colId xmlns:a16="http://schemas.microsoft.com/office/drawing/2014/main" val="3945957450"/>
+                    </a:ext>
+                  </a:extLst>
+                </a:gridCol>
+                <a:gridCol w="609600">
+                  <a:extLst>
+                    <a:ext uri="{9D8B030D-6E8A-4147-A177-3AD203B41FA5}">
+                      <a16:colId xmlns:a16="http://schemas.microsoft.com/office/drawing/2014/main" val="3313824974"/>
+                    </a:ext>
+                  </a:extLst>
+                </a:gridCol>
+                <a:gridCol w="609600">
+                  <a:extLst>
+                    <a:ext uri="{9D8B030D-6E8A-4147-A177-3AD203B41FA5}">
+                      <a16:colId xmlns:a16="http://schemas.microsoft.com/office/drawing/2014/main" val="2218882774"/>
+                    </a:ext>
+                  </a:extLst>
+                </a:gridCol>
+                <a:gridCol w="609600">
+                  <a:extLst>
+                    <a:ext uri="{9D8B030D-6E8A-4147-A177-3AD203B41FA5}">
+                      <a16:colId xmlns:a16="http://schemas.microsoft.com/office/drawing/2014/main" val="1826050507"/>
+                    </a:ext>
+                  </a:extLst>
+                </a:gridCol>
+              </a:tblGrid>
+              <a:tr h="190500">
+                <a:tc>
+                  <a:txBody>
+                    <a:bodyPr/>
+                    <a:lstStyle/>
+                    <a:p>
+                      <a:pPr algn="l" fontAlgn="b"/>
+                      <a:r>
+                        <a:rPr lang="en-US" sz="1100" b="1" u="none" strike="noStrike" dirty="0" smtClean="0">
+                          <a:effectLst/>
+                        </a:rPr>
+                        <a:t>Label</a:t>
+                      </a:r>
+                      <a:endParaRPr lang="en-US" sz="1100" b="1" i="0" u="none" strike="noStrike" dirty="0">
+                        <a:solidFill>
+                          <a:srgbClr val="000000"/>
+                        </a:solidFill>
+                        <a:effectLst/>
+                        <a:latin typeface="Calibri" panose="020F0502020204030204" pitchFamily="34" charset="0"/>
+                      </a:endParaRPr>
+                    </a:p>
+                  </a:txBody>
+                  <a:tcPr marL="9525" marR="9525" marT="9525" marB="0" anchor="b">
+                    <a:lnT w="3175" cap="flat" cmpd="sng" algn="ctr">
+                      <a:solidFill>
+                        <a:schemeClr val="tx1"/>
+                      </a:solidFill>
+                      <a:prstDash val="solid"/>
+                      <a:round/>
+                      <a:headEnd type="none" w="med" len="med"/>
+                      <a:tailEnd type="none" w="med" len="med"/>
+                    </a:lnT>
+                    <a:lnB w="3175" cap="flat" cmpd="sng" algn="ctr">
+                      <a:solidFill>
+                        <a:schemeClr val="tx1"/>
+                      </a:solidFill>
+                      <a:prstDash val="solid"/>
+                      <a:round/>
+                      <a:headEnd type="none" w="med" len="med"/>
+                      <a:tailEnd type="none" w="med" len="med"/>
+                    </a:lnB>
+                  </a:tcPr>
+                </a:tc>
+                <a:tc>
+                  <a:txBody>
+                    <a:bodyPr/>
+                    <a:lstStyle/>
+                    <a:p>
+                      <a:pPr algn="l" fontAlgn="b"/>
+                      <a:r>
+                        <a:rPr lang="en-US" sz="1100" b="1" u="none" strike="noStrike">
+                          <a:effectLst/>
+                        </a:rPr>
+                        <a:t>Area</a:t>
+                      </a:r>
+                      <a:endParaRPr lang="en-US" sz="1100" b="1" i="0" u="none" strike="noStrike">
+                        <a:solidFill>
+                          <a:srgbClr val="000000"/>
+                        </a:solidFill>
+                        <a:effectLst/>
+                        <a:latin typeface="Calibri" panose="020F0502020204030204" pitchFamily="34" charset="0"/>
+                      </a:endParaRPr>
+                    </a:p>
+                  </a:txBody>
+                  <a:tcPr marL="9525" marR="9525" marT="9525" marB="0" anchor="b">
+                    <a:lnT w="3175" cap="flat" cmpd="sng" algn="ctr">
+                      <a:solidFill>
+                        <a:schemeClr val="tx1"/>
+                      </a:solidFill>
+                      <a:prstDash val="solid"/>
+                      <a:round/>
+                      <a:headEnd type="none" w="med" len="med"/>
+                      <a:tailEnd type="none" w="med" len="med"/>
+                    </a:lnT>
+                    <a:lnB w="3175" cap="flat" cmpd="sng" algn="ctr">
+                      <a:solidFill>
+                        <a:schemeClr val="tx1"/>
+                      </a:solidFill>
+                      <a:prstDash val="solid"/>
+                      <a:round/>
+                      <a:headEnd type="none" w="med" len="med"/>
+                      <a:tailEnd type="none" w="med" len="med"/>
+                    </a:lnB>
+                  </a:tcPr>
+                </a:tc>
+                <a:tc>
+                  <a:txBody>
+                    <a:bodyPr/>
+                    <a:lstStyle/>
+                    <a:p>
+                      <a:pPr algn="l" fontAlgn="b"/>
+                      <a:r>
+                        <a:rPr lang="en-US" sz="1100" b="1" u="none" strike="noStrike">
+                          <a:effectLst/>
+                        </a:rPr>
+                        <a:t>X</a:t>
+                      </a:r>
+                      <a:endParaRPr lang="en-US" sz="1100" b="1" i="0" u="none" strike="noStrike">
+                        <a:solidFill>
+                          <a:srgbClr val="000000"/>
+                        </a:solidFill>
+                        <a:effectLst/>
+                        <a:latin typeface="Calibri" panose="020F0502020204030204" pitchFamily="34" charset="0"/>
+                      </a:endParaRPr>
+                    </a:p>
+                  </a:txBody>
+                  <a:tcPr marL="9525" marR="9525" marT="9525" marB="0" anchor="b">
+                    <a:lnT w="3175" cap="flat" cmpd="sng" algn="ctr">
+                      <a:solidFill>
+                        <a:schemeClr val="tx1"/>
+                      </a:solidFill>
+                      <a:prstDash val="solid"/>
+                      <a:round/>
+                      <a:headEnd type="none" w="med" len="med"/>
+                      <a:tailEnd type="none" w="med" len="med"/>
+                    </a:lnT>
+                    <a:lnB w="3175" cap="flat" cmpd="sng" algn="ctr">
+                      <a:solidFill>
+                        <a:schemeClr val="tx1"/>
+                      </a:solidFill>
+                      <a:prstDash val="solid"/>
+                      <a:round/>
+                      <a:headEnd type="none" w="med" len="med"/>
+                      <a:tailEnd type="none" w="med" len="med"/>
+                    </a:lnB>
+                  </a:tcPr>
+                </a:tc>
+                <a:tc>
+                  <a:txBody>
+                    <a:bodyPr/>
+                    <a:lstStyle/>
+                    <a:p>
+                      <a:pPr algn="l" fontAlgn="b"/>
+                      <a:r>
+                        <a:rPr lang="en-US" sz="1100" b="1" u="none" strike="noStrike">
+                          <a:effectLst/>
+                        </a:rPr>
+                        <a:t>Y</a:t>
+                      </a:r>
+                      <a:endParaRPr lang="en-US" sz="1100" b="1" i="0" u="none" strike="noStrike">
+                        <a:solidFill>
+                          <a:srgbClr val="000000"/>
+                        </a:solidFill>
+                        <a:effectLst/>
+                        <a:latin typeface="Calibri" panose="020F0502020204030204" pitchFamily="34" charset="0"/>
+                      </a:endParaRPr>
+                    </a:p>
+                  </a:txBody>
+                  <a:tcPr marL="9525" marR="9525" marT="9525" marB="0" anchor="b">
+                    <a:lnT w="3175" cap="flat" cmpd="sng" algn="ctr">
+                      <a:solidFill>
+                        <a:schemeClr val="tx1"/>
+                      </a:solidFill>
+                      <a:prstDash val="solid"/>
+                      <a:round/>
+                      <a:headEnd type="none" w="med" len="med"/>
+                      <a:tailEnd type="none" w="med" len="med"/>
+                    </a:lnT>
+                    <a:lnB w="3175" cap="flat" cmpd="sng" algn="ctr">
+                      <a:solidFill>
+                        <a:schemeClr val="tx1"/>
+                      </a:solidFill>
+                      <a:prstDash val="solid"/>
+                      <a:round/>
+                      <a:headEnd type="none" w="med" len="med"/>
+                      <a:tailEnd type="none" w="med" len="med"/>
+                    </a:lnB>
+                  </a:tcPr>
+                </a:tc>
+                <a:tc>
+                  <a:txBody>
+                    <a:bodyPr/>
+                    <a:lstStyle/>
+                    <a:p>
+                      <a:pPr algn="l" fontAlgn="b"/>
+                      <a:r>
+                        <a:rPr lang="en-US" sz="1100" b="1" u="none" strike="noStrike">
+                          <a:effectLst/>
+                        </a:rPr>
+                        <a:t>XM</a:t>
+                      </a:r>
+                      <a:endParaRPr lang="en-US" sz="1100" b="1" i="0" u="none" strike="noStrike">
+                        <a:solidFill>
+                          <a:srgbClr val="000000"/>
+                        </a:solidFill>
+                        <a:effectLst/>
+                        <a:latin typeface="Calibri" panose="020F0502020204030204" pitchFamily="34" charset="0"/>
+                      </a:endParaRPr>
+                    </a:p>
+                  </a:txBody>
+                  <a:tcPr marL="9525" marR="9525" marT="9525" marB="0" anchor="b">
+                    <a:lnT w="3175" cap="flat" cmpd="sng" algn="ctr">
+                      <a:solidFill>
+                        <a:schemeClr val="tx1"/>
+                      </a:solidFill>
+                      <a:prstDash val="solid"/>
+                      <a:round/>
+                      <a:headEnd type="none" w="med" len="med"/>
+                      <a:tailEnd type="none" w="med" len="med"/>
+                    </a:lnT>
+                    <a:lnB w="3175" cap="flat" cmpd="sng" algn="ctr">
+                      <a:solidFill>
+                        <a:schemeClr val="tx1"/>
+                      </a:solidFill>
+                      <a:prstDash val="solid"/>
+                      <a:round/>
+                      <a:headEnd type="none" w="med" len="med"/>
+                      <a:tailEnd type="none" w="med" len="med"/>
+                    </a:lnB>
+                  </a:tcPr>
+                </a:tc>
+                <a:tc>
+                  <a:txBody>
+                    <a:bodyPr/>
+                    <a:lstStyle/>
+                    <a:p>
+                      <a:pPr algn="l" fontAlgn="b"/>
+                      <a:r>
+                        <a:rPr lang="en-US" sz="1100" b="1" u="none" strike="noStrike" dirty="0">
+                          <a:effectLst/>
+                        </a:rPr>
+                        <a:t>YM</a:t>
+                      </a:r>
+                      <a:endParaRPr lang="en-US" sz="1100" b="1" i="0" u="none" strike="noStrike" dirty="0">
+                        <a:solidFill>
+                          <a:srgbClr val="000000"/>
+                        </a:solidFill>
+                        <a:effectLst/>
+                        <a:latin typeface="Calibri" panose="020F0502020204030204" pitchFamily="34" charset="0"/>
+                      </a:endParaRPr>
+                    </a:p>
+                  </a:txBody>
+                  <a:tcPr marL="9525" marR="9525" marT="9525" marB="0" anchor="b">
+                    <a:lnT w="3175" cap="flat" cmpd="sng" algn="ctr">
+                      <a:solidFill>
+                        <a:schemeClr val="tx1"/>
+                      </a:solidFill>
+                      <a:prstDash val="solid"/>
+                      <a:round/>
+                      <a:headEnd type="none" w="med" len="med"/>
+                      <a:tailEnd type="none" w="med" len="med"/>
+                    </a:lnT>
+                    <a:lnB w="3175" cap="flat" cmpd="sng" algn="ctr">
+                      <a:solidFill>
+                        <a:schemeClr val="tx1"/>
+                      </a:solidFill>
+                      <a:prstDash val="solid"/>
+                      <a:round/>
+                      <a:headEnd type="none" w="med" len="med"/>
+                      <a:tailEnd type="none" w="med" len="med"/>
+                    </a:lnB>
+                  </a:tcPr>
+                </a:tc>
+                <a:extLst>
+                  <a:ext uri="{0D108BD9-81ED-4DB2-BD59-A6C34878D82A}">
+                    <a16:rowId xmlns:a16="http://schemas.microsoft.com/office/drawing/2014/main" val="2704985016"/>
+                  </a:ext>
+                </a:extLst>
+              </a:tr>
+              <a:tr h="190500">
+                <a:tc>
+                  <a:txBody>
+                    <a:bodyPr/>
+                    <a:lstStyle/>
+                    <a:p>
+                      <a:pPr algn="r" fontAlgn="b"/>
+                      <a:r>
+                        <a:rPr lang="en-US" sz="1100" u="none" strike="noStrike" dirty="0">
+                          <a:effectLst/>
+                        </a:rPr>
+                        <a:t>1</a:t>
+                      </a:r>
+                      <a:endParaRPr lang="en-US" sz="1100" b="0" i="0" u="none" strike="noStrike" dirty="0">
+                        <a:solidFill>
+                          <a:srgbClr val="000000"/>
+                        </a:solidFill>
+                        <a:effectLst/>
+                        <a:latin typeface="Calibri" panose="020F0502020204030204" pitchFamily="34" charset="0"/>
+                      </a:endParaRPr>
+                    </a:p>
+                  </a:txBody>
+                  <a:tcPr marL="9525" marR="9525" marT="9525" marB="0" anchor="b">
+                    <a:lnT w="3175" cap="flat" cmpd="sng" algn="ctr">
+                      <a:solidFill>
+                        <a:schemeClr val="tx1"/>
+                      </a:solidFill>
+                      <a:prstDash val="solid"/>
+                      <a:round/>
+                      <a:headEnd type="none" w="med" len="med"/>
+                      <a:tailEnd type="none" w="med" len="med"/>
+                    </a:lnT>
+                  </a:tcPr>
+                </a:tc>
+                <a:tc>
+                  <a:txBody>
+                    <a:bodyPr/>
+                    <a:lstStyle/>
+                    <a:p>
+                      <a:pPr algn="r" fontAlgn="b"/>
+                      <a:r>
+                        <a:rPr lang="en-US" sz="1100" u="none" strike="noStrike" dirty="0">
+                          <a:effectLst/>
+                        </a:rPr>
+                        <a:t>433</a:t>
+                      </a:r>
+                      <a:endParaRPr lang="en-US" sz="1100" b="0" i="0" u="none" strike="noStrike" dirty="0">
+                        <a:solidFill>
+                          <a:srgbClr val="000000"/>
+                        </a:solidFill>
+                        <a:effectLst/>
+                        <a:latin typeface="Calibri" panose="020F0502020204030204" pitchFamily="34" charset="0"/>
+                      </a:endParaRPr>
+                    </a:p>
+                  </a:txBody>
+                  <a:tcPr marL="9525" marR="9525" marT="9525" marB="0" anchor="b">
+                    <a:lnT w="3175" cap="flat" cmpd="sng" algn="ctr">
+                      <a:solidFill>
+                        <a:schemeClr val="tx1"/>
+                      </a:solidFill>
+                      <a:prstDash val="solid"/>
+                      <a:round/>
+                      <a:headEnd type="none" w="med" len="med"/>
+                      <a:tailEnd type="none" w="med" len="med"/>
+                    </a:lnT>
+                  </a:tcPr>
+                </a:tc>
+                <a:tc>
+                  <a:txBody>
+                    <a:bodyPr/>
+                    <a:lstStyle/>
+                    <a:p>
+                      <a:pPr algn="r" fontAlgn="b"/>
+                      <a:r>
+                        <a:rPr lang="en-US" sz="1100" u="none" strike="noStrike">
+                          <a:effectLst/>
+                        </a:rPr>
+                        <a:t>20.486</a:t>
+                      </a:r>
+                      <a:endParaRPr lang="en-US" sz="1100" b="0" i="0" u="none" strike="noStrike">
+                        <a:solidFill>
+                          <a:srgbClr val="000000"/>
+                        </a:solidFill>
+                        <a:effectLst/>
+                        <a:latin typeface="Calibri" panose="020F0502020204030204" pitchFamily="34" charset="0"/>
+                      </a:endParaRPr>
+                    </a:p>
+                  </a:txBody>
+                  <a:tcPr marL="9525" marR="9525" marT="9525" marB="0" anchor="b">
+                    <a:lnT w="3175" cap="flat" cmpd="sng" algn="ctr">
+                      <a:solidFill>
+                        <a:schemeClr val="tx1"/>
+                      </a:solidFill>
+                      <a:prstDash val="solid"/>
+                      <a:round/>
+                      <a:headEnd type="none" w="med" len="med"/>
+                      <a:tailEnd type="none" w="med" len="med"/>
+                    </a:lnT>
+                  </a:tcPr>
+                </a:tc>
+                <a:tc>
+                  <a:txBody>
+                    <a:bodyPr/>
+                    <a:lstStyle/>
+                    <a:p>
+                      <a:pPr algn="r" fontAlgn="b"/>
+                      <a:r>
+                        <a:rPr lang="en-US" sz="1100" u="none" strike="noStrike">
+                          <a:effectLst/>
+                        </a:rPr>
+                        <a:t>13.712</a:t>
+                      </a:r>
+                      <a:endParaRPr lang="en-US" sz="1100" b="0" i="0" u="none" strike="noStrike">
+                        <a:solidFill>
+                          <a:srgbClr val="000000"/>
+                        </a:solidFill>
+                        <a:effectLst/>
+                        <a:latin typeface="Calibri" panose="020F0502020204030204" pitchFamily="34" charset="0"/>
+                      </a:endParaRPr>
+                    </a:p>
+                  </a:txBody>
+                  <a:tcPr marL="9525" marR="9525" marT="9525" marB="0" anchor="b">
+                    <a:lnT w="3175" cap="flat" cmpd="sng" algn="ctr">
+                      <a:solidFill>
+                        <a:schemeClr val="tx1"/>
+                      </a:solidFill>
+                      <a:prstDash val="solid"/>
+                      <a:round/>
+                      <a:headEnd type="none" w="med" len="med"/>
+                      <a:tailEnd type="none" w="med" len="med"/>
+                    </a:lnT>
+                  </a:tcPr>
+                </a:tc>
+                <a:tc>
+                  <a:txBody>
+                    <a:bodyPr/>
+                    <a:lstStyle/>
+                    <a:p>
+                      <a:pPr algn="r" fontAlgn="b"/>
+                      <a:r>
+                        <a:rPr lang="en-US" sz="1100" u="none" strike="noStrike">
+                          <a:effectLst/>
+                        </a:rPr>
+                        <a:t>20.486</a:t>
+                      </a:r>
+                      <a:endParaRPr lang="en-US" sz="1100" b="0" i="0" u="none" strike="noStrike">
+                        <a:solidFill>
+                          <a:srgbClr val="000000"/>
+                        </a:solidFill>
+                        <a:effectLst/>
+                        <a:latin typeface="Calibri" panose="020F0502020204030204" pitchFamily="34" charset="0"/>
+                      </a:endParaRPr>
+                    </a:p>
+                  </a:txBody>
+                  <a:tcPr marL="9525" marR="9525" marT="9525" marB="0" anchor="b">
+                    <a:lnT w="3175" cap="flat" cmpd="sng" algn="ctr">
+                      <a:solidFill>
+                        <a:schemeClr val="tx1"/>
+                      </a:solidFill>
+                      <a:prstDash val="solid"/>
+                      <a:round/>
+                      <a:headEnd type="none" w="med" len="med"/>
+                      <a:tailEnd type="none" w="med" len="med"/>
+                    </a:lnT>
+                  </a:tcPr>
+                </a:tc>
+                <a:tc>
+                  <a:txBody>
+                    <a:bodyPr/>
+                    <a:lstStyle/>
+                    <a:p>
+                      <a:pPr algn="r" fontAlgn="b"/>
+                      <a:r>
+                        <a:rPr lang="en-US" sz="1100" u="none" strike="noStrike">
+                          <a:effectLst/>
+                        </a:rPr>
+                        <a:t>13.712</a:t>
+                      </a:r>
+                      <a:endParaRPr lang="en-US" sz="1100" b="0" i="0" u="none" strike="noStrike">
+                        <a:solidFill>
+                          <a:srgbClr val="000000"/>
+                        </a:solidFill>
+                        <a:effectLst/>
+                        <a:latin typeface="Calibri" panose="020F0502020204030204" pitchFamily="34" charset="0"/>
+                      </a:endParaRPr>
+                    </a:p>
+                  </a:txBody>
+                  <a:tcPr marL="9525" marR="9525" marT="9525" marB="0" anchor="b">
+                    <a:lnT w="3175" cap="flat" cmpd="sng" algn="ctr">
+                      <a:solidFill>
+                        <a:schemeClr val="tx1"/>
+                      </a:solidFill>
+                      <a:prstDash val="solid"/>
+                      <a:round/>
+                      <a:headEnd type="none" w="med" len="med"/>
+                      <a:tailEnd type="none" w="med" len="med"/>
+                    </a:lnT>
+                  </a:tcPr>
+                </a:tc>
+                <a:extLst>
+                  <a:ext uri="{0D108BD9-81ED-4DB2-BD59-A6C34878D82A}">
+                    <a16:rowId xmlns:a16="http://schemas.microsoft.com/office/drawing/2014/main" val="2738829116"/>
+                  </a:ext>
+                </a:extLst>
+              </a:tr>
+              <a:tr h="190500">
+                <a:tc>
+                  <a:txBody>
+                    <a:bodyPr/>
+                    <a:lstStyle/>
+                    <a:p>
+                      <a:pPr algn="r" fontAlgn="b"/>
+                      <a:r>
+                        <a:rPr lang="en-US" sz="1100" u="none" strike="noStrike">
+                          <a:effectLst/>
+                        </a:rPr>
+                        <a:t>2</a:t>
+                      </a:r>
+                      <a:endParaRPr lang="en-US" sz="1100" b="0" i="0" u="none" strike="noStrike">
+                        <a:solidFill>
+                          <a:srgbClr val="000000"/>
+                        </a:solidFill>
+                        <a:effectLst/>
+                        <a:latin typeface="Calibri" panose="020F0502020204030204" pitchFamily="34" charset="0"/>
+                      </a:endParaRPr>
+                    </a:p>
+                  </a:txBody>
+                  <a:tcPr marL="9525" marR="9525" marT="9525" marB="0" anchor="b"/>
+                </a:tc>
+                <a:tc>
+                  <a:txBody>
+                    <a:bodyPr/>
+                    <a:lstStyle/>
+                    <a:p>
+                      <a:pPr algn="r" fontAlgn="b"/>
+                      <a:r>
+                        <a:rPr lang="en-US" sz="1100" u="none" strike="noStrike">
+                          <a:effectLst/>
+                        </a:rPr>
+                        <a:t>185</a:t>
+                      </a:r>
+                      <a:endParaRPr lang="en-US" sz="1100" b="0" i="0" u="none" strike="noStrike">
+                        <a:solidFill>
+                          <a:srgbClr val="000000"/>
+                        </a:solidFill>
+                        <a:effectLst/>
+                        <a:latin typeface="Calibri" panose="020F0502020204030204" pitchFamily="34" charset="0"/>
+                      </a:endParaRPr>
+                    </a:p>
+                  </a:txBody>
+                  <a:tcPr marL="9525" marR="9525" marT="9525" marB="0" anchor="b"/>
+                </a:tc>
+                <a:tc>
+                  <a:txBody>
+                    <a:bodyPr/>
+                    <a:lstStyle/>
+                    <a:p>
+                      <a:pPr algn="r" fontAlgn="b"/>
+                      <a:r>
+                        <a:rPr lang="en-US" sz="1100" u="none" strike="noStrike">
+                          <a:effectLst/>
+                        </a:rPr>
+                        <a:t>63.446</a:t>
+                      </a:r>
+                      <a:endParaRPr lang="en-US" sz="1100" b="0" i="0" u="none" strike="noStrike">
+                        <a:solidFill>
+                          <a:srgbClr val="000000"/>
+                        </a:solidFill>
+                        <a:effectLst/>
+                        <a:latin typeface="Calibri" panose="020F0502020204030204" pitchFamily="34" charset="0"/>
+                      </a:endParaRPr>
+                    </a:p>
+                  </a:txBody>
+                  <a:tcPr marL="9525" marR="9525" marT="9525" marB="0" anchor="b"/>
+                </a:tc>
+                <a:tc>
+                  <a:txBody>
+                    <a:bodyPr/>
+                    <a:lstStyle/>
+                    <a:p>
+                      <a:pPr algn="r" fontAlgn="b"/>
+                      <a:r>
+                        <a:rPr lang="en-US" sz="1100" u="none" strike="noStrike">
+                          <a:effectLst/>
+                        </a:rPr>
+                        <a:t>4.77</a:t>
+                      </a:r>
+                      <a:endParaRPr lang="en-US" sz="1100" b="0" i="0" u="none" strike="noStrike">
+                        <a:solidFill>
+                          <a:srgbClr val="000000"/>
+                        </a:solidFill>
+                        <a:effectLst/>
+                        <a:latin typeface="Calibri" panose="020F0502020204030204" pitchFamily="34" charset="0"/>
+                      </a:endParaRPr>
+                    </a:p>
+                  </a:txBody>
+                  <a:tcPr marL="9525" marR="9525" marT="9525" marB="0" anchor="b"/>
+                </a:tc>
+                <a:tc>
+                  <a:txBody>
+                    <a:bodyPr/>
+                    <a:lstStyle/>
+                    <a:p>
+                      <a:pPr algn="r" fontAlgn="b"/>
+                      <a:r>
+                        <a:rPr lang="en-US" sz="1100" u="none" strike="noStrike">
+                          <a:effectLst/>
+                        </a:rPr>
+                        <a:t>63.446</a:t>
+                      </a:r>
+                      <a:endParaRPr lang="en-US" sz="1100" b="0" i="0" u="none" strike="noStrike">
+                        <a:solidFill>
+                          <a:srgbClr val="000000"/>
+                        </a:solidFill>
+                        <a:effectLst/>
+                        <a:latin typeface="Calibri" panose="020F0502020204030204" pitchFamily="34" charset="0"/>
+                      </a:endParaRPr>
+                    </a:p>
+                  </a:txBody>
+                  <a:tcPr marL="9525" marR="9525" marT="9525" marB="0" anchor="b"/>
+                </a:tc>
+                <a:tc>
+                  <a:txBody>
+                    <a:bodyPr/>
+                    <a:lstStyle/>
+                    <a:p>
+                      <a:pPr algn="r" fontAlgn="b"/>
+                      <a:r>
+                        <a:rPr lang="en-US" sz="1100" u="none" strike="noStrike">
+                          <a:effectLst/>
+                        </a:rPr>
+                        <a:t>4.77</a:t>
+                      </a:r>
+                      <a:endParaRPr lang="en-US" sz="1100" b="0" i="0" u="none" strike="noStrike">
+                        <a:solidFill>
+                          <a:srgbClr val="000000"/>
+                        </a:solidFill>
+                        <a:effectLst/>
+                        <a:latin typeface="Calibri" panose="020F0502020204030204" pitchFamily="34" charset="0"/>
+                      </a:endParaRPr>
+                    </a:p>
+                  </a:txBody>
+                  <a:tcPr marL="9525" marR="9525" marT="9525" marB="0" anchor="b"/>
+                </a:tc>
+                <a:extLst>
+                  <a:ext uri="{0D108BD9-81ED-4DB2-BD59-A6C34878D82A}">
+                    <a16:rowId xmlns:a16="http://schemas.microsoft.com/office/drawing/2014/main" val="298208192"/>
+                  </a:ext>
+                </a:extLst>
+              </a:tr>
+              <a:tr h="190500">
+                <a:tc>
+                  <a:txBody>
+                    <a:bodyPr/>
+                    <a:lstStyle/>
+                    <a:p>
+                      <a:pPr algn="r" fontAlgn="b"/>
+                      <a:r>
+                        <a:rPr lang="en-US" sz="1100" u="none" strike="noStrike">
+                          <a:effectLst/>
+                        </a:rPr>
+                        <a:t>3</a:t>
+                      </a:r>
+                      <a:endParaRPr lang="en-US" sz="1100" b="0" i="0" u="none" strike="noStrike">
+                        <a:solidFill>
+                          <a:srgbClr val="000000"/>
+                        </a:solidFill>
+                        <a:effectLst/>
+                        <a:latin typeface="Calibri" panose="020F0502020204030204" pitchFamily="34" charset="0"/>
+                      </a:endParaRPr>
+                    </a:p>
+                  </a:txBody>
+                  <a:tcPr marL="9525" marR="9525" marT="9525" marB="0" anchor="b"/>
+                </a:tc>
+                <a:tc>
+                  <a:txBody>
+                    <a:bodyPr/>
+                    <a:lstStyle/>
+                    <a:p>
+                      <a:pPr algn="r" fontAlgn="b"/>
+                      <a:r>
+                        <a:rPr lang="en-US" sz="1100" u="none" strike="noStrike">
+                          <a:effectLst/>
+                        </a:rPr>
+                        <a:t>434</a:t>
+                      </a:r>
+                      <a:endParaRPr lang="en-US" sz="1100" b="0" i="0" u="none" strike="noStrike">
+                        <a:solidFill>
+                          <a:srgbClr val="000000"/>
+                        </a:solidFill>
+                        <a:effectLst/>
+                        <a:latin typeface="Calibri" panose="020F0502020204030204" pitchFamily="34" charset="0"/>
+                      </a:endParaRPr>
+                    </a:p>
+                  </a:txBody>
+                  <a:tcPr marL="9525" marR="9525" marT="9525" marB="0" anchor="b"/>
+                </a:tc>
+                <a:tc>
+                  <a:txBody>
+                    <a:bodyPr/>
+                    <a:lstStyle/>
+                    <a:p>
+                      <a:pPr algn="r" fontAlgn="b"/>
+                      <a:r>
+                        <a:rPr lang="en-US" sz="1100" u="none" strike="noStrike">
+                          <a:effectLst/>
+                        </a:rPr>
+                        <a:t>155.021</a:t>
+                      </a:r>
+                      <a:endParaRPr lang="en-US" sz="1100" b="0" i="0" u="none" strike="noStrike">
+                        <a:solidFill>
+                          <a:srgbClr val="000000"/>
+                        </a:solidFill>
+                        <a:effectLst/>
+                        <a:latin typeface="Calibri" panose="020F0502020204030204" pitchFamily="34" charset="0"/>
+                      </a:endParaRPr>
+                    </a:p>
+                  </a:txBody>
+                  <a:tcPr marL="9525" marR="9525" marT="9525" marB="0" anchor="b"/>
+                </a:tc>
+                <a:tc>
+                  <a:txBody>
+                    <a:bodyPr/>
+                    <a:lstStyle/>
+                    <a:p>
+                      <a:pPr algn="r" fontAlgn="b"/>
+                      <a:r>
+                        <a:rPr lang="en-US" sz="1100" u="none" strike="noStrike" dirty="0">
+                          <a:effectLst/>
+                        </a:rPr>
+                        <a:t>10.306</a:t>
+                      </a:r>
+                      <a:endParaRPr lang="en-US" sz="1100" b="0" i="0" u="none" strike="noStrike" dirty="0">
+                        <a:solidFill>
+                          <a:srgbClr val="000000"/>
+                        </a:solidFill>
+                        <a:effectLst/>
+                        <a:latin typeface="Calibri" panose="020F0502020204030204" pitchFamily="34" charset="0"/>
+                      </a:endParaRPr>
+                    </a:p>
+                  </a:txBody>
+                  <a:tcPr marL="9525" marR="9525" marT="9525" marB="0" anchor="b"/>
+                </a:tc>
+                <a:tc>
+                  <a:txBody>
+                    <a:bodyPr/>
+                    <a:lstStyle/>
+                    <a:p>
+                      <a:pPr algn="r" fontAlgn="b"/>
+                      <a:r>
+                        <a:rPr lang="en-US" sz="1100" u="none" strike="noStrike">
+                          <a:effectLst/>
+                        </a:rPr>
+                        <a:t>155.021</a:t>
+                      </a:r>
+                      <a:endParaRPr lang="en-US" sz="1100" b="0" i="0" u="none" strike="noStrike">
+                        <a:solidFill>
+                          <a:srgbClr val="000000"/>
+                        </a:solidFill>
+                        <a:effectLst/>
+                        <a:latin typeface="Calibri" panose="020F0502020204030204" pitchFamily="34" charset="0"/>
+                      </a:endParaRPr>
+                    </a:p>
+                  </a:txBody>
+                  <a:tcPr marL="9525" marR="9525" marT="9525" marB="0" anchor="b"/>
+                </a:tc>
+                <a:tc>
+                  <a:txBody>
+                    <a:bodyPr/>
+                    <a:lstStyle/>
+                    <a:p>
+                      <a:pPr algn="r" fontAlgn="b"/>
+                      <a:r>
+                        <a:rPr lang="en-US" sz="1100" u="none" strike="noStrike">
+                          <a:effectLst/>
+                        </a:rPr>
+                        <a:t>10.306</a:t>
+                      </a:r>
+                      <a:endParaRPr lang="en-US" sz="1100" b="0" i="0" u="none" strike="noStrike">
+                        <a:solidFill>
+                          <a:srgbClr val="000000"/>
+                        </a:solidFill>
+                        <a:effectLst/>
+                        <a:latin typeface="Calibri" panose="020F0502020204030204" pitchFamily="34" charset="0"/>
+                      </a:endParaRPr>
+                    </a:p>
+                  </a:txBody>
+                  <a:tcPr marL="9525" marR="9525" marT="9525" marB="0" anchor="b"/>
+                </a:tc>
+                <a:extLst>
+                  <a:ext uri="{0D108BD9-81ED-4DB2-BD59-A6C34878D82A}">
+                    <a16:rowId xmlns:a16="http://schemas.microsoft.com/office/drawing/2014/main" val="1638871936"/>
+                  </a:ext>
+                </a:extLst>
+              </a:tr>
+              <a:tr h="190500">
+                <a:tc>
+                  <a:txBody>
+                    <a:bodyPr/>
+                    <a:lstStyle/>
+                    <a:p>
+                      <a:pPr algn="r" fontAlgn="b"/>
+                      <a:r>
+                        <a:rPr lang="en-US" sz="1100" u="none" strike="noStrike">
+                          <a:effectLst/>
+                        </a:rPr>
+                        <a:t>4</a:t>
+                      </a:r>
+                      <a:endParaRPr lang="en-US" sz="1100" b="0" i="0" u="none" strike="noStrike">
+                        <a:solidFill>
+                          <a:srgbClr val="000000"/>
+                        </a:solidFill>
+                        <a:effectLst/>
+                        <a:latin typeface="Calibri" panose="020F0502020204030204" pitchFamily="34" charset="0"/>
+                      </a:endParaRPr>
+                    </a:p>
+                  </a:txBody>
+                  <a:tcPr marL="9525" marR="9525" marT="9525" marB="0" anchor="b"/>
+                </a:tc>
+                <a:tc>
+                  <a:txBody>
+                    <a:bodyPr/>
+                    <a:lstStyle/>
+                    <a:p>
+                      <a:pPr algn="r" fontAlgn="b"/>
+                      <a:r>
+                        <a:rPr lang="en-US" sz="1100" u="none" strike="noStrike" dirty="0">
+                          <a:effectLst/>
+                        </a:rPr>
+                        <a:t>477</a:t>
+                      </a:r>
+                      <a:endParaRPr lang="en-US" sz="1100" b="0" i="0" u="none" strike="noStrike" dirty="0">
+                        <a:solidFill>
+                          <a:srgbClr val="000000"/>
+                        </a:solidFill>
+                        <a:effectLst/>
+                        <a:latin typeface="Calibri" panose="020F0502020204030204" pitchFamily="34" charset="0"/>
+                      </a:endParaRPr>
+                    </a:p>
+                  </a:txBody>
+                  <a:tcPr marL="9525" marR="9525" marT="9525" marB="0" anchor="b"/>
+                </a:tc>
+                <a:tc>
+                  <a:txBody>
+                    <a:bodyPr/>
+                    <a:lstStyle/>
+                    <a:p>
+                      <a:pPr algn="r" fontAlgn="b"/>
+                      <a:r>
+                        <a:rPr lang="en-US" sz="1100" u="none" strike="noStrike" dirty="0">
+                          <a:effectLst/>
+                        </a:rPr>
+                        <a:t>247.309</a:t>
+                      </a:r>
+                      <a:endParaRPr lang="en-US" sz="1100" b="0" i="0" u="none" strike="noStrike" dirty="0">
+                        <a:solidFill>
+                          <a:srgbClr val="000000"/>
+                        </a:solidFill>
+                        <a:effectLst/>
+                        <a:latin typeface="Calibri" panose="020F0502020204030204" pitchFamily="34" charset="0"/>
+                      </a:endParaRPr>
+                    </a:p>
+                  </a:txBody>
+                  <a:tcPr marL="9525" marR="9525" marT="9525" marB="0" anchor="b"/>
+                </a:tc>
+                <a:tc>
+                  <a:txBody>
+                    <a:bodyPr/>
+                    <a:lstStyle/>
+                    <a:p>
+                      <a:pPr algn="r" fontAlgn="b"/>
+                      <a:r>
+                        <a:rPr lang="en-US" sz="1100" u="none" strike="noStrike">
+                          <a:effectLst/>
+                        </a:rPr>
+                        <a:t>14.045</a:t>
+                      </a:r>
+                      <a:endParaRPr lang="en-US" sz="1100" b="0" i="0" u="none" strike="noStrike">
+                        <a:solidFill>
+                          <a:srgbClr val="000000"/>
+                        </a:solidFill>
+                        <a:effectLst/>
+                        <a:latin typeface="Calibri" panose="020F0502020204030204" pitchFamily="34" charset="0"/>
+                      </a:endParaRPr>
+                    </a:p>
+                  </a:txBody>
+                  <a:tcPr marL="9525" marR="9525" marT="9525" marB="0" anchor="b"/>
+                </a:tc>
+                <a:tc>
+                  <a:txBody>
+                    <a:bodyPr/>
+                    <a:lstStyle/>
+                    <a:p>
+                      <a:pPr algn="r" fontAlgn="b"/>
+                      <a:r>
+                        <a:rPr lang="en-US" sz="1100" u="none" strike="noStrike">
+                          <a:effectLst/>
+                        </a:rPr>
+                        <a:t>247.309</a:t>
+                      </a:r>
+                      <a:endParaRPr lang="en-US" sz="1100" b="0" i="0" u="none" strike="noStrike">
+                        <a:solidFill>
+                          <a:srgbClr val="000000"/>
+                        </a:solidFill>
+                        <a:effectLst/>
+                        <a:latin typeface="Calibri" panose="020F0502020204030204" pitchFamily="34" charset="0"/>
+                      </a:endParaRPr>
+                    </a:p>
+                  </a:txBody>
+                  <a:tcPr marL="9525" marR="9525" marT="9525" marB="0" anchor="b"/>
+                </a:tc>
+                <a:tc>
+                  <a:txBody>
+                    <a:bodyPr/>
+                    <a:lstStyle/>
+                    <a:p>
+                      <a:pPr algn="r" fontAlgn="b"/>
+                      <a:r>
+                        <a:rPr lang="en-US" sz="1100" u="none" strike="noStrike">
+                          <a:effectLst/>
+                        </a:rPr>
+                        <a:t>14.045</a:t>
+                      </a:r>
+                      <a:endParaRPr lang="en-US" sz="1100" b="0" i="0" u="none" strike="noStrike">
+                        <a:solidFill>
+                          <a:srgbClr val="000000"/>
+                        </a:solidFill>
+                        <a:effectLst/>
+                        <a:latin typeface="Calibri" panose="020F0502020204030204" pitchFamily="34" charset="0"/>
+                      </a:endParaRPr>
+                    </a:p>
+                  </a:txBody>
+                  <a:tcPr marL="9525" marR="9525" marT="9525" marB="0" anchor="b"/>
+                </a:tc>
+                <a:extLst>
+                  <a:ext uri="{0D108BD9-81ED-4DB2-BD59-A6C34878D82A}">
+                    <a16:rowId xmlns:a16="http://schemas.microsoft.com/office/drawing/2014/main" val="963997415"/>
+                  </a:ext>
+                </a:extLst>
+              </a:tr>
+              <a:tr h="190500">
+                <a:tc>
+                  <a:txBody>
+                    <a:bodyPr/>
+                    <a:lstStyle/>
+                    <a:p>
+                      <a:pPr algn="r" fontAlgn="b"/>
+                      <a:r>
+                        <a:rPr lang="en-US" sz="1100" u="none" strike="noStrike" dirty="0">
+                          <a:effectLst/>
+                        </a:rPr>
+                        <a:t>5</a:t>
+                      </a:r>
+                      <a:endParaRPr lang="en-US" sz="1100" b="0" i="0" u="none" strike="noStrike" dirty="0">
+                        <a:solidFill>
+                          <a:srgbClr val="000000"/>
+                        </a:solidFill>
+                        <a:effectLst/>
+                        <a:latin typeface="Calibri" panose="020F0502020204030204" pitchFamily="34" charset="0"/>
+                      </a:endParaRPr>
+                    </a:p>
+                  </a:txBody>
+                  <a:tcPr marL="9525" marR="9525" marT="9525" marB="0" anchor="b">
+                    <a:lnB>
+                      <a:noFill/>
+                    </a:lnB>
+                  </a:tcPr>
+                </a:tc>
+                <a:tc>
+                  <a:txBody>
+                    <a:bodyPr/>
+                    <a:lstStyle/>
+                    <a:p>
+                      <a:pPr algn="r" fontAlgn="b"/>
+                      <a:r>
+                        <a:rPr lang="en-US" sz="1100" u="none" strike="noStrike">
+                          <a:effectLst/>
+                        </a:rPr>
+                        <a:t>285</a:t>
+                      </a:r>
+                      <a:endParaRPr lang="en-US" sz="1100" b="0" i="0" u="none" strike="noStrike">
+                        <a:solidFill>
+                          <a:srgbClr val="000000"/>
+                        </a:solidFill>
+                        <a:effectLst/>
+                        <a:latin typeface="Calibri" panose="020F0502020204030204" pitchFamily="34" charset="0"/>
+                      </a:endParaRPr>
+                    </a:p>
+                  </a:txBody>
+                  <a:tcPr marL="9525" marR="9525" marT="9525" marB="0" anchor="b">
+                    <a:lnB>
+                      <a:noFill/>
+                    </a:lnB>
+                  </a:tcPr>
+                </a:tc>
+                <a:tc>
+                  <a:txBody>
+                    <a:bodyPr/>
+                    <a:lstStyle/>
+                    <a:p>
+                      <a:pPr algn="r" fontAlgn="b"/>
+                      <a:r>
+                        <a:rPr lang="en-US" sz="1100" u="none" strike="noStrike">
+                          <a:effectLst/>
+                        </a:rPr>
+                        <a:t>197.711</a:t>
+                      </a:r>
+                      <a:endParaRPr lang="en-US" sz="1100" b="0" i="0" u="none" strike="noStrike">
+                        <a:solidFill>
+                          <a:srgbClr val="000000"/>
+                        </a:solidFill>
+                        <a:effectLst/>
+                        <a:latin typeface="Calibri" panose="020F0502020204030204" pitchFamily="34" charset="0"/>
+                      </a:endParaRPr>
+                    </a:p>
+                  </a:txBody>
+                  <a:tcPr marL="9525" marR="9525" marT="9525" marB="0" anchor="b">
+                    <a:lnB>
+                      <a:noFill/>
+                    </a:lnB>
+                  </a:tcPr>
+                </a:tc>
+                <a:tc>
+                  <a:txBody>
+                    <a:bodyPr/>
+                    <a:lstStyle/>
+                    <a:p>
+                      <a:pPr algn="r" fontAlgn="b"/>
+                      <a:r>
+                        <a:rPr lang="en-US" sz="1100" u="none" strike="noStrike">
+                          <a:effectLst/>
+                        </a:rPr>
+                        <a:t>16.258</a:t>
+                      </a:r>
+                      <a:endParaRPr lang="en-US" sz="1100" b="0" i="0" u="none" strike="noStrike">
+                        <a:solidFill>
+                          <a:srgbClr val="000000"/>
+                        </a:solidFill>
+                        <a:effectLst/>
+                        <a:latin typeface="Calibri" panose="020F0502020204030204" pitchFamily="34" charset="0"/>
+                      </a:endParaRPr>
+                    </a:p>
+                  </a:txBody>
+                  <a:tcPr marL="9525" marR="9525" marT="9525" marB="0" anchor="b">
+                    <a:lnB>
+                      <a:noFill/>
+                    </a:lnB>
+                  </a:tcPr>
+                </a:tc>
+                <a:tc>
+                  <a:txBody>
+                    <a:bodyPr/>
+                    <a:lstStyle/>
+                    <a:p>
+                      <a:pPr algn="r" fontAlgn="b"/>
+                      <a:r>
+                        <a:rPr lang="en-US" sz="1100" u="none" strike="noStrike">
+                          <a:effectLst/>
+                        </a:rPr>
+                        <a:t>197.711</a:t>
+                      </a:r>
+                      <a:endParaRPr lang="en-US" sz="1100" b="0" i="0" u="none" strike="noStrike">
+                        <a:solidFill>
+                          <a:srgbClr val="000000"/>
+                        </a:solidFill>
+                        <a:effectLst/>
+                        <a:latin typeface="Calibri" panose="020F0502020204030204" pitchFamily="34" charset="0"/>
+                      </a:endParaRPr>
+                    </a:p>
+                  </a:txBody>
+                  <a:tcPr marL="9525" marR="9525" marT="9525" marB="0" anchor="b">
+                    <a:lnB>
+                      <a:noFill/>
+                    </a:lnB>
+                  </a:tcPr>
+                </a:tc>
+                <a:tc>
+                  <a:txBody>
+                    <a:bodyPr/>
+                    <a:lstStyle/>
+                    <a:p>
+                      <a:pPr algn="r" fontAlgn="b"/>
+                      <a:r>
+                        <a:rPr lang="en-US" sz="1100" u="none" strike="noStrike">
+                          <a:effectLst/>
+                        </a:rPr>
+                        <a:t>16.258</a:t>
+                      </a:r>
+                      <a:endParaRPr lang="en-US" sz="1100" b="0" i="0" u="none" strike="noStrike">
+                        <a:solidFill>
+                          <a:srgbClr val="000000"/>
+                        </a:solidFill>
+                        <a:effectLst/>
+                        <a:latin typeface="Calibri" panose="020F0502020204030204" pitchFamily="34" charset="0"/>
+                      </a:endParaRPr>
+                    </a:p>
+                  </a:txBody>
+                  <a:tcPr marL="9525" marR="9525" marT="9525" marB="0" anchor="b">
+                    <a:lnB>
+                      <a:noFill/>
+                    </a:lnB>
+                  </a:tcPr>
+                </a:tc>
+                <a:extLst>
+                  <a:ext uri="{0D108BD9-81ED-4DB2-BD59-A6C34878D82A}">
+                    <a16:rowId xmlns:a16="http://schemas.microsoft.com/office/drawing/2014/main" val="3326698686"/>
+                  </a:ext>
+                </a:extLst>
+              </a:tr>
+              <a:tr h="190500">
+                <a:tc>
+                  <a:txBody>
+                    <a:bodyPr/>
+                    <a:lstStyle/>
+                    <a:p>
+                      <a:pPr algn="r" fontAlgn="b"/>
+                      <a:r>
+                        <a:rPr lang="en-US" sz="1100" u="none" strike="noStrike" dirty="0">
+                          <a:effectLst/>
+                        </a:rPr>
+                        <a:t>6</a:t>
+                      </a:r>
+                      <a:endParaRPr lang="en-US" sz="1100" b="0" i="0" u="none" strike="noStrike" dirty="0">
+                        <a:solidFill>
+                          <a:srgbClr val="000000"/>
+                        </a:solidFill>
+                        <a:effectLst/>
+                        <a:latin typeface="Calibri" panose="020F0502020204030204" pitchFamily="34" charset="0"/>
+                      </a:endParaRPr>
+                    </a:p>
+                  </a:txBody>
+                  <a:tcPr marL="9525" marR="9525" marT="9525" marB="0" anchor="b">
+                    <a:lnL>
+                      <a:noFill/>
+                    </a:lnL>
+                    <a:lnR>
+                      <a:noFill/>
+                    </a:lnR>
+                    <a:lnT>
+                      <a:noFill/>
+                    </a:lnT>
+                    <a:lnB w="12700" cmpd="sng">
+                      <a:noFill/>
+                    </a:lnB>
+                    <a:lnTlToBr w="12700" cmpd="sng">
+                      <a:noFill/>
+                      <a:prstDash val="solid"/>
+                    </a:lnTlToBr>
+                    <a:lnBlToTr w="12700" cmpd="sng">
+                      <a:noFill/>
+                      <a:prstDash val="solid"/>
+                    </a:lnBlToTr>
+                  </a:tcPr>
+                </a:tc>
+                <a:tc>
+                  <a:txBody>
+                    <a:bodyPr/>
+                    <a:lstStyle/>
+                    <a:p>
+                      <a:pPr algn="r" fontAlgn="b"/>
+                      <a:r>
+                        <a:rPr lang="en-US" sz="1100" u="none" strike="noStrike" dirty="0">
+                          <a:effectLst/>
+                        </a:rPr>
+                        <a:t>278</a:t>
+                      </a:r>
+                      <a:endParaRPr lang="en-US" sz="1100" b="0" i="0" u="none" strike="noStrike" dirty="0">
+                        <a:solidFill>
+                          <a:srgbClr val="000000"/>
+                        </a:solidFill>
+                        <a:effectLst/>
+                        <a:latin typeface="Calibri" panose="020F0502020204030204" pitchFamily="34" charset="0"/>
+                      </a:endParaRPr>
+                    </a:p>
+                  </a:txBody>
+                  <a:tcPr marL="9525" marR="9525" marT="9525" marB="0" anchor="b">
+                    <a:lnL>
+                      <a:noFill/>
+                    </a:lnL>
+                    <a:lnR>
+                      <a:noFill/>
+                    </a:lnR>
+                    <a:lnT>
+                      <a:noFill/>
+                    </a:lnT>
+                    <a:lnB w="12700" cmpd="sng">
+                      <a:noFill/>
+                    </a:lnB>
+                    <a:lnTlToBr w="12700" cmpd="sng">
+                      <a:noFill/>
+                      <a:prstDash val="solid"/>
+                    </a:lnTlToBr>
+                    <a:lnBlToTr w="12700" cmpd="sng">
+                      <a:noFill/>
+                      <a:prstDash val="solid"/>
+                    </a:lnBlToTr>
+                  </a:tcPr>
+                </a:tc>
+                <a:tc>
+                  <a:txBody>
+                    <a:bodyPr/>
+                    <a:lstStyle/>
+                    <a:p>
+                      <a:pPr algn="r" fontAlgn="b"/>
+                      <a:r>
+                        <a:rPr lang="en-US" sz="1100" u="none" strike="noStrike" dirty="0">
+                          <a:effectLst/>
+                        </a:rPr>
+                        <a:t>219.288</a:t>
+                      </a:r>
+                      <a:endParaRPr lang="en-US" sz="1100" b="0" i="0" u="none" strike="noStrike" dirty="0">
+                        <a:solidFill>
+                          <a:srgbClr val="000000"/>
+                        </a:solidFill>
+                        <a:effectLst/>
+                        <a:latin typeface="Calibri" panose="020F0502020204030204" pitchFamily="34" charset="0"/>
+                      </a:endParaRPr>
+                    </a:p>
+                  </a:txBody>
+                  <a:tcPr marL="9525" marR="9525" marT="9525" marB="0" anchor="b">
+                    <a:lnL>
+                      <a:noFill/>
+                    </a:lnL>
+                    <a:lnR>
+                      <a:noFill/>
+                    </a:lnR>
+                    <a:lnT>
+                      <a:noFill/>
+                    </a:lnT>
+                    <a:lnB w="12700" cmpd="sng">
+                      <a:noFill/>
+                    </a:lnB>
+                    <a:lnTlToBr w="12700" cmpd="sng">
+                      <a:noFill/>
+                      <a:prstDash val="solid"/>
+                    </a:lnTlToBr>
+                    <a:lnBlToTr w="12700" cmpd="sng">
+                      <a:noFill/>
+                      <a:prstDash val="solid"/>
+                    </a:lnBlToTr>
+                  </a:tcPr>
+                </a:tc>
+                <a:tc>
+                  <a:txBody>
+                    <a:bodyPr/>
+                    <a:lstStyle/>
+                    <a:p>
+                      <a:pPr algn="r" fontAlgn="b"/>
+                      <a:r>
+                        <a:rPr lang="en-US" sz="1100" u="none" strike="noStrike" dirty="0">
+                          <a:effectLst/>
+                        </a:rPr>
+                        <a:t>28.295</a:t>
+                      </a:r>
+                      <a:endParaRPr lang="en-US" sz="1100" b="0" i="0" u="none" strike="noStrike" dirty="0">
+                        <a:solidFill>
+                          <a:srgbClr val="000000"/>
+                        </a:solidFill>
+                        <a:effectLst/>
+                        <a:latin typeface="Calibri" panose="020F0502020204030204" pitchFamily="34" charset="0"/>
+                      </a:endParaRPr>
+                    </a:p>
+                  </a:txBody>
+                  <a:tcPr marL="9525" marR="9525" marT="9525" marB="0" anchor="b">
+                    <a:lnL>
+                      <a:noFill/>
+                    </a:lnL>
+                    <a:lnR>
+                      <a:noFill/>
+                    </a:lnR>
+                    <a:lnT>
+                      <a:noFill/>
+                    </a:lnT>
+                    <a:lnB w="12700" cmpd="sng">
+                      <a:noFill/>
+                    </a:lnB>
+                    <a:lnTlToBr w="12700" cmpd="sng">
+                      <a:noFill/>
+                      <a:prstDash val="solid"/>
+                    </a:lnTlToBr>
+                    <a:lnBlToTr w="12700" cmpd="sng">
+                      <a:noFill/>
+                      <a:prstDash val="solid"/>
+                    </a:lnBlToTr>
+                  </a:tcPr>
+                </a:tc>
+                <a:tc>
+                  <a:txBody>
+                    <a:bodyPr/>
+                    <a:lstStyle/>
+                    <a:p>
+                      <a:pPr algn="r" fontAlgn="b"/>
+                      <a:r>
+                        <a:rPr lang="en-US" sz="1100" u="none" strike="noStrike" dirty="0">
+                          <a:effectLst/>
+                        </a:rPr>
+                        <a:t>219.288</a:t>
+                      </a:r>
+                      <a:endParaRPr lang="en-US" sz="1100" b="0" i="0" u="none" strike="noStrike" dirty="0">
+                        <a:solidFill>
+                          <a:srgbClr val="000000"/>
+                        </a:solidFill>
+                        <a:effectLst/>
+                        <a:latin typeface="Calibri" panose="020F0502020204030204" pitchFamily="34" charset="0"/>
+                      </a:endParaRPr>
+                    </a:p>
+                  </a:txBody>
+                  <a:tcPr marL="9525" marR="9525" marT="9525" marB="0" anchor="b">
+                    <a:lnL>
+                      <a:noFill/>
+                    </a:lnL>
+                    <a:lnR>
+                      <a:noFill/>
+                    </a:lnR>
+                    <a:lnT>
+                      <a:noFill/>
+                    </a:lnT>
+                    <a:lnB w="12700" cmpd="sng">
+                      <a:noFill/>
+                    </a:lnB>
+                    <a:lnTlToBr w="12700" cmpd="sng">
+                      <a:noFill/>
+                      <a:prstDash val="solid"/>
+                    </a:lnTlToBr>
+                    <a:lnBlToTr w="12700" cmpd="sng">
+                      <a:noFill/>
+                      <a:prstDash val="solid"/>
+                    </a:lnBlToTr>
+                  </a:tcPr>
+                </a:tc>
+                <a:tc>
+                  <a:txBody>
+                    <a:bodyPr/>
+                    <a:lstStyle/>
+                    <a:p>
+                      <a:pPr algn="r" fontAlgn="b"/>
+                      <a:r>
+                        <a:rPr lang="en-US" sz="1100" u="none" strike="noStrike" dirty="0">
+                          <a:effectLst/>
+                        </a:rPr>
+                        <a:t>28.295</a:t>
+                      </a:r>
+                      <a:endParaRPr lang="en-US" sz="1100" b="0" i="0" u="none" strike="noStrike" dirty="0">
+                        <a:solidFill>
+                          <a:srgbClr val="000000"/>
+                        </a:solidFill>
+                        <a:effectLst/>
+                        <a:latin typeface="Calibri" panose="020F0502020204030204" pitchFamily="34" charset="0"/>
+                      </a:endParaRPr>
+                    </a:p>
+                  </a:txBody>
+                  <a:tcPr marL="9525" marR="9525" marT="9525" marB="0" anchor="b">
+                    <a:lnL>
+                      <a:noFill/>
+                    </a:lnL>
+                    <a:lnR>
+                      <a:noFill/>
+                    </a:lnR>
+                    <a:lnT>
+                      <a:noFill/>
+                    </a:lnT>
+                    <a:lnB w="12700" cmpd="sng">
+                      <a:noFill/>
+                    </a:lnB>
+                    <a:lnTlToBr w="12700" cmpd="sng">
+                      <a:noFill/>
+                      <a:prstDash val="solid"/>
+                    </a:lnTlToBr>
+                    <a:lnBlToTr w="12700" cmpd="sng">
+                      <a:noFill/>
+                      <a:prstDash val="solid"/>
+                    </a:lnBlToTr>
+                  </a:tcPr>
+                </a:tc>
+                <a:extLst>
+                  <a:ext uri="{0D108BD9-81ED-4DB2-BD59-A6C34878D82A}">
+                    <a16:rowId xmlns:a16="http://schemas.microsoft.com/office/drawing/2014/main" val="3930783488"/>
+                  </a:ext>
+                </a:extLst>
+              </a:tr>
+            </a:tbl>
+          </a:graphicData>
+        </a:graphic>
+      </p:graphicFrame>
+      <p:pic>
+        <p:nvPicPr>
+          <p:cNvPr id="3" name="Picture 2"/>
+          <p:cNvPicPr>
+            <a:picLocks noChangeAspect="1"/>
+          </p:cNvPicPr>
+          <p:nvPr/>
+        </p:nvPicPr>
         <p:blipFill>
-          <a:blip r:embed="rId5"/>
+          <a:blip r:embed="rId4"/>
           <a:stretch>
             <a:fillRect/>
           </a:stretch>
         </p:blipFill>
         <p:spPr>
           <a:xfrm>
-            <a:off x="1024892" y="1963321"/>
-            <a:ext cx="2553056" cy="2915057"/>
+            <a:off x="5774177" y="2819961"/>
+            <a:ext cx="1603584" cy="1591056"/>
           </a:xfrm>
           <a:prstGeom prst="rect">
             <a:avLst/>
           </a:prstGeom>
+          <a:ln>
+            <a:solidFill>
+              <a:schemeClr val="tx1"/>
+            </a:solidFill>
+          </a:ln>
         </p:spPr>
       </p:pic>
+      <p:graphicFrame>
+        <p:nvGraphicFramePr>
+          <p:cNvPr id="10" name="Table 9"/>
+          <p:cNvGraphicFramePr>
+            <a:graphicFrameLocks noGrp="1"/>
+          </p:cNvGraphicFramePr>
+          <p:nvPr>
+            <p:extLst>
+              <p:ext uri="{D42A27DB-BD31-4B8C-83A1-F6EECF244321}">
+                <p14:modId xmlns:p14="http://schemas.microsoft.com/office/powerpoint/2010/main" val="192534112"/>
+              </p:ext>
+            </p:extLst>
+          </p:nvPr>
+        </p:nvGraphicFramePr>
+        <p:xfrm>
+          <a:off x="7665269" y="2948739"/>
+          <a:ext cx="2372895" cy="1333500"/>
+        </p:xfrm>
+        <a:graphic>
+          <a:graphicData uri="http://schemas.openxmlformats.org/drawingml/2006/table">
+            <a:tbl>
+              <a:tblPr>
+                <a:tableStyleId>{2D5ABB26-0587-4C30-8999-92F81FD0307C}</a:tableStyleId>
+              </a:tblPr>
+              <a:tblGrid>
+                <a:gridCol w="474579">
+                  <a:extLst>
+                    <a:ext uri="{9D8B030D-6E8A-4147-A177-3AD203B41FA5}">
+                      <a16:colId xmlns:a16="http://schemas.microsoft.com/office/drawing/2014/main" val="1289619641"/>
+                    </a:ext>
+                  </a:extLst>
+                </a:gridCol>
+                <a:gridCol w="474579">
+                  <a:extLst>
+                    <a:ext uri="{9D8B030D-6E8A-4147-A177-3AD203B41FA5}">
+                      <a16:colId xmlns:a16="http://schemas.microsoft.com/office/drawing/2014/main" val="1740638582"/>
+                    </a:ext>
+                  </a:extLst>
+                </a:gridCol>
+                <a:gridCol w="474579">
+                  <a:extLst>
+                    <a:ext uri="{9D8B030D-6E8A-4147-A177-3AD203B41FA5}">
+                      <a16:colId xmlns:a16="http://schemas.microsoft.com/office/drawing/2014/main" val="1829621421"/>
+                    </a:ext>
+                  </a:extLst>
+                </a:gridCol>
+                <a:gridCol w="474579">
+                  <a:extLst>
+                    <a:ext uri="{9D8B030D-6E8A-4147-A177-3AD203B41FA5}">
+                      <a16:colId xmlns:a16="http://schemas.microsoft.com/office/drawing/2014/main" val="2978194714"/>
+                    </a:ext>
+                  </a:extLst>
+                </a:gridCol>
+                <a:gridCol w="474579">
+                  <a:extLst>
+                    <a:ext uri="{9D8B030D-6E8A-4147-A177-3AD203B41FA5}">
+                      <a16:colId xmlns:a16="http://schemas.microsoft.com/office/drawing/2014/main" val="2415292314"/>
+                    </a:ext>
+                  </a:extLst>
+                </a:gridCol>
+              </a:tblGrid>
+              <a:tr h="190500">
+                <a:tc>
+                  <a:txBody>
+                    <a:bodyPr/>
+                    <a:lstStyle/>
+                    <a:p>
+                      <a:pPr algn="l" fontAlgn="b"/>
+                      <a:r>
+                        <a:rPr lang="en-US" sz="1100" b="1" u="none" strike="noStrike" dirty="0" smtClean="0">
+                          <a:effectLst/>
+                        </a:rPr>
+                        <a:t>ROI</a:t>
+                      </a:r>
+                      <a:endParaRPr lang="en-US" sz="1100" b="1" i="0" u="none" strike="noStrike" dirty="0">
+                        <a:solidFill>
+                          <a:srgbClr val="000000"/>
+                        </a:solidFill>
+                        <a:effectLst/>
+                        <a:latin typeface="Calibri" panose="020F0502020204030204" pitchFamily="34" charset="0"/>
+                      </a:endParaRPr>
+                    </a:p>
+                  </a:txBody>
+                  <a:tcPr marL="9525" marR="9525" marT="9525" marB="0" anchor="b">
+                    <a:lnT w="3175" cap="flat" cmpd="sng" algn="ctr">
+                      <a:solidFill>
+                        <a:schemeClr val="tx1"/>
+                      </a:solidFill>
+                      <a:prstDash val="solid"/>
+                      <a:round/>
+                      <a:headEnd type="none" w="med" len="med"/>
+                      <a:tailEnd type="none" w="med" len="med"/>
+                    </a:lnT>
+                    <a:lnB w="3175" cap="flat" cmpd="sng" algn="ctr">
+                      <a:solidFill>
+                        <a:schemeClr val="tx1"/>
+                      </a:solidFill>
+                      <a:prstDash val="solid"/>
+                      <a:round/>
+                      <a:headEnd type="none" w="med" len="med"/>
+                      <a:tailEnd type="none" w="med" len="med"/>
+                    </a:lnB>
+                  </a:tcPr>
+                </a:tc>
+                <a:tc>
+                  <a:txBody>
+                    <a:bodyPr/>
+                    <a:lstStyle/>
+                    <a:p>
+                      <a:pPr algn="l" fontAlgn="b"/>
+                      <a:r>
+                        <a:rPr lang="en-US" sz="1100" b="1" u="none" strike="noStrike" dirty="0">
+                          <a:effectLst/>
+                        </a:rPr>
+                        <a:t>X</a:t>
+                      </a:r>
+                      <a:endParaRPr lang="en-US" sz="1100" b="1" i="0" u="none" strike="noStrike" dirty="0">
+                        <a:solidFill>
+                          <a:srgbClr val="000000"/>
+                        </a:solidFill>
+                        <a:effectLst/>
+                        <a:latin typeface="Calibri" panose="020F0502020204030204" pitchFamily="34" charset="0"/>
+                      </a:endParaRPr>
+                    </a:p>
+                  </a:txBody>
+                  <a:tcPr marL="9525" marR="9525" marT="9525" marB="0" anchor="b">
+                    <a:lnT w="3175" cap="flat" cmpd="sng" algn="ctr">
+                      <a:solidFill>
+                        <a:schemeClr val="tx1"/>
+                      </a:solidFill>
+                      <a:prstDash val="solid"/>
+                      <a:round/>
+                      <a:headEnd type="none" w="med" len="med"/>
+                      <a:tailEnd type="none" w="med" len="med"/>
+                    </a:lnT>
+                    <a:lnB w="3175" cap="flat" cmpd="sng" algn="ctr">
+                      <a:solidFill>
+                        <a:schemeClr val="tx1"/>
+                      </a:solidFill>
+                      <a:prstDash val="solid"/>
+                      <a:round/>
+                      <a:headEnd type="none" w="med" len="med"/>
+                      <a:tailEnd type="none" w="med" len="med"/>
+                    </a:lnB>
+                  </a:tcPr>
+                </a:tc>
+                <a:tc>
+                  <a:txBody>
+                    <a:bodyPr/>
+                    <a:lstStyle/>
+                    <a:p>
+                      <a:pPr algn="l" fontAlgn="b"/>
+                      <a:r>
+                        <a:rPr lang="en-US" sz="1100" b="1" u="none" strike="noStrike" dirty="0">
+                          <a:effectLst/>
+                        </a:rPr>
+                        <a:t>Y</a:t>
+                      </a:r>
+                      <a:endParaRPr lang="en-US" sz="1100" b="1" i="0" u="none" strike="noStrike" dirty="0">
+                        <a:solidFill>
+                          <a:srgbClr val="000000"/>
+                        </a:solidFill>
+                        <a:effectLst/>
+                        <a:latin typeface="Calibri" panose="020F0502020204030204" pitchFamily="34" charset="0"/>
+                      </a:endParaRPr>
+                    </a:p>
+                  </a:txBody>
+                  <a:tcPr marL="9525" marR="9525" marT="9525" marB="0" anchor="b">
+                    <a:lnT w="3175" cap="flat" cmpd="sng" algn="ctr">
+                      <a:solidFill>
+                        <a:schemeClr val="tx1"/>
+                      </a:solidFill>
+                      <a:prstDash val="solid"/>
+                      <a:round/>
+                      <a:headEnd type="none" w="med" len="med"/>
+                      <a:tailEnd type="none" w="med" len="med"/>
+                    </a:lnT>
+                    <a:lnB w="3175" cap="flat" cmpd="sng" algn="ctr">
+                      <a:solidFill>
+                        <a:schemeClr val="tx1"/>
+                      </a:solidFill>
+                      <a:prstDash val="solid"/>
+                      <a:round/>
+                      <a:headEnd type="none" w="med" len="med"/>
+                      <a:tailEnd type="none" w="med" len="med"/>
+                    </a:lnB>
+                  </a:tcPr>
+                </a:tc>
+                <a:tc>
+                  <a:txBody>
+                    <a:bodyPr/>
+                    <a:lstStyle/>
+                    <a:p>
+                      <a:pPr algn="l" fontAlgn="b"/>
+                      <a:r>
+                        <a:rPr lang="en-US" sz="1100" b="1" u="none" strike="noStrike" dirty="0">
+                          <a:effectLst/>
+                        </a:rPr>
+                        <a:t>Width</a:t>
+                      </a:r>
+                      <a:endParaRPr lang="en-US" sz="1100" b="1" i="0" u="none" strike="noStrike" dirty="0">
+                        <a:solidFill>
+                          <a:srgbClr val="000000"/>
+                        </a:solidFill>
+                        <a:effectLst/>
+                        <a:latin typeface="Calibri" panose="020F0502020204030204" pitchFamily="34" charset="0"/>
+                      </a:endParaRPr>
+                    </a:p>
+                  </a:txBody>
+                  <a:tcPr marL="9525" marR="9525" marT="9525" marB="0" anchor="b">
+                    <a:lnT w="3175" cap="flat" cmpd="sng" algn="ctr">
+                      <a:solidFill>
+                        <a:schemeClr val="tx1"/>
+                      </a:solidFill>
+                      <a:prstDash val="solid"/>
+                      <a:round/>
+                      <a:headEnd type="none" w="med" len="med"/>
+                      <a:tailEnd type="none" w="med" len="med"/>
+                    </a:lnT>
+                    <a:lnB w="3175" cap="flat" cmpd="sng" algn="ctr">
+                      <a:solidFill>
+                        <a:schemeClr val="tx1"/>
+                      </a:solidFill>
+                      <a:prstDash val="solid"/>
+                      <a:round/>
+                      <a:headEnd type="none" w="med" len="med"/>
+                      <a:tailEnd type="none" w="med" len="med"/>
+                    </a:lnB>
+                  </a:tcPr>
+                </a:tc>
+                <a:tc>
+                  <a:txBody>
+                    <a:bodyPr/>
+                    <a:lstStyle/>
+                    <a:p>
+                      <a:pPr algn="l" fontAlgn="b"/>
+                      <a:r>
+                        <a:rPr lang="en-US" sz="1100" b="1" u="none" strike="noStrike" dirty="0">
+                          <a:effectLst/>
+                        </a:rPr>
+                        <a:t>Height</a:t>
+                      </a:r>
+                      <a:endParaRPr lang="en-US" sz="1100" b="1" i="0" u="none" strike="noStrike" dirty="0">
+                        <a:solidFill>
+                          <a:srgbClr val="000000"/>
+                        </a:solidFill>
+                        <a:effectLst/>
+                        <a:latin typeface="Calibri" panose="020F0502020204030204" pitchFamily="34" charset="0"/>
+                      </a:endParaRPr>
+                    </a:p>
+                  </a:txBody>
+                  <a:tcPr marL="9525" marR="9525" marT="9525" marB="0" anchor="b">
+                    <a:lnT w="3175" cap="flat" cmpd="sng" algn="ctr">
+                      <a:solidFill>
+                        <a:schemeClr val="tx1"/>
+                      </a:solidFill>
+                      <a:prstDash val="solid"/>
+                      <a:round/>
+                      <a:headEnd type="none" w="med" len="med"/>
+                      <a:tailEnd type="none" w="med" len="med"/>
+                    </a:lnT>
+                    <a:lnB w="3175" cap="flat" cmpd="sng" algn="ctr">
+                      <a:solidFill>
+                        <a:schemeClr val="tx1"/>
+                      </a:solidFill>
+                      <a:prstDash val="solid"/>
+                      <a:round/>
+                      <a:headEnd type="none" w="med" len="med"/>
+                      <a:tailEnd type="none" w="med" len="med"/>
+                    </a:lnB>
+                  </a:tcPr>
+                </a:tc>
+                <a:extLst>
+                  <a:ext uri="{0D108BD9-81ED-4DB2-BD59-A6C34878D82A}">
+                    <a16:rowId xmlns:a16="http://schemas.microsoft.com/office/drawing/2014/main" val="3494230729"/>
+                  </a:ext>
+                </a:extLst>
+              </a:tr>
+              <a:tr h="190500">
+                <a:tc>
+                  <a:txBody>
+                    <a:bodyPr/>
+                    <a:lstStyle/>
+                    <a:p>
+                      <a:pPr algn="l" rtl="0" fontAlgn="b"/>
+                      <a:r>
+                        <a:rPr lang="en-US" sz="1100" u="none" strike="noStrike" dirty="0">
+                          <a:effectLst/>
+                        </a:rPr>
+                        <a:t>ROI 1</a:t>
+                      </a:r>
+                      <a:endParaRPr lang="en-US" sz="1100" b="0" i="0" u="none" strike="noStrike" dirty="0">
+                        <a:solidFill>
+                          <a:srgbClr val="000000"/>
+                        </a:solidFill>
+                        <a:effectLst/>
+                        <a:latin typeface="Calibri" panose="020F0502020204030204" pitchFamily="34" charset="0"/>
+                      </a:endParaRPr>
+                    </a:p>
+                  </a:txBody>
+                  <a:tcPr marL="9525" marR="9525" marT="9525" marB="0" anchor="b">
+                    <a:lnT w="3175" cap="flat" cmpd="sng" algn="ctr">
+                      <a:solidFill>
+                        <a:schemeClr val="tx1"/>
+                      </a:solidFill>
+                      <a:prstDash val="solid"/>
+                      <a:round/>
+                      <a:headEnd type="none" w="med" len="med"/>
+                      <a:tailEnd type="none" w="med" len="med"/>
+                    </a:lnT>
+                  </a:tcPr>
+                </a:tc>
+                <a:tc>
+                  <a:txBody>
+                    <a:bodyPr/>
+                    <a:lstStyle/>
+                    <a:p>
+                      <a:pPr algn="r" fontAlgn="b"/>
+                      <a:r>
+                        <a:rPr lang="en-US" sz="1100" u="none" strike="noStrike" dirty="0">
+                          <a:effectLst/>
+                        </a:rPr>
+                        <a:t>10</a:t>
+                      </a:r>
+                      <a:endParaRPr lang="en-US" sz="1100" b="0" i="0" u="none" strike="noStrike" dirty="0">
+                        <a:solidFill>
+                          <a:srgbClr val="000000"/>
+                        </a:solidFill>
+                        <a:effectLst/>
+                        <a:latin typeface="Calibri" panose="020F0502020204030204" pitchFamily="34" charset="0"/>
+                      </a:endParaRPr>
+                    </a:p>
+                  </a:txBody>
+                  <a:tcPr marL="9525" marR="9525" marT="9525" marB="0" anchor="b">
+                    <a:lnT w="3175" cap="flat" cmpd="sng" algn="ctr">
+                      <a:solidFill>
+                        <a:schemeClr val="tx1"/>
+                      </a:solidFill>
+                      <a:prstDash val="solid"/>
+                      <a:round/>
+                      <a:headEnd type="none" w="med" len="med"/>
+                      <a:tailEnd type="none" w="med" len="med"/>
+                    </a:lnT>
+                  </a:tcPr>
+                </a:tc>
+                <a:tc>
+                  <a:txBody>
+                    <a:bodyPr/>
+                    <a:lstStyle/>
+                    <a:p>
+                      <a:pPr algn="r" fontAlgn="b"/>
+                      <a:r>
+                        <a:rPr lang="en-US" sz="1100" u="none" strike="noStrike" dirty="0">
+                          <a:effectLst/>
+                        </a:rPr>
+                        <a:t>0</a:t>
+                      </a:r>
+                      <a:endParaRPr lang="en-US" sz="1100" b="0" i="0" u="none" strike="noStrike" dirty="0">
+                        <a:solidFill>
+                          <a:srgbClr val="000000"/>
+                        </a:solidFill>
+                        <a:effectLst/>
+                        <a:latin typeface="Calibri" panose="020F0502020204030204" pitchFamily="34" charset="0"/>
+                      </a:endParaRPr>
+                    </a:p>
+                  </a:txBody>
+                  <a:tcPr marL="9525" marR="9525" marT="9525" marB="0" anchor="b">
+                    <a:lnT w="3175" cap="flat" cmpd="sng" algn="ctr">
+                      <a:solidFill>
+                        <a:schemeClr val="tx1"/>
+                      </a:solidFill>
+                      <a:prstDash val="solid"/>
+                      <a:round/>
+                      <a:headEnd type="none" w="med" len="med"/>
+                      <a:tailEnd type="none" w="med" len="med"/>
+                    </a:lnT>
+                  </a:tcPr>
+                </a:tc>
+                <a:tc>
+                  <a:txBody>
+                    <a:bodyPr/>
+                    <a:lstStyle/>
+                    <a:p>
+                      <a:pPr algn="r" fontAlgn="b"/>
+                      <a:r>
+                        <a:rPr lang="en-US" sz="1100" u="none" strike="noStrike" dirty="0">
+                          <a:effectLst/>
+                        </a:rPr>
+                        <a:t>26</a:t>
+                      </a:r>
+                      <a:endParaRPr lang="en-US" sz="1100" b="0" i="0" u="none" strike="noStrike" dirty="0">
+                        <a:solidFill>
+                          <a:srgbClr val="000000"/>
+                        </a:solidFill>
+                        <a:effectLst/>
+                        <a:latin typeface="Calibri" panose="020F0502020204030204" pitchFamily="34" charset="0"/>
+                      </a:endParaRPr>
+                    </a:p>
+                  </a:txBody>
+                  <a:tcPr marL="9525" marR="9525" marT="9525" marB="0" anchor="b">
+                    <a:lnT w="3175" cap="flat" cmpd="sng" algn="ctr">
+                      <a:solidFill>
+                        <a:schemeClr val="tx1"/>
+                      </a:solidFill>
+                      <a:prstDash val="solid"/>
+                      <a:round/>
+                      <a:headEnd type="none" w="med" len="med"/>
+                      <a:tailEnd type="none" w="med" len="med"/>
+                    </a:lnT>
+                  </a:tcPr>
+                </a:tc>
+                <a:tc>
+                  <a:txBody>
+                    <a:bodyPr/>
+                    <a:lstStyle/>
+                    <a:p>
+                      <a:pPr algn="r" fontAlgn="b"/>
+                      <a:r>
+                        <a:rPr lang="en-US" sz="1100" u="none" strike="noStrike">
+                          <a:effectLst/>
+                        </a:rPr>
+                        <a:t>30</a:t>
+                      </a:r>
+                      <a:endParaRPr lang="en-US" sz="1100" b="0" i="0" u="none" strike="noStrike">
+                        <a:solidFill>
+                          <a:srgbClr val="000000"/>
+                        </a:solidFill>
+                        <a:effectLst/>
+                        <a:latin typeface="Calibri" panose="020F0502020204030204" pitchFamily="34" charset="0"/>
+                      </a:endParaRPr>
+                    </a:p>
+                  </a:txBody>
+                  <a:tcPr marL="9525" marR="9525" marT="9525" marB="0" anchor="b">
+                    <a:lnT w="3175" cap="flat" cmpd="sng" algn="ctr">
+                      <a:solidFill>
+                        <a:schemeClr val="tx1"/>
+                      </a:solidFill>
+                      <a:prstDash val="solid"/>
+                      <a:round/>
+                      <a:headEnd type="none" w="med" len="med"/>
+                      <a:tailEnd type="none" w="med" len="med"/>
+                    </a:lnT>
+                  </a:tcPr>
+                </a:tc>
+                <a:extLst>
+                  <a:ext uri="{0D108BD9-81ED-4DB2-BD59-A6C34878D82A}">
+                    <a16:rowId xmlns:a16="http://schemas.microsoft.com/office/drawing/2014/main" val="2632691593"/>
+                  </a:ext>
+                </a:extLst>
+              </a:tr>
+              <a:tr h="190500">
+                <a:tc>
+                  <a:txBody>
+                    <a:bodyPr/>
+                    <a:lstStyle/>
+                    <a:p>
+                      <a:pPr algn="l" rtl="0" fontAlgn="b"/>
+                      <a:r>
+                        <a:rPr lang="en-US" sz="1100" u="none" strike="noStrike">
+                          <a:effectLst/>
+                        </a:rPr>
+                        <a:t>ROI 2</a:t>
+                      </a:r>
+                      <a:endParaRPr lang="en-US" sz="1100" b="0" i="0" u="none" strike="noStrike">
+                        <a:solidFill>
+                          <a:srgbClr val="000000"/>
+                        </a:solidFill>
+                        <a:effectLst/>
+                        <a:latin typeface="Calibri" panose="020F0502020204030204" pitchFamily="34" charset="0"/>
+                      </a:endParaRPr>
+                    </a:p>
+                  </a:txBody>
+                  <a:tcPr marL="9525" marR="9525" marT="9525" marB="0" anchor="b"/>
+                </a:tc>
+                <a:tc>
+                  <a:txBody>
+                    <a:bodyPr/>
+                    <a:lstStyle/>
+                    <a:p>
+                      <a:pPr algn="r" fontAlgn="b"/>
+                      <a:r>
+                        <a:rPr lang="en-US" sz="1100" u="none" strike="noStrike" dirty="0">
+                          <a:effectLst/>
+                        </a:rPr>
+                        <a:t>53</a:t>
+                      </a:r>
+                      <a:endParaRPr lang="en-US" sz="1100" b="0" i="0" u="none" strike="noStrike" dirty="0">
+                        <a:solidFill>
+                          <a:srgbClr val="000000"/>
+                        </a:solidFill>
+                        <a:effectLst/>
+                        <a:latin typeface="Calibri" panose="020F0502020204030204" pitchFamily="34" charset="0"/>
+                      </a:endParaRPr>
+                    </a:p>
+                  </a:txBody>
+                  <a:tcPr marL="9525" marR="9525" marT="9525" marB="0" anchor="b"/>
+                </a:tc>
+                <a:tc>
+                  <a:txBody>
+                    <a:bodyPr/>
+                    <a:lstStyle/>
+                    <a:p>
+                      <a:pPr algn="r" fontAlgn="b"/>
+                      <a:r>
+                        <a:rPr lang="en-US" sz="1100" u="none" strike="noStrike">
+                          <a:effectLst/>
+                        </a:rPr>
+                        <a:t>0</a:t>
+                      </a:r>
+                      <a:endParaRPr lang="en-US" sz="1100" b="0" i="0" u="none" strike="noStrike">
+                        <a:solidFill>
+                          <a:srgbClr val="000000"/>
+                        </a:solidFill>
+                        <a:effectLst/>
+                        <a:latin typeface="Calibri" panose="020F0502020204030204" pitchFamily="34" charset="0"/>
+                      </a:endParaRPr>
+                    </a:p>
+                  </a:txBody>
+                  <a:tcPr marL="9525" marR="9525" marT="9525" marB="0" anchor="b"/>
+                </a:tc>
+                <a:tc>
+                  <a:txBody>
+                    <a:bodyPr/>
+                    <a:lstStyle/>
+                    <a:p>
+                      <a:pPr algn="r" fontAlgn="b"/>
+                      <a:r>
+                        <a:rPr lang="en-US" sz="1100" u="none" strike="noStrike">
+                          <a:effectLst/>
+                        </a:rPr>
+                        <a:t>21</a:t>
+                      </a:r>
+                      <a:endParaRPr lang="en-US" sz="1100" b="0" i="0" u="none" strike="noStrike">
+                        <a:solidFill>
+                          <a:srgbClr val="000000"/>
+                        </a:solidFill>
+                        <a:effectLst/>
+                        <a:latin typeface="Calibri" panose="020F0502020204030204" pitchFamily="34" charset="0"/>
+                      </a:endParaRPr>
+                    </a:p>
+                  </a:txBody>
+                  <a:tcPr marL="9525" marR="9525" marT="9525" marB="0" anchor="b"/>
+                </a:tc>
+                <a:tc>
+                  <a:txBody>
+                    <a:bodyPr/>
+                    <a:lstStyle/>
+                    <a:p>
+                      <a:pPr algn="r" fontAlgn="b"/>
+                      <a:r>
+                        <a:rPr lang="en-US" sz="1100" u="none" strike="noStrike">
+                          <a:effectLst/>
+                        </a:rPr>
+                        <a:t>11</a:t>
+                      </a:r>
+                      <a:endParaRPr lang="en-US" sz="1100" b="0" i="0" u="none" strike="noStrike">
+                        <a:solidFill>
+                          <a:srgbClr val="000000"/>
+                        </a:solidFill>
+                        <a:effectLst/>
+                        <a:latin typeface="Calibri" panose="020F0502020204030204" pitchFamily="34" charset="0"/>
+                      </a:endParaRPr>
+                    </a:p>
+                  </a:txBody>
+                  <a:tcPr marL="9525" marR="9525" marT="9525" marB="0" anchor="b"/>
+                </a:tc>
+                <a:extLst>
+                  <a:ext uri="{0D108BD9-81ED-4DB2-BD59-A6C34878D82A}">
+                    <a16:rowId xmlns:a16="http://schemas.microsoft.com/office/drawing/2014/main" val="4264948224"/>
+                  </a:ext>
+                </a:extLst>
+              </a:tr>
+              <a:tr h="190500">
+                <a:tc>
+                  <a:txBody>
+                    <a:bodyPr/>
+                    <a:lstStyle/>
+                    <a:p>
+                      <a:pPr algn="l" rtl="0" fontAlgn="b"/>
+                      <a:r>
+                        <a:rPr lang="en-US" sz="1100" u="none" strike="noStrike">
+                          <a:effectLst/>
+                        </a:rPr>
+                        <a:t>ROI 3</a:t>
+                      </a:r>
+                      <a:endParaRPr lang="en-US" sz="1100" b="0" i="0" u="none" strike="noStrike">
+                        <a:solidFill>
+                          <a:srgbClr val="000000"/>
+                        </a:solidFill>
+                        <a:effectLst/>
+                        <a:latin typeface="Calibri" panose="020F0502020204030204" pitchFamily="34" charset="0"/>
+                      </a:endParaRPr>
+                    </a:p>
+                  </a:txBody>
+                  <a:tcPr marL="9525" marR="9525" marT="9525" marB="0" anchor="b"/>
+                </a:tc>
+                <a:tc>
+                  <a:txBody>
+                    <a:bodyPr/>
+                    <a:lstStyle/>
+                    <a:p>
+                      <a:pPr algn="r" fontAlgn="b"/>
+                      <a:r>
+                        <a:rPr lang="en-US" sz="1100" u="none" strike="noStrike" dirty="0">
+                          <a:effectLst/>
+                        </a:rPr>
+                        <a:t>144</a:t>
+                      </a:r>
+                      <a:endParaRPr lang="en-US" sz="1100" b="0" i="0" u="none" strike="noStrike" dirty="0">
+                        <a:solidFill>
+                          <a:srgbClr val="000000"/>
+                        </a:solidFill>
+                        <a:effectLst/>
+                        <a:latin typeface="Calibri" panose="020F0502020204030204" pitchFamily="34" charset="0"/>
+                      </a:endParaRPr>
+                    </a:p>
+                  </a:txBody>
+                  <a:tcPr marL="9525" marR="9525" marT="9525" marB="0" anchor="b"/>
+                </a:tc>
+                <a:tc>
+                  <a:txBody>
+                    <a:bodyPr/>
+                    <a:lstStyle/>
+                    <a:p>
+                      <a:pPr algn="r" fontAlgn="b"/>
+                      <a:r>
+                        <a:rPr lang="en-US" sz="1100" u="none" strike="noStrike" dirty="0">
+                          <a:effectLst/>
+                        </a:rPr>
+                        <a:t>0</a:t>
+                      </a:r>
+                      <a:endParaRPr lang="en-US" sz="1100" b="0" i="0" u="none" strike="noStrike" dirty="0">
+                        <a:solidFill>
+                          <a:srgbClr val="000000"/>
+                        </a:solidFill>
+                        <a:effectLst/>
+                        <a:latin typeface="Calibri" panose="020F0502020204030204" pitchFamily="34" charset="0"/>
+                      </a:endParaRPr>
+                    </a:p>
+                  </a:txBody>
+                  <a:tcPr marL="9525" marR="9525" marT="9525" marB="0" anchor="b"/>
+                </a:tc>
+                <a:tc>
+                  <a:txBody>
+                    <a:bodyPr/>
+                    <a:lstStyle/>
+                    <a:p>
+                      <a:pPr algn="r" fontAlgn="b"/>
+                      <a:r>
+                        <a:rPr lang="en-US" sz="1100" u="none" strike="noStrike">
+                          <a:effectLst/>
+                        </a:rPr>
+                        <a:t>23</a:t>
+                      </a:r>
+                      <a:endParaRPr lang="en-US" sz="1100" b="0" i="0" u="none" strike="noStrike">
+                        <a:solidFill>
+                          <a:srgbClr val="000000"/>
+                        </a:solidFill>
+                        <a:effectLst/>
+                        <a:latin typeface="Calibri" panose="020F0502020204030204" pitchFamily="34" charset="0"/>
+                      </a:endParaRPr>
+                    </a:p>
+                  </a:txBody>
+                  <a:tcPr marL="9525" marR="9525" marT="9525" marB="0" anchor="b"/>
+                </a:tc>
+                <a:tc>
+                  <a:txBody>
+                    <a:bodyPr/>
+                    <a:lstStyle/>
+                    <a:p>
+                      <a:pPr algn="r" fontAlgn="b"/>
+                      <a:r>
+                        <a:rPr lang="en-US" sz="1100" u="none" strike="noStrike">
+                          <a:effectLst/>
+                        </a:rPr>
+                        <a:t>23</a:t>
+                      </a:r>
+                      <a:endParaRPr lang="en-US" sz="1100" b="0" i="0" u="none" strike="noStrike">
+                        <a:solidFill>
+                          <a:srgbClr val="000000"/>
+                        </a:solidFill>
+                        <a:effectLst/>
+                        <a:latin typeface="Calibri" panose="020F0502020204030204" pitchFamily="34" charset="0"/>
+                      </a:endParaRPr>
+                    </a:p>
+                  </a:txBody>
+                  <a:tcPr marL="9525" marR="9525" marT="9525" marB="0" anchor="b"/>
+                </a:tc>
+                <a:extLst>
+                  <a:ext uri="{0D108BD9-81ED-4DB2-BD59-A6C34878D82A}">
+                    <a16:rowId xmlns:a16="http://schemas.microsoft.com/office/drawing/2014/main" val="3494135564"/>
+                  </a:ext>
+                </a:extLst>
+              </a:tr>
+              <a:tr h="190500">
+                <a:tc>
+                  <a:txBody>
+                    <a:bodyPr/>
+                    <a:lstStyle/>
+                    <a:p>
+                      <a:pPr algn="l" rtl="0" fontAlgn="b"/>
+                      <a:r>
+                        <a:rPr lang="en-US" sz="1100" u="none" strike="noStrike">
+                          <a:effectLst/>
+                        </a:rPr>
+                        <a:t>ROI 4</a:t>
+                      </a:r>
+                      <a:endParaRPr lang="en-US" sz="1100" b="0" i="0" u="none" strike="noStrike">
+                        <a:solidFill>
+                          <a:srgbClr val="000000"/>
+                        </a:solidFill>
+                        <a:effectLst/>
+                        <a:latin typeface="Calibri" panose="020F0502020204030204" pitchFamily="34" charset="0"/>
+                      </a:endParaRPr>
+                    </a:p>
+                  </a:txBody>
+                  <a:tcPr marL="9525" marR="9525" marT="9525" marB="0" anchor="b"/>
+                </a:tc>
+                <a:tc>
+                  <a:txBody>
+                    <a:bodyPr/>
+                    <a:lstStyle/>
+                    <a:p>
+                      <a:pPr algn="r" fontAlgn="b"/>
+                      <a:r>
+                        <a:rPr lang="en-US" sz="1100" u="none" strike="noStrike">
+                          <a:effectLst/>
+                        </a:rPr>
+                        <a:t>237</a:t>
+                      </a:r>
+                      <a:endParaRPr lang="en-US" sz="1100" b="0" i="0" u="none" strike="noStrike">
+                        <a:solidFill>
+                          <a:srgbClr val="000000"/>
+                        </a:solidFill>
+                        <a:effectLst/>
+                        <a:latin typeface="Calibri" panose="020F0502020204030204" pitchFamily="34" charset="0"/>
+                      </a:endParaRPr>
+                    </a:p>
+                  </a:txBody>
+                  <a:tcPr marL="9525" marR="9525" marT="9525" marB="0" anchor="b"/>
+                </a:tc>
+                <a:tc>
+                  <a:txBody>
+                    <a:bodyPr/>
+                    <a:lstStyle/>
+                    <a:p>
+                      <a:pPr algn="r" fontAlgn="b"/>
+                      <a:r>
+                        <a:rPr lang="en-US" sz="1100" u="none" strike="noStrike" dirty="0">
+                          <a:effectLst/>
+                        </a:rPr>
+                        <a:t>0</a:t>
+                      </a:r>
+                      <a:endParaRPr lang="en-US" sz="1100" b="0" i="0" u="none" strike="noStrike" dirty="0">
+                        <a:solidFill>
+                          <a:srgbClr val="000000"/>
+                        </a:solidFill>
+                        <a:effectLst/>
+                        <a:latin typeface="Calibri" panose="020F0502020204030204" pitchFamily="34" charset="0"/>
+                      </a:endParaRPr>
+                    </a:p>
+                  </a:txBody>
+                  <a:tcPr marL="9525" marR="9525" marT="9525" marB="0" anchor="b"/>
+                </a:tc>
+                <a:tc>
+                  <a:txBody>
+                    <a:bodyPr/>
+                    <a:lstStyle/>
+                    <a:p>
+                      <a:pPr algn="r" fontAlgn="b"/>
+                      <a:r>
+                        <a:rPr lang="en-US" sz="1100" u="none" strike="noStrike" dirty="0">
+                          <a:effectLst/>
+                        </a:rPr>
+                        <a:t>19</a:t>
+                      </a:r>
+                      <a:endParaRPr lang="en-US" sz="1100" b="0" i="0" u="none" strike="noStrike" dirty="0">
+                        <a:solidFill>
+                          <a:srgbClr val="000000"/>
+                        </a:solidFill>
+                        <a:effectLst/>
+                        <a:latin typeface="Calibri" panose="020F0502020204030204" pitchFamily="34" charset="0"/>
+                      </a:endParaRPr>
+                    </a:p>
+                  </a:txBody>
+                  <a:tcPr marL="9525" marR="9525" marT="9525" marB="0" anchor="b"/>
+                </a:tc>
+                <a:tc>
+                  <a:txBody>
+                    <a:bodyPr/>
+                    <a:lstStyle/>
+                    <a:p>
+                      <a:pPr algn="r" fontAlgn="b"/>
+                      <a:r>
+                        <a:rPr lang="en-US" sz="1100" u="none" strike="noStrike">
+                          <a:effectLst/>
+                        </a:rPr>
+                        <a:t>29</a:t>
+                      </a:r>
+                      <a:endParaRPr lang="en-US" sz="1100" b="0" i="0" u="none" strike="noStrike">
+                        <a:solidFill>
+                          <a:srgbClr val="000000"/>
+                        </a:solidFill>
+                        <a:effectLst/>
+                        <a:latin typeface="Calibri" panose="020F0502020204030204" pitchFamily="34" charset="0"/>
+                      </a:endParaRPr>
+                    </a:p>
+                  </a:txBody>
+                  <a:tcPr marL="9525" marR="9525" marT="9525" marB="0" anchor="b"/>
+                </a:tc>
+                <a:extLst>
+                  <a:ext uri="{0D108BD9-81ED-4DB2-BD59-A6C34878D82A}">
+                    <a16:rowId xmlns:a16="http://schemas.microsoft.com/office/drawing/2014/main" val="2422990628"/>
+                  </a:ext>
+                </a:extLst>
+              </a:tr>
+              <a:tr h="190500">
+                <a:tc>
+                  <a:txBody>
+                    <a:bodyPr/>
+                    <a:lstStyle/>
+                    <a:p>
+                      <a:pPr algn="l" rtl="0" fontAlgn="b"/>
+                      <a:r>
+                        <a:rPr lang="en-US" sz="1100" u="none" strike="noStrike">
+                          <a:effectLst/>
+                        </a:rPr>
+                        <a:t>ROI 5</a:t>
+                      </a:r>
+                      <a:endParaRPr lang="en-US" sz="1100" b="0" i="0" u="none" strike="noStrike">
+                        <a:solidFill>
+                          <a:srgbClr val="000000"/>
+                        </a:solidFill>
+                        <a:effectLst/>
+                        <a:latin typeface="Calibri" panose="020F0502020204030204" pitchFamily="34" charset="0"/>
+                      </a:endParaRPr>
+                    </a:p>
+                  </a:txBody>
+                  <a:tcPr marL="9525" marR="9525" marT="9525" marB="0" anchor="b"/>
+                </a:tc>
+                <a:tc>
+                  <a:txBody>
+                    <a:bodyPr/>
+                    <a:lstStyle/>
+                    <a:p>
+                      <a:pPr algn="r" fontAlgn="b"/>
+                      <a:r>
+                        <a:rPr lang="en-US" sz="1100" u="none" strike="noStrike">
+                          <a:effectLst/>
+                        </a:rPr>
+                        <a:t>189</a:t>
+                      </a:r>
+                      <a:endParaRPr lang="en-US" sz="1100" b="0" i="0" u="none" strike="noStrike">
+                        <a:solidFill>
+                          <a:srgbClr val="000000"/>
+                        </a:solidFill>
+                        <a:effectLst/>
+                        <a:latin typeface="Calibri" panose="020F0502020204030204" pitchFamily="34" charset="0"/>
+                      </a:endParaRPr>
+                    </a:p>
+                  </a:txBody>
+                  <a:tcPr marL="9525" marR="9525" marT="9525" marB="0" anchor="b"/>
+                </a:tc>
+                <a:tc>
+                  <a:txBody>
+                    <a:bodyPr/>
+                    <a:lstStyle/>
+                    <a:p>
+                      <a:pPr algn="r" fontAlgn="b"/>
+                      <a:r>
+                        <a:rPr lang="en-US" sz="1100" u="none" strike="noStrike" dirty="0">
+                          <a:effectLst/>
+                        </a:rPr>
+                        <a:t>6</a:t>
+                      </a:r>
+                      <a:endParaRPr lang="en-US" sz="1100" b="0" i="0" u="none" strike="noStrike" dirty="0">
+                        <a:solidFill>
+                          <a:srgbClr val="000000"/>
+                        </a:solidFill>
+                        <a:effectLst/>
+                        <a:latin typeface="Calibri" panose="020F0502020204030204" pitchFamily="34" charset="0"/>
+                      </a:endParaRPr>
+                    </a:p>
+                  </a:txBody>
+                  <a:tcPr marL="9525" marR="9525" marT="9525" marB="0" anchor="b"/>
+                </a:tc>
+                <a:tc>
+                  <a:txBody>
+                    <a:bodyPr/>
+                    <a:lstStyle/>
+                    <a:p>
+                      <a:pPr algn="r" fontAlgn="b"/>
+                      <a:r>
+                        <a:rPr lang="en-US" sz="1100" u="none" strike="noStrike" dirty="0">
+                          <a:effectLst/>
+                        </a:rPr>
+                        <a:t>18</a:t>
+                      </a:r>
+                      <a:endParaRPr lang="en-US" sz="1100" b="0" i="0" u="none" strike="noStrike" dirty="0">
+                        <a:solidFill>
+                          <a:srgbClr val="000000"/>
+                        </a:solidFill>
+                        <a:effectLst/>
+                        <a:latin typeface="Calibri" panose="020F0502020204030204" pitchFamily="34" charset="0"/>
+                      </a:endParaRPr>
+                    </a:p>
+                  </a:txBody>
+                  <a:tcPr marL="9525" marR="9525" marT="9525" marB="0" anchor="b"/>
+                </a:tc>
+                <a:tc>
+                  <a:txBody>
+                    <a:bodyPr/>
+                    <a:lstStyle/>
+                    <a:p>
+                      <a:pPr algn="r" fontAlgn="b"/>
+                      <a:r>
+                        <a:rPr lang="en-US" sz="1100" u="none" strike="noStrike" dirty="0">
+                          <a:effectLst/>
+                        </a:rPr>
+                        <a:t>21</a:t>
+                      </a:r>
+                      <a:endParaRPr lang="en-US" sz="1100" b="0" i="0" u="none" strike="noStrike" dirty="0">
+                        <a:solidFill>
+                          <a:srgbClr val="000000"/>
+                        </a:solidFill>
+                        <a:effectLst/>
+                        <a:latin typeface="Calibri" panose="020F0502020204030204" pitchFamily="34" charset="0"/>
+                      </a:endParaRPr>
+                    </a:p>
+                  </a:txBody>
+                  <a:tcPr marL="9525" marR="9525" marT="9525" marB="0" anchor="b"/>
+                </a:tc>
+                <a:extLst>
+                  <a:ext uri="{0D108BD9-81ED-4DB2-BD59-A6C34878D82A}">
+                    <a16:rowId xmlns:a16="http://schemas.microsoft.com/office/drawing/2014/main" val="2386343194"/>
+                  </a:ext>
+                </a:extLst>
+              </a:tr>
+              <a:tr h="190500">
+                <a:tc>
+                  <a:txBody>
+                    <a:bodyPr/>
+                    <a:lstStyle/>
+                    <a:p>
+                      <a:pPr algn="l" rtl="0" fontAlgn="b"/>
+                      <a:r>
+                        <a:rPr lang="en-US" sz="1100" u="none" strike="noStrike">
+                          <a:effectLst/>
+                        </a:rPr>
+                        <a:t>ROI 6</a:t>
+                      </a:r>
+                      <a:endParaRPr lang="en-US" sz="1100" b="0" i="0" u="none" strike="noStrike">
+                        <a:solidFill>
+                          <a:srgbClr val="000000"/>
+                        </a:solidFill>
+                        <a:effectLst/>
+                        <a:latin typeface="Calibri" panose="020F0502020204030204" pitchFamily="34" charset="0"/>
+                      </a:endParaRPr>
+                    </a:p>
+                  </a:txBody>
+                  <a:tcPr marL="9525" marR="9525" marT="9525" marB="0" anchor="b"/>
+                </a:tc>
+                <a:tc>
+                  <a:txBody>
+                    <a:bodyPr/>
+                    <a:lstStyle/>
+                    <a:p>
+                      <a:pPr algn="r" fontAlgn="b"/>
+                      <a:r>
+                        <a:rPr lang="en-US" sz="1100" u="none" strike="noStrike">
+                          <a:effectLst/>
+                        </a:rPr>
+                        <a:t>211</a:t>
+                      </a:r>
+                      <a:endParaRPr lang="en-US" sz="1100" b="0" i="0" u="none" strike="noStrike">
+                        <a:solidFill>
+                          <a:srgbClr val="000000"/>
+                        </a:solidFill>
+                        <a:effectLst/>
+                        <a:latin typeface="Calibri" panose="020F0502020204030204" pitchFamily="34" charset="0"/>
+                      </a:endParaRPr>
+                    </a:p>
+                  </a:txBody>
+                  <a:tcPr marL="9525" marR="9525" marT="9525" marB="0" anchor="b"/>
+                </a:tc>
+                <a:tc>
+                  <a:txBody>
+                    <a:bodyPr/>
+                    <a:lstStyle/>
+                    <a:p>
+                      <a:pPr algn="r" fontAlgn="b"/>
+                      <a:r>
+                        <a:rPr lang="en-US" sz="1100" u="none" strike="noStrike" dirty="0">
+                          <a:effectLst/>
+                        </a:rPr>
+                        <a:t>17</a:t>
+                      </a:r>
+                      <a:endParaRPr lang="en-US" sz="1100" b="0" i="0" u="none" strike="noStrike" dirty="0">
+                        <a:solidFill>
+                          <a:srgbClr val="000000"/>
+                        </a:solidFill>
+                        <a:effectLst/>
+                        <a:latin typeface="Calibri" panose="020F0502020204030204" pitchFamily="34" charset="0"/>
+                      </a:endParaRPr>
+                    </a:p>
+                  </a:txBody>
+                  <a:tcPr marL="9525" marR="9525" marT="9525" marB="0" anchor="b"/>
+                </a:tc>
+                <a:tc>
+                  <a:txBody>
+                    <a:bodyPr/>
+                    <a:lstStyle/>
+                    <a:p>
+                      <a:pPr algn="r" fontAlgn="b"/>
+                      <a:r>
+                        <a:rPr lang="en-US" sz="1100" u="none" strike="noStrike" dirty="0">
+                          <a:effectLst/>
+                        </a:rPr>
+                        <a:t>17</a:t>
+                      </a:r>
+                      <a:endParaRPr lang="en-US" sz="1100" b="0" i="0" u="none" strike="noStrike" dirty="0">
+                        <a:solidFill>
+                          <a:srgbClr val="000000"/>
+                        </a:solidFill>
+                        <a:effectLst/>
+                        <a:latin typeface="Calibri" panose="020F0502020204030204" pitchFamily="34" charset="0"/>
+                      </a:endParaRPr>
+                    </a:p>
+                  </a:txBody>
+                  <a:tcPr marL="9525" marR="9525" marT="9525" marB="0" anchor="b"/>
+                </a:tc>
+                <a:tc>
+                  <a:txBody>
+                    <a:bodyPr/>
+                    <a:lstStyle/>
+                    <a:p>
+                      <a:pPr algn="r" fontAlgn="b"/>
+                      <a:r>
+                        <a:rPr lang="en-US" sz="1100" u="none" strike="noStrike" dirty="0">
+                          <a:effectLst/>
+                        </a:rPr>
+                        <a:t>22</a:t>
+                      </a:r>
+                      <a:endParaRPr lang="en-US" sz="1100" b="0" i="0" u="none" strike="noStrike" dirty="0">
+                        <a:solidFill>
+                          <a:srgbClr val="000000"/>
+                        </a:solidFill>
+                        <a:effectLst/>
+                        <a:latin typeface="Calibri" panose="020F0502020204030204" pitchFamily="34" charset="0"/>
+                      </a:endParaRPr>
+                    </a:p>
+                  </a:txBody>
+                  <a:tcPr marL="9525" marR="9525" marT="9525" marB="0" anchor="b"/>
+                </a:tc>
+                <a:extLst>
+                  <a:ext uri="{0D108BD9-81ED-4DB2-BD59-A6C34878D82A}">
+                    <a16:rowId xmlns:a16="http://schemas.microsoft.com/office/drawing/2014/main" val="3975665249"/>
+                  </a:ext>
+                </a:extLst>
+              </a:tr>
+            </a:tbl>
+          </a:graphicData>
+        </a:graphic>
+      </p:graphicFrame>
     </p:spTree>
     <p:extLst>
       <p:ext uri="{BB962C8B-B14F-4D97-AF65-F5344CB8AC3E}">

--- a/figures/resources/output_saving.pptx
+++ b/figures/resources/output_saving.pptx
@@ -2,12 +2,12 @@
 <file path=ppt/presentation.xml><?xml version="1.0" encoding="utf-8"?>
 <p:presentation xmlns:a="http://schemas.openxmlformats.org/drawingml/2006/main" xmlns:r="http://schemas.openxmlformats.org/officeDocument/2006/relationships" xmlns:p="http://schemas.openxmlformats.org/presentationml/2006/main" saveSubsetFonts="1">
   <p:sldMasterIdLst>
-    <p:sldMasterId id="2147483648" r:id="rId1"/>
+    <p:sldMasterId id="2147483660" r:id="rId1"/>
   </p:sldMasterIdLst>
   <p:sldIdLst>
     <p:sldId id="256" r:id="rId2"/>
   </p:sldIdLst>
-  <p:sldSz cx="12192000" cy="6858000"/>
+  <p:sldSz cx="10058400" cy="6858000"/>
   <p:notesSz cx="6858000" cy="9144000"/>
   <p:defaultTextStyle>
     <a:defPPr>
@@ -141,8 +141,8 @@
         </p:nvSpPr>
         <p:spPr>
           <a:xfrm>
-            <a:off x="1524000" y="1122363"/>
-            <a:ext cx="9144000" cy="2387600"/>
+            <a:off x="754380" y="1122363"/>
+            <a:ext cx="8549640" cy="2387600"/>
           </a:xfrm>
         </p:spPr>
         <p:txBody>
@@ -157,7 +157,7 @@
               <a:rPr lang="en-US" smtClean="0"/>
               <a:t>Click to edit Master title style</a:t>
             </a:r>
-            <a:endParaRPr lang="en-US"/>
+            <a:endParaRPr lang="en-US" dirty="0"/>
           </a:p>
         </p:txBody>
       </p:sp>
@@ -173,8 +173,8 @@
         </p:nvSpPr>
         <p:spPr>
           <a:xfrm>
-            <a:off x="1524000" y="3602038"/>
-            <a:ext cx="9144000" cy="1655762"/>
+            <a:off x="1257300" y="3602038"/>
+            <a:ext cx="7543800" cy="1655762"/>
           </a:xfrm>
         </p:spPr>
         <p:txBody>
@@ -222,7 +222,7 @@
               <a:rPr lang="en-US" smtClean="0"/>
               <a:t>Click to edit Master subtitle style</a:t>
             </a:r>
-            <a:endParaRPr lang="en-US"/>
+            <a:endParaRPr lang="en-US" dirty="0"/>
           </a:p>
         </p:txBody>
       </p:sp>
@@ -243,7 +243,7 @@
           <a:p>
             <a:fld id="{F5BBD67F-9228-4D1B-A549-79D3048EE694}" type="datetimeFigureOut">
               <a:rPr lang="en-US" smtClean="0"/>
-              <a:t>1/23/2022</a:t>
+              <a:t>1/26/2022</a:t>
             </a:fld>
             <a:endParaRPr lang="en-US"/>
           </a:p>
@@ -294,7 +294,7 @@
     </p:spTree>
     <p:extLst>
       <p:ext uri="{BB962C8B-B14F-4D97-AF65-F5344CB8AC3E}">
-        <p14:creationId xmlns:p14="http://schemas.microsoft.com/office/powerpoint/2010/main" val="158051977"/>
+        <p14:creationId xmlns:p14="http://schemas.microsoft.com/office/powerpoint/2010/main" val="2971932299"/>
       </p:ext>
     </p:extLst>
   </p:cSld>
@@ -340,7 +340,7 @@
               <a:rPr lang="en-US" smtClean="0"/>
               <a:t>Click to edit Master title style</a:t>
             </a:r>
-            <a:endParaRPr lang="en-US"/>
+            <a:endParaRPr lang="en-US" dirty="0"/>
           </a:p>
         </p:txBody>
       </p:sp>
@@ -392,7 +392,7 @@
               <a:rPr lang="en-US" smtClean="0"/>
               <a:t>Fifth level</a:t>
             </a:r>
-            <a:endParaRPr lang="en-US"/>
+            <a:endParaRPr lang="en-US" dirty="0"/>
           </a:p>
         </p:txBody>
       </p:sp>
@@ -413,7 +413,7 @@
           <a:p>
             <a:fld id="{F5BBD67F-9228-4D1B-A549-79D3048EE694}" type="datetimeFigureOut">
               <a:rPr lang="en-US" smtClean="0"/>
-              <a:t>1/23/2022</a:t>
+              <a:t>1/26/2022</a:t>
             </a:fld>
             <a:endParaRPr lang="en-US"/>
           </a:p>
@@ -464,7 +464,7 @@
     </p:spTree>
     <p:extLst>
       <p:ext uri="{BB962C8B-B14F-4D97-AF65-F5344CB8AC3E}">
-        <p14:creationId xmlns:p14="http://schemas.microsoft.com/office/powerpoint/2010/main" val="1568253182"/>
+        <p14:creationId xmlns:p14="http://schemas.microsoft.com/office/powerpoint/2010/main" val="3718435465"/>
       </p:ext>
     </p:extLst>
   </p:cSld>
@@ -503,8 +503,8 @@
         </p:nvSpPr>
         <p:spPr>
           <a:xfrm>
-            <a:off x="8724900" y="365125"/>
-            <a:ext cx="2628900" cy="5811838"/>
+            <a:off x="7198043" y="365125"/>
+            <a:ext cx="2168843" cy="5811838"/>
           </a:xfrm>
         </p:spPr>
         <p:txBody>
@@ -515,7 +515,7 @@
               <a:rPr lang="en-US" smtClean="0"/>
               <a:t>Click to edit Master title style</a:t>
             </a:r>
-            <a:endParaRPr lang="en-US"/>
+            <a:endParaRPr lang="en-US" dirty="0"/>
           </a:p>
         </p:txBody>
       </p:sp>
@@ -531,8 +531,8 @@
         </p:nvSpPr>
         <p:spPr>
           <a:xfrm>
-            <a:off x="838200" y="365125"/>
-            <a:ext cx="7734300" cy="5811838"/>
+            <a:off x="691515" y="365125"/>
+            <a:ext cx="6380798" cy="5811838"/>
           </a:xfrm>
         </p:spPr>
         <p:txBody>
@@ -572,7 +572,7 @@
               <a:rPr lang="en-US" smtClean="0"/>
               <a:t>Fifth level</a:t>
             </a:r>
-            <a:endParaRPr lang="en-US"/>
+            <a:endParaRPr lang="en-US" dirty="0"/>
           </a:p>
         </p:txBody>
       </p:sp>
@@ -593,7 +593,7 @@
           <a:p>
             <a:fld id="{F5BBD67F-9228-4D1B-A549-79D3048EE694}" type="datetimeFigureOut">
               <a:rPr lang="en-US" smtClean="0"/>
-              <a:t>1/23/2022</a:t>
+              <a:t>1/26/2022</a:t>
             </a:fld>
             <a:endParaRPr lang="en-US"/>
           </a:p>
@@ -644,7 +644,7 @@
     </p:spTree>
     <p:extLst>
       <p:ext uri="{BB962C8B-B14F-4D97-AF65-F5344CB8AC3E}">
-        <p14:creationId xmlns:p14="http://schemas.microsoft.com/office/powerpoint/2010/main" val="3032176821"/>
+        <p14:creationId xmlns:p14="http://schemas.microsoft.com/office/powerpoint/2010/main" val="1836297299"/>
       </p:ext>
     </p:extLst>
   </p:cSld>
@@ -690,7 +690,7 @@
               <a:rPr lang="en-US" smtClean="0"/>
               <a:t>Click to edit Master title style</a:t>
             </a:r>
-            <a:endParaRPr lang="en-US"/>
+            <a:endParaRPr lang="en-US" dirty="0"/>
           </a:p>
         </p:txBody>
       </p:sp>
@@ -742,7 +742,7 @@
               <a:rPr lang="en-US" smtClean="0"/>
               <a:t>Fifth level</a:t>
             </a:r>
-            <a:endParaRPr lang="en-US"/>
+            <a:endParaRPr lang="en-US" dirty="0"/>
           </a:p>
         </p:txBody>
       </p:sp>
@@ -763,7 +763,7 @@
           <a:p>
             <a:fld id="{F5BBD67F-9228-4D1B-A549-79D3048EE694}" type="datetimeFigureOut">
               <a:rPr lang="en-US" smtClean="0"/>
-              <a:t>1/23/2022</a:t>
+              <a:t>1/26/2022</a:t>
             </a:fld>
             <a:endParaRPr lang="en-US"/>
           </a:p>
@@ -814,7 +814,7 @@
     </p:spTree>
     <p:extLst>
       <p:ext uri="{BB962C8B-B14F-4D97-AF65-F5344CB8AC3E}">
-        <p14:creationId xmlns:p14="http://schemas.microsoft.com/office/powerpoint/2010/main" val="928307893"/>
+        <p14:creationId xmlns:p14="http://schemas.microsoft.com/office/powerpoint/2010/main" val="3617705811"/>
       </p:ext>
     </p:extLst>
   </p:cSld>
@@ -853,8 +853,8 @@
         </p:nvSpPr>
         <p:spPr>
           <a:xfrm>
-            <a:off x="831850" y="1709738"/>
-            <a:ext cx="10515600" cy="2852737"/>
+            <a:off x="686277" y="1709740"/>
+            <a:ext cx="8675370" cy="2852737"/>
           </a:xfrm>
         </p:spPr>
         <p:txBody>
@@ -869,7 +869,7 @@
               <a:rPr lang="en-US" smtClean="0"/>
               <a:t>Click to edit Master title style</a:t>
             </a:r>
-            <a:endParaRPr lang="en-US"/>
+            <a:endParaRPr lang="en-US" dirty="0"/>
           </a:p>
         </p:txBody>
       </p:sp>
@@ -885,8 +885,8 @@
         </p:nvSpPr>
         <p:spPr>
           <a:xfrm>
-            <a:off x="831850" y="4589463"/>
-            <a:ext cx="10515600" cy="1500187"/>
+            <a:off x="686277" y="4589465"/>
+            <a:ext cx="8675370" cy="1500187"/>
           </a:xfrm>
         </p:spPr>
         <p:txBody>
@@ -896,9 +896,7 @@
               <a:buNone/>
               <a:defRPr sz="2400">
                 <a:solidFill>
-                  <a:schemeClr val="tx1">
-                    <a:tint val="75000"/>
-                  </a:schemeClr>
+                  <a:schemeClr val="tx1"/>
                 </a:solidFill>
               </a:defRPr>
             </a:lvl1pPr>
@@ -1009,7 +1007,7 @@
           <a:p>
             <a:fld id="{F5BBD67F-9228-4D1B-A549-79D3048EE694}" type="datetimeFigureOut">
               <a:rPr lang="en-US" smtClean="0"/>
-              <a:t>1/23/2022</a:t>
+              <a:t>1/26/2022</a:t>
             </a:fld>
             <a:endParaRPr lang="en-US"/>
           </a:p>
@@ -1060,7 +1058,7 @@
     </p:spTree>
     <p:extLst>
       <p:ext uri="{BB962C8B-B14F-4D97-AF65-F5344CB8AC3E}">
-        <p14:creationId xmlns:p14="http://schemas.microsoft.com/office/powerpoint/2010/main" val="3963378825"/>
+        <p14:creationId xmlns:p14="http://schemas.microsoft.com/office/powerpoint/2010/main" val="1099025988"/>
       </p:ext>
     </p:extLst>
   </p:cSld>
@@ -1106,7 +1104,7 @@
               <a:rPr lang="en-US" smtClean="0"/>
               <a:t>Click to edit Master title style</a:t>
             </a:r>
-            <a:endParaRPr lang="en-US"/>
+            <a:endParaRPr lang="en-US" dirty="0"/>
           </a:p>
         </p:txBody>
       </p:sp>
@@ -1122,8 +1120,8 @@
         </p:nvSpPr>
         <p:spPr>
           <a:xfrm>
-            <a:off x="838200" y="1825625"/>
-            <a:ext cx="5181600" cy="4351338"/>
+            <a:off x="691515" y="1825625"/>
+            <a:ext cx="4274820" cy="4351338"/>
           </a:xfrm>
         </p:spPr>
         <p:txBody>
@@ -1163,7 +1161,7 @@
               <a:rPr lang="en-US" smtClean="0"/>
               <a:t>Fifth level</a:t>
             </a:r>
-            <a:endParaRPr lang="en-US"/>
+            <a:endParaRPr lang="en-US" dirty="0"/>
           </a:p>
         </p:txBody>
       </p:sp>
@@ -1179,8 +1177,8 @@
         </p:nvSpPr>
         <p:spPr>
           <a:xfrm>
-            <a:off x="6172200" y="1825625"/>
-            <a:ext cx="5181600" cy="4351338"/>
+            <a:off x="5092065" y="1825625"/>
+            <a:ext cx="4274820" cy="4351338"/>
           </a:xfrm>
         </p:spPr>
         <p:txBody>
@@ -1220,7 +1218,7 @@
               <a:rPr lang="en-US" smtClean="0"/>
               <a:t>Fifth level</a:t>
             </a:r>
-            <a:endParaRPr lang="en-US"/>
+            <a:endParaRPr lang="en-US" dirty="0"/>
           </a:p>
         </p:txBody>
       </p:sp>
@@ -1241,7 +1239,7 @@
           <a:p>
             <a:fld id="{F5BBD67F-9228-4D1B-A549-79D3048EE694}" type="datetimeFigureOut">
               <a:rPr lang="en-US" smtClean="0"/>
-              <a:t>1/23/2022</a:t>
+              <a:t>1/26/2022</a:t>
             </a:fld>
             <a:endParaRPr lang="en-US"/>
           </a:p>
@@ -1292,7 +1290,7 @@
     </p:spTree>
     <p:extLst>
       <p:ext uri="{BB962C8B-B14F-4D97-AF65-F5344CB8AC3E}">
-        <p14:creationId xmlns:p14="http://schemas.microsoft.com/office/powerpoint/2010/main" val="2954336172"/>
+        <p14:creationId xmlns:p14="http://schemas.microsoft.com/office/powerpoint/2010/main" val="868529472"/>
       </p:ext>
     </p:extLst>
   </p:cSld>
@@ -1331,8 +1329,8 @@
         </p:nvSpPr>
         <p:spPr>
           <a:xfrm>
-            <a:off x="839788" y="365125"/>
-            <a:ext cx="10515600" cy="1325563"/>
+            <a:off x="692825" y="365127"/>
+            <a:ext cx="8675370" cy="1325563"/>
           </a:xfrm>
         </p:spPr>
         <p:txBody>
@@ -1343,7 +1341,7 @@
               <a:rPr lang="en-US" smtClean="0"/>
               <a:t>Click to edit Master title style</a:t>
             </a:r>
-            <a:endParaRPr lang="en-US"/>
+            <a:endParaRPr lang="en-US" dirty="0"/>
           </a:p>
         </p:txBody>
       </p:sp>
@@ -1359,8 +1357,8 @@
         </p:nvSpPr>
         <p:spPr>
           <a:xfrm>
-            <a:off x="839788" y="1681163"/>
-            <a:ext cx="5157787" cy="823912"/>
+            <a:off x="692826" y="1681163"/>
+            <a:ext cx="4255174" cy="823912"/>
           </a:xfrm>
         </p:spPr>
         <p:txBody>
@@ -1424,8 +1422,8 @@
         </p:nvSpPr>
         <p:spPr>
           <a:xfrm>
-            <a:off x="839788" y="2505075"/>
-            <a:ext cx="5157787" cy="3684588"/>
+            <a:off x="692826" y="2505075"/>
+            <a:ext cx="4255174" cy="3684588"/>
           </a:xfrm>
         </p:spPr>
         <p:txBody>
@@ -1465,7 +1463,7 @@
               <a:rPr lang="en-US" smtClean="0"/>
               <a:t>Fifth level</a:t>
             </a:r>
-            <a:endParaRPr lang="en-US"/>
+            <a:endParaRPr lang="en-US" dirty="0"/>
           </a:p>
         </p:txBody>
       </p:sp>
@@ -1481,8 +1479,8 @@
         </p:nvSpPr>
         <p:spPr>
           <a:xfrm>
-            <a:off x="6172200" y="1681163"/>
-            <a:ext cx="5183188" cy="823912"/>
+            <a:off x="5092066" y="1681163"/>
+            <a:ext cx="4276130" cy="823912"/>
           </a:xfrm>
         </p:spPr>
         <p:txBody>
@@ -1546,8 +1544,8 @@
         </p:nvSpPr>
         <p:spPr>
           <a:xfrm>
-            <a:off x="6172200" y="2505075"/>
-            <a:ext cx="5183188" cy="3684588"/>
+            <a:off x="5092066" y="2505075"/>
+            <a:ext cx="4276130" cy="3684588"/>
           </a:xfrm>
         </p:spPr>
         <p:txBody>
@@ -1587,7 +1585,7 @@
               <a:rPr lang="en-US" smtClean="0"/>
               <a:t>Fifth level</a:t>
             </a:r>
-            <a:endParaRPr lang="en-US"/>
+            <a:endParaRPr lang="en-US" dirty="0"/>
           </a:p>
         </p:txBody>
       </p:sp>
@@ -1608,7 +1606,7 @@
           <a:p>
             <a:fld id="{F5BBD67F-9228-4D1B-A549-79D3048EE694}" type="datetimeFigureOut">
               <a:rPr lang="en-US" smtClean="0"/>
-              <a:t>1/23/2022</a:t>
+              <a:t>1/26/2022</a:t>
             </a:fld>
             <a:endParaRPr lang="en-US"/>
           </a:p>
@@ -1659,7 +1657,7 @@
     </p:spTree>
     <p:extLst>
       <p:ext uri="{BB962C8B-B14F-4D97-AF65-F5344CB8AC3E}">
-        <p14:creationId xmlns:p14="http://schemas.microsoft.com/office/powerpoint/2010/main" val="2828662922"/>
+        <p14:creationId xmlns:p14="http://schemas.microsoft.com/office/powerpoint/2010/main" val="3591701133"/>
       </p:ext>
     </p:extLst>
   </p:cSld>
@@ -1705,7 +1703,7 @@
               <a:rPr lang="en-US" smtClean="0"/>
               <a:t>Click to edit Master title style</a:t>
             </a:r>
-            <a:endParaRPr lang="en-US"/>
+            <a:endParaRPr lang="en-US" dirty="0"/>
           </a:p>
         </p:txBody>
       </p:sp>
@@ -1726,7 +1724,7 @@
           <a:p>
             <a:fld id="{F5BBD67F-9228-4D1B-A549-79D3048EE694}" type="datetimeFigureOut">
               <a:rPr lang="en-US" smtClean="0"/>
-              <a:t>1/23/2022</a:t>
+              <a:t>1/26/2022</a:t>
             </a:fld>
             <a:endParaRPr lang="en-US"/>
           </a:p>
@@ -1777,7 +1775,7 @@
     </p:spTree>
     <p:extLst>
       <p:ext uri="{BB962C8B-B14F-4D97-AF65-F5344CB8AC3E}">
-        <p14:creationId xmlns:p14="http://schemas.microsoft.com/office/powerpoint/2010/main" val="4224890103"/>
+        <p14:creationId xmlns:p14="http://schemas.microsoft.com/office/powerpoint/2010/main" val="1594191583"/>
       </p:ext>
     </p:extLst>
   </p:cSld>
@@ -1821,7 +1819,7 @@
           <a:p>
             <a:fld id="{F5BBD67F-9228-4D1B-A549-79D3048EE694}" type="datetimeFigureOut">
               <a:rPr lang="en-US" smtClean="0"/>
-              <a:t>1/23/2022</a:t>
+              <a:t>1/26/2022</a:t>
             </a:fld>
             <a:endParaRPr lang="en-US"/>
           </a:p>
@@ -1872,7 +1870,7 @@
     </p:spTree>
     <p:extLst>
       <p:ext uri="{BB962C8B-B14F-4D97-AF65-F5344CB8AC3E}">
-        <p14:creationId xmlns:p14="http://schemas.microsoft.com/office/powerpoint/2010/main" val="1845160100"/>
+        <p14:creationId xmlns:p14="http://schemas.microsoft.com/office/powerpoint/2010/main" val="3600531631"/>
       </p:ext>
     </p:extLst>
   </p:cSld>
@@ -1911,8 +1909,8 @@
         </p:nvSpPr>
         <p:spPr>
           <a:xfrm>
-            <a:off x="839788" y="457200"/>
-            <a:ext cx="3932237" cy="1600200"/>
+            <a:off x="692825" y="457200"/>
+            <a:ext cx="3244096" cy="1600200"/>
           </a:xfrm>
         </p:spPr>
         <p:txBody>
@@ -1927,7 +1925,7 @@
               <a:rPr lang="en-US" smtClean="0"/>
               <a:t>Click to edit Master title style</a:t>
             </a:r>
-            <a:endParaRPr lang="en-US"/>
+            <a:endParaRPr lang="en-US" dirty="0"/>
           </a:p>
         </p:txBody>
       </p:sp>
@@ -1943,8 +1941,8 @@
         </p:nvSpPr>
         <p:spPr>
           <a:xfrm>
-            <a:off x="5183188" y="987425"/>
-            <a:ext cx="6172200" cy="4873625"/>
+            <a:off x="4276130" y="987427"/>
+            <a:ext cx="5092065" cy="4873625"/>
           </a:xfrm>
         </p:spPr>
         <p:txBody>
@@ -2012,7 +2010,7 @@
               <a:rPr lang="en-US" smtClean="0"/>
               <a:t>Fifth level</a:t>
             </a:r>
-            <a:endParaRPr lang="en-US"/>
+            <a:endParaRPr lang="en-US" dirty="0"/>
           </a:p>
         </p:txBody>
       </p:sp>
@@ -2028,8 +2026,8 @@
         </p:nvSpPr>
         <p:spPr>
           <a:xfrm>
-            <a:off x="839788" y="2057400"/>
-            <a:ext cx="3932237" cy="3811588"/>
+            <a:off x="692825" y="2057400"/>
+            <a:ext cx="3244096" cy="3811588"/>
           </a:xfrm>
         </p:spPr>
         <p:txBody>
@@ -2098,7 +2096,7 @@
           <a:p>
             <a:fld id="{F5BBD67F-9228-4D1B-A549-79D3048EE694}" type="datetimeFigureOut">
               <a:rPr lang="en-US" smtClean="0"/>
-              <a:t>1/23/2022</a:t>
+              <a:t>1/26/2022</a:t>
             </a:fld>
             <a:endParaRPr lang="en-US"/>
           </a:p>
@@ -2149,7 +2147,7 @@
     </p:spTree>
     <p:extLst>
       <p:ext uri="{BB962C8B-B14F-4D97-AF65-F5344CB8AC3E}">
-        <p14:creationId xmlns:p14="http://schemas.microsoft.com/office/powerpoint/2010/main" val="2685369133"/>
+        <p14:creationId xmlns:p14="http://schemas.microsoft.com/office/powerpoint/2010/main" val="1147311104"/>
       </p:ext>
     </p:extLst>
   </p:cSld>
@@ -2188,8 +2186,8 @@
         </p:nvSpPr>
         <p:spPr>
           <a:xfrm>
-            <a:off x="839788" y="457200"/>
-            <a:ext cx="3932237" cy="1600200"/>
+            <a:off x="692825" y="457200"/>
+            <a:ext cx="3244096" cy="1600200"/>
           </a:xfrm>
         </p:spPr>
         <p:txBody>
@@ -2204,7 +2202,7 @@
               <a:rPr lang="en-US" smtClean="0"/>
               <a:t>Click to edit Master title style</a:t>
             </a:r>
-            <a:endParaRPr lang="en-US"/>
+            <a:endParaRPr lang="en-US" dirty="0"/>
           </a:p>
         </p:txBody>
       </p:sp>
@@ -2212,7 +2210,7 @@
         <p:nvSpPr>
           <p:cNvPr id="3" name="Picture Placeholder 2"/>
           <p:cNvSpPr>
-            <a:spLocks noGrp="1"/>
+            <a:spLocks noGrp="1" noChangeAspect="1"/>
           </p:cNvSpPr>
           <p:nvPr>
             <p:ph type="pic" idx="1"/>
@@ -2220,8 +2218,73 @@
         </p:nvSpPr>
         <p:spPr>
           <a:xfrm>
-            <a:off x="5183188" y="987425"/>
-            <a:ext cx="6172200" cy="4873625"/>
+            <a:off x="4276130" y="987427"/>
+            <a:ext cx="5092065" cy="4873625"/>
+          </a:xfrm>
+        </p:spPr>
+        <p:txBody>
+          <a:bodyPr anchor="t"/>
+          <a:lstStyle>
+            <a:lvl1pPr marL="0" indent="0">
+              <a:buNone/>
+              <a:defRPr sz="3200"/>
+            </a:lvl1pPr>
+            <a:lvl2pPr marL="457200" indent="0">
+              <a:buNone/>
+              <a:defRPr sz="2800"/>
+            </a:lvl2pPr>
+            <a:lvl3pPr marL="914400" indent="0">
+              <a:buNone/>
+              <a:defRPr sz="2400"/>
+            </a:lvl3pPr>
+            <a:lvl4pPr marL="1371600" indent="0">
+              <a:buNone/>
+              <a:defRPr sz="2000"/>
+            </a:lvl4pPr>
+            <a:lvl5pPr marL="1828800" indent="0">
+              <a:buNone/>
+              <a:defRPr sz="2000"/>
+            </a:lvl5pPr>
+            <a:lvl6pPr marL="2286000" indent="0">
+              <a:buNone/>
+              <a:defRPr sz="2000"/>
+            </a:lvl6pPr>
+            <a:lvl7pPr marL="2743200" indent="0">
+              <a:buNone/>
+              <a:defRPr sz="2000"/>
+            </a:lvl7pPr>
+            <a:lvl8pPr marL="3200400" indent="0">
+              <a:buNone/>
+              <a:defRPr sz="2000"/>
+            </a:lvl8pPr>
+            <a:lvl9pPr marL="3657600" indent="0">
+              <a:buNone/>
+              <a:defRPr sz="2000"/>
+            </a:lvl9pPr>
+          </a:lstStyle>
+          <a:p>
+            <a:r>
+              <a:rPr lang="en-US" smtClean="0"/>
+              <a:t>Click icon to add picture</a:t>
+            </a:r>
+            <a:endParaRPr lang="en-US" dirty="0"/>
+          </a:p>
+        </p:txBody>
+      </p:sp>
+      <p:sp>
+        <p:nvSpPr>
+          <p:cNvPr id="4" name="Text Placeholder 3"/>
+          <p:cNvSpPr>
+            <a:spLocks noGrp="1"/>
+          </p:cNvSpPr>
+          <p:nvPr>
+            <p:ph type="body" sz="half" idx="2"/>
+          </p:nvPr>
+        </p:nvSpPr>
+        <p:spPr>
+          <a:xfrm>
+            <a:off x="692825" y="2057400"/>
+            <a:ext cx="3244096" cy="3811588"/>
           </a:xfrm>
         </p:spPr>
         <p:txBody>
@@ -2229,67 +2292,6 @@
           <a:lstStyle>
             <a:lvl1pPr marL="0" indent="0">
               <a:buNone/>
-              <a:defRPr sz="3200"/>
-            </a:lvl1pPr>
-            <a:lvl2pPr marL="457200" indent="0">
-              <a:buNone/>
-              <a:defRPr sz="2800"/>
-            </a:lvl2pPr>
-            <a:lvl3pPr marL="914400" indent="0">
-              <a:buNone/>
-              <a:defRPr sz="2400"/>
-            </a:lvl3pPr>
-            <a:lvl4pPr marL="1371600" indent="0">
-              <a:buNone/>
-              <a:defRPr sz="2000"/>
-            </a:lvl4pPr>
-            <a:lvl5pPr marL="1828800" indent="0">
-              <a:buNone/>
-              <a:defRPr sz="2000"/>
-            </a:lvl5pPr>
-            <a:lvl6pPr marL="2286000" indent="0">
-              <a:buNone/>
-              <a:defRPr sz="2000"/>
-            </a:lvl6pPr>
-            <a:lvl7pPr marL="2743200" indent="0">
-              <a:buNone/>
-              <a:defRPr sz="2000"/>
-            </a:lvl7pPr>
-            <a:lvl8pPr marL="3200400" indent="0">
-              <a:buNone/>
-              <a:defRPr sz="2000"/>
-            </a:lvl8pPr>
-            <a:lvl9pPr marL="3657600" indent="0">
-              <a:buNone/>
-              <a:defRPr sz="2000"/>
-            </a:lvl9pPr>
-          </a:lstStyle>
-          <a:p>
-            <a:endParaRPr lang="en-US"/>
-          </a:p>
-        </p:txBody>
-      </p:sp>
-      <p:sp>
-        <p:nvSpPr>
-          <p:cNvPr id="4" name="Text Placeholder 3"/>
-          <p:cNvSpPr>
-            <a:spLocks noGrp="1"/>
-          </p:cNvSpPr>
-          <p:nvPr>
-            <p:ph type="body" sz="half" idx="2"/>
-          </p:nvPr>
-        </p:nvSpPr>
-        <p:spPr>
-          <a:xfrm>
-            <a:off x="839788" y="2057400"/>
-            <a:ext cx="3932237" cy="3811588"/>
-          </a:xfrm>
-        </p:spPr>
-        <p:txBody>
-          <a:bodyPr/>
-          <a:lstStyle>
-            <a:lvl1pPr marL="0" indent="0">
-              <a:buNone/>
               <a:defRPr sz="1600"/>
             </a:lvl1pPr>
             <a:lvl2pPr marL="457200" indent="0">
@@ -2351,7 +2353,7 @@
           <a:p>
             <a:fld id="{F5BBD67F-9228-4D1B-A549-79D3048EE694}" type="datetimeFigureOut">
               <a:rPr lang="en-US" smtClean="0"/>
-              <a:t>1/23/2022</a:t>
+              <a:t>1/26/2022</a:t>
             </a:fld>
             <a:endParaRPr lang="en-US"/>
           </a:p>
@@ -2402,7 +2404,7 @@
     </p:spTree>
     <p:extLst>
       <p:ext uri="{BB962C8B-B14F-4D97-AF65-F5344CB8AC3E}">
-        <p14:creationId xmlns:p14="http://schemas.microsoft.com/office/powerpoint/2010/main" val="2439031267"/>
+        <p14:creationId xmlns:p14="http://schemas.microsoft.com/office/powerpoint/2010/main" val="1495130798"/>
       </p:ext>
     </p:extLst>
   </p:cSld>
@@ -2446,8 +2448,8 @@
         </p:nvSpPr>
         <p:spPr>
           <a:xfrm>
-            <a:off x="838200" y="365125"/>
-            <a:ext cx="10515600" cy="1325563"/>
+            <a:off x="691515" y="365127"/>
+            <a:ext cx="8675370" cy="1325563"/>
           </a:xfrm>
           <a:prstGeom prst="rect">
             <a:avLst/>
@@ -2463,7 +2465,7 @@
               <a:rPr lang="en-US" smtClean="0"/>
               <a:t>Click to edit Master title style</a:t>
             </a:r>
-            <a:endParaRPr lang="en-US"/>
+            <a:endParaRPr lang="en-US" dirty="0"/>
           </a:p>
         </p:txBody>
       </p:sp>
@@ -2479,8 +2481,8 @@
         </p:nvSpPr>
         <p:spPr>
           <a:xfrm>
-            <a:off x="838200" y="1825625"/>
-            <a:ext cx="10515600" cy="4351338"/>
+            <a:off x="691515" y="1825625"/>
+            <a:ext cx="8675370" cy="4351338"/>
           </a:xfrm>
           <a:prstGeom prst="rect">
             <a:avLst/>
@@ -2525,7 +2527,7 @@
               <a:rPr lang="en-US" smtClean="0"/>
               <a:t>Fifth level</a:t>
             </a:r>
-            <a:endParaRPr lang="en-US"/>
+            <a:endParaRPr lang="en-US" dirty="0"/>
           </a:p>
         </p:txBody>
       </p:sp>
@@ -2541,8 +2543,8 @@
         </p:nvSpPr>
         <p:spPr>
           <a:xfrm>
-            <a:off x="838200" y="6356350"/>
-            <a:ext cx="2743200" cy="365125"/>
+            <a:off x="691515" y="6356352"/>
+            <a:ext cx="2263140" cy="365125"/>
           </a:xfrm>
           <a:prstGeom prst="rect">
             <a:avLst/>
@@ -2564,7 +2566,7 @@
           <a:p>
             <a:fld id="{F5BBD67F-9228-4D1B-A549-79D3048EE694}" type="datetimeFigureOut">
               <a:rPr lang="en-US" smtClean="0"/>
-              <a:t>1/23/2022</a:t>
+              <a:t>1/26/2022</a:t>
             </a:fld>
             <a:endParaRPr lang="en-US"/>
           </a:p>
@@ -2582,8 +2584,8 @@
         </p:nvSpPr>
         <p:spPr>
           <a:xfrm>
-            <a:off x="4038600" y="6356350"/>
-            <a:ext cx="4114800" cy="365125"/>
+            <a:off x="3331845" y="6356352"/>
+            <a:ext cx="3394710" cy="365125"/>
           </a:xfrm>
           <a:prstGeom prst="rect">
             <a:avLst/>
@@ -2619,8 +2621,8 @@
         </p:nvSpPr>
         <p:spPr>
           <a:xfrm>
-            <a:off x="8610600" y="6356350"/>
-            <a:ext cx="2743200" cy="365125"/>
+            <a:off x="7103745" y="6356352"/>
+            <a:ext cx="2263140" cy="365125"/>
           </a:xfrm>
           <a:prstGeom prst="rect">
             <a:avLst/>
@@ -2651,23 +2653,23 @@
     </p:spTree>
     <p:extLst>
       <p:ext uri="{BB962C8B-B14F-4D97-AF65-F5344CB8AC3E}">
-        <p14:creationId xmlns:p14="http://schemas.microsoft.com/office/powerpoint/2010/main" val="3899079086"/>
+        <p14:creationId xmlns:p14="http://schemas.microsoft.com/office/powerpoint/2010/main" val="2850860516"/>
       </p:ext>
     </p:extLst>
   </p:cSld>
   <p:clrMap bg1="lt1" tx1="dk1" bg2="lt2" tx2="dk2" accent1="accent1" accent2="accent2" accent3="accent3" accent4="accent4" accent5="accent5" accent6="accent6" hlink="hlink" folHlink="folHlink"/>
   <p:sldLayoutIdLst>
-    <p:sldLayoutId id="2147483649" r:id="rId1"/>
-    <p:sldLayoutId id="2147483650" r:id="rId2"/>
-    <p:sldLayoutId id="2147483651" r:id="rId3"/>
-    <p:sldLayoutId id="2147483652" r:id="rId4"/>
-    <p:sldLayoutId id="2147483653" r:id="rId5"/>
-    <p:sldLayoutId id="2147483654" r:id="rId6"/>
-    <p:sldLayoutId id="2147483655" r:id="rId7"/>
-    <p:sldLayoutId id="2147483656" r:id="rId8"/>
-    <p:sldLayoutId id="2147483657" r:id="rId9"/>
-    <p:sldLayoutId id="2147483658" r:id="rId10"/>
-    <p:sldLayoutId id="2147483659" r:id="rId11"/>
+    <p:sldLayoutId id="2147483661" r:id="rId1"/>
+    <p:sldLayoutId id="2147483662" r:id="rId2"/>
+    <p:sldLayoutId id="2147483663" r:id="rId3"/>
+    <p:sldLayoutId id="2147483664" r:id="rId4"/>
+    <p:sldLayoutId id="2147483665" r:id="rId5"/>
+    <p:sldLayoutId id="2147483666" r:id="rId6"/>
+    <p:sldLayoutId id="2147483667" r:id="rId7"/>
+    <p:sldLayoutId id="2147483668" r:id="rId8"/>
+    <p:sldLayoutId id="2147483669" r:id="rId9"/>
+    <p:sldLayoutId id="2147483670" r:id="rId10"/>
+    <p:sldLayoutId id="2147483671" r:id="rId11"/>
   </p:sldLayoutIdLst>
   <p:txStyles>
     <p:titleStyle>
@@ -2984,7 +2986,7 @@
         </p:blipFill>
         <p:spPr>
           <a:xfrm>
-            <a:off x="5774177" y="5053262"/>
+            <a:off x="6453690" y="5003025"/>
             <a:ext cx="1600200" cy="1594185"/>
           </a:xfrm>
           <a:prstGeom prst="rect">
@@ -3005,7 +3007,7 @@
         </p:nvSpPr>
         <p:spPr>
           <a:xfrm>
-            <a:off x="1304114" y="1717046"/>
+            <a:off x="961214" y="1736096"/>
             <a:ext cx="1308050" cy="369332"/>
           </a:xfrm>
           <a:prstGeom prst="rect">
@@ -3020,7 +3022,7 @@
           <a:lstStyle/>
           <a:p>
             <a:r>
-              <a:rPr lang="nl-NL" dirty="0" smtClean="0"/>
+              <a:rPr lang="nl-NL" dirty="0"/>
               <a:t>Input image</a:t>
             </a:r>
             <a:endParaRPr lang="en-US" dirty="0"/>
@@ -3035,7 +3037,7 @@
         </p:nvSpPr>
         <p:spPr>
           <a:xfrm>
-            <a:off x="10503354" y="5535298"/>
+            <a:off x="6641283" y="4633691"/>
             <a:ext cx="1225015" cy="369332"/>
           </a:xfrm>
           <a:prstGeom prst="rect">
@@ -3050,7 +3052,7 @@
           <a:lstStyle/>
           <a:p>
             <a:r>
-              <a:rPr lang="nl-NL" dirty="0" smtClean="0"/>
+              <a:rPr lang="nl-NL" dirty="0"/>
               <a:t>Label mask</a:t>
             </a:r>
             <a:endParaRPr lang="en-US" dirty="0"/>
@@ -3065,7 +3067,7 @@
         </p:nvSpPr>
         <p:spPr>
           <a:xfrm>
-            <a:off x="10503354" y="1234962"/>
+            <a:off x="6454692" y="125599"/>
             <a:ext cx="1598194" cy="646331"/>
           </a:xfrm>
           <a:prstGeom prst="rect">
@@ -3081,14 +3083,14 @@
           <a:p>
             <a:pPr algn="ctr"/>
             <a:r>
-              <a:rPr lang="nl-NL" dirty="0" smtClean="0"/>
+              <a:rPr lang="nl-NL" dirty="0"/>
               <a:t>Measurements</a:t>
             </a:r>
           </a:p>
           <a:p>
             <a:pPr algn="ctr"/>
             <a:r>
-              <a:rPr lang="nl-NL" dirty="0" smtClean="0"/>
+              <a:rPr lang="nl-NL" dirty="0"/>
               <a:t>table</a:t>
             </a:r>
             <a:endParaRPr lang="en-US" dirty="0"/>
@@ -3103,7 +3105,7 @@
         </p:nvSpPr>
         <p:spPr>
           <a:xfrm>
-            <a:off x="10503354" y="3385130"/>
+            <a:off x="6828161" y="2394833"/>
             <a:ext cx="851259" cy="369332"/>
           </a:xfrm>
           <a:prstGeom prst="rect">
@@ -3118,7 +3120,7 @@
           <a:lstStyle/>
           <a:p>
             <a:r>
-              <a:rPr lang="nl-NL" dirty="0" smtClean="0"/>
+              <a:rPr lang="nl-NL" dirty="0"/>
               <a:t>ROI set</a:t>
             </a:r>
             <a:endParaRPr lang="en-US" dirty="0"/>
@@ -3133,8 +3135,8 @@
         </p:nvCxnSpPr>
         <p:spPr>
           <a:xfrm>
-            <a:off x="3761168" y="3569796"/>
-            <a:ext cx="1390586" cy="0"/>
+            <a:off x="3418270" y="3588846"/>
+            <a:ext cx="1390585" cy="0"/>
           </a:xfrm>
           <a:prstGeom prst="straightConnector1">
             <a:avLst/>
@@ -3169,7 +3171,7 @@
         </p:nvSpPr>
         <p:spPr>
           <a:xfrm>
-            <a:off x="3684871" y="2953154"/>
+            <a:off x="3341973" y="2972204"/>
             <a:ext cx="1543179" cy="369332"/>
           </a:xfrm>
           <a:prstGeom prst="rect">
@@ -3184,12 +3186,8 @@
           <a:lstStyle/>
           <a:p>
             <a:r>
-              <a:rPr lang="nl-NL" dirty="0" smtClean="0"/>
-              <a:t>Image </a:t>
-            </a:r>
-            <a:r>
-              <a:rPr lang="nl-NL" dirty="0" smtClean="0"/>
-              <a:t>analysis</a:t>
+              <a:rPr lang="nl-NL" dirty="0"/>
+              <a:t>Image analysis</a:t>
             </a:r>
             <a:endParaRPr lang="en-US" dirty="0"/>
           </a:p>
@@ -3210,7 +3208,7 @@
         </p:blipFill>
         <p:spPr>
           <a:xfrm>
-            <a:off x="733926" y="2400300"/>
+            <a:off x="391027" y="2419352"/>
             <a:ext cx="2448427" cy="2430379"/>
           </a:xfrm>
           <a:prstGeom prst="rect">
@@ -3227,14 +3225,14 @@
           <p:nvPr>
             <p:extLst>
               <p:ext uri="{D42A27DB-BD31-4B8C-83A1-F6EECF244321}">
-                <p14:modId xmlns:p14="http://schemas.microsoft.com/office/powerpoint/2010/main" val="2996222531"/>
+                <p14:modId xmlns:p14="http://schemas.microsoft.com/office/powerpoint/2010/main" val="1063371113"/>
               </p:ext>
             </p:extLst>
           </p:nvPr>
         </p:nvGraphicFramePr>
         <p:xfrm>
-          <a:off x="5767889" y="752878"/>
-          <a:ext cx="3657600" cy="1333500"/>
+          <a:off x="5424988" y="771929"/>
+          <a:ext cx="3657600" cy="1333507"/>
         </p:xfrm>
         <a:graphic>
           <a:graphicData uri="http://schemas.openxmlformats.org/drawingml/2006/table">
@@ -3286,7 +3284,7 @@
                   </a:extLst>
                 </a:gridCol>
               </a:tblGrid>
-              <a:tr h="190500">
+              <a:tr h="190501">
                 <a:tc>
                   <a:txBody>
                     <a:bodyPr/>
@@ -3545,7 +3543,7 @@
                   </a:ext>
                 </a:extLst>
               </a:tr>
-              <a:tr h="190500">
+              <a:tr h="190501">
                 <a:tc>
                   <a:txBody>
                     <a:bodyPr/>
@@ -3750,7 +3748,7 @@
                   </a:ext>
                 </a:extLst>
               </a:tr>
-              <a:tr h="190500">
+              <a:tr h="190501">
                 <a:tc>
                   <a:txBody>
                     <a:bodyPr/>
@@ -3895,7 +3893,7 @@
                   </a:ext>
                 </a:extLst>
               </a:tr>
-              <a:tr h="190500">
+              <a:tr h="190501">
                 <a:tc>
                   <a:txBody>
                     <a:bodyPr/>
@@ -4040,7 +4038,7 @@
                   </a:ext>
                 </a:extLst>
               </a:tr>
-              <a:tr h="190500">
+              <a:tr h="190501">
                 <a:tc>
                   <a:txBody>
                     <a:bodyPr/>
@@ -4185,7 +4183,7 @@
                   </a:ext>
                 </a:extLst>
               </a:tr>
-              <a:tr h="190500">
+              <a:tr h="190501">
                 <a:tc>
                   <a:txBody>
                     <a:bodyPr/>
@@ -4354,7 +4352,7 @@
                   </a:ext>
                 </a:extLst>
               </a:tr>
-              <a:tr h="190500">
+              <a:tr h="190501">
                 <a:tc>
                   <a:txBody>
                     <a:bodyPr/>
@@ -4645,7 +4643,7 @@
         </p:blipFill>
         <p:spPr>
           <a:xfrm>
-            <a:off x="5774177" y="2819961"/>
+            <a:off x="5431278" y="2839012"/>
             <a:ext cx="1603584" cy="1591056"/>
           </a:xfrm>
           <a:prstGeom prst="rect">
@@ -4667,14 +4665,14 @@
           <p:nvPr>
             <p:extLst>
               <p:ext uri="{D42A27DB-BD31-4B8C-83A1-F6EECF244321}">
-                <p14:modId xmlns:p14="http://schemas.microsoft.com/office/powerpoint/2010/main" val="192534112"/>
+                <p14:modId xmlns:p14="http://schemas.microsoft.com/office/powerpoint/2010/main" val="3178999725"/>
               </p:ext>
             </p:extLst>
           </p:nvPr>
         </p:nvGraphicFramePr>
         <p:xfrm>
-          <a:off x="7665269" y="2948739"/>
-          <a:ext cx="2372895" cy="1333500"/>
+          <a:off x="7322371" y="2967790"/>
+          <a:ext cx="2372895" cy="1333507"/>
         </p:xfrm>
         <a:graphic>
           <a:graphicData uri="http://schemas.openxmlformats.org/drawingml/2006/table">
@@ -4719,7 +4717,7 @@
                   </a:extLst>
                 </a:gridCol>
               </a:tblGrid>
-              <a:tr h="190500">
+              <a:tr h="190501">
                 <a:tc>
                   <a:txBody>
                     <a:bodyPr/>
@@ -4936,7 +4934,7 @@
                   </a:ext>
                 </a:extLst>
               </a:tr>
-              <a:tr h="190500">
+              <a:tr h="190501">
                 <a:tc>
                   <a:txBody>
                     <a:bodyPr/>
@@ -5108,7 +5106,7 @@
                   </a:ext>
                 </a:extLst>
               </a:tr>
-              <a:tr h="190500">
+              <a:tr h="190501">
                 <a:tc>
                   <a:txBody>
                     <a:bodyPr/>
@@ -5230,7 +5228,7 @@
                   </a:ext>
                 </a:extLst>
               </a:tr>
-              <a:tr h="190500">
+              <a:tr h="190501">
                 <a:tc>
                   <a:txBody>
                     <a:bodyPr/>
@@ -5352,7 +5350,7 @@
                   </a:ext>
                 </a:extLst>
               </a:tr>
-              <a:tr h="190500">
+              <a:tr h="190501">
                 <a:tc>
                   <a:txBody>
                     <a:bodyPr/>
@@ -5474,7 +5472,7 @@
                   </a:ext>
                 </a:extLst>
               </a:tr>
-              <a:tr h="190500">
+              <a:tr h="190501">
                 <a:tc>
                   <a:txBody>
                     <a:bodyPr/>
@@ -5596,7 +5594,7 @@
                   </a:ext>
                 </a:extLst>
               </a:tr>
-              <a:tr h="190500">
+              <a:tr h="190501">
                 <a:tc>
                   <a:txBody>
                     <a:bodyPr/>
@@ -5738,7 +5736,7 @@
 <file path=ppt/theme/theme1.xml><?xml version="1.0" encoding="utf-8"?>
 <a:theme xmlns:a="http://schemas.openxmlformats.org/drawingml/2006/main" name="Office Theme">
   <a:themeElements>
-    <a:clrScheme name="Office">
+    <a:clrScheme name="Office Theme">
       <a:dk1>
         <a:sysClr val="windowText" lastClr="000000"/>
       </a:dk1>
@@ -5776,7 +5774,7 @@
         <a:srgbClr val="954F72"/>
       </a:folHlink>
     </a:clrScheme>
-    <a:fontScheme name="Office">
+    <a:fontScheme name="Office Theme">
       <a:majorFont>
         <a:latin typeface="Calibri Light" panose="020F0302020204030204"/>
         <a:ea typeface=""/>
@@ -5848,7 +5846,7 @@
         <a:font script="Geor" typeface="Sylfaen"/>
       </a:minorFont>
     </a:fontScheme>
-    <a:fmtScheme name="Office">
+    <a:fmtScheme name="Office Theme">
       <a:fillStyleLst>
         <a:solidFill>
           <a:schemeClr val="phClr"/>

--- a/figures/resources/output_saving.pptx
+++ b/figures/resources/output_saving.pptx
@@ -2,12 +2,13 @@
 <file path=ppt/presentation.xml><?xml version="1.0" encoding="utf-8"?>
 <p:presentation xmlns:a="http://schemas.openxmlformats.org/drawingml/2006/main" xmlns:r="http://schemas.openxmlformats.org/officeDocument/2006/relationships" xmlns:p="http://schemas.openxmlformats.org/presentationml/2006/main" saveSubsetFonts="1">
   <p:sldMasterIdLst>
-    <p:sldMasterId id="2147483660" r:id="rId1"/>
+    <p:sldMasterId id="2147483684" r:id="rId1"/>
   </p:sldMasterIdLst>
   <p:sldIdLst>
     <p:sldId id="256" r:id="rId2"/>
+    <p:sldId id="257" r:id="rId3"/>
   </p:sldIdLst>
-  <p:sldSz cx="10058400" cy="6858000"/>
+  <p:sldSz cx="10972800" cy="4572000"/>
   <p:notesSz cx="6858000" cy="9144000"/>
   <p:defaultTextStyle>
     <a:defPPr>
@@ -141,15 +142,15 @@
         </p:nvSpPr>
         <p:spPr>
           <a:xfrm>
-            <a:off x="754380" y="1122363"/>
-            <a:ext cx="8549640" cy="2387600"/>
+            <a:off x="1371600" y="748242"/>
+            <a:ext cx="8229600" cy="1591733"/>
           </a:xfrm>
         </p:spPr>
         <p:txBody>
           <a:bodyPr anchor="b"/>
           <a:lstStyle>
             <a:lvl1pPr algn="ctr">
-              <a:defRPr sz="6000"/>
+              <a:defRPr sz="4000"/>
             </a:lvl1pPr>
           </a:lstStyle>
           <a:p>
@@ -173,8 +174,8 @@
         </p:nvSpPr>
         <p:spPr>
           <a:xfrm>
-            <a:off x="1257300" y="3602038"/>
-            <a:ext cx="7543800" cy="1655762"/>
+            <a:off x="1371600" y="2401359"/>
+            <a:ext cx="8229600" cy="1103841"/>
           </a:xfrm>
         </p:spPr>
         <p:txBody>
@@ -182,39 +183,39 @@
           <a:lstStyle>
             <a:lvl1pPr marL="0" indent="0" algn="ctr">
               <a:buNone/>
-              <a:defRPr sz="2400"/>
+              <a:defRPr sz="1600"/>
             </a:lvl1pPr>
-            <a:lvl2pPr marL="457200" indent="0" algn="ctr">
+            <a:lvl2pPr marL="304815" indent="0" algn="ctr">
               <a:buNone/>
-              <a:defRPr sz="2000"/>
+              <a:defRPr sz="1333"/>
             </a:lvl2pPr>
-            <a:lvl3pPr marL="914400" indent="0" algn="ctr">
+            <a:lvl3pPr marL="609630" indent="0" algn="ctr">
               <a:buNone/>
-              <a:defRPr sz="1800"/>
+              <a:defRPr sz="1200"/>
             </a:lvl3pPr>
-            <a:lvl4pPr marL="1371600" indent="0" algn="ctr">
+            <a:lvl4pPr marL="914446" indent="0" algn="ctr">
               <a:buNone/>
-              <a:defRPr sz="1600"/>
+              <a:defRPr sz="1067"/>
             </a:lvl4pPr>
-            <a:lvl5pPr marL="1828800" indent="0" algn="ctr">
+            <a:lvl5pPr marL="1219261" indent="0" algn="ctr">
               <a:buNone/>
-              <a:defRPr sz="1600"/>
+              <a:defRPr sz="1067"/>
             </a:lvl5pPr>
-            <a:lvl6pPr marL="2286000" indent="0" algn="ctr">
+            <a:lvl6pPr marL="1524076" indent="0" algn="ctr">
               <a:buNone/>
-              <a:defRPr sz="1600"/>
+              <a:defRPr sz="1067"/>
             </a:lvl6pPr>
-            <a:lvl7pPr marL="2743200" indent="0" algn="ctr">
+            <a:lvl7pPr marL="1828891" indent="0" algn="ctr">
               <a:buNone/>
-              <a:defRPr sz="1600"/>
+              <a:defRPr sz="1067"/>
             </a:lvl7pPr>
-            <a:lvl8pPr marL="3200400" indent="0" algn="ctr">
+            <a:lvl8pPr marL="2133707" indent="0" algn="ctr">
               <a:buNone/>
-              <a:defRPr sz="1600"/>
+              <a:defRPr sz="1067"/>
             </a:lvl8pPr>
-            <a:lvl9pPr marL="3657600" indent="0" algn="ctr">
+            <a:lvl9pPr marL="2438522" indent="0" algn="ctr">
               <a:buNone/>
-              <a:defRPr sz="1600"/>
+              <a:defRPr sz="1067"/>
             </a:lvl9pPr>
           </a:lstStyle>
           <a:p>
@@ -243,7 +244,7 @@
           <a:p>
             <a:fld id="{F5BBD67F-9228-4D1B-A549-79D3048EE694}" type="datetimeFigureOut">
               <a:rPr lang="en-US" smtClean="0"/>
-              <a:t>1/26/2022</a:t>
+              <a:t>3/15/2022</a:t>
             </a:fld>
             <a:endParaRPr lang="en-US"/>
           </a:p>
@@ -294,7 +295,7 @@
     </p:spTree>
     <p:extLst>
       <p:ext uri="{BB962C8B-B14F-4D97-AF65-F5344CB8AC3E}">
-        <p14:creationId xmlns:p14="http://schemas.microsoft.com/office/powerpoint/2010/main" val="2971932299"/>
+        <p14:creationId xmlns:p14="http://schemas.microsoft.com/office/powerpoint/2010/main" val="3138349826"/>
       </p:ext>
     </p:extLst>
   </p:cSld>
@@ -413,7 +414,7 @@
           <a:p>
             <a:fld id="{F5BBD67F-9228-4D1B-A549-79D3048EE694}" type="datetimeFigureOut">
               <a:rPr lang="en-US" smtClean="0"/>
-              <a:t>1/26/2022</a:t>
+              <a:t>3/15/2022</a:t>
             </a:fld>
             <a:endParaRPr lang="en-US"/>
           </a:p>
@@ -464,7 +465,7 @@
     </p:spTree>
     <p:extLst>
       <p:ext uri="{BB962C8B-B14F-4D97-AF65-F5344CB8AC3E}">
-        <p14:creationId xmlns:p14="http://schemas.microsoft.com/office/powerpoint/2010/main" val="3718435465"/>
+        <p14:creationId xmlns:p14="http://schemas.microsoft.com/office/powerpoint/2010/main" val="3496209178"/>
       </p:ext>
     </p:extLst>
   </p:cSld>
@@ -503,8 +504,8 @@
         </p:nvSpPr>
         <p:spPr>
           <a:xfrm>
-            <a:off x="7198043" y="365125"/>
-            <a:ext cx="2168843" cy="5811838"/>
+            <a:off x="7852410" y="243417"/>
+            <a:ext cx="2366010" cy="3874559"/>
           </a:xfrm>
         </p:spPr>
         <p:txBody>
@@ -531,8 +532,8 @@
         </p:nvSpPr>
         <p:spPr>
           <a:xfrm>
-            <a:off x="691515" y="365125"/>
-            <a:ext cx="6380798" cy="5811838"/>
+            <a:off x="754380" y="243417"/>
+            <a:ext cx="6960870" cy="3874559"/>
           </a:xfrm>
         </p:spPr>
         <p:txBody>
@@ -593,7 +594,7 @@
           <a:p>
             <a:fld id="{F5BBD67F-9228-4D1B-A549-79D3048EE694}" type="datetimeFigureOut">
               <a:rPr lang="en-US" smtClean="0"/>
-              <a:t>1/26/2022</a:t>
+              <a:t>3/15/2022</a:t>
             </a:fld>
             <a:endParaRPr lang="en-US"/>
           </a:p>
@@ -644,7 +645,7 @@
     </p:spTree>
     <p:extLst>
       <p:ext uri="{BB962C8B-B14F-4D97-AF65-F5344CB8AC3E}">
-        <p14:creationId xmlns:p14="http://schemas.microsoft.com/office/powerpoint/2010/main" val="1836297299"/>
+        <p14:creationId xmlns:p14="http://schemas.microsoft.com/office/powerpoint/2010/main" val="2567140790"/>
       </p:ext>
     </p:extLst>
   </p:cSld>
@@ -763,7 +764,7 @@
           <a:p>
             <a:fld id="{F5BBD67F-9228-4D1B-A549-79D3048EE694}" type="datetimeFigureOut">
               <a:rPr lang="en-US" smtClean="0"/>
-              <a:t>1/26/2022</a:t>
+              <a:t>3/15/2022</a:t>
             </a:fld>
             <a:endParaRPr lang="en-US"/>
           </a:p>
@@ -814,7 +815,7 @@
     </p:spTree>
     <p:extLst>
       <p:ext uri="{BB962C8B-B14F-4D97-AF65-F5344CB8AC3E}">
-        <p14:creationId xmlns:p14="http://schemas.microsoft.com/office/powerpoint/2010/main" val="3617705811"/>
+        <p14:creationId xmlns:p14="http://schemas.microsoft.com/office/powerpoint/2010/main" val="3785035113"/>
       </p:ext>
     </p:extLst>
   </p:cSld>
@@ -853,15 +854,15 @@
         </p:nvSpPr>
         <p:spPr>
           <a:xfrm>
-            <a:off x="686277" y="1709740"/>
-            <a:ext cx="8675370" cy="2852737"/>
+            <a:off x="748665" y="1139826"/>
+            <a:ext cx="9464040" cy="1901825"/>
           </a:xfrm>
         </p:spPr>
         <p:txBody>
           <a:bodyPr anchor="b"/>
           <a:lstStyle>
             <a:lvl1pPr>
-              <a:defRPr sz="6000"/>
+              <a:defRPr sz="4000"/>
             </a:lvl1pPr>
           </a:lstStyle>
           <a:p>
@@ -885,42 +886,14 @@
         </p:nvSpPr>
         <p:spPr>
           <a:xfrm>
-            <a:off x="686277" y="4589465"/>
-            <a:ext cx="8675370" cy="1500187"/>
+            <a:off x="748665" y="3059642"/>
+            <a:ext cx="9464040" cy="1000125"/>
           </a:xfrm>
         </p:spPr>
         <p:txBody>
           <a:bodyPr/>
           <a:lstStyle>
             <a:lvl1pPr marL="0" indent="0">
-              <a:buNone/>
-              <a:defRPr sz="2400">
-                <a:solidFill>
-                  <a:schemeClr val="tx1"/>
-                </a:solidFill>
-              </a:defRPr>
-            </a:lvl1pPr>
-            <a:lvl2pPr marL="457200" indent="0">
-              <a:buNone/>
-              <a:defRPr sz="2000">
-                <a:solidFill>
-                  <a:schemeClr val="tx1">
-                    <a:tint val="75000"/>
-                  </a:schemeClr>
-                </a:solidFill>
-              </a:defRPr>
-            </a:lvl2pPr>
-            <a:lvl3pPr marL="914400" indent="0">
-              <a:buNone/>
-              <a:defRPr sz="1800">
-                <a:solidFill>
-                  <a:schemeClr val="tx1">
-                    <a:tint val="75000"/>
-                  </a:schemeClr>
-                </a:solidFill>
-              </a:defRPr>
-            </a:lvl3pPr>
-            <a:lvl4pPr marL="1371600" indent="0">
               <a:buNone/>
               <a:defRPr sz="1600">
                 <a:solidFill>
@@ -929,10 +902,40 @@
                   </a:schemeClr>
                 </a:solidFill>
               </a:defRPr>
+            </a:lvl1pPr>
+            <a:lvl2pPr marL="304815" indent="0">
+              <a:buNone/>
+              <a:defRPr sz="1333">
+                <a:solidFill>
+                  <a:schemeClr val="tx1">
+                    <a:tint val="75000"/>
+                  </a:schemeClr>
+                </a:solidFill>
+              </a:defRPr>
+            </a:lvl2pPr>
+            <a:lvl3pPr marL="609630" indent="0">
+              <a:buNone/>
+              <a:defRPr sz="1200">
+                <a:solidFill>
+                  <a:schemeClr val="tx1">
+                    <a:tint val="75000"/>
+                  </a:schemeClr>
+                </a:solidFill>
+              </a:defRPr>
+            </a:lvl3pPr>
+            <a:lvl4pPr marL="914446" indent="0">
+              <a:buNone/>
+              <a:defRPr sz="1067">
+                <a:solidFill>
+                  <a:schemeClr val="tx1">
+                    <a:tint val="75000"/>
+                  </a:schemeClr>
+                </a:solidFill>
+              </a:defRPr>
             </a:lvl4pPr>
-            <a:lvl5pPr marL="1828800" indent="0">
+            <a:lvl5pPr marL="1219261" indent="0">
               <a:buNone/>
-              <a:defRPr sz="1600">
+              <a:defRPr sz="1067">
                 <a:solidFill>
                   <a:schemeClr val="tx1">
                     <a:tint val="75000"/>
@@ -940,9 +943,9 @@
                 </a:solidFill>
               </a:defRPr>
             </a:lvl5pPr>
-            <a:lvl6pPr marL="2286000" indent="0">
+            <a:lvl6pPr marL="1524076" indent="0">
               <a:buNone/>
-              <a:defRPr sz="1600">
+              <a:defRPr sz="1067">
                 <a:solidFill>
                   <a:schemeClr val="tx1">
                     <a:tint val="75000"/>
@@ -950,9 +953,9 @@
                 </a:solidFill>
               </a:defRPr>
             </a:lvl6pPr>
-            <a:lvl7pPr marL="2743200" indent="0">
+            <a:lvl7pPr marL="1828891" indent="0">
               <a:buNone/>
-              <a:defRPr sz="1600">
+              <a:defRPr sz="1067">
                 <a:solidFill>
                   <a:schemeClr val="tx1">
                     <a:tint val="75000"/>
@@ -960,9 +963,9 @@
                 </a:solidFill>
               </a:defRPr>
             </a:lvl7pPr>
-            <a:lvl8pPr marL="3200400" indent="0">
+            <a:lvl8pPr marL="2133707" indent="0">
               <a:buNone/>
-              <a:defRPr sz="1600">
+              <a:defRPr sz="1067">
                 <a:solidFill>
                   <a:schemeClr val="tx1">
                     <a:tint val="75000"/>
@@ -970,9 +973,9 @@
                 </a:solidFill>
               </a:defRPr>
             </a:lvl8pPr>
-            <a:lvl9pPr marL="3657600" indent="0">
+            <a:lvl9pPr marL="2438522" indent="0">
               <a:buNone/>
-              <a:defRPr sz="1600">
+              <a:defRPr sz="1067">
                 <a:solidFill>
                   <a:schemeClr val="tx1">
                     <a:tint val="75000"/>
@@ -1007,7 +1010,7 @@
           <a:p>
             <a:fld id="{F5BBD67F-9228-4D1B-A549-79D3048EE694}" type="datetimeFigureOut">
               <a:rPr lang="en-US" smtClean="0"/>
-              <a:t>1/26/2022</a:t>
+              <a:t>3/15/2022</a:t>
             </a:fld>
             <a:endParaRPr lang="en-US"/>
           </a:p>
@@ -1058,7 +1061,7 @@
     </p:spTree>
     <p:extLst>
       <p:ext uri="{BB962C8B-B14F-4D97-AF65-F5344CB8AC3E}">
-        <p14:creationId xmlns:p14="http://schemas.microsoft.com/office/powerpoint/2010/main" val="1099025988"/>
+        <p14:creationId xmlns:p14="http://schemas.microsoft.com/office/powerpoint/2010/main" val="3950798337"/>
       </p:ext>
     </p:extLst>
   </p:cSld>
@@ -1120,8 +1123,8 @@
         </p:nvSpPr>
         <p:spPr>
           <a:xfrm>
-            <a:off x="691515" y="1825625"/>
-            <a:ext cx="4274820" cy="4351338"/>
+            <a:off x="754380" y="1217083"/>
+            <a:ext cx="4663440" cy="2900892"/>
           </a:xfrm>
         </p:spPr>
         <p:txBody>
@@ -1177,8 +1180,8 @@
         </p:nvSpPr>
         <p:spPr>
           <a:xfrm>
-            <a:off x="5092065" y="1825625"/>
-            <a:ext cx="4274820" cy="4351338"/>
+            <a:off x="5554980" y="1217083"/>
+            <a:ext cx="4663440" cy="2900892"/>
           </a:xfrm>
         </p:spPr>
         <p:txBody>
@@ -1239,7 +1242,7 @@
           <a:p>
             <a:fld id="{F5BBD67F-9228-4D1B-A549-79D3048EE694}" type="datetimeFigureOut">
               <a:rPr lang="en-US" smtClean="0"/>
-              <a:t>1/26/2022</a:t>
+              <a:t>3/15/2022</a:t>
             </a:fld>
             <a:endParaRPr lang="en-US"/>
           </a:p>
@@ -1290,7 +1293,7 @@
     </p:spTree>
     <p:extLst>
       <p:ext uri="{BB962C8B-B14F-4D97-AF65-F5344CB8AC3E}">
-        <p14:creationId xmlns:p14="http://schemas.microsoft.com/office/powerpoint/2010/main" val="868529472"/>
+        <p14:creationId xmlns:p14="http://schemas.microsoft.com/office/powerpoint/2010/main" val="637758153"/>
       </p:ext>
     </p:extLst>
   </p:cSld>
@@ -1329,8 +1332,8 @@
         </p:nvSpPr>
         <p:spPr>
           <a:xfrm>
-            <a:off x="692825" y="365127"/>
-            <a:ext cx="8675370" cy="1325563"/>
+            <a:off x="755809" y="243417"/>
+            <a:ext cx="9464040" cy="883709"/>
           </a:xfrm>
         </p:spPr>
         <p:txBody>
@@ -1357,8 +1360,8 @@
         </p:nvSpPr>
         <p:spPr>
           <a:xfrm>
-            <a:off x="692826" y="1681163"/>
-            <a:ext cx="4255174" cy="823912"/>
+            <a:off x="755810" y="1120775"/>
+            <a:ext cx="4642008" cy="549275"/>
           </a:xfrm>
         </p:spPr>
         <p:txBody>
@@ -1366,39 +1369,39 @@
           <a:lstStyle>
             <a:lvl1pPr marL="0" indent="0">
               <a:buNone/>
-              <a:defRPr sz="2400" b="1"/>
+              <a:defRPr sz="1600" b="1"/>
             </a:lvl1pPr>
-            <a:lvl2pPr marL="457200" indent="0">
+            <a:lvl2pPr marL="304815" indent="0">
               <a:buNone/>
-              <a:defRPr sz="2000" b="1"/>
+              <a:defRPr sz="1333" b="1"/>
             </a:lvl2pPr>
-            <a:lvl3pPr marL="914400" indent="0">
+            <a:lvl3pPr marL="609630" indent="0">
               <a:buNone/>
-              <a:defRPr sz="1800" b="1"/>
+              <a:defRPr sz="1200" b="1"/>
             </a:lvl3pPr>
-            <a:lvl4pPr marL="1371600" indent="0">
+            <a:lvl4pPr marL="914446" indent="0">
               <a:buNone/>
-              <a:defRPr sz="1600" b="1"/>
+              <a:defRPr sz="1067" b="1"/>
             </a:lvl4pPr>
-            <a:lvl5pPr marL="1828800" indent="0">
+            <a:lvl5pPr marL="1219261" indent="0">
               <a:buNone/>
-              <a:defRPr sz="1600" b="1"/>
+              <a:defRPr sz="1067" b="1"/>
             </a:lvl5pPr>
-            <a:lvl6pPr marL="2286000" indent="0">
+            <a:lvl6pPr marL="1524076" indent="0">
               <a:buNone/>
-              <a:defRPr sz="1600" b="1"/>
+              <a:defRPr sz="1067" b="1"/>
             </a:lvl6pPr>
-            <a:lvl7pPr marL="2743200" indent="0">
+            <a:lvl7pPr marL="1828891" indent="0">
               <a:buNone/>
-              <a:defRPr sz="1600" b="1"/>
+              <a:defRPr sz="1067" b="1"/>
             </a:lvl7pPr>
-            <a:lvl8pPr marL="3200400" indent="0">
+            <a:lvl8pPr marL="2133707" indent="0">
               <a:buNone/>
-              <a:defRPr sz="1600" b="1"/>
+              <a:defRPr sz="1067" b="1"/>
             </a:lvl8pPr>
-            <a:lvl9pPr marL="3657600" indent="0">
+            <a:lvl9pPr marL="2438522" indent="0">
               <a:buNone/>
-              <a:defRPr sz="1600" b="1"/>
+              <a:defRPr sz="1067" b="1"/>
             </a:lvl9pPr>
           </a:lstStyle>
           <a:p>
@@ -1422,8 +1425,8 @@
         </p:nvSpPr>
         <p:spPr>
           <a:xfrm>
-            <a:off x="692826" y="2505075"/>
-            <a:ext cx="4255174" cy="3684588"/>
+            <a:off x="755810" y="1670050"/>
+            <a:ext cx="4642008" cy="2456392"/>
           </a:xfrm>
         </p:spPr>
         <p:txBody>
@@ -1479,8 +1482,8 @@
         </p:nvSpPr>
         <p:spPr>
           <a:xfrm>
-            <a:off x="5092066" y="1681163"/>
-            <a:ext cx="4276130" cy="823912"/>
+            <a:off x="5554980" y="1120775"/>
+            <a:ext cx="4664869" cy="549275"/>
           </a:xfrm>
         </p:spPr>
         <p:txBody>
@@ -1488,39 +1491,39 @@
           <a:lstStyle>
             <a:lvl1pPr marL="0" indent="0">
               <a:buNone/>
-              <a:defRPr sz="2400" b="1"/>
+              <a:defRPr sz="1600" b="1"/>
             </a:lvl1pPr>
-            <a:lvl2pPr marL="457200" indent="0">
+            <a:lvl2pPr marL="304815" indent="0">
               <a:buNone/>
-              <a:defRPr sz="2000" b="1"/>
+              <a:defRPr sz="1333" b="1"/>
             </a:lvl2pPr>
-            <a:lvl3pPr marL="914400" indent="0">
+            <a:lvl3pPr marL="609630" indent="0">
               <a:buNone/>
-              <a:defRPr sz="1800" b="1"/>
+              <a:defRPr sz="1200" b="1"/>
             </a:lvl3pPr>
-            <a:lvl4pPr marL="1371600" indent="0">
+            <a:lvl4pPr marL="914446" indent="0">
               <a:buNone/>
-              <a:defRPr sz="1600" b="1"/>
+              <a:defRPr sz="1067" b="1"/>
             </a:lvl4pPr>
-            <a:lvl5pPr marL="1828800" indent="0">
+            <a:lvl5pPr marL="1219261" indent="0">
               <a:buNone/>
-              <a:defRPr sz="1600" b="1"/>
+              <a:defRPr sz="1067" b="1"/>
             </a:lvl5pPr>
-            <a:lvl6pPr marL="2286000" indent="0">
+            <a:lvl6pPr marL="1524076" indent="0">
               <a:buNone/>
-              <a:defRPr sz="1600" b="1"/>
+              <a:defRPr sz="1067" b="1"/>
             </a:lvl6pPr>
-            <a:lvl7pPr marL="2743200" indent="0">
+            <a:lvl7pPr marL="1828891" indent="0">
               <a:buNone/>
-              <a:defRPr sz="1600" b="1"/>
+              <a:defRPr sz="1067" b="1"/>
             </a:lvl7pPr>
-            <a:lvl8pPr marL="3200400" indent="0">
+            <a:lvl8pPr marL="2133707" indent="0">
               <a:buNone/>
-              <a:defRPr sz="1600" b="1"/>
+              <a:defRPr sz="1067" b="1"/>
             </a:lvl8pPr>
-            <a:lvl9pPr marL="3657600" indent="0">
+            <a:lvl9pPr marL="2438522" indent="0">
               <a:buNone/>
-              <a:defRPr sz="1600" b="1"/>
+              <a:defRPr sz="1067" b="1"/>
             </a:lvl9pPr>
           </a:lstStyle>
           <a:p>
@@ -1544,8 +1547,8 @@
         </p:nvSpPr>
         <p:spPr>
           <a:xfrm>
-            <a:off x="5092066" y="2505075"/>
-            <a:ext cx="4276130" cy="3684588"/>
+            <a:off x="5554980" y="1670050"/>
+            <a:ext cx="4664869" cy="2456392"/>
           </a:xfrm>
         </p:spPr>
         <p:txBody>
@@ -1606,7 +1609,7 @@
           <a:p>
             <a:fld id="{F5BBD67F-9228-4D1B-A549-79D3048EE694}" type="datetimeFigureOut">
               <a:rPr lang="en-US" smtClean="0"/>
-              <a:t>1/26/2022</a:t>
+              <a:t>3/15/2022</a:t>
             </a:fld>
             <a:endParaRPr lang="en-US"/>
           </a:p>
@@ -1657,7 +1660,7 @@
     </p:spTree>
     <p:extLst>
       <p:ext uri="{BB962C8B-B14F-4D97-AF65-F5344CB8AC3E}">
-        <p14:creationId xmlns:p14="http://schemas.microsoft.com/office/powerpoint/2010/main" val="3591701133"/>
+        <p14:creationId xmlns:p14="http://schemas.microsoft.com/office/powerpoint/2010/main" val="2687202650"/>
       </p:ext>
     </p:extLst>
   </p:cSld>
@@ -1724,7 +1727,7 @@
           <a:p>
             <a:fld id="{F5BBD67F-9228-4D1B-A549-79D3048EE694}" type="datetimeFigureOut">
               <a:rPr lang="en-US" smtClean="0"/>
-              <a:t>1/26/2022</a:t>
+              <a:t>3/15/2022</a:t>
             </a:fld>
             <a:endParaRPr lang="en-US"/>
           </a:p>
@@ -1775,7 +1778,7 @@
     </p:spTree>
     <p:extLst>
       <p:ext uri="{BB962C8B-B14F-4D97-AF65-F5344CB8AC3E}">
-        <p14:creationId xmlns:p14="http://schemas.microsoft.com/office/powerpoint/2010/main" val="1594191583"/>
+        <p14:creationId xmlns:p14="http://schemas.microsoft.com/office/powerpoint/2010/main" val="64292989"/>
       </p:ext>
     </p:extLst>
   </p:cSld>
@@ -1819,7 +1822,7 @@
           <a:p>
             <a:fld id="{F5BBD67F-9228-4D1B-A549-79D3048EE694}" type="datetimeFigureOut">
               <a:rPr lang="en-US" smtClean="0"/>
-              <a:t>1/26/2022</a:t>
+              <a:t>3/15/2022</a:t>
             </a:fld>
             <a:endParaRPr lang="en-US"/>
           </a:p>
@@ -1870,7 +1873,7 @@
     </p:spTree>
     <p:extLst>
       <p:ext uri="{BB962C8B-B14F-4D97-AF65-F5344CB8AC3E}">
-        <p14:creationId xmlns:p14="http://schemas.microsoft.com/office/powerpoint/2010/main" val="3600531631"/>
+        <p14:creationId xmlns:p14="http://schemas.microsoft.com/office/powerpoint/2010/main" val="523050384"/>
       </p:ext>
     </p:extLst>
   </p:cSld>
@@ -1909,15 +1912,15 @@
         </p:nvSpPr>
         <p:spPr>
           <a:xfrm>
-            <a:off x="692825" y="457200"/>
-            <a:ext cx="3244096" cy="1600200"/>
+            <a:off x="755810" y="304800"/>
+            <a:ext cx="3539013" cy="1066800"/>
           </a:xfrm>
         </p:spPr>
         <p:txBody>
           <a:bodyPr anchor="b"/>
           <a:lstStyle>
             <a:lvl1pPr>
-              <a:defRPr sz="3200"/>
+              <a:defRPr sz="2133"/>
             </a:lvl1pPr>
           </a:lstStyle>
           <a:p>
@@ -1941,39 +1944,39 @@
         </p:nvSpPr>
         <p:spPr>
           <a:xfrm>
-            <a:off x="4276130" y="987427"/>
-            <a:ext cx="5092065" cy="4873625"/>
+            <a:off x="4664869" y="658284"/>
+            <a:ext cx="5554980" cy="3249083"/>
           </a:xfrm>
         </p:spPr>
         <p:txBody>
           <a:bodyPr/>
           <a:lstStyle>
             <a:lvl1pPr>
-              <a:defRPr sz="3200"/>
+              <a:defRPr sz="2133"/>
             </a:lvl1pPr>
             <a:lvl2pPr>
-              <a:defRPr sz="2800"/>
+              <a:defRPr sz="1867"/>
             </a:lvl2pPr>
             <a:lvl3pPr>
-              <a:defRPr sz="2400"/>
+              <a:defRPr sz="1600"/>
             </a:lvl3pPr>
             <a:lvl4pPr>
-              <a:defRPr sz="2000"/>
+              <a:defRPr sz="1333"/>
             </a:lvl4pPr>
             <a:lvl5pPr>
-              <a:defRPr sz="2000"/>
+              <a:defRPr sz="1333"/>
             </a:lvl5pPr>
             <a:lvl6pPr>
-              <a:defRPr sz="2000"/>
+              <a:defRPr sz="1333"/>
             </a:lvl6pPr>
             <a:lvl7pPr>
-              <a:defRPr sz="2000"/>
+              <a:defRPr sz="1333"/>
             </a:lvl7pPr>
             <a:lvl8pPr>
-              <a:defRPr sz="2000"/>
+              <a:defRPr sz="1333"/>
             </a:lvl8pPr>
             <a:lvl9pPr>
-              <a:defRPr sz="2000"/>
+              <a:defRPr sz="1333"/>
             </a:lvl9pPr>
           </a:lstStyle>
           <a:p>
@@ -2026,8 +2029,8 @@
         </p:nvSpPr>
         <p:spPr>
           <a:xfrm>
-            <a:off x="692825" y="2057400"/>
-            <a:ext cx="3244096" cy="3811588"/>
+            <a:off x="755810" y="1371600"/>
+            <a:ext cx="3539013" cy="2541059"/>
           </a:xfrm>
         </p:spPr>
         <p:txBody>
@@ -2035,39 +2038,39 @@
           <a:lstStyle>
             <a:lvl1pPr marL="0" indent="0">
               <a:buNone/>
-              <a:defRPr sz="1600"/>
+              <a:defRPr sz="1067"/>
             </a:lvl1pPr>
-            <a:lvl2pPr marL="457200" indent="0">
+            <a:lvl2pPr marL="304815" indent="0">
               <a:buNone/>
-              <a:defRPr sz="1400"/>
+              <a:defRPr sz="933"/>
             </a:lvl2pPr>
-            <a:lvl3pPr marL="914400" indent="0">
+            <a:lvl3pPr marL="609630" indent="0">
               <a:buNone/>
-              <a:defRPr sz="1200"/>
+              <a:defRPr sz="800"/>
             </a:lvl3pPr>
-            <a:lvl4pPr marL="1371600" indent="0">
+            <a:lvl4pPr marL="914446" indent="0">
               <a:buNone/>
-              <a:defRPr sz="1000"/>
+              <a:defRPr sz="667"/>
             </a:lvl4pPr>
-            <a:lvl5pPr marL="1828800" indent="0">
+            <a:lvl5pPr marL="1219261" indent="0">
               <a:buNone/>
-              <a:defRPr sz="1000"/>
+              <a:defRPr sz="667"/>
             </a:lvl5pPr>
-            <a:lvl6pPr marL="2286000" indent="0">
+            <a:lvl6pPr marL="1524076" indent="0">
               <a:buNone/>
-              <a:defRPr sz="1000"/>
+              <a:defRPr sz="667"/>
             </a:lvl6pPr>
-            <a:lvl7pPr marL="2743200" indent="0">
+            <a:lvl7pPr marL="1828891" indent="0">
               <a:buNone/>
-              <a:defRPr sz="1000"/>
+              <a:defRPr sz="667"/>
             </a:lvl7pPr>
-            <a:lvl8pPr marL="3200400" indent="0">
+            <a:lvl8pPr marL="2133707" indent="0">
               <a:buNone/>
-              <a:defRPr sz="1000"/>
+              <a:defRPr sz="667"/>
             </a:lvl8pPr>
-            <a:lvl9pPr marL="3657600" indent="0">
+            <a:lvl9pPr marL="2438522" indent="0">
               <a:buNone/>
-              <a:defRPr sz="1000"/>
+              <a:defRPr sz="667"/>
             </a:lvl9pPr>
           </a:lstStyle>
           <a:p>
@@ -2096,7 +2099,7 @@
           <a:p>
             <a:fld id="{F5BBD67F-9228-4D1B-A549-79D3048EE694}" type="datetimeFigureOut">
               <a:rPr lang="en-US" smtClean="0"/>
-              <a:t>1/26/2022</a:t>
+              <a:t>3/15/2022</a:t>
             </a:fld>
             <a:endParaRPr lang="en-US"/>
           </a:p>
@@ -2147,7 +2150,7 @@
     </p:spTree>
     <p:extLst>
       <p:ext uri="{BB962C8B-B14F-4D97-AF65-F5344CB8AC3E}">
-        <p14:creationId xmlns:p14="http://schemas.microsoft.com/office/powerpoint/2010/main" val="1147311104"/>
+        <p14:creationId xmlns:p14="http://schemas.microsoft.com/office/powerpoint/2010/main" val="1032802551"/>
       </p:ext>
     </p:extLst>
   </p:cSld>
@@ -2186,15 +2189,15 @@
         </p:nvSpPr>
         <p:spPr>
           <a:xfrm>
-            <a:off x="692825" y="457200"/>
-            <a:ext cx="3244096" cy="1600200"/>
+            <a:off x="755810" y="304800"/>
+            <a:ext cx="3539013" cy="1066800"/>
           </a:xfrm>
         </p:spPr>
         <p:txBody>
           <a:bodyPr anchor="b"/>
           <a:lstStyle>
             <a:lvl1pPr>
-              <a:defRPr sz="3200"/>
+              <a:defRPr sz="2133"/>
             </a:lvl1pPr>
           </a:lstStyle>
           <a:p>
@@ -2218,8 +2221,8 @@
         </p:nvSpPr>
         <p:spPr>
           <a:xfrm>
-            <a:off x="4276130" y="987427"/>
-            <a:ext cx="5092065" cy="4873625"/>
+            <a:off x="4664869" y="658284"/>
+            <a:ext cx="5554980" cy="3249083"/>
           </a:xfrm>
         </p:spPr>
         <p:txBody>
@@ -2227,39 +2230,39 @@
           <a:lstStyle>
             <a:lvl1pPr marL="0" indent="0">
               <a:buNone/>
-              <a:defRPr sz="3200"/>
+              <a:defRPr sz="2133"/>
             </a:lvl1pPr>
-            <a:lvl2pPr marL="457200" indent="0">
+            <a:lvl2pPr marL="304815" indent="0">
               <a:buNone/>
-              <a:defRPr sz="2800"/>
+              <a:defRPr sz="1867"/>
             </a:lvl2pPr>
-            <a:lvl3pPr marL="914400" indent="0">
+            <a:lvl3pPr marL="609630" indent="0">
               <a:buNone/>
-              <a:defRPr sz="2400"/>
+              <a:defRPr sz="1600"/>
             </a:lvl3pPr>
-            <a:lvl4pPr marL="1371600" indent="0">
+            <a:lvl4pPr marL="914446" indent="0">
               <a:buNone/>
-              <a:defRPr sz="2000"/>
+              <a:defRPr sz="1333"/>
             </a:lvl4pPr>
-            <a:lvl5pPr marL="1828800" indent="0">
+            <a:lvl5pPr marL="1219261" indent="0">
               <a:buNone/>
-              <a:defRPr sz="2000"/>
+              <a:defRPr sz="1333"/>
             </a:lvl5pPr>
-            <a:lvl6pPr marL="2286000" indent="0">
+            <a:lvl6pPr marL="1524076" indent="0">
               <a:buNone/>
-              <a:defRPr sz="2000"/>
+              <a:defRPr sz="1333"/>
             </a:lvl6pPr>
-            <a:lvl7pPr marL="2743200" indent="0">
+            <a:lvl7pPr marL="1828891" indent="0">
               <a:buNone/>
-              <a:defRPr sz="2000"/>
+              <a:defRPr sz="1333"/>
             </a:lvl7pPr>
-            <a:lvl8pPr marL="3200400" indent="0">
+            <a:lvl8pPr marL="2133707" indent="0">
               <a:buNone/>
-              <a:defRPr sz="2000"/>
+              <a:defRPr sz="1333"/>
             </a:lvl8pPr>
-            <a:lvl9pPr marL="3657600" indent="0">
+            <a:lvl9pPr marL="2438522" indent="0">
               <a:buNone/>
-              <a:defRPr sz="2000"/>
+              <a:defRPr sz="1333"/>
             </a:lvl9pPr>
           </a:lstStyle>
           <a:p>
@@ -2283,8 +2286,8 @@
         </p:nvSpPr>
         <p:spPr>
           <a:xfrm>
-            <a:off x="692825" y="2057400"/>
-            <a:ext cx="3244096" cy="3811588"/>
+            <a:off x="755810" y="1371600"/>
+            <a:ext cx="3539013" cy="2541059"/>
           </a:xfrm>
         </p:spPr>
         <p:txBody>
@@ -2292,39 +2295,39 @@
           <a:lstStyle>
             <a:lvl1pPr marL="0" indent="0">
               <a:buNone/>
-              <a:defRPr sz="1600"/>
+              <a:defRPr sz="1067"/>
             </a:lvl1pPr>
-            <a:lvl2pPr marL="457200" indent="0">
+            <a:lvl2pPr marL="304815" indent="0">
               <a:buNone/>
-              <a:defRPr sz="1400"/>
+              <a:defRPr sz="933"/>
             </a:lvl2pPr>
-            <a:lvl3pPr marL="914400" indent="0">
+            <a:lvl3pPr marL="609630" indent="0">
               <a:buNone/>
-              <a:defRPr sz="1200"/>
+              <a:defRPr sz="800"/>
             </a:lvl3pPr>
-            <a:lvl4pPr marL="1371600" indent="0">
+            <a:lvl4pPr marL="914446" indent="0">
               <a:buNone/>
-              <a:defRPr sz="1000"/>
+              <a:defRPr sz="667"/>
             </a:lvl4pPr>
-            <a:lvl5pPr marL="1828800" indent="0">
+            <a:lvl5pPr marL="1219261" indent="0">
               <a:buNone/>
-              <a:defRPr sz="1000"/>
+              <a:defRPr sz="667"/>
             </a:lvl5pPr>
-            <a:lvl6pPr marL="2286000" indent="0">
+            <a:lvl6pPr marL="1524076" indent="0">
               <a:buNone/>
-              <a:defRPr sz="1000"/>
+              <a:defRPr sz="667"/>
             </a:lvl6pPr>
-            <a:lvl7pPr marL="2743200" indent="0">
+            <a:lvl7pPr marL="1828891" indent="0">
               <a:buNone/>
-              <a:defRPr sz="1000"/>
+              <a:defRPr sz="667"/>
             </a:lvl7pPr>
-            <a:lvl8pPr marL="3200400" indent="0">
+            <a:lvl8pPr marL="2133707" indent="0">
               <a:buNone/>
-              <a:defRPr sz="1000"/>
+              <a:defRPr sz="667"/>
             </a:lvl8pPr>
-            <a:lvl9pPr marL="3657600" indent="0">
+            <a:lvl9pPr marL="2438522" indent="0">
               <a:buNone/>
-              <a:defRPr sz="1000"/>
+              <a:defRPr sz="667"/>
             </a:lvl9pPr>
           </a:lstStyle>
           <a:p>
@@ -2353,7 +2356,7 @@
           <a:p>
             <a:fld id="{F5BBD67F-9228-4D1B-A549-79D3048EE694}" type="datetimeFigureOut">
               <a:rPr lang="en-US" smtClean="0"/>
-              <a:t>1/26/2022</a:t>
+              <a:t>3/15/2022</a:t>
             </a:fld>
             <a:endParaRPr lang="en-US"/>
           </a:p>
@@ -2404,7 +2407,7 @@
     </p:spTree>
     <p:extLst>
       <p:ext uri="{BB962C8B-B14F-4D97-AF65-F5344CB8AC3E}">
-        <p14:creationId xmlns:p14="http://schemas.microsoft.com/office/powerpoint/2010/main" val="1495130798"/>
+        <p14:creationId xmlns:p14="http://schemas.microsoft.com/office/powerpoint/2010/main" val="3229330393"/>
       </p:ext>
     </p:extLst>
   </p:cSld>
@@ -2448,8 +2451,8 @@
         </p:nvSpPr>
         <p:spPr>
           <a:xfrm>
-            <a:off x="691515" y="365127"/>
-            <a:ext cx="8675370" cy="1325563"/>
+            <a:off x="754380" y="243417"/>
+            <a:ext cx="9464040" cy="883709"/>
           </a:xfrm>
           <a:prstGeom prst="rect">
             <a:avLst/>
@@ -2481,8 +2484,8 @@
         </p:nvSpPr>
         <p:spPr>
           <a:xfrm>
-            <a:off x="691515" y="1825625"/>
-            <a:ext cx="8675370" cy="4351338"/>
+            <a:off x="754380" y="1217083"/>
+            <a:ext cx="9464040" cy="2900892"/>
           </a:xfrm>
           <a:prstGeom prst="rect">
             <a:avLst/>
@@ -2543,8 +2546,8 @@
         </p:nvSpPr>
         <p:spPr>
           <a:xfrm>
-            <a:off x="691515" y="6356352"/>
-            <a:ext cx="2263140" cy="365125"/>
+            <a:off x="754380" y="4237567"/>
+            <a:ext cx="2468880" cy="243417"/>
           </a:xfrm>
           <a:prstGeom prst="rect">
             <a:avLst/>
@@ -2554,7 +2557,7 @@
           <a:bodyPr vert="horz" lIns="91440" tIns="45720" rIns="91440" bIns="45720" rtlCol="0" anchor="ctr"/>
           <a:lstStyle>
             <a:lvl1pPr algn="l">
-              <a:defRPr sz="1200">
+              <a:defRPr sz="800">
                 <a:solidFill>
                   <a:schemeClr val="tx1">
                     <a:tint val="75000"/>
@@ -2566,7 +2569,7 @@
           <a:p>
             <a:fld id="{F5BBD67F-9228-4D1B-A549-79D3048EE694}" type="datetimeFigureOut">
               <a:rPr lang="en-US" smtClean="0"/>
-              <a:t>1/26/2022</a:t>
+              <a:t>3/15/2022</a:t>
             </a:fld>
             <a:endParaRPr lang="en-US"/>
           </a:p>
@@ -2584,8 +2587,8 @@
         </p:nvSpPr>
         <p:spPr>
           <a:xfrm>
-            <a:off x="3331845" y="6356352"/>
-            <a:ext cx="3394710" cy="365125"/>
+            <a:off x="3634740" y="4237567"/>
+            <a:ext cx="3703320" cy="243417"/>
           </a:xfrm>
           <a:prstGeom prst="rect">
             <a:avLst/>
@@ -2595,7 +2598,7 @@
           <a:bodyPr vert="horz" lIns="91440" tIns="45720" rIns="91440" bIns="45720" rtlCol="0" anchor="ctr"/>
           <a:lstStyle>
             <a:lvl1pPr algn="ctr">
-              <a:defRPr sz="1200">
+              <a:defRPr sz="800">
                 <a:solidFill>
                   <a:schemeClr val="tx1">
                     <a:tint val="75000"/>
@@ -2621,8 +2624,8 @@
         </p:nvSpPr>
         <p:spPr>
           <a:xfrm>
-            <a:off x="7103745" y="6356352"/>
-            <a:ext cx="2263140" cy="365125"/>
+            <a:off x="7749540" y="4237567"/>
+            <a:ext cx="2468880" cy="243417"/>
           </a:xfrm>
           <a:prstGeom prst="rect">
             <a:avLst/>
@@ -2632,7 +2635,7 @@
           <a:bodyPr vert="horz" lIns="91440" tIns="45720" rIns="91440" bIns="45720" rtlCol="0" anchor="ctr"/>
           <a:lstStyle>
             <a:lvl1pPr algn="r">
-              <a:defRPr sz="1200">
+              <a:defRPr sz="800">
                 <a:solidFill>
                   <a:schemeClr val="tx1">
                     <a:tint val="75000"/>
@@ -2653,27 +2656,27 @@
     </p:spTree>
     <p:extLst>
       <p:ext uri="{BB962C8B-B14F-4D97-AF65-F5344CB8AC3E}">
-        <p14:creationId xmlns:p14="http://schemas.microsoft.com/office/powerpoint/2010/main" val="2850860516"/>
+        <p14:creationId xmlns:p14="http://schemas.microsoft.com/office/powerpoint/2010/main" val="1175991433"/>
       </p:ext>
     </p:extLst>
   </p:cSld>
   <p:clrMap bg1="lt1" tx1="dk1" bg2="lt2" tx2="dk2" accent1="accent1" accent2="accent2" accent3="accent3" accent4="accent4" accent5="accent5" accent6="accent6" hlink="hlink" folHlink="folHlink"/>
   <p:sldLayoutIdLst>
-    <p:sldLayoutId id="2147483661" r:id="rId1"/>
-    <p:sldLayoutId id="2147483662" r:id="rId2"/>
-    <p:sldLayoutId id="2147483663" r:id="rId3"/>
-    <p:sldLayoutId id="2147483664" r:id="rId4"/>
-    <p:sldLayoutId id="2147483665" r:id="rId5"/>
-    <p:sldLayoutId id="2147483666" r:id="rId6"/>
-    <p:sldLayoutId id="2147483667" r:id="rId7"/>
-    <p:sldLayoutId id="2147483668" r:id="rId8"/>
-    <p:sldLayoutId id="2147483669" r:id="rId9"/>
-    <p:sldLayoutId id="2147483670" r:id="rId10"/>
-    <p:sldLayoutId id="2147483671" r:id="rId11"/>
+    <p:sldLayoutId id="2147483685" r:id="rId1"/>
+    <p:sldLayoutId id="2147483686" r:id="rId2"/>
+    <p:sldLayoutId id="2147483687" r:id="rId3"/>
+    <p:sldLayoutId id="2147483688" r:id="rId4"/>
+    <p:sldLayoutId id="2147483689" r:id="rId5"/>
+    <p:sldLayoutId id="2147483690" r:id="rId6"/>
+    <p:sldLayoutId id="2147483691" r:id="rId7"/>
+    <p:sldLayoutId id="2147483692" r:id="rId8"/>
+    <p:sldLayoutId id="2147483693" r:id="rId9"/>
+    <p:sldLayoutId id="2147483694" r:id="rId10"/>
+    <p:sldLayoutId id="2147483695" r:id="rId11"/>
   </p:sldLayoutIdLst>
   <p:txStyles>
     <p:titleStyle>
-      <a:lvl1pPr algn="l" defTabSz="914400" rtl="0" eaLnBrk="1" latinLnBrk="0" hangingPunct="1">
+      <a:lvl1pPr algn="l" defTabSz="609630" rtl="0" eaLnBrk="1" latinLnBrk="0" hangingPunct="1">
         <a:lnSpc>
           <a:spcPct val="90000"/>
         </a:lnSpc>
@@ -2681,7 +2684,7 @@
           <a:spcPct val="0"/>
         </a:spcBef>
         <a:buNone/>
-        <a:defRPr sz="4400" kern="1200">
+        <a:defRPr sz="2933" kern="1200">
           <a:solidFill>
             <a:schemeClr val="tx1"/>
           </a:solidFill>
@@ -2692,16 +2695,16 @@
       </a:lvl1pPr>
     </p:titleStyle>
     <p:bodyStyle>
-      <a:lvl1pPr marL="228600" indent="-228600" algn="l" defTabSz="914400" rtl="0" eaLnBrk="1" latinLnBrk="0" hangingPunct="1">
+      <a:lvl1pPr marL="152408" indent="-152408" algn="l" defTabSz="609630" rtl="0" eaLnBrk="1" latinLnBrk="0" hangingPunct="1">
         <a:lnSpc>
           <a:spcPct val="90000"/>
         </a:lnSpc>
         <a:spcBef>
-          <a:spcPts val="1000"/>
+          <a:spcPts val="667"/>
         </a:spcBef>
         <a:buFont typeface="Arial" panose="020B0604020202020204" pitchFamily="34" charset="0"/>
         <a:buChar char="•"/>
-        <a:defRPr sz="2800" kern="1200">
+        <a:defRPr sz="1867" kern="1200">
           <a:solidFill>
             <a:schemeClr val="tx1"/>
           </a:solidFill>
@@ -2710,16 +2713,16 @@
           <a:cs typeface="+mn-cs"/>
         </a:defRPr>
       </a:lvl1pPr>
-      <a:lvl2pPr marL="685800" indent="-228600" algn="l" defTabSz="914400" rtl="0" eaLnBrk="1" latinLnBrk="0" hangingPunct="1">
+      <a:lvl2pPr marL="457223" indent="-152408" algn="l" defTabSz="609630" rtl="0" eaLnBrk="1" latinLnBrk="0" hangingPunct="1">
         <a:lnSpc>
           <a:spcPct val="90000"/>
         </a:lnSpc>
         <a:spcBef>
-          <a:spcPts val="500"/>
+          <a:spcPts val="333"/>
         </a:spcBef>
         <a:buFont typeface="Arial" panose="020B0604020202020204" pitchFamily="34" charset="0"/>
         <a:buChar char="•"/>
-        <a:defRPr sz="2400" kern="1200">
+        <a:defRPr sz="1600" kern="1200">
           <a:solidFill>
             <a:schemeClr val="tx1"/>
           </a:solidFill>
@@ -2728,16 +2731,16 @@
           <a:cs typeface="+mn-cs"/>
         </a:defRPr>
       </a:lvl2pPr>
-      <a:lvl3pPr marL="1143000" indent="-228600" algn="l" defTabSz="914400" rtl="0" eaLnBrk="1" latinLnBrk="0" hangingPunct="1">
+      <a:lvl3pPr marL="762038" indent="-152408" algn="l" defTabSz="609630" rtl="0" eaLnBrk="1" latinLnBrk="0" hangingPunct="1">
         <a:lnSpc>
           <a:spcPct val="90000"/>
         </a:lnSpc>
         <a:spcBef>
-          <a:spcPts val="500"/>
+          <a:spcPts val="333"/>
         </a:spcBef>
         <a:buFont typeface="Arial" panose="020B0604020202020204" pitchFamily="34" charset="0"/>
         <a:buChar char="•"/>
-        <a:defRPr sz="2000" kern="1200">
+        <a:defRPr sz="1333" kern="1200">
           <a:solidFill>
             <a:schemeClr val="tx1"/>
           </a:solidFill>
@@ -2746,16 +2749,16 @@
           <a:cs typeface="+mn-cs"/>
         </a:defRPr>
       </a:lvl3pPr>
-      <a:lvl4pPr marL="1600200" indent="-228600" algn="l" defTabSz="914400" rtl="0" eaLnBrk="1" latinLnBrk="0" hangingPunct="1">
+      <a:lvl4pPr marL="1066853" indent="-152408" algn="l" defTabSz="609630" rtl="0" eaLnBrk="1" latinLnBrk="0" hangingPunct="1">
         <a:lnSpc>
           <a:spcPct val="90000"/>
         </a:lnSpc>
         <a:spcBef>
-          <a:spcPts val="500"/>
+          <a:spcPts val="333"/>
         </a:spcBef>
         <a:buFont typeface="Arial" panose="020B0604020202020204" pitchFamily="34" charset="0"/>
         <a:buChar char="•"/>
-        <a:defRPr sz="1800" kern="1200">
+        <a:defRPr sz="1200" kern="1200">
           <a:solidFill>
             <a:schemeClr val="tx1"/>
           </a:solidFill>
@@ -2764,16 +2767,16 @@
           <a:cs typeface="+mn-cs"/>
         </a:defRPr>
       </a:lvl4pPr>
-      <a:lvl5pPr marL="2057400" indent="-228600" algn="l" defTabSz="914400" rtl="0" eaLnBrk="1" latinLnBrk="0" hangingPunct="1">
+      <a:lvl5pPr marL="1371669" indent="-152408" algn="l" defTabSz="609630" rtl="0" eaLnBrk="1" latinLnBrk="0" hangingPunct="1">
         <a:lnSpc>
           <a:spcPct val="90000"/>
         </a:lnSpc>
         <a:spcBef>
-          <a:spcPts val="500"/>
+          <a:spcPts val="333"/>
         </a:spcBef>
         <a:buFont typeface="Arial" panose="020B0604020202020204" pitchFamily="34" charset="0"/>
         <a:buChar char="•"/>
-        <a:defRPr sz="1800" kern="1200">
+        <a:defRPr sz="1200" kern="1200">
           <a:solidFill>
             <a:schemeClr val="tx1"/>
           </a:solidFill>
@@ -2782,16 +2785,16 @@
           <a:cs typeface="+mn-cs"/>
         </a:defRPr>
       </a:lvl5pPr>
-      <a:lvl6pPr marL="2514600" indent="-228600" algn="l" defTabSz="914400" rtl="0" eaLnBrk="1" latinLnBrk="0" hangingPunct="1">
+      <a:lvl6pPr marL="1676484" indent="-152408" algn="l" defTabSz="609630" rtl="0" eaLnBrk="1" latinLnBrk="0" hangingPunct="1">
         <a:lnSpc>
           <a:spcPct val="90000"/>
         </a:lnSpc>
         <a:spcBef>
-          <a:spcPts val="500"/>
+          <a:spcPts val="333"/>
         </a:spcBef>
         <a:buFont typeface="Arial" panose="020B0604020202020204" pitchFamily="34" charset="0"/>
         <a:buChar char="•"/>
-        <a:defRPr sz="1800" kern="1200">
+        <a:defRPr sz="1200" kern="1200">
           <a:solidFill>
             <a:schemeClr val="tx1"/>
           </a:solidFill>
@@ -2800,16 +2803,16 @@
           <a:cs typeface="+mn-cs"/>
         </a:defRPr>
       </a:lvl6pPr>
-      <a:lvl7pPr marL="2971800" indent="-228600" algn="l" defTabSz="914400" rtl="0" eaLnBrk="1" latinLnBrk="0" hangingPunct="1">
+      <a:lvl7pPr marL="1981299" indent="-152408" algn="l" defTabSz="609630" rtl="0" eaLnBrk="1" latinLnBrk="0" hangingPunct="1">
         <a:lnSpc>
           <a:spcPct val="90000"/>
         </a:lnSpc>
         <a:spcBef>
-          <a:spcPts val="500"/>
+          <a:spcPts val="333"/>
         </a:spcBef>
         <a:buFont typeface="Arial" panose="020B0604020202020204" pitchFamily="34" charset="0"/>
         <a:buChar char="•"/>
-        <a:defRPr sz="1800" kern="1200">
+        <a:defRPr sz="1200" kern="1200">
           <a:solidFill>
             <a:schemeClr val="tx1"/>
           </a:solidFill>
@@ -2818,16 +2821,16 @@
           <a:cs typeface="+mn-cs"/>
         </a:defRPr>
       </a:lvl7pPr>
-      <a:lvl8pPr marL="3429000" indent="-228600" algn="l" defTabSz="914400" rtl="0" eaLnBrk="1" latinLnBrk="0" hangingPunct="1">
+      <a:lvl8pPr marL="2286114" indent="-152408" algn="l" defTabSz="609630" rtl="0" eaLnBrk="1" latinLnBrk="0" hangingPunct="1">
         <a:lnSpc>
           <a:spcPct val="90000"/>
         </a:lnSpc>
         <a:spcBef>
-          <a:spcPts val="500"/>
+          <a:spcPts val="333"/>
         </a:spcBef>
         <a:buFont typeface="Arial" panose="020B0604020202020204" pitchFamily="34" charset="0"/>
         <a:buChar char="•"/>
-        <a:defRPr sz="1800" kern="1200">
+        <a:defRPr sz="1200" kern="1200">
           <a:solidFill>
             <a:schemeClr val="tx1"/>
           </a:solidFill>
@@ -2836,16 +2839,16 @@
           <a:cs typeface="+mn-cs"/>
         </a:defRPr>
       </a:lvl8pPr>
-      <a:lvl9pPr marL="3886200" indent="-228600" algn="l" defTabSz="914400" rtl="0" eaLnBrk="1" latinLnBrk="0" hangingPunct="1">
+      <a:lvl9pPr marL="2590930" indent="-152408" algn="l" defTabSz="609630" rtl="0" eaLnBrk="1" latinLnBrk="0" hangingPunct="1">
         <a:lnSpc>
           <a:spcPct val="90000"/>
         </a:lnSpc>
         <a:spcBef>
-          <a:spcPts val="500"/>
+          <a:spcPts val="333"/>
         </a:spcBef>
         <a:buFont typeface="Arial" panose="020B0604020202020204" pitchFamily="34" charset="0"/>
         <a:buChar char="•"/>
-        <a:defRPr sz="1800" kern="1200">
+        <a:defRPr sz="1200" kern="1200">
           <a:solidFill>
             <a:schemeClr val="tx1"/>
           </a:solidFill>
@@ -2859,8 +2862,8 @@
       <a:defPPr>
         <a:defRPr lang="en-US"/>
       </a:defPPr>
-      <a:lvl1pPr marL="0" algn="l" defTabSz="914400" rtl="0" eaLnBrk="1" latinLnBrk="0" hangingPunct="1">
-        <a:defRPr sz="1800" kern="1200">
+      <a:lvl1pPr marL="0" algn="l" defTabSz="609630" rtl="0" eaLnBrk="1" latinLnBrk="0" hangingPunct="1">
+        <a:defRPr sz="1200" kern="1200">
           <a:solidFill>
             <a:schemeClr val="tx1"/>
           </a:solidFill>
@@ -2869,8 +2872,8 @@
           <a:cs typeface="+mn-cs"/>
         </a:defRPr>
       </a:lvl1pPr>
-      <a:lvl2pPr marL="457200" algn="l" defTabSz="914400" rtl="0" eaLnBrk="1" latinLnBrk="0" hangingPunct="1">
-        <a:defRPr sz="1800" kern="1200">
+      <a:lvl2pPr marL="304815" algn="l" defTabSz="609630" rtl="0" eaLnBrk="1" latinLnBrk="0" hangingPunct="1">
+        <a:defRPr sz="1200" kern="1200">
           <a:solidFill>
             <a:schemeClr val="tx1"/>
           </a:solidFill>
@@ -2879,8 +2882,8 @@
           <a:cs typeface="+mn-cs"/>
         </a:defRPr>
       </a:lvl2pPr>
-      <a:lvl3pPr marL="914400" algn="l" defTabSz="914400" rtl="0" eaLnBrk="1" latinLnBrk="0" hangingPunct="1">
-        <a:defRPr sz="1800" kern="1200">
+      <a:lvl3pPr marL="609630" algn="l" defTabSz="609630" rtl="0" eaLnBrk="1" latinLnBrk="0" hangingPunct="1">
+        <a:defRPr sz="1200" kern="1200">
           <a:solidFill>
             <a:schemeClr val="tx1"/>
           </a:solidFill>
@@ -2889,8 +2892,8 @@
           <a:cs typeface="+mn-cs"/>
         </a:defRPr>
       </a:lvl3pPr>
-      <a:lvl4pPr marL="1371600" algn="l" defTabSz="914400" rtl="0" eaLnBrk="1" latinLnBrk="0" hangingPunct="1">
-        <a:defRPr sz="1800" kern="1200">
+      <a:lvl4pPr marL="914446" algn="l" defTabSz="609630" rtl="0" eaLnBrk="1" latinLnBrk="0" hangingPunct="1">
+        <a:defRPr sz="1200" kern="1200">
           <a:solidFill>
             <a:schemeClr val="tx1"/>
           </a:solidFill>
@@ -2899,8 +2902,8 @@
           <a:cs typeface="+mn-cs"/>
         </a:defRPr>
       </a:lvl4pPr>
-      <a:lvl5pPr marL="1828800" algn="l" defTabSz="914400" rtl="0" eaLnBrk="1" latinLnBrk="0" hangingPunct="1">
-        <a:defRPr sz="1800" kern="1200">
+      <a:lvl5pPr marL="1219261" algn="l" defTabSz="609630" rtl="0" eaLnBrk="1" latinLnBrk="0" hangingPunct="1">
+        <a:defRPr sz="1200" kern="1200">
           <a:solidFill>
             <a:schemeClr val="tx1"/>
           </a:solidFill>
@@ -2909,8 +2912,8 @@
           <a:cs typeface="+mn-cs"/>
         </a:defRPr>
       </a:lvl5pPr>
-      <a:lvl6pPr marL="2286000" algn="l" defTabSz="914400" rtl="0" eaLnBrk="1" latinLnBrk="0" hangingPunct="1">
-        <a:defRPr sz="1800" kern="1200">
+      <a:lvl6pPr marL="1524076" algn="l" defTabSz="609630" rtl="0" eaLnBrk="1" latinLnBrk="0" hangingPunct="1">
+        <a:defRPr sz="1200" kern="1200">
           <a:solidFill>
             <a:schemeClr val="tx1"/>
           </a:solidFill>
@@ -2919,8 +2922,8 @@
           <a:cs typeface="+mn-cs"/>
         </a:defRPr>
       </a:lvl6pPr>
-      <a:lvl7pPr marL="2743200" algn="l" defTabSz="914400" rtl="0" eaLnBrk="1" latinLnBrk="0" hangingPunct="1">
-        <a:defRPr sz="1800" kern="1200">
+      <a:lvl7pPr marL="1828891" algn="l" defTabSz="609630" rtl="0" eaLnBrk="1" latinLnBrk="0" hangingPunct="1">
+        <a:defRPr sz="1200" kern="1200">
           <a:solidFill>
             <a:schemeClr val="tx1"/>
           </a:solidFill>
@@ -2929,8 +2932,8 @@
           <a:cs typeface="+mn-cs"/>
         </a:defRPr>
       </a:lvl7pPr>
-      <a:lvl8pPr marL="3200400" algn="l" defTabSz="914400" rtl="0" eaLnBrk="1" latinLnBrk="0" hangingPunct="1">
-        <a:defRPr sz="1800" kern="1200">
+      <a:lvl8pPr marL="2133707" algn="l" defTabSz="609630" rtl="0" eaLnBrk="1" latinLnBrk="0" hangingPunct="1">
+        <a:defRPr sz="1200" kern="1200">
           <a:solidFill>
             <a:schemeClr val="tx1"/>
           </a:solidFill>
@@ -2939,8 +2942,8 @@
           <a:cs typeface="+mn-cs"/>
         </a:defRPr>
       </a:lvl8pPr>
-      <a:lvl9pPr marL="3657600" algn="l" defTabSz="914400" rtl="0" eaLnBrk="1" latinLnBrk="0" hangingPunct="1">
-        <a:defRPr sz="1800" kern="1200">
+      <a:lvl9pPr marL="2438522" algn="l" defTabSz="609630" rtl="0" eaLnBrk="1" latinLnBrk="0" hangingPunct="1">
+        <a:defRPr sz="1200" kern="1200">
           <a:solidFill>
             <a:schemeClr val="tx1"/>
           </a:solidFill>
@@ -2986,8 +2989,8 @@
         </p:blipFill>
         <p:spPr>
           <a:xfrm>
-            <a:off x="6453690" y="5003025"/>
-            <a:ext cx="1600200" cy="1594185"/>
+            <a:off x="6625992" y="3545220"/>
+            <a:ext cx="1280160" cy="1275348"/>
           </a:xfrm>
           <a:prstGeom prst="rect">
             <a:avLst/>
@@ -3007,8 +3010,8 @@
         </p:nvSpPr>
         <p:spPr>
           <a:xfrm>
-            <a:off x="961214" y="1736096"/>
-            <a:ext cx="1308050" cy="369332"/>
+            <a:off x="2232011" y="931677"/>
+            <a:ext cx="1082412" cy="313932"/>
           </a:xfrm>
           <a:prstGeom prst="rect">
             <a:avLst/>
@@ -3022,10 +3025,10 @@
           <a:lstStyle/>
           <a:p>
             <a:r>
-              <a:rPr lang="nl-NL" dirty="0"/>
+              <a:rPr lang="nl-NL" sz="1440" dirty="0"/>
               <a:t>Input image</a:t>
             </a:r>
-            <a:endParaRPr lang="en-US" dirty="0"/>
+            <a:endParaRPr lang="en-US" sz="1440" dirty="0"/>
           </a:p>
         </p:txBody>
       </p:sp>
@@ -3037,8 +3040,8 @@
         </p:nvSpPr>
         <p:spPr>
           <a:xfrm>
-            <a:off x="6641283" y="4633691"/>
-            <a:ext cx="1225015" cy="369332"/>
+            <a:off x="6776070" y="3249753"/>
+            <a:ext cx="1013419" cy="313932"/>
           </a:xfrm>
           <a:prstGeom prst="rect">
             <a:avLst/>
@@ -3052,10 +3055,10 @@
           <a:lstStyle/>
           <a:p>
             <a:r>
-              <a:rPr lang="nl-NL" dirty="0"/>
+              <a:rPr lang="nl-NL" sz="1440" dirty="0"/>
               <a:t>Label mask</a:t>
             </a:r>
-            <a:endParaRPr lang="en-US" dirty="0"/>
+            <a:endParaRPr lang="en-US" sz="1440" dirty="0"/>
           </a:p>
         </p:txBody>
       </p:sp>
@@ -3067,8 +3070,8 @@
         </p:nvSpPr>
         <p:spPr>
           <a:xfrm>
-            <a:off x="6454692" y="125599"/>
-            <a:ext cx="1598194" cy="646331"/>
+            <a:off x="6609163" y="-356720"/>
+            <a:ext cx="1313821" cy="535531"/>
           </a:xfrm>
           <a:prstGeom prst="rect">
             <a:avLst/>
@@ -3083,17 +3086,17 @@
           <a:p>
             <a:pPr algn="ctr"/>
             <a:r>
-              <a:rPr lang="nl-NL" dirty="0"/>
+              <a:rPr lang="nl-NL" sz="1440" dirty="0"/>
               <a:t>Measurements</a:t>
             </a:r>
           </a:p>
           <a:p>
             <a:pPr algn="ctr"/>
             <a:r>
-              <a:rPr lang="nl-NL" dirty="0"/>
+              <a:rPr lang="nl-NL" sz="1440" dirty="0"/>
               <a:t>table</a:t>
             </a:r>
-            <a:endParaRPr lang="en-US" dirty="0"/>
+            <a:endParaRPr lang="en-US" sz="1440" dirty="0"/>
           </a:p>
         </p:txBody>
       </p:sp>
@@ -3105,8 +3108,8 @@
         </p:nvSpPr>
         <p:spPr>
           <a:xfrm>
-            <a:off x="6828161" y="2394833"/>
-            <a:ext cx="851259" cy="369332"/>
+            <a:off x="6925570" y="1458666"/>
+            <a:ext cx="718915" cy="313932"/>
           </a:xfrm>
           <a:prstGeom prst="rect">
             <a:avLst/>
@@ -3120,10 +3123,10 @@
           <a:lstStyle/>
           <a:p>
             <a:r>
-              <a:rPr lang="nl-NL" dirty="0"/>
+              <a:rPr lang="nl-NL" sz="1440" dirty="0"/>
               <a:t>ROI set</a:t>
             </a:r>
-            <a:endParaRPr lang="en-US" dirty="0"/>
+            <a:endParaRPr lang="en-US" sz="1440" dirty="0"/>
           </a:p>
         </p:txBody>
       </p:sp>
@@ -3135,8 +3138,8 @@
         </p:nvCxnSpPr>
         <p:spPr>
           <a:xfrm>
-            <a:off x="3418270" y="3588846"/>
-            <a:ext cx="1390585" cy="0"/>
+            <a:off x="4197656" y="2413877"/>
+            <a:ext cx="1112468" cy="0"/>
           </a:xfrm>
           <a:prstGeom prst="straightConnector1">
             <a:avLst/>
@@ -3171,8 +3174,8 @@
         </p:nvSpPr>
         <p:spPr>
           <a:xfrm>
-            <a:off x="3341973" y="2972204"/>
-            <a:ext cx="1543179" cy="369332"/>
+            <a:off x="4136619" y="1920563"/>
+            <a:ext cx="1268232" cy="313932"/>
           </a:xfrm>
           <a:prstGeom prst="rect">
             <a:avLst/>
@@ -3186,10 +3189,10 @@
           <a:lstStyle/>
           <a:p>
             <a:r>
-              <a:rPr lang="nl-NL" dirty="0"/>
+              <a:rPr lang="nl-NL" sz="1440" dirty="0"/>
               <a:t>Image analysis</a:t>
             </a:r>
-            <a:endParaRPr lang="en-US" dirty="0"/>
+            <a:endParaRPr lang="en-US" sz="1440" dirty="0"/>
           </a:p>
         </p:txBody>
       </p:sp>
@@ -3208,8 +3211,8 @@
         </p:blipFill>
         <p:spPr>
           <a:xfrm>
-            <a:off x="391027" y="2419352"/>
-            <a:ext cx="2448427" cy="2430379"/>
+            <a:off x="1775862" y="1478284"/>
+            <a:ext cx="1958742" cy="1944303"/>
           </a:xfrm>
           <a:prstGeom prst="rect">
             <a:avLst/>
@@ -3231,8 +3234,8 @@
           </p:nvPr>
         </p:nvGraphicFramePr>
         <p:xfrm>
-          <a:off x="5424988" y="771929"/>
-          <a:ext cx="3657600" cy="1333507"/>
+          <a:off x="5803030" y="160343"/>
+          <a:ext cx="2926080" cy="1066807"/>
         </p:xfrm>
         <a:graphic>
           <a:graphicData uri="http://schemas.openxmlformats.org/drawingml/2006/table">
@@ -3241,42 +3244,42 @@
                 <a:tableStyleId>{3B4B98B0-60AC-42C2-AFA5-B58CD77FA1E5}</a:tableStyleId>
               </a:tblPr>
               <a:tblGrid>
-                <a:gridCol w="609600">
+                <a:gridCol w="487680">
                   <a:extLst>
                     <a:ext uri="{9D8B030D-6E8A-4147-A177-3AD203B41FA5}">
                       <a16:colId xmlns:a16="http://schemas.microsoft.com/office/drawing/2014/main" val="3083052946"/>
                     </a:ext>
                   </a:extLst>
                 </a:gridCol>
-                <a:gridCol w="609600">
+                <a:gridCol w="487680">
                   <a:extLst>
                     <a:ext uri="{9D8B030D-6E8A-4147-A177-3AD203B41FA5}">
                       <a16:colId xmlns:a16="http://schemas.microsoft.com/office/drawing/2014/main" val="2739335031"/>
                     </a:ext>
                   </a:extLst>
                 </a:gridCol>
-                <a:gridCol w="609600">
+                <a:gridCol w="487680">
                   <a:extLst>
                     <a:ext uri="{9D8B030D-6E8A-4147-A177-3AD203B41FA5}">
                       <a16:colId xmlns:a16="http://schemas.microsoft.com/office/drawing/2014/main" val="3945957450"/>
                     </a:ext>
                   </a:extLst>
                 </a:gridCol>
-                <a:gridCol w="609600">
+                <a:gridCol w="487680">
                   <a:extLst>
                     <a:ext uri="{9D8B030D-6E8A-4147-A177-3AD203B41FA5}">
                       <a16:colId xmlns:a16="http://schemas.microsoft.com/office/drawing/2014/main" val="3313824974"/>
                     </a:ext>
                   </a:extLst>
                 </a:gridCol>
-                <a:gridCol w="609600">
+                <a:gridCol w="487680">
                   <a:extLst>
                     <a:ext uri="{9D8B030D-6E8A-4147-A177-3AD203B41FA5}">
                       <a16:colId xmlns:a16="http://schemas.microsoft.com/office/drawing/2014/main" val="2218882774"/>
                     </a:ext>
                   </a:extLst>
                 </a:gridCol>
-                <a:gridCol w="609600">
+                <a:gridCol w="487680">
                   <a:extLst>
                     <a:ext uri="{9D8B030D-6E8A-4147-A177-3AD203B41FA5}">
                       <a16:colId xmlns:a16="http://schemas.microsoft.com/office/drawing/2014/main" val="1826050507"/>
@@ -3284,7 +3287,7 @@
                   </a:extLst>
                 </a:gridCol>
               </a:tblGrid>
-              <a:tr h="190501">
+              <a:tr h="152401">
                 <a:tc>
                   <a:txBody>
                     <a:bodyPr/>
@@ -3292,21 +3295,21 @@
                     <a:p>
                       <a:pPr algn="l" fontAlgn="b"/>
                       <a:r>
-                        <a:rPr lang="en-US" sz="1100" b="1" u="none" strike="noStrike" dirty="0" smtClean="0">
+                        <a:rPr lang="en-US" sz="900" b="1" u="none" strike="noStrike" dirty="0" smtClean="0">
                           <a:effectLst/>
                         </a:rPr>
                         <a:t>Label</a:t>
                       </a:r>
-                      <a:endParaRPr lang="en-US" sz="1100" b="1" i="0" u="none" strike="noStrike" dirty="0">
-                        <a:solidFill>
-                          <a:srgbClr val="000000"/>
-                        </a:solidFill>
-                        <a:effectLst/>
-                        <a:latin typeface="Calibri" panose="020F0502020204030204" pitchFamily="34" charset="0"/>
-                      </a:endParaRPr>
-                    </a:p>
-                  </a:txBody>
-                  <a:tcPr marL="9525" marR="9525" marT="9525" marB="0" anchor="b">
+                      <a:endParaRPr lang="en-US" sz="900" b="1" i="0" u="none" strike="noStrike" dirty="0">
+                        <a:solidFill>
+                          <a:srgbClr val="000000"/>
+                        </a:solidFill>
+                        <a:effectLst/>
+                        <a:latin typeface="Calibri" panose="020F0502020204030204" pitchFamily="34" charset="0"/>
+                      </a:endParaRPr>
+                    </a:p>
+                  </a:txBody>
+                  <a:tcPr marL="7620" marR="7620" marT="7620" marB="0" anchor="b">
                     <a:lnT w="3175" cap="flat" cmpd="sng" algn="ctr">
                       <a:solidFill>
                         <a:schemeClr val="tx1"/>
@@ -3334,21 +3337,21 @@
                     <a:p>
                       <a:pPr algn="l" fontAlgn="b"/>
                       <a:r>
-                        <a:rPr lang="en-US" sz="1100" b="1" u="none" strike="noStrike">
+                        <a:rPr lang="en-US" sz="900" b="1" u="none" strike="noStrike">
                           <a:effectLst/>
                         </a:rPr>
                         <a:t>Area</a:t>
                       </a:r>
-                      <a:endParaRPr lang="en-US" sz="1100" b="1" i="0" u="none" strike="noStrike">
-                        <a:solidFill>
-                          <a:srgbClr val="000000"/>
-                        </a:solidFill>
-                        <a:effectLst/>
-                        <a:latin typeface="Calibri" panose="020F0502020204030204" pitchFamily="34" charset="0"/>
-                      </a:endParaRPr>
-                    </a:p>
-                  </a:txBody>
-                  <a:tcPr marL="9525" marR="9525" marT="9525" marB="0" anchor="b">
+                      <a:endParaRPr lang="en-US" sz="900" b="1" i="0" u="none" strike="noStrike">
+                        <a:solidFill>
+                          <a:srgbClr val="000000"/>
+                        </a:solidFill>
+                        <a:effectLst/>
+                        <a:latin typeface="Calibri" panose="020F0502020204030204" pitchFamily="34" charset="0"/>
+                      </a:endParaRPr>
+                    </a:p>
+                  </a:txBody>
+                  <a:tcPr marL="7620" marR="7620" marT="7620" marB="0" anchor="b">
                     <a:lnT w="3175" cap="flat" cmpd="sng" algn="ctr">
                       <a:solidFill>
                         <a:schemeClr val="tx1"/>
@@ -3376,21 +3379,21 @@
                     <a:p>
                       <a:pPr algn="l" fontAlgn="b"/>
                       <a:r>
-                        <a:rPr lang="en-US" sz="1100" b="1" u="none" strike="noStrike">
+                        <a:rPr lang="en-US" sz="900" b="1" u="none" strike="noStrike">
                           <a:effectLst/>
                         </a:rPr>
                         <a:t>X</a:t>
                       </a:r>
-                      <a:endParaRPr lang="en-US" sz="1100" b="1" i="0" u="none" strike="noStrike">
-                        <a:solidFill>
-                          <a:srgbClr val="000000"/>
-                        </a:solidFill>
-                        <a:effectLst/>
-                        <a:latin typeface="Calibri" panose="020F0502020204030204" pitchFamily="34" charset="0"/>
-                      </a:endParaRPr>
-                    </a:p>
-                  </a:txBody>
-                  <a:tcPr marL="9525" marR="9525" marT="9525" marB="0" anchor="b">
+                      <a:endParaRPr lang="en-US" sz="900" b="1" i="0" u="none" strike="noStrike">
+                        <a:solidFill>
+                          <a:srgbClr val="000000"/>
+                        </a:solidFill>
+                        <a:effectLst/>
+                        <a:latin typeface="Calibri" panose="020F0502020204030204" pitchFamily="34" charset="0"/>
+                      </a:endParaRPr>
+                    </a:p>
+                  </a:txBody>
+                  <a:tcPr marL="7620" marR="7620" marT="7620" marB="0" anchor="b">
                     <a:lnT w="3175" cap="flat" cmpd="sng" algn="ctr">
                       <a:solidFill>
                         <a:schemeClr val="tx1"/>
@@ -3418,21 +3421,21 @@
                     <a:p>
                       <a:pPr algn="l" fontAlgn="b"/>
                       <a:r>
-                        <a:rPr lang="en-US" sz="1100" b="1" u="none" strike="noStrike">
+                        <a:rPr lang="en-US" sz="900" b="1" u="none" strike="noStrike">
                           <a:effectLst/>
                         </a:rPr>
                         <a:t>Y</a:t>
                       </a:r>
-                      <a:endParaRPr lang="en-US" sz="1100" b="1" i="0" u="none" strike="noStrike">
-                        <a:solidFill>
-                          <a:srgbClr val="000000"/>
-                        </a:solidFill>
-                        <a:effectLst/>
-                        <a:latin typeface="Calibri" panose="020F0502020204030204" pitchFamily="34" charset="0"/>
-                      </a:endParaRPr>
-                    </a:p>
-                  </a:txBody>
-                  <a:tcPr marL="9525" marR="9525" marT="9525" marB="0" anchor="b">
+                      <a:endParaRPr lang="en-US" sz="900" b="1" i="0" u="none" strike="noStrike">
+                        <a:solidFill>
+                          <a:srgbClr val="000000"/>
+                        </a:solidFill>
+                        <a:effectLst/>
+                        <a:latin typeface="Calibri" panose="020F0502020204030204" pitchFamily="34" charset="0"/>
+                      </a:endParaRPr>
+                    </a:p>
+                  </a:txBody>
+                  <a:tcPr marL="7620" marR="7620" marT="7620" marB="0" anchor="b">
                     <a:lnT w="3175" cap="flat" cmpd="sng" algn="ctr">
                       <a:solidFill>
                         <a:schemeClr val="tx1"/>
@@ -3460,21 +3463,21 @@
                     <a:p>
                       <a:pPr algn="l" fontAlgn="b"/>
                       <a:r>
-                        <a:rPr lang="en-US" sz="1100" b="1" u="none" strike="noStrike">
+                        <a:rPr lang="en-US" sz="900" b="1" u="none" strike="noStrike">
                           <a:effectLst/>
                         </a:rPr>
                         <a:t>XM</a:t>
                       </a:r>
-                      <a:endParaRPr lang="en-US" sz="1100" b="1" i="0" u="none" strike="noStrike">
-                        <a:solidFill>
-                          <a:srgbClr val="000000"/>
-                        </a:solidFill>
-                        <a:effectLst/>
-                        <a:latin typeface="Calibri" panose="020F0502020204030204" pitchFamily="34" charset="0"/>
-                      </a:endParaRPr>
-                    </a:p>
-                  </a:txBody>
-                  <a:tcPr marL="9525" marR="9525" marT="9525" marB="0" anchor="b">
+                      <a:endParaRPr lang="en-US" sz="900" b="1" i="0" u="none" strike="noStrike">
+                        <a:solidFill>
+                          <a:srgbClr val="000000"/>
+                        </a:solidFill>
+                        <a:effectLst/>
+                        <a:latin typeface="Calibri" panose="020F0502020204030204" pitchFamily="34" charset="0"/>
+                      </a:endParaRPr>
+                    </a:p>
+                  </a:txBody>
+                  <a:tcPr marL="7620" marR="7620" marT="7620" marB="0" anchor="b">
                     <a:lnT w="3175" cap="flat" cmpd="sng" algn="ctr">
                       <a:solidFill>
                         <a:schemeClr val="tx1"/>
@@ -3502,21 +3505,21 @@
                     <a:p>
                       <a:pPr algn="l" fontAlgn="b"/>
                       <a:r>
-                        <a:rPr lang="en-US" sz="1100" b="1" u="none" strike="noStrike" dirty="0">
+                        <a:rPr lang="en-US" sz="900" b="1" u="none" strike="noStrike" dirty="0">
                           <a:effectLst/>
                         </a:rPr>
                         <a:t>YM</a:t>
                       </a:r>
-                      <a:endParaRPr lang="en-US" sz="1100" b="1" i="0" u="none" strike="noStrike" dirty="0">
-                        <a:solidFill>
-                          <a:srgbClr val="000000"/>
-                        </a:solidFill>
-                        <a:effectLst/>
-                        <a:latin typeface="Calibri" panose="020F0502020204030204" pitchFamily="34" charset="0"/>
-                      </a:endParaRPr>
-                    </a:p>
-                  </a:txBody>
-                  <a:tcPr marL="9525" marR="9525" marT="9525" marB="0" anchor="b">
+                      <a:endParaRPr lang="en-US" sz="900" b="1" i="0" u="none" strike="noStrike" dirty="0">
+                        <a:solidFill>
+                          <a:srgbClr val="000000"/>
+                        </a:solidFill>
+                        <a:effectLst/>
+                        <a:latin typeface="Calibri" panose="020F0502020204030204" pitchFamily="34" charset="0"/>
+                      </a:endParaRPr>
+                    </a:p>
+                  </a:txBody>
+                  <a:tcPr marL="7620" marR="7620" marT="7620" marB="0" anchor="b">
                     <a:lnT w="3175" cap="flat" cmpd="sng" algn="ctr">
                       <a:solidFill>
                         <a:schemeClr val="tx1"/>
@@ -3543,29 +3546,29 @@
                   </a:ext>
                 </a:extLst>
               </a:tr>
-              <a:tr h="190501">
-                <a:tc>
-                  <a:txBody>
-                    <a:bodyPr/>
-                    <a:lstStyle/>
-                    <a:p>
-                      <a:pPr algn="r" fontAlgn="b"/>
-                      <a:r>
-                        <a:rPr lang="en-US" sz="1100" u="none" strike="noStrike" dirty="0">
+              <a:tr h="152401">
+                <a:tc>
+                  <a:txBody>
+                    <a:bodyPr/>
+                    <a:lstStyle/>
+                    <a:p>
+                      <a:pPr algn="r" fontAlgn="b"/>
+                      <a:r>
+                        <a:rPr lang="en-US" sz="900" u="none" strike="noStrike" dirty="0">
                           <a:effectLst/>
                         </a:rPr>
                         <a:t>1</a:t>
                       </a:r>
-                      <a:endParaRPr lang="en-US" sz="1100" b="0" i="0" u="none" strike="noStrike" dirty="0">
-                        <a:solidFill>
-                          <a:srgbClr val="000000"/>
-                        </a:solidFill>
-                        <a:effectLst/>
-                        <a:latin typeface="Calibri" panose="020F0502020204030204" pitchFamily="34" charset="0"/>
-                      </a:endParaRPr>
-                    </a:p>
-                  </a:txBody>
-                  <a:tcPr marL="9525" marR="9525" marT="9525" marB="0" anchor="b">
+                      <a:endParaRPr lang="en-US" sz="900" b="0" i="0" u="none" strike="noStrike" dirty="0">
+                        <a:solidFill>
+                          <a:srgbClr val="000000"/>
+                        </a:solidFill>
+                        <a:effectLst/>
+                        <a:latin typeface="Calibri" panose="020F0502020204030204" pitchFamily="34" charset="0"/>
+                      </a:endParaRPr>
+                    </a:p>
+                  </a:txBody>
+                  <a:tcPr marL="7620" marR="7620" marT="7620" marB="0" anchor="b">
                     <a:lnT w="3175" cap="flat" cmpd="sng" algn="ctr">
                       <a:solidFill>
                         <a:schemeClr val="tx1"/>
@@ -3584,21 +3587,21 @@
                     <a:p>
                       <a:pPr algn="r" fontAlgn="b"/>
                       <a:r>
-                        <a:rPr lang="en-US" sz="1100" u="none" strike="noStrike" dirty="0">
+                        <a:rPr lang="en-US" sz="900" u="none" strike="noStrike" dirty="0">
                           <a:effectLst/>
                         </a:rPr>
                         <a:t>433</a:t>
                       </a:r>
-                      <a:endParaRPr lang="en-US" sz="1100" b="0" i="0" u="none" strike="noStrike" dirty="0">
-                        <a:solidFill>
-                          <a:srgbClr val="000000"/>
-                        </a:solidFill>
-                        <a:effectLst/>
-                        <a:latin typeface="Calibri" panose="020F0502020204030204" pitchFamily="34" charset="0"/>
-                      </a:endParaRPr>
-                    </a:p>
-                  </a:txBody>
-                  <a:tcPr marL="9525" marR="9525" marT="9525" marB="0" anchor="b">
+                      <a:endParaRPr lang="en-US" sz="900" b="0" i="0" u="none" strike="noStrike" dirty="0">
+                        <a:solidFill>
+                          <a:srgbClr val="000000"/>
+                        </a:solidFill>
+                        <a:effectLst/>
+                        <a:latin typeface="Calibri" panose="020F0502020204030204" pitchFamily="34" charset="0"/>
+                      </a:endParaRPr>
+                    </a:p>
+                  </a:txBody>
+                  <a:tcPr marL="7620" marR="7620" marT="7620" marB="0" anchor="b">
                     <a:lnT w="3175" cap="flat" cmpd="sng" algn="ctr">
                       <a:solidFill>
                         <a:schemeClr val="tx1"/>
@@ -3617,21 +3620,21 @@
                     <a:p>
                       <a:pPr algn="r" fontAlgn="b"/>
                       <a:r>
-                        <a:rPr lang="en-US" sz="1100" u="none" strike="noStrike">
+                        <a:rPr lang="en-US" sz="900" u="none" strike="noStrike">
                           <a:effectLst/>
                         </a:rPr>
                         <a:t>20.486</a:t>
                       </a:r>
-                      <a:endParaRPr lang="en-US" sz="1100" b="0" i="0" u="none" strike="noStrike">
-                        <a:solidFill>
-                          <a:srgbClr val="000000"/>
-                        </a:solidFill>
-                        <a:effectLst/>
-                        <a:latin typeface="Calibri" panose="020F0502020204030204" pitchFamily="34" charset="0"/>
-                      </a:endParaRPr>
-                    </a:p>
-                  </a:txBody>
-                  <a:tcPr marL="9525" marR="9525" marT="9525" marB="0" anchor="b">
+                      <a:endParaRPr lang="en-US" sz="900" b="0" i="0" u="none" strike="noStrike">
+                        <a:solidFill>
+                          <a:srgbClr val="000000"/>
+                        </a:solidFill>
+                        <a:effectLst/>
+                        <a:latin typeface="Calibri" panose="020F0502020204030204" pitchFamily="34" charset="0"/>
+                      </a:endParaRPr>
+                    </a:p>
+                  </a:txBody>
+                  <a:tcPr marL="7620" marR="7620" marT="7620" marB="0" anchor="b">
                     <a:lnT w="3175" cap="flat" cmpd="sng" algn="ctr">
                       <a:solidFill>
                         <a:schemeClr val="tx1"/>
@@ -3650,21 +3653,21 @@
                     <a:p>
                       <a:pPr algn="r" fontAlgn="b"/>
                       <a:r>
-                        <a:rPr lang="en-US" sz="1100" u="none" strike="noStrike">
+                        <a:rPr lang="en-US" sz="900" u="none" strike="noStrike">
                           <a:effectLst/>
                         </a:rPr>
                         <a:t>13.712</a:t>
                       </a:r>
-                      <a:endParaRPr lang="en-US" sz="1100" b="0" i="0" u="none" strike="noStrike">
-                        <a:solidFill>
-                          <a:srgbClr val="000000"/>
-                        </a:solidFill>
-                        <a:effectLst/>
-                        <a:latin typeface="Calibri" panose="020F0502020204030204" pitchFamily="34" charset="0"/>
-                      </a:endParaRPr>
-                    </a:p>
-                  </a:txBody>
-                  <a:tcPr marL="9525" marR="9525" marT="9525" marB="0" anchor="b">
+                      <a:endParaRPr lang="en-US" sz="900" b="0" i="0" u="none" strike="noStrike">
+                        <a:solidFill>
+                          <a:srgbClr val="000000"/>
+                        </a:solidFill>
+                        <a:effectLst/>
+                        <a:latin typeface="Calibri" panose="020F0502020204030204" pitchFamily="34" charset="0"/>
+                      </a:endParaRPr>
+                    </a:p>
+                  </a:txBody>
+                  <a:tcPr marL="7620" marR="7620" marT="7620" marB="0" anchor="b">
                     <a:lnT w="3175" cap="flat" cmpd="sng" algn="ctr">
                       <a:solidFill>
                         <a:schemeClr val="tx1"/>
@@ -3683,21 +3686,21 @@
                     <a:p>
                       <a:pPr algn="r" fontAlgn="b"/>
                       <a:r>
-                        <a:rPr lang="en-US" sz="1100" u="none" strike="noStrike">
+                        <a:rPr lang="en-US" sz="900" u="none" strike="noStrike">
                           <a:effectLst/>
                         </a:rPr>
                         <a:t>20.486</a:t>
                       </a:r>
-                      <a:endParaRPr lang="en-US" sz="1100" b="0" i="0" u="none" strike="noStrike">
-                        <a:solidFill>
-                          <a:srgbClr val="000000"/>
-                        </a:solidFill>
-                        <a:effectLst/>
-                        <a:latin typeface="Calibri" panose="020F0502020204030204" pitchFamily="34" charset="0"/>
-                      </a:endParaRPr>
-                    </a:p>
-                  </a:txBody>
-                  <a:tcPr marL="9525" marR="9525" marT="9525" marB="0" anchor="b">
+                      <a:endParaRPr lang="en-US" sz="900" b="0" i="0" u="none" strike="noStrike">
+                        <a:solidFill>
+                          <a:srgbClr val="000000"/>
+                        </a:solidFill>
+                        <a:effectLst/>
+                        <a:latin typeface="Calibri" panose="020F0502020204030204" pitchFamily="34" charset="0"/>
+                      </a:endParaRPr>
+                    </a:p>
+                  </a:txBody>
+                  <a:tcPr marL="7620" marR="7620" marT="7620" marB="0" anchor="b">
                     <a:lnT w="3175" cap="flat" cmpd="sng" algn="ctr">
                       <a:solidFill>
                         <a:schemeClr val="tx1"/>
@@ -3716,21 +3719,21 @@
                     <a:p>
                       <a:pPr algn="r" fontAlgn="b"/>
                       <a:r>
-                        <a:rPr lang="en-US" sz="1100" u="none" strike="noStrike">
+                        <a:rPr lang="en-US" sz="900" u="none" strike="noStrike">
                           <a:effectLst/>
                         </a:rPr>
                         <a:t>13.712</a:t>
                       </a:r>
-                      <a:endParaRPr lang="en-US" sz="1100" b="0" i="0" u="none" strike="noStrike">
-                        <a:solidFill>
-                          <a:srgbClr val="000000"/>
-                        </a:solidFill>
-                        <a:effectLst/>
-                        <a:latin typeface="Calibri" panose="020F0502020204030204" pitchFamily="34" charset="0"/>
-                      </a:endParaRPr>
-                    </a:p>
-                  </a:txBody>
-                  <a:tcPr marL="9525" marR="9525" marT="9525" marB="0" anchor="b">
+                      <a:endParaRPr lang="en-US" sz="900" b="0" i="0" u="none" strike="noStrike">
+                        <a:solidFill>
+                          <a:srgbClr val="000000"/>
+                        </a:solidFill>
+                        <a:effectLst/>
+                        <a:latin typeface="Calibri" panose="020F0502020204030204" pitchFamily="34" charset="0"/>
+                      </a:endParaRPr>
+                    </a:p>
+                  </a:txBody>
+                  <a:tcPr marL="7620" marR="7620" marT="7620" marB="0" anchor="b">
                     <a:lnT w="3175" cap="flat" cmpd="sng" algn="ctr">
                       <a:solidFill>
                         <a:schemeClr val="tx1"/>
@@ -3748,144 +3751,144 @@
                   </a:ext>
                 </a:extLst>
               </a:tr>
-              <a:tr h="190501">
-                <a:tc>
-                  <a:txBody>
-                    <a:bodyPr/>
-                    <a:lstStyle/>
-                    <a:p>
-                      <a:pPr algn="r" fontAlgn="b"/>
-                      <a:r>
-                        <a:rPr lang="en-US" sz="1100" u="none" strike="noStrike">
+              <a:tr h="152401">
+                <a:tc>
+                  <a:txBody>
+                    <a:bodyPr/>
+                    <a:lstStyle/>
+                    <a:p>
+                      <a:pPr algn="r" fontAlgn="b"/>
+                      <a:r>
+                        <a:rPr lang="en-US" sz="900" u="none" strike="noStrike">
                           <a:effectLst/>
                         </a:rPr>
                         <a:t>2</a:t>
                       </a:r>
-                      <a:endParaRPr lang="en-US" sz="1100" b="0" i="0" u="none" strike="noStrike">
-                        <a:solidFill>
-                          <a:srgbClr val="000000"/>
-                        </a:solidFill>
-                        <a:effectLst/>
-                        <a:latin typeface="Calibri" panose="020F0502020204030204" pitchFamily="34" charset="0"/>
-                      </a:endParaRPr>
-                    </a:p>
-                  </a:txBody>
-                  <a:tcPr marL="9525" marR="9525" marT="9525" marB="0" anchor="b"/>
-                </a:tc>
-                <a:tc>
-                  <a:txBody>
-                    <a:bodyPr/>
-                    <a:lstStyle/>
-                    <a:p>
-                      <a:pPr algn="r" fontAlgn="b"/>
-                      <a:r>
-                        <a:rPr lang="en-US" sz="1100" u="none" strike="noStrike">
+                      <a:endParaRPr lang="en-US" sz="900" b="0" i="0" u="none" strike="noStrike">
+                        <a:solidFill>
+                          <a:srgbClr val="000000"/>
+                        </a:solidFill>
+                        <a:effectLst/>
+                        <a:latin typeface="Calibri" panose="020F0502020204030204" pitchFamily="34" charset="0"/>
+                      </a:endParaRPr>
+                    </a:p>
+                  </a:txBody>
+                  <a:tcPr marL="7620" marR="7620" marT="7620" marB="0" anchor="b"/>
+                </a:tc>
+                <a:tc>
+                  <a:txBody>
+                    <a:bodyPr/>
+                    <a:lstStyle/>
+                    <a:p>
+                      <a:pPr algn="r" fontAlgn="b"/>
+                      <a:r>
+                        <a:rPr lang="en-US" sz="900" u="none" strike="noStrike">
                           <a:effectLst/>
                         </a:rPr>
                         <a:t>185</a:t>
                       </a:r>
-                      <a:endParaRPr lang="en-US" sz="1100" b="0" i="0" u="none" strike="noStrike">
-                        <a:solidFill>
-                          <a:srgbClr val="000000"/>
-                        </a:solidFill>
-                        <a:effectLst/>
-                        <a:latin typeface="Calibri" panose="020F0502020204030204" pitchFamily="34" charset="0"/>
-                      </a:endParaRPr>
-                    </a:p>
-                  </a:txBody>
-                  <a:tcPr marL="9525" marR="9525" marT="9525" marB="0" anchor="b"/>
-                </a:tc>
-                <a:tc>
-                  <a:txBody>
-                    <a:bodyPr/>
-                    <a:lstStyle/>
-                    <a:p>
-                      <a:pPr algn="r" fontAlgn="b"/>
-                      <a:r>
-                        <a:rPr lang="en-US" sz="1100" u="none" strike="noStrike">
+                      <a:endParaRPr lang="en-US" sz="900" b="0" i="0" u="none" strike="noStrike">
+                        <a:solidFill>
+                          <a:srgbClr val="000000"/>
+                        </a:solidFill>
+                        <a:effectLst/>
+                        <a:latin typeface="Calibri" panose="020F0502020204030204" pitchFamily="34" charset="0"/>
+                      </a:endParaRPr>
+                    </a:p>
+                  </a:txBody>
+                  <a:tcPr marL="7620" marR="7620" marT="7620" marB="0" anchor="b"/>
+                </a:tc>
+                <a:tc>
+                  <a:txBody>
+                    <a:bodyPr/>
+                    <a:lstStyle/>
+                    <a:p>
+                      <a:pPr algn="r" fontAlgn="b"/>
+                      <a:r>
+                        <a:rPr lang="en-US" sz="900" u="none" strike="noStrike">
                           <a:effectLst/>
                         </a:rPr>
                         <a:t>63.446</a:t>
                       </a:r>
-                      <a:endParaRPr lang="en-US" sz="1100" b="0" i="0" u="none" strike="noStrike">
-                        <a:solidFill>
-                          <a:srgbClr val="000000"/>
-                        </a:solidFill>
-                        <a:effectLst/>
-                        <a:latin typeface="Calibri" panose="020F0502020204030204" pitchFamily="34" charset="0"/>
-                      </a:endParaRPr>
-                    </a:p>
-                  </a:txBody>
-                  <a:tcPr marL="9525" marR="9525" marT="9525" marB="0" anchor="b"/>
-                </a:tc>
-                <a:tc>
-                  <a:txBody>
-                    <a:bodyPr/>
-                    <a:lstStyle/>
-                    <a:p>
-                      <a:pPr algn="r" fontAlgn="b"/>
-                      <a:r>
-                        <a:rPr lang="en-US" sz="1100" u="none" strike="noStrike">
+                      <a:endParaRPr lang="en-US" sz="900" b="0" i="0" u="none" strike="noStrike">
+                        <a:solidFill>
+                          <a:srgbClr val="000000"/>
+                        </a:solidFill>
+                        <a:effectLst/>
+                        <a:latin typeface="Calibri" panose="020F0502020204030204" pitchFamily="34" charset="0"/>
+                      </a:endParaRPr>
+                    </a:p>
+                  </a:txBody>
+                  <a:tcPr marL="7620" marR="7620" marT="7620" marB="0" anchor="b"/>
+                </a:tc>
+                <a:tc>
+                  <a:txBody>
+                    <a:bodyPr/>
+                    <a:lstStyle/>
+                    <a:p>
+                      <a:pPr algn="r" fontAlgn="b"/>
+                      <a:r>
+                        <a:rPr lang="en-US" sz="900" u="none" strike="noStrike">
                           <a:effectLst/>
                         </a:rPr>
                         <a:t>4.77</a:t>
                       </a:r>
-                      <a:endParaRPr lang="en-US" sz="1100" b="0" i="0" u="none" strike="noStrike">
-                        <a:solidFill>
-                          <a:srgbClr val="000000"/>
-                        </a:solidFill>
-                        <a:effectLst/>
-                        <a:latin typeface="Calibri" panose="020F0502020204030204" pitchFamily="34" charset="0"/>
-                      </a:endParaRPr>
-                    </a:p>
-                  </a:txBody>
-                  <a:tcPr marL="9525" marR="9525" marT="9525" marB="0" anchor="b"/>
-                </a:tc>
-                <a:tc>
-                  <a:txBody>
-                    <a:bodyPr/>
-                    <a:lstStyle/>
-                    <a:p>
-                      <a:pPr algn="r" fontAlgn="b"/>
-                      <a:r>
-                        <a:rPr lang="en-US" sz="1100" u="none" strike="noStrike">
+                      <a:endParaRPr lang="en-US" sz="900" b="0" i="0" u="none" strike="noStrike">
+                        <a:solidFill>
+                          <a:srgbClr val="000000"/>
+                        </a:solidFill>
+                        <a:effectLst/>
+                        <a:latin typeface="Calibri" panose="020F0502020204030204" pitchFamily="34" charset="0"/>
+                      </a:endParaRPr>
+                    </a:p>
+                  </a:txBody>
+                  <a:tcPr marL="7620" marR="7620" marT="7620" marB="0" anchor="b"/>
+                </a:tc>
+                <a:tc>
+                  <a:txBody>
+                    <a:bodyPr/>
+                    <a:lstStyle/>
+                    <a:p>
+                      <a:pPr algn="r" fontAlgn="b"/>
+                      <a:r>
+                        <a:rPr lang="en-US" sz="900" u="none" strike="noStrike">
                           <a:effectLst/>
                         </a:rPr>
                         <a:t>63.446</a:t>
                       </a:r>
-                      <a:endParaRPr lang="en-US" sz="1100" b="0" i="0" u="none" strike="noStrike">
-                        <a:solidFill>
-                          <a:srgbClr val="000000"/>
-                        </a:solidFill>
-                        <a:effectLst/>
-                        <a:latin typeface="Calibri" panose="020F0502020204030204" pitchFamily="34" charset="0"/>
-                      </a:endParaRPr>
-                    </a:p>
-                  </a:txBody>
-                  <a:tcPr marL="9525" marR="9525" marT="9525" marB="0" anchor="b"/>
-                </a:tc>
-                <a:tc>
-                  <a:txBody>
-                    <a:bodyPr/>
-                    <a:lstStyle/>
-                    <a:p>
-                      <a:pPr algn="r" fontAlgn="b"/>
-                      <a:r>
-                        <a:rPr lang="en-US" sz="1100" u="none" strike="noStrike">
+                      <a:endParaRPr lang="en-US" sz="900" b="0" i="0" u="none" strike="noStrike">
+                        <a:solidFill>
+                          <a:srgbClr val="000000"/>
+                        </a:solidFill>
+                        <a:effectLst/>
+                        <a:latin typeface="Calibri" panose="020F0502020204030204" pitchFamily="34" charset="0"/>
+                      </a:endParaRPr>
+                    </a:p>
+                  </a:txBody>
+                  <a:tcPr marL="7620" marR="7620" marT="7620" marB="0" anchor="b"/>
+                </a:tc>
+                <a:tc>
+                  <a:txBody>
+                    <a:bodyPr/>
+                    <a:lstStyle/>
+                    <a:p>
+                      <a:pPr algn="r" fontAlgn="b"/>
+                      <a:r>
+                        <a:rPr lang="en-US" sz="900" u="none" strike="noStrike">
                           <a:effectLst/>
                         </a:rPr>
                         <a:t>4.77</a:t>
                       </a:r>
-                      <a:endParaRPr lang="en-US" sz="1100" b="0" i="0" u="none" strike="noStrike">
-                        <a:solidFill>
-                          <a:srgbClr val="000000"/>
-                        </a:solidFill>
-                        <a:effectLst/>
-                        <a:latin typeface="Calibri" panose="020F0502020204030204" pitchFamily="34" charset="0"/>
-                      </a:endParaRPr>
-                    </a:p>
-                  </a:txBody>
-                  <a:tcPr marL="9525" marR="9525" marT="9525" marB="0" anchor="b"/>
+                      <a:endParaRPr lang="en-US" sz="900" b="0" i="0" u="none" strike="noStrike">
+                        <a:solidFill>
+                          <a:srgbClr val="000000"/>
+                        </a:solidFill>
+                        <a:effectLst/>
+                        <a:latin typeface="Calibri" panose="020F0502020204030204" pitchFamily="34" charset="0"/>
+                      </a:endParaRPr>
+                    </a:p>
+                  </a:txBody>
+                  <a:tcPr marL="7620" marR="7620" marT="7620" marB="0" anchor="b"/>
                 </a:tc>
                 <a:extLst>
                   <a:ext uri="{0D108BD9-81ED-4DB2-BD59-A6C34878D82A}">
@@ -3893,144 +3896,144 @@
                   </a:ext>
                 </a:extLst>
               </a:tr>
-              <a:tr h="190501">
-                <a:tc>
-                  <a:txBody>
-                    <a:bodyPr/>
-                    <a:lstStyle/>
-                    <a:p>
-                      <a:pPr algn="r" fontAlgn="b"/>
-                      <a:r>
-                        <a:rPr lang="en-US" sz="1100" u="none" strike="noStrike">
+              <a:tr h="152401">
+                <a:tc>
+                  <a:txBody>
+                    <a:bodyPr/>
+                    <a:lstStyle/>
+                    <a:p>
+                      <a:pPr algn="r" fontAlgn="b"/>
+                      <a:r>
+                        <a:rPr lang="en-US" sz="900" u="none" strike="noStrike">
                           <a:effectLst/>
                         </a:rPr>
                         <a:t>3</a:t>
                       </a:r>
-                      <a:endParaRPr lang="en-US" sz="1100" b="0" i="0" u="none" strike="noStrike">
-                        <a:solidFill>
-                          <a:srgbClr val="000000"/>
-                        </a:solidFill>
-                        <a:effectLst/>
-                        <a:latin typeface="Calibri" panose="020F0502020204030204" pitchFamily="34" charset="0"/>
-                      </a:endParaRPr>
-                    </a:p>
-                  </a:txBody>
-                  <a:tcPr marL="9525" marR="9525" marT="9525" marB="0" anchor="b"/>
-                </a:tc>
-                <a:tc>
-                  <a:txBody>
-                    <a:bodyPr/>
-                    <a:lstStyle/>
-                    <a:p>
-                      <a:pPr algn="r" fontAlgn="b"/>
-                      <a:r>
-                        <a:rPr lang="en-US" sz="1100" u="none" strike="noStrike">
+                      <a:endParaRPr lang="en-US" sz="900" b="0" i="0" u="none" strike="noStrike">
+                        <a:solidFill>
+                          <a:srgbClr val="000000"/>
+                        </a:solidFill>
+                        <a:effectLst/>
+                        <a:latin typeface="Calibri" panose="020F0502020204030204" pitchFamily="34" charset="0"/>
+                      </a:endParaRPr>
+                    </a:p>
+                  </a:txBody>
+                  <a:tcPr marL="7620" marR="7620" marT="7620" marB="0" anchor="b"/>
+                </a:tc>
+                <a:tc>
+                  <a:txBody>
+                    <a:bodyPr/>
+                    <a:lstStyle/>
+                    <a:p>
+                      <a:pPr algn="r" fontAlgn="b"/>
+                      <a:r>
+                        <a:rPr lang="en-US" sz="900" u="none" strike="noStrike">
                           <a:effectLst/>
                         </a:rPr>
                         <a:t>434</a:t>
                       </a:r>
-                      <a:endParaRPr lang="en-US" sz="1100" b="0" i="0" u="none" strike="noStrike">
-                        <a:solidFill>
-                          <a:srgbClr val="000000"/>
-                        </a:solidFill>
-                        <a:effectLst/>
-                        <a:latin typeface="Calibri" panose="020F0502020204030204" pitchFamily="34" charset="0"/>
-                      </a:endParaRPr>
-                    </a:p>
-                  </a:txBody>
-                  <a:tcPr marL="9525" marR="9525" marT="9525" marB="0" anchor="b"/>
-                </a:tc>
-                <a:tc>
-                  <a:txBody>
-                    <a:bodyPr/>
-                    <a:lstStyle/>
-                    <a:p>
-                      <a:pPr algn="r" fontAlgn="b"/>
-                      <a:r>
-                        <a:rPr lang="en-US" sz="1100" u="none" strike="noStrike">
+                      <a:endParaRPr lang="en-US" sz="900" b="0" i="0" u="none" strike="noStrike">
+                        <a:solidFill>
+                          <a:srgbClr val="000000"/>
+                        </a:solidFill>
+                        <a:effectLst/>
+                        <a:latin typeface="Calibri" panose="020F0502020204030204" pitchFamily="34" charset="0"/>
+                      </a:endParaRPr>
+                    </a:p>
+                  </a:txBody>
+                  <a:tcPr marL="7620" marR="7620" marT="7620" marB="0" anchor="b"/>
+                </a:tc>
+                <a:tc>
+                  <a:txBody>
+                    <a:bodyPr/>
+                    <a:lstStyle/>
+                    <a:p>
+                      <a:pPr algn="r" fontAlgn="b"/>
+                      <a:r>
+                        <a:rPr lang="en-US" sz="900" u="none" strike="noStrike">
                           <a:effectLst/>
                         </a:rPr>
                         <a:t>155.021</a:t>
                       </a:r>
-                      <a:endParaRPr lang="en-US" sz="1100" b="0" i="0" u="none" strike="noStrike">
-                        <a:solidFill>
-                          <a:srgbClr val="000000"/>
-                        </a:solidFill>
-                        <a:effectLst/>
-                        <a:latin typeface="Calibri" panose="020F0502020204030204" pitchFamily="34" charset="0"/>
-                      </a:endParaRPr>
-                    </a:p>
-                  </a:txBody>
-                  <a:tcPr marL="9525" marR="9525" marT="9525" marB="0" anchor="b"/>
-                </a:tc>
-                <a:tc>
-                  <a:txBody>
-                    <a:bodyPr/>
-                    <a:lstStyle/>
-                    <a:p>
-                      <a:pPr algn="r" fontAlgn="b"/>
-                      <a:r>
-                        <a:rPr lang="en-US" sz="1100" u="none" strike="noStrike" dirty="0">
+                      <a:endParaRPr lang="en-US" sz="900" b="0" i="0" u="none" strike="noStrike">
+                        <a:solidFill>
+                          <a:srgbClr val="000000"/>
+                        </a:solidFill>
+                        <a:effectLst/>
+                        <a:latin typeface="Calibri" panose="020F0502020204030204" pitchFamily="34" charset="0"/>
+                      </a:endParaRPr>
+                    </a:p>
+                  </a:txBody>
+                  <a:tcPr marL="7620" marR="7620" marT="7620" marB="0" anchor="b"/>
+                </a:tc>
+                <a:tc>
+                  <a:txBody>
+                    <a:bodyPr/>
+                    <a:lstStyle/>
+                    <a:p>
+                      <a:pPr algn="r" fontAlgn="b"/>
+                      <a:r>
+                        <a:rPr lang="en-US" sz="900" u="none" strike="noStrike" dirty="0">
                           <a:effectLst/>
                         </a:rPr>
                         <a:t>10.306</a:t>
                       </a:r>
-                      <a:endParaRPr lang="en-US" sz="1100" b="0" i="0" u="none" strike="noStrike" dirty="0">
-                        <a:solidFill>
-                          <a:srgbClr val="000000"/>
-                        </a:solidFill>
-                        <a:effectLst/>
-                        <a:latin typeface="Calibri" panose="020F0502020204030204" pitchFamily="34" charset="0"/>
-                      </a:endParaRPr>
-                    </a:p>
-                  </a:txBody>
-                  <a:tcPr marL="9525" marR="9525" marT="9525" marB="0" anchor="b"/>
-                </a:tc>
-                <a:tc>
-                  <a:txBody>
-                    <a:bodyPr/>
-                    <a:lstStyle/>
-                    <a:p>
-                      <a:pPr algn="r" fontAlgn="b"/>
-                      <a:r>
-                        <a:rPr lang="en-US" sz="1100" u="none" strike="noStrike">
+                      <a:endParaRPr lang="en-US" sz="900" b="0" i="0" u="none" strike="noStrike" dirty="0">
+                        <a:solidFill>
+                          <a:srgbClr val="000000"/>
+                        </a:solidFill>
+                        <a:effectLst/>
+                        <a:latin typeface="Calibri" panose="020F0502020204030204" pitchFamily="34" charset="0"/>
+                      </a:endParaRPr>
+                    </a:p>
+                  </a:txBody>
+                  <a:tcPr marL="7620" marR="7620" marT="7620" marB="0" anchor="b"/>
+                </a:tc>
+                <a:tc>
+                  <a:txBody>
+                    <a:bodyPr/>
+                    <a:lstStyle/>
+                    <a:p>
+                      <a:pPr algn="r" fontAlgn="b"/>
+                      <a:r>
+                        <a:rPr lang="en-US" sz="900" u="none" strike="noStrike">
                           <a:effectLst/>
                         </a:rPr>
                         <a:t>155.021</a:t>
                       </a:r>
-                      <a:endParaRPr lang="en-US" sz="1100" b="0" i="0" u="none" strike="noStrike">
-                        <a:solidFill>
-                          <a:srgbClr val="000000"/>
-                        </a:solidFill>
-                        <a:effectLst/>
-                        <a:latin typeface="Calibri" panose="020F0502020204030204" pitchFamily="34" charset="0"/>
-                      </a:endParaRPr>
-                    </a:p>
-                  </a:txBody>
-                  <a:tcPr marL="9525" marR="9525" marT="9525" marB="0" anchor="b"/>
-                </a:tc>
-                <a:tc>
-                  <a:txBody>
-                    <a:bodyPr/>
-                    <a:lstStyle/>
-                    <a:p>
-                      <a:pPr algn="r" fontAlgn="b"/>
-                      <a:r>
-                        <a:rPr lang="en-US" sz="1100" u="none" strike="noStrike">
+                      <a:endParaRPr lang="en-US" sz="900" b="0" i="0" u="none" strike="noStrike">
+                        <a:solidFill>
+                          <a:srgbClr val="000000"/>
+                        </a:solidFill>
+                        <a:effectLst/>
+                        <a:latin typeface="Calibri" panose="020F0502020204030204" pitchFamily="34" charset="0"/>
+                      </a:endParaRPr>
+                    </a:p>
+                  </a:txBody>
+                  <a:tcPr marL="7620" marR="7620" marT="7620" marB="0" anchor="b"/>
+                </a:tc>
+                <a:tc>
+                  <a:txBody>
+                    <a:bodyPr/>
+                    <a:lstStyle/>
+                    <a:p>
+                      <a:pPr algn="r" fontAlgn="b"/>
+                      <a:r>
+                        <a:rPr lang="en-US" sz="900" u="none" strike="noStrike">
                           <a:effectLst/>
                         </a:rPr>
                         <a:t>10.306</a:t>
                       </a:r>
-                      <a:endParaRPr lang="en-US" sz="1100" b="0" i="0" u="none" strike="noStrike">
-                        <a:solidFill>
-                          <a:srgbClr val="000000"/>
-                        </a:solidFill>
-                        <a:effectLst/>
-                        <a:latin typeface="Calibri" panose="020F0502020204030204" pitchFamily="34" charset="0"/>
-                      </a:endParaRPr>
-                    </a:p>
-                  </a:txBody>
-                  <a:tcPr marL="9525" marR="9525" marT="9525" marB="0" anchor="b"/>
+                      <a:endParaRPr lang="en-US" sz="900" b="0" i="0" u="none" strike="noStrike">
+                        <a:solidFill>
+                          <a:srgbClr val="000000"/>
+                        </a:solidFill>
+                        <a:effectLst/>
+                        <a:latin typeface="Calibri" panose="020F0502020204030204" pitchFamily="34" charset="0"/>
+                      </a:endParaRPr>
+                    </a:p>
+                  </a:txBody>
+                  <a:tcPr marL="7620" marR="7620" marT="7620" marB="0" anchor="b"/>
                 </a:tc>
                 <a:extLst>
                   <a:ext uri="{0D108BD9-81ED-4DB2-BD59-A6C34878D82A}">
@@ -4038,144 +4041,144 @@
                   </a:ext>
                 </a:extLst>
               </a:tr>
-              <a:tr h="190501">
-                <a:tc>
-                  <a:txBody>
-                    <a:bodyPr/>
-                    <a:lstStyle/>
-                    <a:p>
-                      <a:pPr algn="r" fontAlgn="b"/>
-                      <a:r>
-                        <a:rPr lang="en-US" sz="1100" u="none" strike="noStrike">
+              <a:tr h="152401">
+                <a:tc>
+                  <a:txBody>
+                    <a:bodyPr/>
+                    <a:lstStyle/>
+                    <a:p>
+                      <a:pPr algn="r" fontAlgn="b"/>
+                      <a:r>
+                        <a:rPr lang="en-US" sz="900" u="none" strike="noStrike">
                           <a:effectLst/>
                         </a:rPr>
                         <a:t>4</a:t>
                       </a:r>
-                      <a:endParaRPr lang="en-US" sz="1100" b="0" i="0" u="none" strike="noStrike">
-                        <a:solidFill>
-                          <a:srgbClr val="000000"/>
-                        </a:solidFill>
-                        <a:effectLst/>
-                        <a:latin typeface="Calibri" panose="020F0502020204030204" pitchFamily="34" charset="0"/>
-                      </a:endParaRPr>
-                    </a:p>
-                  </a:txBody>
-                  <a:tcPr marL="9525" marR="9525" marT="9525" marB="0" anchor="b"/>
-                </a:tc>
-                <a:tc>
-                  <a:txBody>
-                    <a:bodyPr/>
-                    <a:lstStyle/>
-                    <a:p>
-                      <a:pPr algn="r" fontAlgn="b"/>
-                      <a:r>
-                        <a:rPr lang="en-US" sz="1100" u="none" strike="noStrike" dirty="0">
+                      <a:endParaRPr lang="en-US" sz="900" b="0" i="0" u="none" strike="noStrike">
+                        <a:solidFill>
+                          <a:srgbClr val="000000"/>
+                        </a:solidFill>
+                        <a:effectLst/>
+                        <a:latin typeface="Calibri" panose="020F0502020204030204" pitchFamily="34" charset="0"/>
+                      </a:endParaRPr>
+                    </a:p>
+                  </a:txBody>
+                  <a:tcPr marL="7620" marR="7620" marT="7620" marB="0" anchor="b"/>
+                </a:tc>
+                <a:tc>
+                  <a:txBody>
+                    <a:bodyPr/>
+                    <a:lstStyle/>
+                    <a:p>
+                      <a:pPr algn="r" fontAlgn="b"/>
+                      <a:r>
+                        <a:rPr lang="en-US" sz="900" u="none" strike="noStrike" dirty="0">
                           <a:effectLst/>
                         </a:rPr>
                         <a:t>477</a:t>
                       </a:r>
-                      <a:endParaRPr lang="en-US" sz="1100" b="0" i="0" u="none" strike="noStrike" dirty="0">
-                        <a:solidFill>
-                          <a:srgbClr val="000000"/>
-                        </a:solidFill>
-                        <a:effectLst/>
-                        <a:latin typeface="Calibri" panose="020F0502020204030204" pitchFamily="34" charset="0"/>
-                      </a:endParaRPr>
-                    </a:p>
-                  </a:txBody>
-                  <a:tcPr marL="9525" marR="9525" marT="9525" marB="0" anchor="b"/>
-                </a:tc>
-                <a:tc>
-                  <a:txBody>
-                    <a:bodyPr/>
-                    <a:lstStyle/>
-                    <a:p>
-                      <a:pPr algn="r" fontAlgn="b"/>
-                      <a:r>
-                        <a:rPr lang="en-US" sz="1100" u="none" strike="noStrike" dirty="0">
+                      <a:endParaRPr lang="en-US" sz="900" b="0" i="0" u="none" strike="noStrike" dirty="0">
+                        <a:solidFill>
+                          <a:srgbClr val="000000"/>
+                        </a:solidFill>
+                        <a:effectLst/>
+                        <a:latin typeface="Calibri" panose="020F0502020204030204" pitchFamily="34" charset="0"/>
+                      </a:endParaRPr>
+                    </a:p>
+                  </a:txBody>
+                  <a:tcPr marL="7620" marR="7620" marT="7620" marB="0" anchor="b"/>
+                </a:tc>
+                <a:tc>
+                  <a:txBody>
+                    <a:bodyPr/>
+                    <a:lstStyle/>
+                    <a:p>
+                      <a:pPr algn="r" fontAlgn="b"/>
+                      <a:r>
+                        <a:rPr lang="en-US" sz="900" u="none" strike="noStrike" dirty="0">
                           <a:effectLst/>
                         </a:rPr>
                         <a:t>247.309</a:t>
                       </a:r>
-                      <a:endParaRPr lang="en-US" sz="1100" b="0" i="0" u="none" strike="noStrike" dirty="0">
-                        <a:solidFill>
-                          <a:srgbClr val="000000"/>
-                        </a:solidFill>
-                        <a:effectLst/>
-                        <a:latin typeface="Calibri" panose="020F0502020204030204" pitchFamily="34" charset="0"/>
-                      </a:endParaRPr>
-                    </a:p>
-                  </a:txBody>
-                  <a:tcPr marL="9525" marR="9525" marT="9525" marB="0" anchor="b"/>
-                </a:tc>
-                <a:tc>
-                  <a:txBody>
-                    <a:bodyPr/>
-                    <a:lstStyle/>
-                    <a:p>
-                      <a:pPr algn="r" fontAlgn="b"/>
-                      <a:r>
-                        <a:rPr lang="en-US" sz="1100" u="none" strike="noStrike">
+                      <a:endParaRPr lang="en-US" sz="900" b="0" i="0" u="none" strike="noStrike" dirty="0">
+                        <a:solidFill>
+                          <a:srgbClr val="000000"/>
+                        </a:solidFill>
+                        <a:effectLst/>
+                        <a:latin typeface="Calibri" panose="020F0502020204030204" pitchFamily="34" charset="0"/>
+                      </a:endParaRPr>
+                    </a:p>
+                  </a:txBody>
+                  <a:tcPr marL="7620" marR="7620" marT="7620" marB="0" anchor="b"/>
+                </a:tc>
+                <a:tc>
+                  <a:txBody>
+                    <a:bodyPr/>
+                    <a:lstStyle/>
+                    <a:p>
+                      <a:pPr algn="r" fontAlgn="b"/>
+                      <a:r>
+                        <a:rPr lang="en-US" sz="900" u="none" strike="noStrike">
                           <a:effectLst/>
                         </a:rPr>
                         <a:t>14.045</a:t>
                       </a:r>
-                      <a:endParaRPr lang="en-US" sz="1100" b="0" i="0" u="none" strike="noStrike">
-                        <a:solidFill>
-                          <a:srgbClr val="000000"/>
-                        </a:solidFill>
-                        <a:effectLst/>
-                        <a:latin typeface="Calibri" panose="020F0502020204030204" pitchFamily="34" charset="0"/>
-                      </a:endParaRPr>
-                    </a:p>
-                  </a:txBody>
-                  <a:tcPr marL="9525" marR="9525" marT="9525" marB="0" anchor="b"/>
-                </a:tc>
-                <a:tc>
-                  <a:txBody>
-                    <a:bodyPr/>
-                    <a:lstStyle/>
-                    <a:p>
-                      <a:pPr algn="r" fontAlgn="b"/>
-                      <a:r>
-                        <a:rPr lang="en-US" sz="1100" u="none" strike="noStrike">
+                      <a:endParaRPr lang="en-US" sz="900" b="0" i="0" u="none" strike="noStrike">
+                        <a:solidFill>
+                          <a:srgbClr val="000000"/>
+                        </a:solidFill>
+                        <a:effectLst/>
+                        <a:latin typeface="Calibri" panose="020F0502020204030204" pitchFamily="34" charset="0"/>
+                      </a:endParaRPr>
+                    </a:p>
+                  </a:txBody>
+                  <a:tcPr marL="7620" marR="7620" marT="7620" marB="0" anchor="b"/>
+                </a:tc>
+                <a:tc>
+                  <a:txBody>
+                    <a:bodyPr/>
+                    <a:lstStyle/>
+                    <a:p>
+                      <a:pPr algn="r" fontAlgn="b"/>
+                      <a:r>
+                        <a:rPr lang="en-US" sz="900" u="none" strike="noStrike">
                           <a:effectLst/>
                         </a:rPr>
                         <a:t>247.309</a:t>
                       </a:r>
-                      <a:endParaRPr lang="en-US" sz="1100" b="0" i="0" u="none" strike="noStrike">
-                        <a:solidFill>
-                          <a:srgbClr val="000000"/>
-                        </a:solidFill>
-                        <a:effectLst/>
-                        <a:latin typeface="Calibri" panose="020F0502020204030204" pitchFamily="34" charset="0"/>
-                      </a:endParaRPr>
-                    </a:p>
-                  </a:txBody>
-                  <a:tcPr marL="9525" marR="9525" marT="9525" marB="0" anchor="b"/>
-                </a:tc>
-                <a:tc>
-                  <a:txBody>
-                    <a:bodyPr/>
-                    <a:lstStyle/>
-                    <a:p>
-                      <a:pPr algn="r" fontAlgn="b"/>
-                      <a:r>
-                        <a:rPr lang="en-US" sz="1100" u="none" strike="noStrike">
+                      <a:endParaRPr lang="en-US" sz="900" b="0" i="0" u="none" strike="noStrike">
+                        <a:solidFill>
+                          <a:srgbClr val="000000"/>
+                        </a:solidFill>
+                        <a:effectLst/>
+                        <a:latin typeface="Calibri" panose="020F0502020204030204" pitchFamily="34" charset="0"/>
+                      </a:endParaRPr>
+                    </a:p>
+                  </a:txBody>
+                  <a:tcPr marL="7620" marR="7620" marT="7620" marB="0" anchor="b"/>
+                </a:tc>
+                <a:tc>
+                  <a:txBody>
+                    <a:bodyPr/>
+                    <a:lstStyle/>
+                    <a:p>
+                      <a:pPr algn="r" fontAlgn="b"/>
+                      <a:r>
+                        <a:rPr lang="en-US" sz="900" u="none" strike="noStrike">
                           <a:effectLst/>
                         </a:rPr>
                         <a:t>14.045</a:t>
                       </a:r>
-                      <a:endParaRPr lang="en-US" sz="1100" b="0" i="0" u="none" strike="noStrike">
-                        <a:solidFill>
-                          <a:srgbClr val="000000"/>
-                        </a:solidFill>
-                        <a:effectLst/>
-                        <a:latin typeface="Calibri" panose="020F0502020204030204" pitchFamily="34" charset="0"/>
-                      </a:endParaRPr>
-                    </a:p>
-                  </a:txBody>
-                  <a:tcPr marL="9525" marR="9525" marT="9525" marB="0" anchor="b"/>
+                      <a:endParaRPr lang="en-US" sz="900" b="0" i="0" u="none" strike="noStrike">
+                        <a:solidFill>
+                          <a:srgbClr val="000000"/>
+                        </a:solidFill>
+                        <a:effectLst/>
+                        <a:latin typeface="Calibri" panose="020F0502020204030204" pitchFamily="34" charset="0"/>
+                      </a:endParaRPr>
+                    </a:p>
+                  </a:txBody>
+                  <a:tcPr marL="7620" marR="7620" marT="7620" marB="0" anchor="b"/>
                 </a:tc>
                 <a:extLst>
                   <a:ext uri="{0D108BD9-81ED-4DB2-BD59-A6C34878D82A}">
@@ -4183,29 +4186,29 @@
                   </a:ext>
                 </a:extLst>
               </a:tr>
-              <a:tr h="190501">
-                <a:tc>
-                  <a:txBody>
-                    <a:bodyPr/>
-                    <a:lstStyle/>
-                    <a:p>
-                      <a:pPr algn="r" fontAlgn="b"/>
-                      <a:r>
-                        <a:rPr lang="en-US" sz="1100" u="none" strike="noStrike" dirty="0">
+              <a:tr h="152401">
+                <a:tc>
+                  <a:txBody>
+                    <a:bodyPr/>
+                    <a:lstStyle/>
+                    <a:p>
+                      <a:pPr algn="r" fontAlgn="b"/>
+                      <a:r>
+                        <a:rPr lang="en-US" sz="900" u="none" strike="noStrike" dirty="0">
                           <a:effectLst/>
                         </a:rPr>
                         <a:t>5</a:t>
                       </a:r>
-                      <a:endParaRPr lang="en-US" sz="1100" b="0" i="0" u="none" strike="noStrike" dirty="0">
-                        <a:solidFill>
-                          <a:srgbClr val="000000"/>
-                        </a:solidFill>
-                        <a:effectLst/>
-                        <a:latin typeface="Calibri" panose="020F0502020204030204" pitchFamily="34" charset="0"/>
-                      </a:endParaRPr>
-                    </a:p>
-                  </a:txBody>
-                  <a:tcPr marL="9525" marR="9525" marT="9525" marB="0" anchor="b">
+                      <a:endParaRPr lang="en-US" sz="900" b="0" i="0" u="none" strike="noStrike" dirty="0">
+                        <a:solidFill>
+                          <a:srgbClr val="000000"/>
+                        </a:solidFill>
+                        <a:effectLst/>
+                        <a:latin typeface="Calibri" panose="020F0502020204030204" pitchFamily="34" charset="0"/>
+                      </a:endParaRPr>
+                    </a:p>
+                  </a:txBody>
+                  <a:tcPr marL="7620" marR="7620" marT="7620" marB="0" anchor="b">
                     <a:lnB>
                       <a:noFill/>
                     </a:lnB>
@@ -4218,21 +4221,21 @@
                     <a:p>
                       <a:pPr algn="r" fontAlgn="b"/>
                       <a:r>
-                        <a:rPr lang="en-US" sz="1100" u="none" strike="noStrike">
+                        <a:rPr lang="en-US" sz="900" u="none" strike="noStrike">
                           <a:effectLst/>
                         </a:rPr>
                         <a:t>285</a:t>
                       </a:r>
-                      <a:endParaRPr lang="en-US" sz="1100" b="0" i="0" u="none" strike="noStrike">
-                        <a:solidFill>
-                          <a:srgbClr val="000000"/>
-                        </a:solidFill>
-                        <a:effectLst/>
-                        <a:latin typeface="Calibri" panose="020F0502020204030204" pitchFamily="34" charset="0"/>
-                      </a:endParaRPr>
-                    </a:p>
-                  </a:txBody>
-                  <a:tcPr marL="9525" marR="9525" marT="9525" marB="0" anchor="b">
+                      <a:endParaRPr lang="en-US" sz="900" b="0" i="0" u="none" strike="noStrike">
+                        <a:solidFill>
+                          <a:srgbClr val="000000"/>
+                        </a:solidFill>
+                        <a:effectLst/>
+                        <a:latin typeface="Calibri" panose="020F0502020204030204" pitchFamily="34" charset="0"/>
+                      </a:endParaRPr>
+                    </a:p>
+                  </a:txBody>
+                  <a:tcPr marL="7620" marR="7620" marT="7620" marB="0" anchor="b">
                     <a:lnB>
                       <a:noFill/>
                     </a:lnB>
@@ -4245,21 +4248,21 @@
                     <a:p>
                       <a:pPr algn="r" fontAlgn="b"/>
                       <a:r>
-                        <a:rPr lang="en-US" sz="1100" u="none" strike="noStrike">
+                        <a:rPr lang="en-US" sz="900" u="none" strike="noStrike">
                           <a:effectLst/>
                         </a:rPr>
                         <a:t>197.711</a:t>
                       </a:r>
-                      <a:endParaRPr lang="en-US" sz="1100" b="0" i="0" u="none" strike="noStrike">
-                        <a:solidFill>
-                          <a:srgbClr val="000000"/>
-                        </a:solidFill>
-                        <a:effectLst/>
-                        <a:latin typeface="Calibri" panose="020F0502020204030204" pitchFamily="34" charset="0"/>
-                      </a:endParaRPr>
-                    </a:p>
-                  </a:txBody>
-                  <a:tcPr marL="9525" marR="9525" marT="9525" marB="0" anchor="b">
+                      <a:endParaRPr lang="en-US" sz="900" b="0" i="0" u="none" strike="noStrike">
+                        <a:solidFill>
+                          <a:srgbClr val="000000"/>
+                        </a:solidFill>
+                        <a:effectLst/>
+                        <a:latin typeface="Calibri" panose="020F0502020204030204" pitchFamily="34" charset="0"/>
+                      </a:endParaRPr>
+                    </a:p>
+                  </a:txBody>
+                  <a:tcPr marL="7620" marR="7620" marT="7620" marB="0" anchor="b">
                     <a:lnB>
                       <a:noFill/>
                     </a:lnB>
@@ -4272,21 +4275,21 @@
                     <a:p>
                       <a:pPr algn="r" fontAlgn="b"/>
                       <a:r>
-                        <a:rPr lang="en-US" sz="1100" u="none" strike="noStrike">
+                        <a:rPr lang="en-US" sz="900" u="none" strike="noStrike">
                           <a:effectLst/>
                         </a:rPr>
                         <a:t>16.258</a:t>
                       </a:r>
-                      <a:endParaRPr lang="en-US" sz="1100" b="0" i="0" u="none" strike="noStrike">
-                        <a:solidFill>
-                          <a:srgbClr val="000000"/>
-                        </a:solidFill>
-                        <a:effectLst/>
-                        <a:latin typeface="Calibri" panose="020F0502020204030204" pitchFamily="34" charset="0"/>
-                      </a:endParaRPr>
-                    </a:p>
-                  </a:txBody>
-                  <a:tcPr marL="9525" marR="9525" marT="9525" marB="0" anchor="b">
+                      <a:endParaRPr lang="en-US" sz="900" b="0" i="0" u="none" strike="noStrike">
+                        <a:solidFill>
+                          <a:srgbClr val="000000"/>
+                        </a:solidFill>
+                        <a:effectLst/>
+                        <a:latin typeface="Calibri" panose="020F0502020204030204" pitchFamily="34" charset="0"/>
+                      </a:endParaRPr>
+                    </a:p>
+                  </a:txBody>
+                  <a:tcPr marL="7620" marR="7620" marT="7620" marB="0" anchor="b">
                     <a:lnB>
                       <a:noFill/>
                     </a:lnB>
@@ -4299,21 +4302,21 @@
                     <a:p>
                       <a:pPr algn="r" fontAlgn="b"/>
                       <a:r>
-                        <a:rPr lang="en-US" sz="1100" u="none" strike="noStrike">
+                        <a:rPr lang="en-US" sz="900" u="none" strike="noStrike">
                           <a:effectLst/>
                         </a:rPr>
                         <a:t>197.711</a:t>
                       </a:r>
-                      <a:endParaRPr lang="en-US" sz="1100" b="0" i="0" u="none" strike="noStrike">
-                        <a:solidFill>
-                          <a:srgbClr val="000000"/>
-                        </a:solidFill>
-                        <a:effectLst/>
-                        <a:latin typeface="Calibri" panose="020F0502020204030204" pitchFamily="34" charset="0"/>
-                      </a:endParaRPr>
-                    </a:p>
-                  </a:txBody>
-                  <a:tcPr marL="9525" marR="9525" marT="9525" marB="0" anchor="b">
+                      <a:endParaRPr lang="en-US" sz="900" b="0" i="0" u="none" strike="noStrike">
+                        <a:solidFill>
+                          <a:srgbClr val="000000"/>
+                        </a:solidFill>
+                        <a:effectLst/>
+                        <a:latin typeface="Calibri" panose="020F0502020204030204" pitchFamily="34" charset="0"/>
+                      </a:endParaRPr>
+                    </a:p>
+                  </a:txBody>
+                  <a:tcPr marL="7620" marR="7620" marT="7620" marB="0" anchor="b">
                     <a:lnB>
                       <a:noFill/>
                     </a:lnB>
@@ -4326,21 +4329,21 @@
                     <a:p>
                       <a:pPr algn="r" fontAlgn="b"/>
                       <a:r>
-                        <a:rPr lang="en-US" sz="1100" u="none" strike="noStrike">
+                        <a:rPr lang="en-US" sz="900" u="none" strike="noStrike">
                           <a:effectLst/>
                         </a:rPr>
                         <a:t>16.258</a:t>
                       </a:r>
-                      <a:endParaRPr lang="en-US" sz="1100" b="0" i="0" u="none" strike="noStrike">
-                        <a:solidFill>
-                          <a:srgbClr val="000000"/>
-                        </a:solidFill>
-                        <a:effectLst/>
-                        <a:latin typeface="Calibri" panose="020F0502020204030204" pitchFamily="34" charset="0"/>
-                      </a:endParaRPr>
-                    </a:p>
-                  </a:txBody>
-                  <a:tcPr marL="9525" marR="9525" marT="9525" marB="0" anchor="b">
+                      <a:endParaRPr lang="en-US" sz="900" b="0" i="0" u="none" strike="noStrike">
+                        <a:solidFill>
+                          <a:srgbClr val="000000"/>
+                        </a:solidFill>
+                        <a:effectLst/>
+                        <a:latin typeface="Calibri" panose="020F0502020204030204" pitchFamily="34" charset="0"/>
+                      </a:endParaRPr>
+                    </a:p>
+                  </a:txBody>
+                  <a:tcPr marL="7620" marR="7620" marT="7620" marB="0" anchor="b">
                     <a:lnB>
                       <a:noFill/>
                     </a:lnB>
@@ -4352,29 +4355,29 @@
                   </a:ext>
                 </a:extLst>
               </a:tr>
-              <a:tr h="190501">
-                <a:tc>
-                  <a:txBody>
-                    <a:bodyPr/>
-                    <a:lstStyle/>
-                    <a:p>
-                      <a:pPr algn="r" fontAlgn="b"/>
-                      <a:r>
-                        <a:rPr lang="en-US" sz="1100" u="none" strike="noStrike" dirty="0">
+              <a:tr h="152401">
+                <a:tc>
+                  <a:txBody>
+                    <a:bodyPr/>
+                    <a:lstStyle/>
+                    <a:p>
+                      <a:pPr algn="r" fontAlgn="b"/>
+                      <a:r>
+                        <a:rPr lang="en-US" sz="900" u="none" strike="noStrike" dirty="0">
                           <a:effectLst/>
                         </a:rPr>
                         <a:t>6</a:t>
                       </a:r>
-                      <a:endParaRPr lang="en-US" sz="1100" b="0" i="0" u="none" strike="noStrike" dirty="0">
-                        <a:solidFill>
-                          <a:srgbClr val="000000"/>
-                        </a:solidFill>
-                        <a:effectLst/>
-                        <a:latin typeface="Calibri" panose="020F0502020204030204" pitchFamily="34" charset="0"/>
-                      </a:endParaRPr>
-                    </a:p>
-                  </a:txBody>
-                  <a:tcPr marL="9525" marR="9525" marT="9525" marB="0" anchor="b">
+                      <a:endParaRPr lang="en-US" sz="900" b="0" i="0" u="none" strike="noStrike" dirty="0">
+                        <a:solidFill>
+                          <a:srgbClr val="000000"/>
+                        </a:solidFill>
+                        <a:effectLst/>
+                        <a:latin typeface="Calibri" panose="020F0502020204030204" pitchFamily="34" charset="0"/>
+                      </a:endParaRPr>
+                    </a:p>
+                  </a:txBody>
+                  <a:tcPr marL="7620" marR="7620" marT="7620" marB="0" anchor="b">
                     <a:lnL>
                       <a:noFill/>
                     </a:lnL>
@@ -4404,21 +4407,21 @@
                     <a:p>
                       <a:pPr algn="r" fontAlgn="b"/>
                       <a:r>
-                        <a:rPr lang="en-US" sz="1100" u="none" strike="noStrike" dirty="0">
+                        <a:rPr lang="en-US" sz="900" u="none" strike="noStrike" dirty="0">
                           <a:effectLst/>
                         </a:rPr>
                         <a:t>278</a:t>
                       </a:r>
-                      <a:endParaRPr lang="en-US" sz="1100" b="0" i="0" u="none" strike="noStrike" dirty="0">
-                        <a:solidFill>
-                          <a:srgbClr val="000000"/>
-                        </a:solidFill>
-                        <a:effectLst/>
-                        <a:latin typeface="Calibri" panose="020F0502020204030204" pitchFamily="34" charset="0"/>
-                      </a:endParaRPr>
-                    </a:p>
-                  </a:txBody>
-                  <a:tcPr marL="9525" marR="9525" marT="9525" marB="0" anchor="b">
+                      <a:endParaRPr lang="en-US" sz="900" b="0" i="0" u="none" strike="noStrike" dirty="0">
+                        <a:solidFill>
+                          <a:srgbClr val="000000"/>
+                        </a:solidFill>
+                        <a:effectLst/>
+                        <a:latin typeface="Calibri" panose="020F0502020204030204" pitchFamily="34" charset="0"/>
+                      </a:endParaRPr>
+                    </a:p>
+                  </a:txBody>
+                  <a:tcPr marL="7620" marR="7620" marT="7620" marB="0" anchor="b">
                     <a:lnL>
                       <a:noFill/>
                     </a:lnL>
@@ -4448,21 +4451,21 @@
                     <a:p>
                       <a:pPr algn="r" fontAlgn="b"/>
                       <a:r>
-                        <a:rPr lang="en-US" sz="1100" u="none" strike="noStrike" dirty="0">
+                        <a:rPr lang="en-US" sz="900" u="none" strike="noStrike" dirty="0">
                           <a:effectLst/>
                         </a:rPr>
                         <a:t>219.288</a:t>
                       </a:r>
-                      <a:endParaRPr lang="en-US" sz="1100" b="0" i="0" u="none" strike="noStrike" dirty="0">
-                        <a:solidFill>
-                          <a:srgbClr val="000000"/>
-                        </a:solidFill>
-                        <a:effectLst/>
-                        <a:latin typeface="Calibri" panose="020F0502020204030204" pitchFamily="34" charset="0"/>
-                      </a:endParaRPr>
-                    </a:p>
-                  </a:txBody>
-                  <a:tcPr marL="9525" marR="9525" marT="9525" marB="0" anchor="b">
+                      <a:endParaRPr lang="en-US" sz="900" b="0" i="0" u="none" strike="noStrike" dirty="0">
+                        <a:solidFill>
+                          <a:srgbClr val="000000"/>
+                        </a:solidFill>
+                        <a:effectLst/>
+                        <a:latin typeface="Calibri" panose="020F0502020204030204" pitchFamily="34" charset="0"/>
+                      </a:endParaRPr>
+                    </a:p>
+                  </a:txBody>
+                  <a:tcPr marL="7620" marR="7620" marT="7620" marB="0" anchor="b">
                     <a:lnL>
                       <a:noFill/>
                     </a:lnL>
@@ -4492,21 +4495,21 @@
                     <a:p>
                       <a:pPr algn="r" fontAlgn="b"/>
                       <a:r>
-                        <a:rPr lang="en-US" sz="1100" u="none" strike="noStrike" dirty="0">
+                        <a:rPr lang="en-US" sz="900" u="none" strike="noStrike" dirty="0">
                           <a:effectLst/>
                         </a:rPr>
                         <a:t>28.295</a:t>
                       </a:r>
-                      <a:endParaRPr lang="en-US" sz="1100" b="0" i="0" u="none" strike="noStrike" dirty="0">
-                        <a:solidFill>
-                          <a:srgbClr val="000000"/>
-                        </a:solidFill>
-                        <a:effectLst/>
-                        <a:latin typeface="Calibri" panose="020F0502020204030204" pitchFamily="34" charset="0"/>
-                      </a:endParaRPr>
-                    </a:p>
-                  </a:txBody>
-                  <a:tcPr marL="9525" marR="9525" marT="9525" marB="0" anchor="b">
+                      <a:endParaRPr lang="en-US" sz="900" b="0" i="0" u="none" strike="noStrike" dirty="0">
+                        <a:solidFill>
+                          <a:srgbClr val="000000"/>
+                        </a:solidFill>
+                        <a:effectLst/>
+                        <a:latin typeface="Calibri" panose="020F0502020204030204" pitchFamily="34" charset="0"/>
+                      </a:endParaRPr>
+                    </a:p>
+                  </a:txBody>
+                  <a:tcPr marL="7620" marR="7620" marT="7620" marB="0" anchor="b">
                     <a:lnL>
                       <a:noFill/>
                     </a:lnL>
@@ -4536,21 +4539,21 @@
                     <a:p>
                       <a:pPr algn="r" fontAlgn="b"/>
                       <a:r>
-                        <a:rPr lang="en-US" sz="1100" u="none" strike="noStrike" dirty="0">
+                        <a:rPr lang="en-US" sz="900" u="none" strike="noStrike" dirty="0">
                           <a:effectLst/>
                         </a:rPr>
                         <a:t>219.288</a:t>
                       </a:r>
-                      <a:endParaRPr lang="en-US" sz="1100" b="0" i="0" u="none" strike="noStrike" dirty="0">
-                        <a:solidFill>
-                          <a:srgbClr val="000000"/>
-                        </a:solidFill>
-                        <a:effectLst/>
-                        <a:latin typeface="Calibri" panose="020F0502020204030204" pitchFamily="34" charset="0"/>
-                      </a:endParaRPr>
-                    </a:p>
-                  </a:txBody>
-                  <a:tcPr marL="9525" marR="9525" marT="9525" marB="0" anchor="b">
+                      <a:endParaRPr lang="en-US" sz="900" b="0" i="0" u="none" strike="noStrike" dirty="0">
+                        <a:solidFill>
+                          <a:srgbClr val="000000"/>
+                        </a:solidFill>
+                        <a:effectLst/>
+                        <a:latin typeface="Calibri" panose="020F0502020204030204" pitchFamily="34" charset="0"/>
+                      </a:endParaRPr>
+                    </a:p>
+                  </a:txBody>
+                  <a:tcPr marL="7620" marR="7620" marT="7620" marB="0" anchor="b">
                     <a:lnL>
                       <a:noFill/>
                     </a:lnL>
@@ -4580,21 +4583,21 @@
                     <a:p>
                       <a:pPr algn="r" fontAlgn="b"/>
                       <a:r>
-                        <a:rPr lang="en-US" sz="1100" u="none" strike="noStrike" dirty="0">
+                        <a:rPr lang="en-US" sz="900" u="none" strike="noStrike" dirty="0">
                           <a:effectLst/>
                         </a:rPr>
                         <a:t>28.295</a:t>
                       </a:r>
-                      <a:endParaRPr lang="en-US" sz="1100" b="0" i="0" u="none" strike="noStrike" dirty="0">
-                        <a:solidFill>
-                          <a:srgbClr val="000000"/>
-                        </a:solidFill>
-                        <a:effectLst/>
-                        <a:latin typeface="Calibri" panose="020F0502020204030204" pitchFamily="34" charset="0"/>
-                      </a:endParaRPr>
-                    </a:p>
-                  </a:txBody>
-                  <a:tcPr marL="9525" marR="9525" marT="9525" marB="0" anchor="b">
+                      <a:endParaRPr lang="en-US" sz="900" b="0" i="0" u="none" strike="noStrike" dirty="0">
+                        <a:solidFill>
+                          <a:srgbClr val="000000"/>
+                        </a:solidFill>
+                        <a:effectLst/>
+                        <a:latin typeface="Calibri" panose="020F0502020204030204" pitchFamily="34" charset="0"/>
+                      </a:endParaRPr>
+                    </a:p>
+                  </a:txBody>
+                  <a:tcPr marL="7620" marR="7620" marT="7620" marB="0" anchor="b">
                     <a:lnL>
                       <a:noFill/>
                     </a:lnL>
@@ -4643,8 +4646,8 @@
         </p:blipFill>
         <p:spPr>
           <a:xfrm>
-            <a:off x="5431278" y="2839012"/>
-            <a:ext cx="1603584" cy="1591056"/>
+            <a:off x="5808064" y="1814011"/>
+            <a:ext cx="1282867" cy="1272845"/>
           </a:xfrm>
           <a:prstGeom prst="rect">
             <a:avLst/>
@@ -4671,8 +4674,8 @@
           </p:nvPr>
         </p:nvGraphicFramePr>
         <p:xfrm>
-          <a:off x="7322371" y="2967790"/>
-          <a:ext cx="2372895" cy="1333507"/>
+          <a:off x="7320938" y="1917034"/>
+          <a:ext cx="1898315" cy="1066807"/>
         </p:xfrm>
         <a:graphic>
           <a:graphicData uri="http://schemas.openxmlformats.org/drawingml/2006/table">
@@ -4681,35 +4684,35 @@
                 <a:tableStyleId>{2D5ABB26-0587-4C30-8999-92F81FD0307C}</a:tableStyleId>
               </a:tblPr>
               <a:tblGrid>
-                <a:gridCol w="474579">
+                <a:gridCol w="379663">
                   <a:extLst>
                     <a:ext uri="{9D8B030D-6E8A-4147-A177-3AD203B41FA5}">
                       <a16:colId xmlns:a16="http://schemas.microsoft.com/office/drawing/2014/main" val="1289619641"/>
                     </a:ext>
                   </a:extLst>
                 </a:gridCol>
-                <a:gridCol w="474579">
+                <a:gridCol w="379663">
                   <a:extLst>
                     <a:ext uri="{9D8B030D-6E8A-4147-A177-3AD203B41FA5}">
                       <a16:colId xmlns:a16="http://schemas.microsoft.com/office/drawing/2014/main" val="1740638582"/>
                     </a:ext>
                   </a:extLst>
                 </a:gridCol>
-                <a:gridCol w="474579">
+                <a:gridCol w="379663">
                   <a:extLst>
                     <a:ext uri="{9D8B030D-6E8A-4147-A177-3AD203B41FA5}">
                       <a16:colId xmlns:a16="http://schemas.microsoft.com/office/drawing/2014/main" val="1829621421"/>
                     </a:ext>
                   </a:extLst>
                 </a:gridCol>
-                <a:gridCol w="474579">
+                <a:gridCol w="379663">
                   <a:extLst>
                     <a:ext uri="{9D8B030D-6E8A-4147-A177-3AD203B41FA5}">
                       <a16:colId xmlns:a16="http://schemas.microsoft.com/office/drawing/2014/main" val="2978194714"/>
                     </a:ext>
                   </a:extLst>
                 </a:gridCol>
-                <a:gridCol w="474579">
+                <a:gridCol w="379663">
                   <a:extLst>
                     <a:ext uri="{9D8B030D-6E8A-4147-A177-3AD203B41FA5}">
                       <a16:colId xmlns:a16="http://schemas.microsoft.com/office/drawing/2014/main" val="2415292314"/>
@@ -4717,7 +4720,7 @@
                   </a:extLst>
                 </a:gridCol>
               </a:tblGrid>
-              <a:tr h="190501">
+              <a:tr h="152401">
                 <a:tc>
                   <a:txBody>
                     <a:bodyPr/>
@@ -4725,21 +4728,21 @@
                     <a:p>
                       <a:pPr algn="l" fontAlgn="b"/>
                       <a:r>
-                        <a:rPr lang="en-US" sz="1100" b="1" u="none" strike="noStrike" dirty="0" smtClean="0">
+                        <a:rPr lang="en-US" sz="900" b="1" u="none" strike="noStrike" dirty="0" smtClean="0">
                           <a:effectLst/>
                         </a:rPr>
                         <a:t>ROI</a:t>
                       </a:r>
-                      <a:endParaRPr lang="en-US" sz="1100" b="1" i="0" u="none" strike="noStrike" dirty="0">
-                        <a:solidFill>
-                          <a:srgbClr val="000000"/>
-                        </a:solidFill>
-                        <a:effectLst/>
-                        <a:latin typeface="Calibri" panose="020F0502020204030204" pitchFamily="34" charset="0"/>
-                      </a:endParaRPr>
-                    </a:p>
-                  </a:txBody>
-                  <a:tcPr marL="9525" marR="9525" marT="9525" marB="0" anchor="b">
+                      <a:endParaRPr lang="en-US" sz="900" b="1" i="0" u="none" strike="noStrike" dirty="0">
+                        <a:solidFill>
+                          <a:srgbClr val="000000"/>
+                        </a:solidFill>
+                        <a:effectLst/>
+                        <a:latin typeface="Calibri" panose="020F0502020204030204" pitchFamily="34" charset="0"/>
+                      </a:endParaRPr>
+                    </a:p>
+                  </a:txBody>
+                  <a:tcPr marL="7620" marR="7620" marT="7620" marB="0" anchor="b">
                     <a:lnT w="3175" cap="flat" cmpd="sng" algn="ctr">
                       <a:solidFill>
                         <a:schemeClr val="tx1"/>
@@ -4767,21 +4770,21 @@
                     <a:p>
                       <a:pPr algn="l" fontAlgn="b"/>
                       <a:r>
-                        <a:rPr lang="en-US" sz="1100" b="1" u="none" strike="noStrike" dirty="0">
+                        <a:rPr lang="en-US" sz="900" b="1" u="none" strike="noStrike" dirty="0">
                           <a:effectLst/>
                         </a:rPr>
                         <a:t>X</a:t>
                       </a:r>
-                      <a:endParaRPr lang="en-US" sz="1100" b="1" i="0" u="none" strike="noStrike" dirty="0">
-                        <a:solidFill>
-                          <a:srgbClr val="000000"/>
-                        </a:solidFill>
-                        <a:effectLst/>
-                        <a:latin typeface="Calibri" panose="020F0502020204030204" pitchFamily="34" charset="0"/>
-                      </a:endParaRPr>
-                    </a:p>
-                  </a:txBody>
-                  <a:tcPr marL="9525" marR="9525" marT="9525" marB="0" anchor="b">
+                      <a:endParaRPr lang="en-US" sz="900" b="1" i="0" u="none" strike="noStrike" dirty="0">
+                        <a:solidFill>
+                          <a:srgbClr val="000000"/>
+                        </a:solidFill>
+                        <a:effectLst/>
+                        <a:latin typeface="Calibri" panose="020F0502020204030204" pitchFamily="34" charset="0"/>
+                      </a:endParaRPr>
+                    </a:p>
+                  </a:txBody>
+                  <a:tcPr marL="7620" marR="7620" marT="7620" marB="0" anchor="b">
                     <a:lnT w="3175" cap="flat" cmpd="sng" algn="ctr">
                       <a:solidFill>
                         <a:schemeClr val="tx1"/>
@@ -4809,21 +4812,21 @@
                     <a:p>
                       <a:pPr algn="l" fontAlgn="b"/>
                       <a:r>
-                        <a:rPr lang="en-US" sz="1100" b="1" u="none" strike="noStrike" dirty="0">
+                        <a:rPr lang="en-US" sz="900" b="1" u="none" strike="noStrike" dirty="0">
                           <a:effectLst/>
                         </a:rPr>
                         <a:t>Y</a:t>
                       </a:r>
-                      <a:endParaRPr lang="en-US" sz="1100" b="1" i="0" u="none" strike="noStrike" dirty="0">
-                        <a:solidFill>
-                          <a:srgbClr val="000000"/>
-                        </a:solidFill>
-                        <a:effectLst/>
-                        <a:latin typeface="Calibri" panose="020F0502020204030204" pitchFamily="34" charset="0"/>
-                      </a:endParaRPr>
-                    </a:p>
-                  </a:txBody>
-                  <a:tcPr marL="9525" marR="9525" marT="9525" marB="0" anchor="b">
+                      <a:endParaRPr lang="en-US" sz="900" b="1" i="0" u="none" strike="noStrike" dirty="0">
+                        <a:solidFill>
+                          <a:srgbClr val="000000"/>
+                        </a:solidFill>
+                        <a:effectLst/>
+                        <a:latin typeface="Calibri" panose="020F0502020204030204" pitchFamily="34" charset="0"/>
+                      </a:endParaRPr>
+                    </a:p>
+                  </a:txBody>
+                  <a:tcPr marL="7620" marR="7620" marT="7620" marB="0" anchor="b">
                     <a:lnT w="3175" cap="flat" cmpd="sng" algn="ctr">
                       <a:solidFill>
                         <a:schemeClr val="tx1"/>
@@ -4851,21 +4854,21 @@
                     <a:p>
                       <a:pPr algn="l" fontAlgn="b"/>
                       <a:r>
-                        <a:rPr lang="en-US" sz="1100" b="1" u="none" strike="noStrike" dirty="0">
+                        <a:rPr lang="en-US" sz="900" b="1" u="none" strike="noStrike" dirty="0">
                           <a:effectLst/>
                         </a:rPr>
                         <a:t>Width</a:t>
                       </a:r>
-                      <a:endParaRPr lang="en-US" sz="1100" b="1" i="0" u="none" strike="noStrike" dirty="0">
-                        <a:solidFill>
-                          <a:srgbClr val="000000"/>
-                        </a:solidFill>
-                        <a:effectLst/>
-                        <a:latin typeface="Calibri" panose="020F0502020204030204" pitchFamily="34" charset="0"/>
-                      </a:endParaRPr>
-                    </a:p>
-                  </a:txBody>
-                  <a:tcPr marL="9525" marR="9525" marT="9525" marB="0" anchor="b">
+                      <a:endParaRPr lang="en-US" sz="900" b="1" i="0" u="none" strike="noStrike" dirty="0">
+                        <a:solidFill>
+                          <a:srgbClr val="000000"/>
+                        </a:solidFill>
+                        <a:effectLst/>
+                        <a:latin typeface="Calibri" panose="020F0502020204030204" pitchFamily="34" charset="0"/>
+                      </a:endParaRPr>
+                    </a:p>
+                  </a:txBody>
+                  <a:tcPr marL="7620" marR="7620" marT="7620" marB="0" anchor="b">
                     <a:lnT w="3175" cap="flat" cmpd="sng" algn="ctr">
                       <a:solidFill>
                         <a:schemeClr val="tx1"/>
@@ -4893,21 +4896,21 @@
                     <a:p>
                       <a:pPr algn="l" fontAlgn="b"/>
                       <a:r>
-                        <a:rPr lang="en-US" sz="1100" b="1" u="none" strike="noStrike" dirty="0">
+                        <a:rPr lang="en-US" sz="900" b="1" u="none" strike="noStrike" dirty="0">
                           <a:effectLst/>
                         </a:rPr>
                         <a:t>Height</a:t>
                       </a:r>
-                      <a:endParaRPr lang="en-US" sz="1100" b="1" i="0" u="none" strike="noStrike" dirty="0">
-                        <a:solidFill>
-                          <a:srgbClr val="000000"/>
-                        </a:solidFill>
-                        <a:effectLst/>
-                        <a:latin typeface="Calibri" panose="020F0502020204030204" pitchFamily="34" charset="0"/>
-                      </a:endParaRPr>
-                    </a:p>
-                  </a:txBody>
-                  <a:tcPr marL="9525" marR="9525" marT="9525" marB="0" anchor="b">
+                      <a:endParaRPr lang="en-US" sz="900" b="1" i="0" u="none" strike="noStrike" dirty="0">
+                        <a:solidFill>
+                          <a:srgbClr val="000000"/>
+                        </a:solidFill>
+                        <a:effectLst/>
+                        <a:latin typeface="Calibri" panose="020F0502020204030204" pitchFamily="34" charset="0"/>
+                      </a:endParaRPr>
+                    </a:p>
+                  </a:txBody>
+                  <a:tcPr marL="7620" marR="7620" marT="7620" marB="0" anchor="b">
                     <a:lnT w="3175" cap="flat" cmpd="sng" algn="ctr">
                       <a:solidFill>
                         <a:schemeClr val="tx1"/>
@@ -4934,7 +4937,7 @@
                   </a:ext>
                 </a:extLst>
               </a:tr>
-              <a:tr h="190501">
+              <a:tr h="152401">
                 <a:tc>
                   <a:txBody>
                     <a:bodyPr/>
@@ -4942,21 +4945,21 @@
                     <a:p>
                       <a:pPr algn="l" rtl="0" fontAlgn="b"/>
                       <a:r>
-                        <a:rPr lang="en-US" sz="1100" u="none" strike="noStrike" dirty="0">
+                        <a:rPr lang="en-US" sz="900" u="none" strike="noStrike" dirty="0">
                           <a:effectLst/>
                         </a:rPr>
                         <a:t>ROI 1</a:t>
                       </a:r>
-                      <a:endParaRPr lang="en-US" sz="1100" b="0" i="0" u="none" strike="noStrike" dirty="0">
-                        <a:solidFill>
-                          <a:srgbClr val="000000"/>
-                        </a:solidFill>
-                        <a:effectLst/>
-                        <a:latin typeface="Calibri" panose="020F0502020204030204" pitchFamily="34" charset="0"/>
-                      </a:endParaRPr>
-                    </a:p>
-                  </a:txBody>
-                  <a:tcPr marL="9525" marR="9525" marT="9525" marB="0" anchor="b">
+                      <a:endParaRPr lang="en-US" sz="900" b="0" i="0" u="none" strike="noStrike" dirty="0">
+                        <a:solidFill>
+                          <a:srgbClr val="000000"/>
+                        </a:solidFill>
+                        <a:effectLst/>
+                        <a:latin typeface="Calibri" panose="020F0502020204030204" pitchFamily="34" charset="0"/>
+                      </a:endParaRPr>
+                    </a:p>
+                  </a:txBody>
+                  <a:tcPr marL="7620" marR="7620" marT="7620" marB="0" anchor="b">
                     <a:lnT w="3175" cap="flat" cmpd="sng" algn="ctr">
                       <a:solidFill>
                         <a:schemeClr val="tx1"/>
@@ -4975,21 +4978,21 @@
                     <a:p>
                       <a:pPr algn="r" fontAlgn="b"/>
                       <a:r>
-                        <a:rPr lang="en-US" sz="1100" u="none" strike="noStrike" dirty="0">
+                        <a:rPr lang="en-US" sz="900" u="none" strike="noStrike" dirty="0">
                           <a:effectLst/>
                         </a:rPr>
                         <a:t>10</a:t>
                       </a:r>
-                      <a:endParaRPr lang="en-US" sz="1100" b="0" i="0" u="none" strike="noStrike" dirty="0">
-                        <a:solidFill>
-                          <a:srgbClr val="000000"/>
-                        </a:solidFill>
-                        <a:effectLst/>
-                        <a:latin typeface="Calibri" panose="020F0502020204030204" pitchFamily="34" charset="0"/>
-                      </a:endParaRPr>
-                    </a:p>
-                  </a:txBody>
-                  <a:tcPr marL="9525" marR="9525" marT="9525" marB="0" anchor="b">
+                      <a:endParaRPr lang="en-US" sz="900" b="0" i="0" u="none" strike="noStrike" dirty="0">
+                        <a:solidFill>
+                          <a:srgbClr val="000000"/>
+                        </a:solidFill>
+                        <a:effectLst/>
+                        <a:latin typeface="Calibri" panose="020F0502020204030204" pitchFamily="34" charset="0"/>
+                      </a:endParaRPr>
+                    </a:p>
+                  </a:txBody>
+                  <a:tcPr marL="7620" marR="7620" marT="7620" marB="0" anchor="b">
                     <a:lnT w="3175" cap="flat" cmpd="sng" algn="ctr">
                       <a:solidFill>
                         <a:schemeClr val="tx1"/>
@@ -5008,21 +5011,21 @@
                     <a:p>
                       <a:pPr algn="r" fontAlgn="b"/>
                       <a:r>
-                        <a:rPr lang="en-US" sz="1100" u="none" strike="noStrike" dirty="0">
+                        <a:rPr lang="en-US" sz="900" u="none" strike="noStrike" dirty="0">
                           <a:effectLst/>
                         </a:rPr>
                         <a:t>0</a:t>
                       </a:r>
-                      <a:endParaRPr lang="en-US" sz="1100" b="0" i="0" u="none" strike="noStrike" dirty="0">
-                        <a:solidFill>
-                          <a:srgbClr val="000000"/>
-                        </a:solidFill>
-                        <a:effectLst/>
-                        <a:latin typeface="Calibri" panose="020F0502020204030204" pitchFamily="34" charset="0"/>
-                      </a:endParaRPr>
-                    </a:p>
-                  </a:txBody>
-                  <a:tcPr marL="9525" marR="9525" marT="9525" marB="0" anchor="b">
+                      <a:endParaRPr lang="en-US" sz="900" b="0" i="0" u="none" strike="noStrike" dirty="0">
+                        <a:solidFill>
+                          <a:srgbClr val="000000"/>
+                        </a:solidFill>
+                        <a:effectLst/>
+                        <a:latin typeface="Calibri" panose="020F0502020204030204" pitchFamily="34" charset="0"/>
+                      </a:endParaRPr>
+                    </a:p>
+                  </a:txBody>
+                  <a:tcPr marL="7620" marR="7620" marT="7620" marB="0" anchor="b">
                     <a:lnT w="3175" cap="flat" cmpd="sng" algn="ctr">
                       <a:solidFill>
                         <a:schemeClr val="tx1"/>
@@ -5041,21 +5044,21 @@
                     <a:p>
                       <a:pPr algn="r" fontAlgn="b"/>
                       <a:r>
-                        <a:rPr lang="en-US" sz="1100" u="none" strike="noStrike" dirty="0">
+                        <a:rPr lang="en-US" sz="900" u="none" strike="noStrike" dirty="0">
                           <a:effectLst/>
                         </a:rPr>
                         <a:t>26</a:t>
                       </a:r>
-                      <a:endParaRPr lang="en-US" sz="1100" b="0" i="0" u="none" strike="noStrike" dirty="0">
-                        <a:solidFill>
-                          <a:srgbClr val="000000"/>
-                        </a:solidFill>
-                        <a:effectLst/>
-                        <a:latin typeface="Calibri" panose="020F0502020204030204" pitchFamily="34" charset="0"/>
-                      </a:endParaRPr>
-                    </a:p>
-                  </a:txBody>
-                  <a:tcPr marL="9525" marR="9525" marT="9525" marB="0" anchor="b">
+                      <a:endParaRPr lang="en-US" sz="900" b="0" i="0" u="none" strike="noStrike" dirty="0">
+                        <a:solidFill>
+                          <a:srgbClr val="000000"/>
+                        </a:solidFill>
+                        <a:effectLst/>
+                        <a:latin typeface="Calibri" panose="020F0502020204030204" pitchFamily="34" charset="0"/>
+                      </a:endParaRPr>
+                    </a:p>
+                  </a:txBody>
+                  <a:tcPr marL="7620" marR="7620" marT="7620" marB="0" anchor="b">
                     <a:lnT w="3175" cap="flat" cmpd="sng" algn="ctr">
                       <a:solidFill>
                         <a:schemeClr val="tx1"/>
@@ -5074,21 +5077,21 @@
                     <a:p>
                       <a:pPr algn="r" fontAlgn="b"/>
                       <a:r>
-                        <a:rPr lang="en-US" sz="1100" u="none" strike="noStrike">
+                        <a:rPr lang="en-US" sz="900" u="none" strike="noStrike">
                           <a:effectLst/>
                         </a:rPr>
                         <a:t>30</a:t>
                       </a:r>
-                      <a:endParaRPr lang="en-US" sz="1100" b="0" i="0" u="none" strike="noStrike">
-                        <a:solidFill>
-                          <a:srgbClr val="000000"/>
-                        </a:solidFill>
-                        <a:effectLst/>
-                        <a:latin typeface="Calibri" panose="020F0502020204030204" pitchFamily="34" charset="0"/>
-                      </a:endParaRPr>
-                    </a:p>
-                  </a:txBody>
-                  <a:tcPr marL="9525" marR="9525" marT="9525" marB="0" anchor="b">
+                      <a:endParaRPr lang="en-US" sz="900" b="0" i="0" u="none" strike="noStrike">
+                        <a:solidFill>
+                          <a:srgbClr val="000000"/>
+                        </a:solidFill>
+                        <a:effectLst/>
+                        <a:latin typeface="Calibri" panose="020F0502020204030204" pitchFamily="34" charset="0"/>
+                      </a:endParaRPr>
+                    </a:p>
+                  </a:txBody>
+                  <a:tcPr marL="7620" marR="7620" marT="7620" marB="0" anchor="b">
                     <a:lnT w="3175" cap="flat" cmpd="sng" algn="ctr">
                       <a:solidFill>
                         <a:schemeClr val="tx1"/>
@@ -5106,7 +5109,7 @@
                   </a:ext>
                 </a:extLst>
               </a:tr>
-              <a:tr h="190501">
+              <a:tr h="152401">
                 <a:tc>
                   <a:txBody>
                     <a:bodyPr/>
@@ -5114,113 +5117,113 @@
                     <a:p>
                       <a:pPr algn="l" rtl="0" fontAlgn="b"/>
                       <a:r>
-                        <a:rPr lang="en-US" sz="1100" u="none" strike="noStrike">
+                        <a:rPr lang="en-US" sz="900" u="none" strike="noStrike">
                           <a:effectLst/>
                         </a:rPr>
                         <a:t>ROI 2</a:t>
                       </a:r>
-                      <a:endParaRPr lang="en-US" sz="1100" b="0" i="0" u="none" strike="noStrike">
-                        <a:solidFill>
-                          <a:srgbClr val="000000"/>
-                        </a:solidFill>
-                        <a:effectLst/>
-                        <a:latin typeface="Calibri" panose="020F0502020204030204" pitchFamily="34" charset="0"/>
-                      </a:endParaRPr>
-                    </a:p>
-                  </a:txBody>
-                  <a:tcPr marL="9525" marR="9525" marT="9525" marB="0" anchor="b"/>
-                </a:tc>
-                <a:tc>
-                  <a:txBody>
-                    <a:bodyPr/>
-                    <a:lstStyle/>
-                    <a:p>
-                      <a:pPr algn="r" fontAlgn="b"/>
-                      <a:r>
-                        <a:rPr lang="en-US" sz="1100" u="none" strike="noStrike" dirty="0">
+                      <a:endParaRPr lang="en-US" sz="900" b="0" i="0" u="none" strike="noStrike">
+                        <a:solidFill>
+                          <a:srgbClr val="000000"/>
+                        </a:solidFill>
+                        <a:effectLst/>
+                        <a:latin typeface="Calibri" panose="020F0502020204030204" pitchFamily="34" charset="0"/>
+                      </a:endParaRPr>
+                    </a:p>
+                  </a:txBody>
+                  <a:tcPr marL="7620" marR="7620" marT="7620" marB="0" anchor="b"/>
+                </a:tc>
+                <a:tc>
+                  <a:txBody>
+                    <a:bodyPr/>
+                    <a:lstStyle/>
+                    <a:p>
+                      <a:pPr algn="r" fontAlgn="b"/>
+                      <a:r>
+                        <a:rPr lang="en-US" sz="900" u="none" strike="noStrike" dirty="0">
                           <a:effectLst/>
                         </a:rPr>
                         <a:t>53</a:t>
                       </a:r>
-                      <a:endParaRPr lang="en-US" sz="1100" b="0" i="0" u="none" strike="noStrike" dirty="0">
-                        <a:solidFill>
-                          <a:srgbClr val="000000"/>
-                        </a:solidFill>
-                        <a:effectLst/>
-                        <a:latin typeface="Calibri" panose="020F0502020204030204" pitchFamily="34" charset="0"/>
-                      </a:endParaRPr>
-                    </a:p>
-                  </a:txBody>
-                  <a:tcPr marL="9525" marR="9525" marT="9525" marB="0" anchor="b"/>
-                </a:tc>
-                <a:tc>
-                  <a:txBody>
-                    <a:bodyPr/>
-                    <a:lstStyle/>
-                    <a:p>
-                      <a:pPr algn="r" fontAlgn="b"/>
-                      <a:r>
-                        <a:rPr lang="en-US" sz="1100" u="none" strike="noStrike">
+                      <a:endParaRPr lang="en-US" sz="900" b="0" i="0" u="none" strike="noStrike" dirty="0">
+                        <a:solidFill>
+                          <a:srgbClr val="000000"/>
+                        </a:solidFill>
+                        <a:effectLst/>
+                        <a:latin typeface="Calibri" panose="020F0502020204030204" pitchFamily="34" charset="0"/>
+                      </a:endParaRPr>
+                    </a:p>
+                  </a:txBody>
+                  <a:tcPr marL="7620" marR="7620" marT="7620" marB="0" anchor="b"/>
+                </a:tc>
+                <a:tc>
+                  <a:txBody>
+                    <a:bodyPr/>
+                    <a:lstStyle/>
+                    <a:p>
+                      <a:pPr algn="r" fontAlgn="b"/>
+                      <a:r>
+                        <a:rPr lang="en-US" sz="900" u="none" strike="noStrike">
                           <a:effectLst/>
                         </a:rPr>
                         <a:t>0</a:t>
                       </a:r>
-                      <a:endParaRPr lang="en-US" sz="1100" b="0" i="0" u="none" strike="noStrike">
-                        <a:solidFill>
-                          <a:srgbClr val="000000"/>
-                        </a:solidFill>
-                        <a:effectLst/>
-                        <a:latin typeface="Calibri" panose="020F0502020204030204" pitchFamily="34" charset="0"/>
-                      </a:endParaRPr>
-                    </a:p>
-                  </a:txBody>
-                  <a:tcPr marL="9525" marR="9525" marT="9525" marB="0" anchor="b"/>
-                </a:tc>
-                <a:tc>
-                  <a:txBody>
-                    <a:bodyPr/>
-                    <a:lstStyle/>
-                    <a:p>
-                      <a:pPr algn="r" fontAlgn="b"/>
-                      <a:r>
-                        <a:rPr lang="en-US" sz="1100" u="none" strike="noStrike">
+                      <a:endParaRPr lang="en-US" sz="900" b="0" i="0" u="none" strike="noStrike">
+                        <a:solidFill>
+                          <a:srgbClr val="000000"/>
+                        </a:solidFill>
+                        <a:effectLst/>
+                        <a:latin typeface="Calibri" panose="020F0502020204030204" pitchFamily="34" charset="0"/>
+                      </a:endParaRPr>
+                    </a:p>
+                  </a:txBody>
+                  <a:tcPr marL="7620" marR="7620" marT="7620" marB="0" anchor="b"/>
+                </a:tc>
+                <a:tc>
+                  <a:txBody>
+                    <a:bodyPr/>
+                    <a:lstStyle/>
+                    <a:p>
+                      <a:pPr algn="r" fontAlgn="b"/>
+                      <a:r>
+                        <a:rPr lang="en-US" sz="900" u="none" strike="noStrike">
                           <a:effectLst/>
                         </a:rPr>
                         <a:t>21</a:t>
                       </a:r>
-                      <a:endParaRPr lang="en-US" sz="1100" b="0" i="0" u="none" strike="noStrike">
-                        <a:solidFill>
-                          <a:srgbClr val="000000"/>
-                        </a:solidFill>
-                        <a:effectLst/>
-                        <a:latin typeface="Calibri" panose="020F0502020204030204" pitchFamily="34" charset="0"/>
-                      </a:endParaRPr>
-                    </a:p>
-                  </a:txBody>
-                  <a:tcPr marL="9525" marR="9525" marT="9525" marB="0" anchor="b"/>
-                </a:tc>
-                <a:tc>
-                  <a:txBody>
-                    <a:bodyPr/>
-                    <a:lstStyle/>
-                    <a:p>
-                      <a:pPr algn="r" fontAlgn="b"/>
-                      <a:r>
-                        <a:rPr lang="en-US" sz="1100" u="none" strike="noStrike">
+                      <a:endParaRPr lang="en-US" sz="900" b="0" i="0" u="none" strike="noStrike">
+                        <a:solidFill>
+                          <a:srgbClr val="000000"/>
+                        </a:solidFill>
+                        <a:effectLst/>
+                        <a:latin typeface="Calibri" panose="020F0502020204030204" pitchFamily="34" charset="0"/>
+                      </a:endParaRPr>
+                    </a:p>
+                  </a:txBody>
+                  <a:tcPr marL="7620" marR="7620" marT="7620" marB="0" anchor="b"/>
+                </a:tc>
+                <a:tc>
+                  <a:txBody>
+                    <a:bodyPr/>
+                    <a:lstStyle/>
+                    <a:p>
+                      <a:pPr algn="r" fontAlgn="b"/>
+                      <a:r>
+                        <a:rPr lang="en-US" sz="900" u="none" strike="noStrike">
                           <a:effectLst/>
                         </a:rPr>
                         <a:t>11</a:t>
                       </a:r>
-                      <a:endParaRPr lang="en-US" sz="1100" b="0" i="0" u="none" strike="noStrike">
-                        <a:solidFill>
-                          <a:srgbClr val="000000"/>
-                        </a:solidFill>
-                        <a:effectLst/>
-                        <a:latin typeface="Calibri" panose="020F0502020204030204" pitchFamily="34" charset="0"/>
-                      </a:endParaRPr>
-                    </a:p>
-                  </a:txBody>
-                  <a:tcPr marL="9525" marR="9525" marT="9525" marB="0" anchor="b"/>
+                      <a:endParaRPr lang="en-US" sz="900" b="0" i="0" u="none" strike="noStrike">
+                        <a:solidFill>
+                          <a:srgbClr val="000000"/>
+                        </a:solidFill>
+                        <a:effectLst/>
+                        <a:latin typeface="Calibri" panose="020F0502020204030204" pitchFamily="34" charset="0"/>
+                      </a:endParaRPr>
+                    </a:p>
+                  </a:txBody>
+                  <a:tcPr marL="7620" marR="7620" marT="7620" marB="0" anchor="b"/>
                 </a:tc>
                 <a:extLst>
                   <a:ext uri="{0D108BD9-81ED-4DB2-BD59-A6C34878D82A}">
@@ -5228,7 +5231,7 @@
                   </a:ext>
                 </a:extLst>
               </a:tr>
-              <a:tr h="190501">
+              <a:tr h="152401">
                 <a:tc>
                   <a:txBody>
                     <a:bodyPr/>
@@ -5236,113 +5239,113 @@
                     <a:p>
                       <a:pPr algn="l" rtl="0" fontAlgn="b"/>
                       <a:r>
-                        <a:rPr lang="en-US" sz="1100" u="none" strike="noStrike">
+                        <a:rPr lang="en-US" sz="900" u="none" strike="noStrike">
                           <a:effectLst/>
                         </a:rPr>
                         <a:t>ROI 3</a:t>
                       </a:r>
-                      <a:endParaRPr lang="en-US" sz="1100" b="0" i="0" u="none" strike="noStrike">
-                        <a:solidFill>
-                          <a:srgbClr val="000000"/>
-                        </a:solidFill>
-                        <a:effectLst/>
-                        <a:latin typeface="Calibri" panose="020F0502020204030204" pitchFamily="34" charset="0"/>
-                      </a:endParaRPr>
-                    </a:p>
-                  </a:txBody>
-                  <a:tcPr marL="9525" marR="9525" marT="9525" marB="0" anchor="b"/>
-                </a:tc>
-                <a:tc>
-                  <a:txBody>
-                    <a:bodyPr/>
-                    <a:lstStyle/>
-                    <a:p>
-                      <a:pPr algn="r" fontAlgn="b"/>
-                      <a:r>
-                        <a:rPr lang="en-US" sz="1100" u="none" strike="noStrike" dirty="0">
+                      <a:endParaRPr lang="en-US" sz="900" b="0" i="0" u="none" strike="noStrike">
+                        <a:solidFill>
+                          <a:srgbClr val="000000"/>
+                        </a:solidFill>
+                        <a:effectLst/>
+                        <a:latin typeface="Calibri" panose="020F0502020204030204" pitchFamily="34" charset="0"/>
+                      </a:endParaRPr>
+                    </a:p>
+                  </a:txBody>
+                  <a:tcPr marL="7620" marR="7620" marT="7620" marB="0" anchor="b"/>
+                </a:tc>
+                <a:tc>
+                  <a:txBody>
+                    <a:bodyPr/>
+                    <a:lstStyle/>
+                    <a:p>
+                      <a:pPr algn="r" fontAlgn="b"/>
+                      <a:r>
+                        <a:rPr lang="en-US" sz="900" u="none" strike="noStrike" dirty="0">
                           <a:effectLst/>
                         </a:rPr>
                         <a:t>144</a:t>
                       </a:r>
-                      <a:endParaRPr lang="en-US" sz="1100" b="0" i="0" u="none" strike="noStrike" dirty="0">
-                        <a:solidFill>
-                          <a:srgbClr val="000000"/>
-                        </a:solidFill>
-                        <a:effectLst/>
-                        <a:latin typeface="Calibri" panose="020F0502020204030204" pitchFamily="34" charset="0"/>
-                      </a:endParaRPr>
-                    </a:p>
-                  </a:txBody>
-                  <a:tcPr marL="9525" marR="9525" marT="9525" marB="0" anchor="b"/>
-                </a:tc>
-                <a:tc>
-                  <a:txBody>
-                    <a:bodyPr/>
-                    <a:lstStyle/>
-                    <a:p>
-                      <a:pPr algn="r" fontAlgn="b"/>
-                      <a:r>
-                        <a:rPr lang="en-US" sz="1100" u="none" strike="noStrike" dirty="0">
+                      <a:endParaRPr lang="en-US" sz="900" b="0" i="0" u="none" strike="noStrike" dirty="0">
+                        <a:solidFill>
+                          <a:srgbClr val="000000"/>
+                        </a:solidFill>
+                        <a:effectLst/>
+                        <a:latin typeface="Calibri" panose="020F0502020204030204" pitchFamily="34" charset="0"/>
+                      </a:endParaRPr>
+                    </a:p>
+                  </a:txBody>
+                  <a:tcPr marL="7620" marR="7620" marT="7620" marB="0" anchor="b"/>
+                </a:tc>
+                <a:tc>
+                  <a:txBody>
+                    <a:bodyPr/>
+                    <a:lstStyle/>
+                    <a:p>
+                      <a:pPr algn="r" fontAlgn="b"/>
+                      <a:r>
+                        <a:rPr lang="en-US" sz="900" u="none" strike="noStrike" dirty="0">
                           <a:effectLst/>
                         </a:rPr>
                         <a:t>0</a:t>
                       </a:r>
-                      <a:endParaRPr lang="en-US" sz="1100" b="0" i="0" u="none" strike="noStrike" dirty="0">
-                        <a:solidFill>
-                          <a:srgbClr val="000000"/>
-                        </a:solidFill>
-                        <a:effectLst/>
-                        <a:latin typeface="Calibri" panose="020F0502020204030204" pitchFamily="34" charset="0"/>
-                      </a:endParaRPr>
-                    </a:p>
-                  </a:txBody>
-                  <a:tcPr marL="9525" marR="9525" marT="9525" marB="0" anchor="b"/>
-                </a:tc>
-                <a:tc>
-                  <a:txBody>
-                    <a:bodyPr/>
-                    <a:lstStyle/>
-                    <a:p>
-                      <a:pPr algn="r" fontAlgn="b"/>
-                      <a:r>
-                        <a:rPr lang="en-US" sz="1100" u="none" strike="noStrike">
+                      <a:endParaRPr lang="en-US" sz="900" b="0" i="0" u="none" strike="noStrike" dirty="0">
+                        <a:solidFill>
+                          <a:srgbClr val="000000"/>
+                        </a:solidFill>
+                        <a:effectLst/>
+                        <a:latin typeface="Calibri" panose="020F0502020204030204" pitchFamily="34" charset="0"/>
+                      </a:endParaRPr>
+                    </a:p>
+                  </a:txBody>
+                  <a:tcPr marL="7620" marR="7620" marT="7620" marB="0" anchor="b"/>
+                </a:tc>
+                <a:tc>
+                  <a:txBody>
+                    <a:bodyPr/>
+                    <a:lstStyle/>
+                    <a:p>
+                      <a:pPr algn="r" fontAlgn="b"/>
+                      <a:r>
+                        <a:rPr lang="en-US" sz="900" u="none" strike="noStrike">
                           <a:effectLst/>
                         </a:rPr>
                         <a:t>23</a:t>
                       </a:r>
-                      <a:endParaRPr lang="en-US" sz="1100" b="0" i="0" u="none" strike="noStrike">
-                        <a:solidFill>
-                          <a:srgbClr val="000000"/>
-                        </a:solidFill>
-                        <a:effectLst/>
-                        <a:latin typeface="Calibri" panose="020F0502020204030204" pitchFamily="34" charset="0"/>
-                      </a:endParaRPr>
-                    </a:p>
-                  </a:txBody>
-                  <a:tcPr marL="9525" marR="9525" marT="9525" marB="0" anchor="b"/>
-                </a:tc>
-                <a:tc>
-                  <a:txBody>
-                    <a:bodyPr/>
-                    <a:lstStyle/>
-                    <a:p>
-                      <a:pPr algn="r" fontAlgn="b"/>
-                      <a:r>
-                        <a:rPr lang="en-US" sz="1100" u="none" strike="noStrike">
+                      <a:endParaRPr lang="en-US" sz="900" b="0" i="0" u="none" strike="noStrike">
+                        <a:solidFill>
+                          <a:srgbClr val="000000"/>
+                        </a:solidFill>
+                        <a:effectLst/>
+                        <a:latin typeface="Calibri" panose="020F0502020204030204" pitchFamily="34" charset="0"/>
+                      </a:endParaRPr>
+                    </a:p>
+                  </a:txBody>
+                  <a:tcPr marL="7620" marR="7620" marT="7620" marB="0" anchor="b"/>
+                </a:tc>
+                <a:tc>
+                  <a:txBody>
+                    <a:bodyPr/>
+                    <a:lstStyle/>
+                    <a:p>
+                      <a:pPr algn="r" fontAlgn="b"/>
+                      <a:r>
+                        <a:rPr lang="en-US" sz="900" u="none" strike="noStrike">
                           <a:effectLst/>
                         </a:rPr>
                         <a:t>23</a:t>
                       </a:r>
-                      <a:endParaRPr lang="en-US" sz="1100" b="0" i="0" u="none" strike="noStrike">
-                        <a:solidFill>
-                          <a:srgbClr val="000000"/>
-                        </a:solidFill>
-                        <a:effectLst/>
-                        <a:latin typeface="Calibri" panose="020F0502020204030204" pitchFamily="34" charset="0"/>
-                      </a:endParaRPr>
-                    </a:p>
-                  </a:txBody>
-                  <a:tcPr marL="9525" marR="9525" marT="9525" marB="0" anchor="b"/>
+                      <a:endParaRPr lang="en-US" sz="900" b="0" i="0" u="none" strike="noStrike">
+                        <a:solidFill>
+                          <a:srgbClr val="000000"/>
+                        </a:solidFill>
+                        <a:effectLst/>
+                        <a:latin typeface="Calibri" panose="020F0502020204030204" pitchFamily="34" charset="0"/>
+                      </a:endParaRPr>
+                    </a:p>
+                  </a:txBody>
+                  <a:tcPr marL="7620" marR="7620" marT="7620" marB="0" anchor="b"/>
                 </a:tc>
                 <a:extLst>
                   <a:ext uri="{0D108BD9-81ED-4DB2-BD59-A6C34878D82A}">
@@ -5350,7 +5353,7 @@
                   </a:ext>
                 </a:extLst>
               </a:tr>
-              <a:tr h="190501">
+              <a:tr h="152401">
                 <a:tc>
                   <a:txBody>
                     <a:bodyPr/>
@@ -5358,113 +5361,113 @@
                     <a:p>
                       <a:pPr algn="l" rtl="0" fontAlgn="b"/>
                       <a:r>
-                        <a:rPr lang="en-US" sz="1100" u="none" strike="noStrike">
+                        <a:rPr lang="en-US" sz="900" u="none" strike="noStrike">
                           <a:effectLst/>
                         </a:rPr>
                         <a:t>ROI 4</a:t>
                       </a:r>
-                      <a:endParaRPr lang="en-US" sz="1100" b="0" i="0" u="none" strike="noStrike">
-                        <a:solidFill>
-                          <a:srgbClr val="000000"/>
-                        </a:solidFill>
-                        <a:effectLst/>
-                        <a:latin typeface="Calibri" panose="020F0502020204030204" pitchFamily="34" charset="0"/>
-                      </a:endParaRPr>
-                    </a:p>
-                  </a:txBody>
-                  <a:tcPr marL="9525" marR="9525" marT="9525" marB="0" anchor="b"/>
-                </a:tc>
-                <a:tc>
-                  <a:txBody>
-                    <a:bodyPr/>
-                    <a:lstStyle/>
-                    <a:p>
-                      <a:pPr algn="r" fontAlgn="b"/>
-                      <a:r>
-                        <a:rPr lang="en-US" sz="1100" u="none" strike="noStrike">
+                      <a:endParaRPr lang="en-US" sz="900" b="0" i="0" u="none" strike="noStrike">
+                        <a:solidFill>
+                          <a:srgbClr val="000000"/>
+                        </a:solidFill>
+                        <a:effectLst/>
+                        <a:latin typeface="Calibri" panose="020F0502020204030204" pitchFamily="34" charset="0"/>
+                      </a:endParaRPr>
+                    </a:p>
+                  </a:txBody>
+                  <a:tcPr marL="7620" marR="7620" marT="7620" marB="0" anchor="b"/>
+                </a:tc>
+                <a:tc>
+                  <a:txBody>
+                    <a:bodyPr/>
+                    <a:lstStyle/>
+                    <a:p>
+                      <a:pPr algn="r" fontAlgn="b"/>
+                      <a:r>
+                        <a:rPr lang="en-US" sz="900" u="none" strike="noStrike">
                           <a:effectLst/>
                         </a:rPr>
                         <a:t>237</a:t>
                       </a:r>
-                      <a:endParaRPr lang="en-US" sz="1100" b="0" i="0" u="none" strike="noStrike">
-                        <a:solidFill>
-                          <a:srgbClr val="000000"/>
-                        </a:solidFill>
-                        <a:effectLst/>
-                        <a:latin typeface="Calibri" panose="020F0502020204030204" pitchFamily="34" charset="0"/>
-                      </a:endParaRPr>
-                    </a:p>
-                  </a:txBody>
-                  <a:tcPr marL="9525" marR="9525" marT="9525" marB="0" anchor="b"/>
-                </a:tc>
-                <a:tc>
-                  <a:txBody>
-                    <a:bodyPr/>
-                    <a:lstStyle/>
-                    <a:p>
-                      <a:pPr algn="r" fontAlgn="b"/>
-                      <a:r>
-                        <a:rPr lang="en-US" sz="1100" u="none" strike="noStrike" dirty="0">
+                      <a:endParaRPr lang="en-US" sz="900" b="0" i="0" u="none" strike="noStrike">
+                        <a:solidFill>
+                          <a:srgbClr val="000000"/>
+                        </a:solidFill>
+                        <a:effectLst/>
+                        <a:latin typeface="Calibri" panose="020F0502020204030204" pitchFamily="34" charset="0"/>
+                      </a:endParaRPr>
+                    </a:p>
+                  </a:txBody>
+                  <a:tcPr marL="7620" marR="7620" marT="7620" marB="0" anchor="b"/>
+                </a:tc>
+                <a:tc>
+                  <a:txBody>
+                    <a:bodyPr/>
+                    <a:lstStyle/>
+                    <a:p>
+                      <a:pPr algn="r" fontAlgn="b"/>
+                      <a:r>
+                        <a:rPr lang="en-US" sz="900" u="none" strike="noStrike" dirty="0">
                           <a:effectLst/>
                         </a:rPr>
                         <a:t>0</a:t>
                       </a:r>
-                      <a:endParaRPr lang="en-US" sz="1100" b="0" i="0" u="none" strike="noStrike" dirty="0">
-                        <a:solidFill>
-                          <a:srgbClr val="000000"/>
-                        </a:solidFill>
-                        <a:effectLst/>
-                        <a:latin typeface="Calibri" panose="020F0502020204030204" pitchFamily="34" charset="0"/>
-                      </a:endParaRPr>
-                    </a:p>
-                  </a:txBody>
-                  <a:tcPr marL="9525" marR="9525" marT="9525" marB="0" anchor="b"/>
-                </a:tc>
-                <a:tc>
-                  <a:txBody>
-                    <a:bodyPr/>
-                    <a:lstStyle/>
-                    <a:p>
-                      <a:pPr algn="r" fontAlgn="b"/>
-                      <a:r>
-                        <a:rPr lang="en-US" sz="1100" u="none" strike="noStrike" dirty="0">
+                      <a:endParaRPr lang="en-US" sz="900" b="0" i="0" u="none" strike="noStrike" dirty="0">
+                        <a:solidFill>
+                          <a:srgbClr val="000000"/>
+                        </a:solidFill>
+                        <a:effectLst/>
+                        <a:latin typeface="Calibri" panose="020F0502020204030204" pitchFamily="34" charset="0"/>
+                      </a:endParaRPr>
+                    </a:p>
+                  </a:txBody>
+                  <a:tcPr marL="7620" marR="7620" marT="7620" marB="0" anchor="b"/>
+                </a:tc>
+                <a:tc>
+                  <a:txBody>
+                    <a:bodyPr/>
+                    <a:lstStyle/>
+                    <a:p>
+                      <a:pPr algn="r" fontAlgn="b"/>
+                      <a:r>
+                        <a:rPr lang="en-US" sz="900" u="none" strike="noStrike" dirty="0">
                           <a:effectLst/>
                         </a:rPr>
                         <a:t>19</a:t>
                       </a:r>
-                      <a:endParaRPr lang="en-US" sz="1100" b="0" i="0" u="none" strike="noStrike" dirty="0">
-                        <a:solidFill>
-                          <a:srgbClr val="000000"/>
-                        </a:solidFill>
-                        <a:effectLst/>
-                        <a:latin typeface="Calibri" panose="020F0502020204030204" pitchFamily="34" charset="0"/>
-                      </a:endParaRPr>
-                    </a:p>
-                  </a:txBody>
-                  <a:tcPr marL="9525" marR="9525" marT="9525" marB="0" anchor="b"/>
-                </a:tc>
-                <a:tc>
-                  <a:txBody>
-                    <a:bodyPr/>
-                    <a:lstStyle/>
-                    <a:p>
-                      <a:pPr algn="r" fontAlgn="b"/>
-                      <a:r>
-                        <a:rPr lang="en-US" sz="1100" u="none" strike="noStrike">
+                      <a:endParaRPr lang="en-US" sz="900" b="0" i="0" u="none" strike="noStrike" dirty="0">
+                        <a:solidFill>
+                          <a:srgbClr val="000000"/>
+                        </a:solidFill>
+                        <a:effectLst/>
+                        <a:latin typeface="Calibri" panose="020F0502020204030204" pitchFamily="34" charset="0"/>
+                      </a:endParaRPr>
+                    </a:p>
+                  </a:txBody>
+                  <a:tcPr marL="7620" marR="7620" marT="7620" marB="0" anchor="b"/>
+                </a:tc>
+                <a:tc>
+                  <a:txBody>
+                    <a:bodyPr/>
+                    <a:lstStyle/>
+                    <a:p>
+                      <a:pPr algn="r" fontAlgn="b"/>
+                      <a:r>
+                        <a:rPr lang="en-US" sz="900" u="none" strike="noStrike">
                           <a:effectLst/>
                         </a:rPr>
                         <a:t>29</a:t>
                       </a:r>
-                      <a:endParaRPr lang="en-US" sz="1100" b="0" i="0" u="none" strike="noStrike">
-                        <a:solidFill>
-                          <a:srgbClr val="000000"/>
-                        </a:solidFill>
-                        <a:effectLst/>
-                        <a:latin typeface="Calibri" panose="020F0502020204030204" pitchFamily="34" charset="0"/>
-                      </a:endParaRPr>
-                    </a:p>
-                  </a:txBody>
-                  <a:tcPr marL="9525" marR="9525" marT="9525" marB="0" anchor="b"/>
+                      <a:endParaRPr lang="en-US" sz="900" b="0" i="0" u="none" strike="noStrike">
+                        <a:solidFill>
+                          <a:srgbClr val="000000"/>
+                        </a:solidFill>
+                        <a:effectLst/>
+                        <a:latin typeface="Calibri" panose="020F0502020204030204" pitchFamily="34" charset="0"/>
+                      </a:endParaRPr>
+                    </a:p>
+                  </a:txBody>
+                  <a:tcPr marL="7620" marR="7620" marT="7620" marB="0" anchor="b"/>
                 </a:tc>
                 <a:extLst>
                   <a:ext uri="{0D108BD9-81ED-4DB2-BD59-A6C34878D82A}">
@@ -5472,7 +5475,7 @@
                   </a:ext>
                 </a:extLst>
               </a:tr>
-              <a:tr h="190501">
+              <a:tr h="152401">
                 <a:tc>
                   <a:txBody>
                     <a:bodyPr/>
@@ -5480,113 +5483,113 @@
                     <a:p>
                       <a:pPr algn="l" rtl="0" fontAlgn="b"/>
                       <a:r>
-                        <a:rPr lang="en-US" sz="1100" u="none" strike="noStrike">
+                        <a:rPr lang="en-US" sz="900" u="none" strike="noStrike">
                           <a:effectLst/>
                         </a:rPr>
                         <a:t>ROI 5</a:t>
                       </a:r>
-                      <a:endParaRPr lang="en-US" sz="1100" b="0" i="0" u="none" strike="noStrike">
-                        <a:solidFill>
-                          <a:srgbClr val="000000"/>
-                        </a:solidFill>
-                        <a:effectLst/>
-                        <a:latin typeface="Calibri" panose="020F0502020204030204" pitchFamily="34" charset="0"/>
-                      </a:endParaRPr>
-                    </a:p>
-                  </a:txBody>
-                  <a:tcPr marL="9525" marR="9525" marT="9525" marB="0" anchor="b"/>
-                </a:tc>
-                <a:tc>
-                  <a:txBody>
-                    <a:bodyPr/>
-                    <a:lstStyle/>
-                    <a:p>
-                      <a:pPr algn="r" fontAlgn="b"/>
-                      <a:r>
-                        <a:rPr lang="en-US" sz="1100" u="none" strike="noStrike">
+                      <a:endParaRPr lang="en-US" sz="900" b="0" i="0" u="none" strike="noStrike">
+                        <a:solidFill>
+                          <a:srgbClr val="000000"/>
+                        </a:solidFill>
+                        <a:effectLst/>
+                        <a:latin typeface="Calibri" panose="020F0502020204030204" pitchFamily="34" charset="0"/>
+                      </a:endParaRPr>
+                    </a:p>
+                  </a:txBody>
+                  <a:tcPr marL="7620" marR="7620" marT="7620" marB="0" anchor="b"/>
+                </a:tc>
+                <a:tc>
+                  <a:txBody>
+                    <a:bodyPr/>
+                    <a:lstStyle/>
+                    <a:p>
+                      <a:pPr algn="r" fontAlgn="b"/>
+                      <a:r>
+                        <a:rPr lang="en-US" sz="900" u="none" strike="noStrike">
                           <a:effectLst/>
                         </a:rPr>
                         <a:t>189</a:t>
                       </a:r>
-                      <a:endParaRPr lang="en-US" sz="1100" b="0" i="0" u="none" strike="noStrike">
-                        <a:solidFill>
-                          <a:srgbClr val="000000"/>
-                        </a:solidFill>
-                        <a:effectLst/>
-                        <a:latin typeface="Calibri" panose="020F0502020204030204" pitchFamily="34" charset="0"/>
-                      </a:endParaRPr>
-                    </a:p>
-                  </a:txBody>
-                  <a:tcPr marL="9525" marR="9525" marT="9525" marB="0" anchor="b"/>
-                </a:tc>
-                <a:tc>
-                  <a:txBody>
-                    <a:bodyPr/>
-                    <a:lstStyle/>
-                    <a:p>
-                      <a:pPr algn="r" fontAlgn="b"/>
-                      <a:r>
-                        <a:rPr lang="en-US" sz="1100" u="none" strike="noStrike" dirty="0">
+                      <a:endParaRPr lang="en-US" sz="900" b="0" i="0" u="none" strike="noStrike">
+                        <a:solidFill>
+                          <a:srgbClr val="000000"/>
+                        </a:solidFill>
+                        <a:effectLst/>
+                        <a:latin typeface="Calibri" panose="020F0502020204030204" pitchFamily="34" charset="0"/>
+                      </a:endParaRPr>
+                    </a:p>
+                  </a:txBody>
+                  <a:tcPr marL="7620" marR="7620" marT="7620" marB="0" anchor="b"/>
+                </a:tc>
+                <a:tc>
+                  <a:txBody>
+                    <a:bodyPr/>
+                    <a:lstStyle/>
+                    <a:p>
+                      <a:pPr algn="r" fontAlgn="b"/>
+                      <a:r>
+                        <a:rPr lang="en-US" sz="900" u="none" strike="noStrike" dirty="0">
                           <a:effectLst/>
                         </a:rPr>
                         <a:t>6</a:t>
                       </a:r>
-                      <a:endParaRPr lang="en-US" sz="1100" b="0" i="0" u="none" strike="noStrike" dirty="0">
-                        <a:solidFill>
-                          <a:srgbClr val="000000"/>
-                        </a:solidFill>
-                        <a:effectLst/>
-                        <a:latin typeface="Calibri" panose="020F0502020204030204" pitchFamily="34" charset="0"/>
-                      </a:endParaRPr>
-                    </a:p>
-                  </a:txBody>
-                  <a:tcPr marL="9525" marR="9525" marT="9525" marB="0" anchor="b"/>
-                </a:tc>
-                <a:tc>
-                  <a:txBody>
-                    <a:bodyPr/>
-                    <a:lstStyle/>
-                    <a:p>
-                      <a:pPr algn="r" fontAlgn="b"/>
-                      <a:r>
-                        <a:rPr lang="en-US" sz="1100" u="none" strike="noStrike" dirty="0">
+                      <a:endParaRPr lang="en-US" sz="900" b="0" i="0" u="none" strike="noStrike" dirty="0">
+                        <a:solidFill>
+                          <a:srgbClr val="000000"/>
+                        </a:solidFill>
+                        <a:effectLst/>
+                        <a:latin typeface="Calibri" panose="020F0502020204030204" pitchFamily="34" charset="0"/>
+                      </a:endParaRPr>
+                    </a:p>
+                  </a:txBody>
+                  <a:tcPr marL="7620" marR="7620" marT="7620" marB="0" anchor="b"/>
+                </a:tc>
+                <a:tc>
+                  <a:txBody>
+                    <a:bodyPr/>
+                    <a:lstStyle/>
+                    <a:p>
+                      <a:pPr algn="r" fontAlgn="b"/>
+                      <a:r>
+                        <a:rPr lang="en-US" sz="900" u="none" strike="noStrike" dirty="0">
                           <a:effectLst/>
                         </a:rPr>
                         <a:t>18</a:t>
                       </a:r>
-                      <a:endParaRPr lang="en-US" sz="1100" b="0" i="0" u="none" strike="noStrike" dirty="0">
-                        <a:solidFill>
-                          <a:srgbClr val="000000"/>
-                        </a:solidFill>
-                        <a:effectLst/>
-                        <a:latin typeface="Calibri" panose="020F0502020204030204" pitchFamily="34" charset="0"/>
-                      </a:endParaRPr>
-                    </a:p>
-                  </a:txBody>
-                  <a:tcPr marL="9525" marR="9525" marT="9525" marB="0" anchor="b"/>
-                </a:tc>
-                <a:tc>
-                  <a:txBody>
-                    <a:bodyPr/>
-                    <a:lstStyle/>
-                    <a:p>
-                      <a:pPr algn="r" fontAlgn="b"/>
-                      <a:r>
-                        <a:rPr lang="en-US" sz="1100" u="none" strike="noStrike" dirty="0">
+                      <a:endParaRPr lang="en-US" sz="900" b="0" i="0" u="none" strike="noStrike" dirty="0">
+                        <a:solidFill>
+                          <a:srgbClr val="000000"/>
+                        </a:solidFill>
+                        <a:effectLst/>
+                        <a:latin typeface="Calibri" panose="020F0502020204030204" pitchFamily="34" charset="0"/>
+                      </a:endParaRPr>
+                    </a:p>
+                  </a:txBody>
+                  <a:tcPr marL="7620" marR="7620" marT="7620" marB="0" anchor="b"/>
+                </a:tc>
+                <a:tc>
+                  <a:txBody>
+                    <a:bodyPr/>
+                    <a:lstStyle/>
+                    <a:p>
+                      <a:pPr algn="r" fontAlgn="b"/>
+                      <a:r>
+                        <a:rPr lang="en-US" sz="900" u="none" strike="noStrike" dirty="0">
                           <a:effectLst/>
                         </a:rPr>
                         <a:t>21</a:t>
                       </a:r>
-                      <a:endParaRPr lang="en-US" sz="1100" b="0" i="0" u="none" strike="noStrike" dirty="0">
-                        <a:solidFill>
-                          <a:srgbClr val="000000"/>
-                        </a:solidFill>
-                        <a:effectLst/>
-                        <a:latin typeface="Calibri" panose="020F0502020204030204" pitchFamily="34" charset="0"/>
-                      </a:endParaRPr>
-                    </a:p>
-                  </a:txBody>
-                  <a:tcPr marL="9525" marR="9525" marT="9525" marB="0" anchor="b"/>
+                      <a:endParaRPr lang="en-US" sz="900" b="0" i="0" u="none" strike="noStrike" dirty="0">
+                        <a:solidFill>
+                          <a:srgbClr val="000000"/>
+                        </a:solidFill>
+                        <a:effectLst/>
+                        <a:latin typeface="Calibri" panose="020F0502020204030204" pitchFamily="34" charset="0"/>
+                      </a:endParaRPr>
+                    </a:p>
+                  </a:txBody>
+                  <a:tcPr marL="7620" marR="7620" marT="7620" marB="0" anchor="b"/>
                 </a:tc>
                 <a:extLst>
                   <a:ext uri="{0D108BD9-81ED-4DB2-BD59-A6C34878D82A}">
@@ -5594,7 +5597,7 @@
                   </a:ext>
                 </a:extLst>
               </a:tr>
-              <a:tr h="190501">
+              <a:tr h="152401">
                 <a:tc>
                   <a:txBody>
                     <a:bodyPr/>
@@ -5602,113 +5605,113 @@
                     <a:p>
                       <a:pPr algn="l" rtl="0" fontAlgn="b"/>
                       <a:r>
-                        <a:rPr lang="en-US" sz="1100" u="none" strike="noStrike">
+                        <a:rPr lang="en-US" sz="900" u="none" strike="noStrike">
                           <a:effectLst/>
                         </a:rPr>
                         <a:t>ROI 6</a:t>
                       </a:r>
-                      <a:endParaRPr lang="en-US" sz="1100" b="0" i="0" u="none" strike="noStrike">
-                        <a:solidFill>
-                          <a:srgbClr val="000000"/>
-                        </a:solidFill>
-                        <a:effectLst/>
-                        <a:latin typeface="Calibri" panose="020F0502020204030204" pitchFamily="34" charset="0"/>
-                      </a:endParaRPr>
-                    </a:p>
-                  </a:txBody>
-                  <a:tcPr marL="9525" marR="9525" marT="9525" marB="0" anchor="b"/>
-                </a:tc>
-                <a:tc>
-                  <a:txBody>
-                    <a:bodyPr/>
-                    <a:lstStyle/>
-                    <a:p>
-                      <a:pPr algn="r" fontAlgn="b"/>
-                      <a:r>
-                        <a:rPr lang="en-US" sz="1100" u="none" strike="noStrike">
+                      <a:endParaRPr lang="en-US" sz="900" b="0" i="0" u="none" strike="noStrike">
+                        <a:solidFill>
+                          <a:srgbClr val="000000"/>
+                        </a:solidFill>
+                        <a:effectLst/>
+                        <a:latin typeface="Calibri" panose="020F0502020204030204" pitchFamily="34" charset="0"/>
+                      </a:endParaRPr>
+                    </a:p>
+                  </a:txBody>
+                  <a:tcPr marL="7620" marR="7620" marT="7620" marB="0" anchor="b"/>
+                </a:tc>
+                <a:tc>
+                  <a:txBody>
+                    <a:bodyPr/>
+                    <a:lstStyle/>
+                    <a:p>
+                      <a:pPr algn="r" fontAlgn="b"/>
+                      <a:r>
+                        <a:rPr lang="en-US" sz="900" u="none" strike="noStrike">
                           <a:effectLst/>
                         </a:rPr>
                         <a:t>211</a:t>
                       </a:r>
-                      <a:endParaRPr lang="en-US" sz="1100" b="0" i="0" u="none" strike="noStrike">
-                        <a:solidFill>
-                          <a:srgbClr val="000000"/>
-                        </a:solidFill>
-                        <a:effectLst/>
-                        <a:latin typeface="Calibri" panose="020F0502020204030204" pitchFamily="34" charset="0"/>
-                      </a:endParaRPr>
-                    </a:p>
-                  </a:txBody>
-                  <a:tcPr marL="9525" marR="9525" marT="9525" marB="0" anchor="b"/>
-                </a:tc>
-                <a:tc>
-                  <a:txBody>
-                    <a:bodyPr/>
-                    <a:lstStyle/>
-                    <a:p>
-                      <a:pPr algn="r" fontAlgn="b"/>
-                      <a:r>
-                        <a:rPr lang="en-US" sz="1100" u="none" strike="noStrike" dirty="0">
+                      <a:endParaRPr lang="en-US" sz="900" b="0" i="0" u="none" strike="noStrike">
+                        <a:solidFill>
+                          <a:srgbClr val="000000"/>
+                        </a:solidFill>
+                        <a:effectLst/>
+                        <a:latin typeface="Calibri" panose="020F0502020204030204" pitchFamily="34" charset="0"/>
+                      </a:endParaRPr>
+                    </a:p>
+                  </a:txBody>
+                  <a:tcPr marL="7620" marR="7620" marT="7620" marB="0" anchor="b"/>
+                </a:tc>
+                <a:tc>
+                  <a:txBody>
+                    <a:bodyPr/>
+                    <a:lstStyle/>
+                    <a:p>
+                      <a:pPr algn="r" fontAlgn="b"/>
+                      <a:r>
+                        <a:rPr lang="en-US" sz="900" u="none" strike="noStrike" dirty="0">
                           <a:effectLst/>
                         </a:rPr>
                         <a:t>17</a:t>
                       </a:r>
-                      <a:endParaRPr lang="en-US" sz="1100" b="0" i="0" u="none" strike="noStrike" dirty="0">
-                        <a:solidFill>
-                          <a:srgbClr val="000000"/>
-                        </a:solidFill>
-                        <a:effectLst/>
-                        <a:latin typeface="Calibri" panose="020F0502020204030204" pitchFamily="34" charset="0"/>
-                      </a:endParaRPr>
-                    </a:p>
-                  </a:txBody>
-                  <a:tcPr marL="9525" marR="9525" marT="9525" marB="0" anchor="b"/>
-                </a:tc>
-                <a:tc>
-                  <a:txBody>
-                    <a:bodyPr/>
-                    <a:lstStyle/>
-                    <a:p>
-                      <a:pPr algn="r" fontAlgn="b"/>
-                      <a:r>
-                        <a:rPr lang="en-US" sz="1100" u="none" strike="noStrike" dirty="0">
+                      <a:endParaRPr lang="en-US" sz="900" b="0" i="0" u="none" strike="noStrike" dirty="0">
+                        <a:solidFill>
+                          <a:srgbClr val="000000"/>
+                        </a:solidFill>
+                        <a:effectLst/>
+                        <a:latin typeface="Calibri" panose="020F0502020204030204" pitchFamily="34" charset="0"/>
+                      </a:endParaRPr>
+                    </a:p>
+                  </a:txBody>
+                  <a:tcPr marL="7620" marR="7620" marT="7620" marB="0" anchor="b"/>
+                </a:tc>
+                <a:tc>
+                  <a:txBody>
+                    <a:bodyPr/>
+                    <a:lstStyle/>
+                    <a:p>
+                      <a:pPr algn="r" fontAlgn="b"/>
+                      <a:r>
+                        <a:rPr lang="en-US" sz="900" u="none" strike="noStrike" dirty="0">
                           <a:effectLst/>
                         </a:rPr>
                         <a:t>17</a:t>
                       </a:r>
-                      <a:endParaRPr lang="en-US" sz="1100" b="0" i="0" u="none" strike="noStrike" dirty="0">
-                        <a:solidFill>
-                          <a:srgbClr val="000000"/>
-                        </a:solidFill>
-                        <a:effectLst/>
-                        <a:latin typeface="Calibri" panose="020F0502020204030204" pitchFamily="34" charset="0"/>
-                      </a:endParaRPr>
-                    </a:p>
-                  </a:txBody>
-                  <a:tcPr marL="9525" marR="9525" marT="9525" marB="0" anchor="b"/>
-                </a:tc>
-                <a:tc>
-                  <a:txBody>
-                    <a:bodyPr/>
-                    <a:lstStyle/>
-                    <a:p>
-                      <a:pPr algn="r" fontAlgn="b"/>
-                      <a:r>
-                        <a:rPr lang="en-US" sz="1100" u="none" strike="noStrike" dirty="0">
+                      <a:endParaRPr lang="en-US" sz="900" b="0" i="0" u="none" strike="noStrike" dirty="0">
+                        <a:solidFill>
+                          <a:srgbClr val="000000"/>
+                        </a:solidFill>
+                        <a:effectLst/>
+                        <a:latin typeface="Calibri" panose="020F0502020204030204" pitchFamily="34" charset="0"/>
+                      </a:endParaRPr>
+                    </a:p>
+                  </a:txBody>
+                  <a:tcPr marL="7620" marR="7620" marT="7620" marB="0" anchor="b"/>
+                </a:tc>
+                <a:tc>
+                  <a:txBody>
+                    <a:bodyPr/>
+                    <a:lstStyle/>
+                    <a:p>
+                      <a:pPr algn="r" fontAlgn="b"/>
+                      <a:r>
+                        <a:rPr lang="en-US" sz="900" u="none" strike="noStrike" dirty="0">
                           <a:effectLst/>
                         </a:rPr>
                         <a:t>22</a:t>
                       </a:r>
-                      <a:endParaRPr lang="en-US" sz="1100" b="0" i="0" u="none" strike="noStrike" dirty="0">
-                        <a:solidFill>
-                          <a:srgbClr val="000000"/>
-                        </a:solidFill>
-                        <a:effectLst/>
-                        <a:latin typeface="Calibri" panose="020F0502020204030204" pitchFamily="34" charset="0"/>
-                      </a:endParaRPr>
-                    </a:p>
-                  </a:txBody>
-                  <a:tcPr marL="9525" marR="9525" marT="9525" marB="0" anchor="b"/>
+                      <a:endParaRPr lang="en-US" sz="900" b="0" i="0" u="none" strike="noStrike" dirty="0">
+                        <a:solidFill>
+                          <a:srgbClr val="000000"/>
+                        </a:solidFill>
+                        <a:effectLst/>
+                        <a:latin typeface="Calibri" panose="020F0502020204030204" pitchFamily="34" charset="0"/>
+                      </a:endParaRPr>
+                    </a:p>
+                  </a:txBody>
+                  <a:tcPr marL="7620" marR="7620" marT="7620" marB="0" anchor="b"/>
                 </a:tc>
                 <a:extLst>
                   <a:ext uri="{0D108BD9-81ED-4DB2-BD59-A6C34878D82A}">
@@ -5724,6 +5727,2332 @@
     <p:extLst>
       <p:ext uri="{BB962C8B-B14F-4D97-AF65-F5344CB8AC3E}">
         <p14:creationId xmlns:p14="http://schemas.microsoft.com/office/powerpoint/2010/main" val="4165063391"/>
+      </p:ext>
+    </p:extLst>
+  </p:cSld>
+  <p:clrMapOvr>
+    <a:masterClrMapping/>
+  </p:clrMapOvr>
+</p:sld>
+</file>
+
+<file path=ppt/slides/slide2.xml><?xml version="1.0" encoding="utf-8"?>
+<p:sld xmlns:a="http://schemas.openxmlformats.org/drawingml/2006/main" xmlns:r="http://schemas.openxmlformats.org/officeDocument/2006/relationships" xmlns:p="http://schemas.openxmlformats.org/presentationml/2006/main">
+  <p:cSld>
+    <p:spTree>
+      <p:nvGrpSpPr>
+        <p:cNvPr id="1" name=""/>
+        <p:cNvGrpSpPr/>
+        <p:nvPr/>
+      </p:nvGrpSpPr>
+      <p:grpSpPr>
+        <a:xfrm>
+          <a:off x="0" y="0"/>
+          <a:ext cx="0" cy="0"/>
+          <a:chOff x="0" y="0"/>
+          <a:chExt cx="0" cy="0"/>
+        </a:xfrm>
+      </p:grpSpPr>
+      <p:pic>
+        <p:nvPicPr>
+          <p:cNvPr id="8" name="Picture 7"/>
+          <p:cNvPicPr>
+            <a:picLocks noChangeAspect="1"/>
+          </p:cNvPicPr>
+          <p:nvPr/>
+        </p:nvPicPr>
+        <p:blipFill rotWithShape="1">
+          <a:blip r:embed="rId2"/>
+          <a:srcRect l="1550" t="15184" r="1809" b="1566"/>
+          <a:stretch/>
+        </p:blipFill>
+        <p:spPr>
+          <a:xfrm>
+            <a:off x="538506" y="1808889"/>
+            <a:ext cx="1470364" cy="1464837"/>
+          </a:xfrm>
+          <a:prstGeom prst="rect">
+            <a:avLst/>
+          </a:prstGeom>
+          <a:ln>
+            <a:solidFill>
+              <a:schemeClr val="tx1"/>
+            </a:solidFill>
+          </a:ln>
+        </p:spPr>
+      </p:pic>
+      <p:sp>
+        <p:nvSpPr>
+          <p:cNvPr id="12" name="TextBox 11"/>
+          <p:cNvSpPr txBox="1"/>
+          <p:nvPr/>
+        </p:nvSpPr>
+        <p:spPr>
+          <a:xfrm>
+            <a:off x="221793" y="1285315"/>
+            <a:ext cx="1524457" cy="313932"/>
+          </a:xfrm>
+          <a:prstGeom prst="rect">
+            <a:avLst/>
+          </a:prstGeom>
+          <a:noFill/>
+        </p:spPr>
+        <p:txBody>
+          <a:bodyPr wrap="square" rtlCol="0">
+            <a:spAutoFit/>
+          </a:bodyPr>
+          <a:lstStyle/>
+          <a:p>
+            <a:r>
+              <a:rPr lang="nl-NL" sz="1440" dirty="0"/>
+              <a:t>a) Label mask</a:t>
+            </a:r>
+            <a:endParaRPr lang="en-US" sz="1440" dirty="0"/>
+          </a:p>
+        </p:txBody>
+      </p:sp>
+      <p:sp>
+        <p:nvSpPr>
+          <p:cNvPr id="13" name="TextBox 12"/>
+          <p:cNvSpPr txBox="1"/>
+          <p:nvPr/>
+        </p:nvSpPr>
+        <p:spPr>
+          <a:xfrm>
+            <a:off x="2270696" y="1273476"/>
+            <a:ext cx="2182468" cy="313932"/>
+          </a:xfrm>
+          <a:prstGeom prst="rect">
+            <a:avLst/>
+          </a:prstGeom>
+          <a:noFill/>
+        </p:spPr>
+        <p:txBody>
+          <a:bodyPr wrap="square" rtlCol="0">
+            <a:spAutoFit/>
+          </a:bodyPr>
+          <a:lstStyle/>
+          <a:p>
+            <a:pPr algn="ctr"/>
+            <a:r>
+              <a:rPr lang="nl-NL" sz="1440" dirty="0"/>
+              <a:t>b) Measurements table</a:t>
+            </a:r>
+            <a:endParaRPr lang="en-US" sz="1440" dirty="0"/>
+          </a:p>
+        </p:txBody>
+      </p:sp>
+      <p:sp>
+        <p:nvSpPr>
+          <p:cNvPr id="14" name="TextBox 13"/>
+          <p:cNvSpPr txBox="1"/>
+          <p:nvPr/>
+        </p:nvSpPr>
+        <p:spPr>
+          <a:xfrm>
+            <a:off x="6321398" y="1285315"/>
+            <a:ext cx="1597053" cy="313932"/>
+          </a:xfrm>
+          <a:prstGeom prst="rect">
+            <a:avLst/>
+          </a:prstGeom>
+          <a:noFill/>
+        </p:spPr>
+        <p:txBody>
+          <a:bodyPr wrap="square" rtlCol="0">
+            <a:spAutoFit/>
+          </a:bodyPr>
+          <a:lstStyle/>
+          <a:p>
+            <a:r>
+              <a:rPr lang="nl-NL" sz="1440" dirty="0"/>
+              <a:t>c) ROI set</a:t>
+            </a:r>
+            <a:endParaRPr lang="en-US" sz="1440" dirty="0"/>
+          </a:p>
+        </p:txBody>
+      </p:sp>
+      <p:graphicFrame>
+        <p:nvGraphicFramePr>
+          <p:cNvPr id="2" name="Table 1"/>
+          <p:cNvGraphicFramePr>
+            <a:graphicFrameLocks noGrp="1"/>
+          </p:cNvGraphicFramePr>
+          <p:nvPr>
+            <p:extLst>
+              <p:ext uri="{D42A27DB-BD31-4B8C-83A1-F6EECF244321}">
+                <p14:modId xmlns:p14="http://schemas.microsoft.com/office/powerpoint/2010/main" val="2417319534"/>
+              </p:ext>
+            </p:extLst>
+          </p:nvPr>
+        </p:nvGraphicFramePr>
+        <p:xfrm>
+          <a:off x="2904489" y="1891174"/>
+          <a:ext cx="2800690" cy="1240155"/>
+        </p:xfrm>
+        <a:graphic>
+          <a:graphicData uri="http://schemas.openxmlformats.org/drawingml/2006/table">
+            <a:tbl>
+              <a:tblPr>
+                <a:tableStyleId>{3B4B98B0-60AC-42C2-AFA5-B58CD77FA1E5}</a:tableStyleId>
+              </a:tblPr>
+              <a:tblGrid>
+                <a:gridCol w="560138">
+                  <a:extLst>
+                    <a:ext uri="{9D8B030D-6E8A-4147-A177-3AD203B41FA5}">
+                      <a16:colId xmlns:a16="http://schemas.microsoft.com/office/drawing/2014/main" val="3083052946"/>
+                    </a:ext>
+                  </a:extLst>
+                </a:gridCol>
+                <a:gridCol w="560138">
+                  <a:extLst>
+                    <a:ext uri="{9D8B030D-6E8A-4147-A177-3AD203B41FA5}">
+                      <a16:colId xmlns:a16="http://schemas.microsoft.com/office/drawing/2014/main" val="2739335031"/>
+                    </a:ext>
+                  </a:extLst>
+                </a:gridCol>
+                <a:gridCol w="560138">
+                  <a:extLst>
+                    <a:ext uri="{9D8B030D-6E8A-4147-A177-3AD203B41FA5}">
+                      <a16:colId xmlns:a16="http://schemas.microsoft.com/office/drawing/2014/main" val="3945957450"/>
+                    </a:ext>
+                  </a:extLst>
+                </a:gridCol>
+                <a:gridCol w="560138">
+                  <a:extLst>
+                    <a:ext uri="{9D8B030D-6E8A-4147-A177-3AD203B41FA5}">
+                      <a16:colId xmlns:a16="http://schemas.microsoft.com/office/drawing/2014/main" val="3313824974"/>
+                    </a:ext>
+                  </a:extLst>
+                </a:gridCol>
+                <a:gridCol w="560138">
+                  <a:extLst>
+                    <a:ext uri="{9D8B030D-6E8A-4147-A177-3AD203B41FA5}">
+                      <a16:colId xmlns:a16="http://schemas.microsoft.com/office/drawing/2014/main" val="2218882774"/>
+                    </a:ext>
+                  </a:extLst>
+                </a:gridCol>
+              </a:tblGrid>
+              <a:tr h="175044">
+                <a:tc>
+                  <a:txBody>
+                    <a:bodyPr/>
+                    <a:lstStyle/>
+                    <a:p>
+                      <a:pPr algn="l" fontAlgn="b"/>
+                      <a:r>
+                        <a:rPr lang="en-US" sz="1100" b="1" i="0" u="none" strike="noStrike">
+                          <a:solidFill>
+                            <a:srgbClr val="000000"/>
+                          </a:solidFill>
+                          <a:effectLst/>
+                          <a:latin typeface="Calibri" panose="020F0502020204030204" pitchFamily="34" charset="0"/>
+                        </a:rPr>
+                        <a:t>Label</a:t>
+                      </a:r>
+                    </a:p>
+                  </a:txBody>
+                  <a:tcPr marL="9525" marR="9525" marT="9525" marB="0" anchor="b">
+                    <a:lnT w="3175" cap="flat" cmpd="sng" algn="ctr">
+                      <a:solidFill>
+                        <a:schemeClr val="tx1"/>
+                      </a:solidFill>
+                      <a:prstDash val="solid"/>
+                      <a:round/>
+                      <a:headEnd type="none" w="med" len="med"/>
+                      <a:tailEnd type="none" w="med" len="med"/>
+                    </a:lnT>
+                    <a:lnB w="3175" cap="flat" cmpd="sng" algn="ctr">
+                      <a:solidFill>
+                        <a:schemeClr val="tx1"/>
+                      </a:solidFill>
+                      <a:prstDash val="solid"/>
+                      <a:round/>
+                      <a:headEnd type="none" w="med" len="med"/>
+                      <a:tailEnd type="none" w="med" len="med"/>
+                    </a:lnB>
+                  </a:tcPr>
+                </a:tc>
+                <a:tc>
+                  <a:txBody>
+                    <a:bodyPr/>
+                    <a:lstStyle/>
+                    <a:p>
+                      <a:pPr algn="l" fontAlgn="b"/>
+                      <a:r>
+                        <a:rPr lang="en-US" sz="1100" b="1" i="0" u="none" strike="noStrike">
+                          <a:solidFill>
+                            <a:srgbClr val="000000"/>
+                          </a:solidFill>
+                          <a:effectLst/>
+                          <a:latin typeface="Calibri" panose="020F0502020204030204" pitchFamily="34" charset="0"/>
+                        </a:rPr>
+                        <a:t>Area</a:t>
+                      </a:r>
+                    </a:p>
+                  </a:txBody>
+                  <a:tcPr marL="9525" marR="9525" marT="9525" marB="0" anchor="b">
+                    <a:lnT w="3175" cap="flat" cmpd="sng" algn="ctr">
+                      <a:solidFill>
+                        <a:schemeClr val="tx1"/>
+                      </a:solidFill>
+                      <a:prstDash val="solid"/>
+                      <a:round/>
+                      <a:headEnd type="none" w="med" len="med"/>
+                      <a:tailEnd type="none" w="med" len="med"/>
+                    </a:lnT>
+                    <a:lnB w="3175" cap="flat" cmpd="sng" algn="ctr">
+                      <a:solidFill>
+                        <a:schemeClr val="tx1"/>
+                      </a:solidFill>
+                      <a:prstDash val="solid"/>
+                      <a:round/>
+                      <a:headEnd type="none" w="med" len="med"/>
+                      <a:tailEnd type="none" w="med" len="med"/>
+                    </a:lnB>
+                  </a:tcPr>
+                </a:tc>
+                <a:tc>
+                  <a:txBody>
+                    <a:bodyPr/>
+                    <a:lstStyle/>
+                    <a:p>
+                      <a:pPr algn="l" fontAlgn="b"/>
+                      <a:r>
+                        <a:rPr lang="en-US" sz="1100" b="1" i="0" u="none" strike="noStrike">
+                          <a:solidFill>
+                            <a:srgbClr val="000000"/>
+                          </a:solidFill>
+                          <a:effectLst/>
+                          <a:latin typeface="Calibri" panose="020F0502020204030204" pitchFamily="34" charset="0"/>
+                        </a:rPr>
+                        <a:t>Perim.</a:t>
+                      </a:r>
+                    </a:p>
+                  </a:txBody>
+                  <a:tcPr marL="9525" marR="9525" marT="9525" marB="0" anchor="b">
+                    <a:lnT w="3175" cap="flat" cmpd="sng" algn="ctr">
+                      <a:solidFill>
+                        <a:schemeClr val="tx1"/>
+                      </a:solidFill>
+                      <a:prstDash val="solid"/>
+                      <a:round/>
+                      <a:headEnd type="none" w="med" len="med"/>
+                      <a:tailEnd type="none" w="med" len="med"/>
+                    </a:lnT>
+                    <a:lnB w="3175" cap="flat" cmpd="sng" algn="ctr">
+                      <a:solidFill>
+                        <a:schemeClr val="tx1"/>
+                      </a:solidFill>
+                      <a:prstDash val="solid"/>
+                      <a:round/>
+                      <a:headEnd type="none" w="med" len="med"/>
+                      <a:tailEnd type="none" w="med" len="med"/>
+                    </a:lnB>
+                  </a:tcPr>
+                </a:tc>
+                <a:tc>
+                  <a:txBody>
+                    <a:bodyPr/>
+                    <a:lstStyle/>
+                    <a:p>
+                      <a:pPr algn="l" fontAlgn="b"/>
+                      <a:r>
+                        <a:rPr lang="en-US" sz="1100" b="1" i="0" u="none" strike="noStrike">
+                          <a:solidFill>
+                            <a:srgbClr val="000000"/>
+                          </a:solidFill>
+                          <a:effectLst/>
+                          <a:latin typeface="Calibri" panose="020F0502020204030204" pitchFamily="34" charset="0"/>
+                        </a:rPr>
+                        <a:t>X</a:t>
+                      </a:r>
+                    </a:p>
+                  </a:txBody>
+                  <a:tcPr marL="9525" marR="9525" marT="9525" marB="0" anchor="b">
+                    <a:lnT w="3175" cap="flat" cmpd="sng" algn="ctr">
+                      <a:solidFill>
+                        <a:schemeClr val="tx1"/>
+                      </a:solidFill>
+                      <a:prstDash val="solid"/>
+                      <a:round/>
+                      <a:headEnd type="none" w="med" len="med"/>
+                      <a:tailEnd type="none" w="med" len="med"/>
+                    </a:lnT>
+                    <a:lnB w="3175" cap="flat" cmpd="sng" algn="ctr">
+                      <a:solidFill>
+                        <a:schemeClr val="tx1"/>
+                      </a:solidFill>
+                      <a:prstDash val="solid"/>
+                      <a:round/>
+                      <a:headEnd type="none" w="med" len="med"/>
+                      <a:tailEnd type="none" w="med" len="med"/>
+                    </a:lnB>
+                  </a:tcPr>
+                </a:tc>
+                <a:tc>
+                  <a:txBody>
+                    <a:bodyPr/>
+                    <a:lstStyle/>
+                    <a:p>
+                      <a:pPr algn="l" fontAlgn="b"/>
+                      <a:r>
+                        <a:rPr lang="en-US" sz="1100" b="1" i="0" u="none" strike="noStrike">
+                          <a:solidFill>
+                            <a:srgbClr val="000000"/>
+                          </a:solidFill>
+                          <a:effectLst/>
+                          <a:latin typeface="Calibri" panose="020F0502020204030204" pitchFamily="34" charset="0"/>
+                        </a:rPr>
+                        <a:t>Y</a:t>
+                      </a:r>
+                    </a:p>
+                  </a:txBody>
+                  <a:tcPr marL="9525" marR="9525" marT="9525" marB="0" anchor="b">
+                    <a:lnT w="3175" cap="flat" cmpd="sng" algn="ctr">
+                      <a:solidFill>
+                        <a:schemeClr val="tx1"/>
+                      </a:solidFill>
+                      <a:prstDash val="solid"/>
+                      <a:round/>
+                      <a:headEnd type="none" w="med" len="med"/>
+                      <a:tailEnd type="none" w="med" len="med"/>
+                    </a:lnT>
+                    <a:lnB w="3175" cap="flat" cmpd="sng" algn="ctr">
+                      <a:solidFill>
+                        <a:schemeClr val="tx1"/>
+                      </a:solidFill>
+                      <a:prstDash val="solid"/>
+                      <a:round/>
+                      <a:headEnd type="none" w="med" len="med"/>
+                      <a:tailEnd type="none" w="med" len="med"/>
+                    </a:lnB>
+                  </a:tcPr>
+                </a:tc>
+                <a:extLst>
+                  <a:ext uri="{0D108BD9-81ED-4DB2-BD59-A6C34878D82A}">
+                    <a16:rowId xmlns:a16="http://schemas.microsoft.com/office/drawing/2014/main" val="2704985016"/>
+                  </a:ext>
+                </a:extLst>
+              </a:tr>
+              <a:tr h="175044">
+                <a:tc>
+                  <a:txBody>
+                    <a:bodyPr/>
+                    <a:lstStyle/>
+                    <a:p>
+                      <a:pPr algn="r" fontAlgn="b"/>
+                      <a:r>
+                        <a:rPr lang="en-US" sz="1100" b="0" i="0" u="none" strike="noStrike">
+                          <a:solidFill>
+                            <a:srgbClr val="000000"/>
+                          </a:solidFill>
+                          <a:effectLst/>
+                          <a:latin typeface="Calibri" panose="020F0502020204030204" pitchFamily="34" charset="0"/>
+                        </a:rPr>
+                        <a:t>1</a:t>
+                      </a:r>
+                    </a:p>
+                  </a:txBody>
+                  <a:tcPr marL="9525" marR="9525" marT="9525" marB="0" anchor="b">
+                    <a:lnT w="3175" cap="flat" cmpd="sng" algn="ctr">
+                      <a:solidFill>
+                        <a:schemeClr val="tx1"/>
+                      </a:solidFill>
+                      <a:prstDash val="solid"/>
+                      <a:round/>
+                      <a:headEnd type="none" w="med" len="med"/>
+                      <a:tailEnd type="none" w="med" len="med"/>
+                    </a:lnT>
+                  </a:tcPr>
+                </a:tc>
+                <a:tc>
+                  <a:txBody>
+                    <a:bodyPr/>
+                    <a:lstStyle/>
+                    <a:p>
+                      <a:pPr algn="r" fontAlgn="b"/>
+                      <a:r>
+                        <a:rPr lang="en-US" sz="1100" b="0" i="0" u="none" strike="noStrike">
+                          <a:solidFill>
+                            <a:srgbClr val="000000"/>
+                          </a:solidFill>
+                          <a:effectLst/>
+                          <a:latin typeface="Calibri" panose="020F0502020204030204" pitchFamily="34" charset="0"/>
+                        </a:rPr>
+                        <a:t>865</a:t>
+                      </a:r>
+                    </a:p>
+                  </a:txBody>
+                  <a:tcPr marL="9525" marR="9525" marT="9525" marB="0" anchor="b">
+                    <a:lnT w="3175" cap="flat" cmpd="sng" algn="ctr">
+                      <a:solidFill>
+                        <a:schemeClr val="tx1"/>
+                      </a:solidFill>
+                      <a:prstDash val="solid"/>
+                      <a:round/>
+                      <a:headEnd type="none" w="med" len="med"/>
+                      <a:tailEnd type="none" w="med" len="med"/>
+                    </a:lnT>
+                  </a:tcPr>
+                </a:tc>
+                <a:tc>
+                  <a:txBody>
+                    <a:bodyPr/>
+                    <a:lstStyle/>
+                    <a:p>
+                      <a:pPr algn="r" fontAlgn="b"/>
+                      <a:r>
+                        <a:rPr lang="en-US" sz="1100" b="0" i="0" u="none" strike="noStrike">
+                          <a:solidFill>
+                            <a:srgbClr val="000000"/>
+                          </a:solidFill>
+                          <a:effectLst/>
+                          <a:latin typeface="Calibri" panose="020F0502020204030204" pitchFamily="34" charset="0"/>
+                        </a:rPr>
+                        <a:t>118.326</a:t>
+                      </a:r>
+                    </a:p>
+                  </a:txBody>
+                  <a:tcPr marL="9525" marR="9525" marT="9525" marB="0" anchor="b">
+                    <a:lnT w="3175" cap="flat" cmpd="sng" algn="ctr">
+                      <a:solidFill>
+                        <a:schemeClr val="tx1"/>
+                      </a:solidFill>
+                      <a:prstDash val="solid"/>
+                      <a:round/>
+                      <a:headEnd type="none" w="med" len="med"/>
+                      <a:tailEnd type="none" w="med" len="med"/>
+                    </a:lnT>
+                  </a:tcPr>
+                </a:tc>
+                <a:tc>
+                  <a:txBody>
+                    <a:bodyPr/>
+                    <a:lstStyle/>
+                    <a:p>
+                      <a:pPr algn="r" fontAlgn="b"/>
+                      <a:r>
+                        <a:rPr lang="en-US" sz="1100" b="0" i="0" u="none" strike="noStrike">
+                          <a:solidFill>
+                            <a:srgbClr val="000000"/>
+                          </a:solidFill>
+                          <a:effectLst/>
+                          <a:latin typeface="Calibri" panose="020F0502020204030204" pitchFamily="34" charset="0"/>
+                        </a:rPr>
+                        <a:t>128.923</a:t>
+                      </a:r>
+                    </a:p>
+                  </a:txBody>
+                  <a:tcPr marL="9525" marR="9525" marT="9525" marB="0" anchor="b">
+                    <a:lnT w="3175" cap="flat" cmpd="sng" algn="ctr">
+                      <a:solidFill>
+                        <a:schemeClr val="tx1"/>
+                      </a:solidFill>
+                      <a:prstDash val="solid"/>
+                      <a:round/>
+                      <a:headEnd type="none" w="med" len="med"/>
+                      <a:tailEnd type="none" w="med" len="med"/>
+                    </a:lnT>
+                  </a:tcPr>
+                </a:tc>
+                <a:tc>
+                  <a:txBody>
+                    <a:bodyPr/>
+                    <a:lstStyle/>
+                    <a:p>
+                      <a:pPr algn="r" fontAlgn="b"/>
+                      <a:r>
+                        <a:rPr lang="en-US" sz="1100" b="0" i="0" u="none" strike="noStrike">
+                          <a:solidFill>
+                            <a:srgbClr val="000000"/>
+                          </a:solidFill>
+                          <a:effectLst/>
+                          <a:latin typeface="Calibri" panose="020F0502020204030204" pitchFamily="34" charset="0"/>
+                        </a:rPr>
+                        <a:t>44.272</a:t>
+                      </a:r>
+                    </a:p>
+                  </a:txBody>
+                  <a:tcPr marL="9525" marR="9525" marT="9525" marB="0" anchor="b">
+                    <a:lnT w="3175" cap="flat" cmpd="sng" algn="ctr">
+                      <a:solidFill>
+                        <a:schemeClr val="tx1"/>
+                      </a:solidFill>
+                      <a:prstDash val="solid"/>
+                      <a:round/>
+                      <a:headEnd type="none" w="med" len="med"/>
+                      <a:tailEnd type="none" w="med" len="med"/>
+                    </a:lnT>
+                  </a:tcPr>
+                </a:tc>
+                <a:extLst>
+                  <a:ext uri="{0D108BD9-81ED-4DB2-BD59-A6C34878D82A}">
+                    <a16:rowId xmlns:a16="http://schemas.microsoft.com/office/drawing/2014/main" val="2738829116"/>
+                  </a:ext>
+                </a:extLst>
+              </a:tr>
+              <a:tr h="175044">
+                <a:tc>
+                  <a:txBody>
+                    <a:bodyPr/>
+                    <a:lstStyle/>
+                    <a:p>
+                      <a:pPr algn="r" fontAlgn="b"/>
+                      <a:r>
+                        <a:rPr lang="en-US" sz="1100" b="0" i="0" u="none" strike="noStrike">
+                          <a:solidFill>
+                            <a:srgbClr val="000000"/>
+                          </a:solidFill>
+                          <a:effectLst/>
+                          <a:latin typeface="Calibri" panose="020F0502020204030204" pitchFamily="34" charset="0"/>
+                        </a:rPr>
+                        <a:t>2</a:t>
+                      </a:r>
+                    </a:p>
+                  </a:txBody>
+                  <a:tcPr marL="9525" marR="9525" marT="9525" marB="0" anchor="b"/>
+                </a:tc>
+                <a:tc>
+                  <a:txBody>
+                    <a:bodyPr/>
+                    <a:lstStyle/>
+                    <a:p>
+                      <a:pPr algn="r" fontAlgn="b"/>
+                      <a:r>
+                        <a:rPr lang="en-US" sz="1100" b="0" i="0" u="none" strike="noStrike">
+                          <a:solidFill>
+                            <a:srgbClr val="000000"/>
+                          </a:solidFill>
+                          <a:effectLst/>
+                          <a:latin typeface="Calibri" panose="020F0502020204030204" pitchFamily="34" charset="0"/>
+                        </a:rPr>
+                        <a:t>793</a:t>
+                      </a:r>
+                    </a:p>
+                  </a:txBody>
+                  <a:tcPr marL="9525" marR="9525" marT="9525" marB="0" anchor="b"/>
+                </a:tc>
+                <a:tc>
+                  <a:txBody>
+                    <a:bodyPr/>
+                    <a:lstStyle/>
+                    <a:p>
+                      <a:pPr algn="r" fontAlgn="b"/>
+                      <a:r>
+                        <a:rPr lang="en-US" sz="1100" b="0" i="0" u="none" strike="noStrike">
+                          <a:solidFill>
+                            <a:srgbClr val="000000"/>
+                          </a:solidFill>
+                          <a:effectLst/>
+                          <a:latin typeface="Calibri" panose="020F0502020204030204" pitchFamily="34" charset="0"/>
+                        </a:rPr>
+                        <a:t>116.811</a:t>
+                      </a:r>
+                    </a:p>
+                  </a:txBody>
+                  <a:tcPr marL="9525" marR="9525" marT="9525" marB="0" anchor="b"/>
+                </a:tc>
+                <a:tc>
+                  <a:txBody>
+                    <a:bodyPr/>
+                    <a:lstStyle/>
+                    <a:p>
+                      <a:pPr algn="r" fontAlgn="b"/>
+                      <a:r>
+                        <a:rPr lang="en-US" sz="1100" b="0" i="0" u="none" strike="noStrike">
+                          <a:solidFill>
+                            <a:srgbClr val="000000"/>
+                          </a:solidFill>
+                          <a:effectLst/>
+                          <a:latin typeface="Calibri" panose="020F0502020204030204" pitchFamily="34" charset="0"/>
+                        </a:rPr>
+                        <a:t>53.4</a:t>
+                      </a:r>
+                    </a:p>
+                  </a:txBody>
+                  <a:tcPr marL="9525" marR="9525" marT="9525" marB="0" anchor="b"/>
+                </a:tc>
+                <a:tc>
+                  <a:txBody>
+                    <a:bodyPr/>
+                    <a:lstStyle/>
+                    <a:p>
+                      <a:pPr algn="r" fontAlgn="b"/>
+                      <a:r>
+                        <a:rPr lang="en-US" sz="1100" b="0" i="0" u="none" strike="noStrike">
+                          <a:solidFill>
+                            <a:srgbClr val="000000"/>
+                          </a:solidFill>
+                          <a:effectLst/>
+                          <a:latin typeface="Calibri" panose="020F0502020204030204" pitchFamily="34" charset="0"/>
+                        </a:rPr>
+                        <a:t>42.165</a:t>
+                      </a:r>
+                    </a:p>
+                  </a:txBody>
+                  <a:tcPr marL="9525" marR="9525" marT="9525" marB="0" anchor="b"/>
+                </a:tc>
+                <a:extLst>
+                  <a:ext uri="{0D108BD9-81ED-4DB2-BD59-A6C34878D82A}">
+                    <a16:rowId xmlns:a16="http://schemas.microsoft.com/office/drawing/2014/main" val="298208192"/>
+                  </a:ext>
+                </a:extLst>
+              </a:tr>
+              <a:tr h="175044">
+                <a:tc>
+                  <a:txBody>
+                    <a:bodyPr/>
+                    <a:lstStyle/>
+                    <a:p>
+                      <a:pPr algn="r" fontAlgn="b"/>
+                      <a:r>
+                        <a:rPr lang="en-US" sz="1100" b="0" i="0" u="none" strike="noStrike">
+                          <a:solidFill>
+                            <a:srgbClr val="000000"/>
+                          </a:solidFill>
+                          <a:effectLst/>
+                          <a:latin typeface="Calibri" panose="020F0502020204030204" pitchFamily="34" charset="0"/>
+                        </a:rPr>
+                        <a:t>3</a:t>
+                      </a:r>
+                    </a:p>
+                  </a:txBody>
+                  <a:tcPr marL="9525" marR="9525" marT="9525" marB="0" anchor="b"/>
+                </a:tc>
+                <a:tc>
+                  <a:txBody>
+                    <a:bodyPr/>
+                    <a:lstStyle/>
+                    <a:p>
+                      <a:pPr algn="r" fontAlgn="b"/>
+                      <a:r>
+                        <a:rPr lang="en-US" sz="1100" b="0" i="0" u="none" strike="noStrike">
+                          <a:solidFill>
+                            <a:srgbClr val="000000"/>
+                          </a:solidFill>
+                          <a:effectLst/>
+                          <a:latin typeface="Calibri" panose="020F0502020204030204" pitchFamily="34" charset="0"/>
+                        </a:rPr>
+                        <a:t>737</a:t>
+                      </a:r>
+                    </a:p>
+                  </a:txBody>
+                  <a:tcPr marL="9525" marR="9525" marT="9525" marB="0" anchor="b"/>
+                </a:tc>
+                <a:tc>
+                  <a:txBody>
+                    <a:bodyPr/>
+                    <a:lstStyle/>
+                    <a:p>
+                      <a:pPr algn="r" fontAlgn="b"/>
+                      <a:r>
+                        <a:rPr lang="en-US" sz="1100" b="0" i="0" u="none" strike="noStrike">
+                          <a:solidFill>
+                            <a:srgbClr val="000000"/>
+                          </a:solidFill>
+                          <a:effectLst/>
+                          <a:latin typeface="Calibri" panose="020F0502020204030204" pitchFamily="34" charset="0"/>
+                        </a:rPr>
+                        <a:t>102.083</a:t>
+                      </a:r>
+                    </a:p>
+                  </a:txBody>
+                  <a:tcPr marL="9525" marR="9525" marT="9525" marB="0" anchor="b"/>
+                </a:tc>
+                <a:tc>
+                  <a:txBody>
+                    <a:bodyPr/>
+                    <a:lstStyle/>
+                    <a:p>
+                      <a:pPr algn="r" fontAlgn="b"/>
+                      <a:r>
+                        <a:rPr lang="en-US" sz="1100" b="0" i="0" u="none" strike="noStrike">
+                          <a:solidFill>
+                            <a:srgbClr val="000000"/>
+                          </a:solidFill>
+                          <a:effectLst/>
+                          <a:latin typeface="Calibri" panose="020F0502020204030204" pitchFamily="34" charset="0"/>
+                        </a:rPr>
+                        <a:t>54.219</a:t>
+                      </a:r>
+                    </a:p>
+                  </a:txBody>
+                  <a:tcPr marL="9525" marR="9525" marT="9525" marB="0" anchor="b"/>
+                </a:tc>
+                <a:tc>
+                  <a:txBody>
+                    <a:bodyPr/>
+                    <a:lstStyle/>
+                    <a:p>
+                      <a:pPr algn="r" fontAlgn="b"/>
+                      <a:r>
+                        <a:rPr lang="en-US" sz="1100" b="0" i="0" u="none" strike="noStrike">
+                          <a:solidFill>
+                            <a:srgbClr val="000000"/>
+                          </a:solidFill>
+                          <a:effectLst/>
+                          <a:latin typeface="Calibri" panose="020F0502020204030204" pitchFamily="34" charset="0"/>
+                        </a:rPr>
+                        <a:t>92.591</a:t>
+                      </a:r>
+                    </a:p>
+                  </a:txBody>
+                  <a:tcPr marL="9525" marR="9525" marT="9525" marB="0" anchor="b"/>
+                </a:tc>
+                <a:extLst>
+                  <a:ext uri="{0D108BD9-81ED-4DB2-BD59-A6C34878D82A}">
+                    <a16:rowId xmlns:a16="http://schemas.microsoft.com/office/drawing/2014/main" val="1638871936"/>
+                  </a:ext>
+                </a:extLst>
+              </a:tr>
+              <a:tr h="175044">
+                <a:tc>
+                  <a:txBody>
+                    <a:bodyPr/>
+                    <a:lstStyle/>
+                    <a:p>
+                      <a:pPr algn="r" fontAlgn="b"/>
+                      <a:r>
+                        <a:rPr lang="en-US" sz="1100" b="0" i="0" u="none" strike="noStrike">
+                          <a:solidFill>
+                            <a:srgbClr val="000000"/>
+                          </a:solidFill>
+                          <a:effectLst/>
+                          <a:latin typeface="Calibri" panose="020F0502020204030204" pitchFamily="34" charset="0"/>
+                        </a:rPr>
+                        <a:t>4</a:t>
+                      </a:r>
+                    </a:p>
+                  </a:txBody>
+                  <a:tcPr marL="9525" marR="9525" marT="9525" marB="0" anchor="b"/>
+                </a:tc>
+                <a:tc>
+                  <a:txBody>
+                    <a:bodyPr/>
+                    <a:lstStyle/>
+                    <a:p>
+                      <a:pPr algn="r" fontAlgn="b"/>
+                      <a:r>
+                        <a:rPr lang="en-US" sz="1100" b="0" i="0" u="none" strike="noStrike">
+                          <a:solidFill>
+                            <a:srgbClr val="000000"/>
+                          </a:solidFill>
+                          <a:effectLst/>
+                          <a:latin typeface="Calibri" panose="020F0502020204030204" pitchFamily="34" charset="0"/>
+                        </a:rPr>
+                        <a:t>961</a:t>
+                      </a:r>
+                    </a:p>
+                  </a:txBody>
+                  <a:tcPr marL="9525" marR="9525" marT="9525" marB="0" anchor="b"/>
+                </a:tc>
+                <a:tc>
+                  <a:txBody>
+                    <a:bodyPr/>
+                    <a:lstStyle/>
+                    <a:p>
+                      <a:pPr algn="r" fontAlgn="b"/>
+                      <a:r>
+                        <a:rPr lang="en-US" sz="1100" b="0" i="0" u="none" strike="noStrike">
+                          <a:solidFill>
+                            <a:srgbClr val="000000"/>
+                          </a:solidFill>
+                          <a:effectLst/>
+                          <a:latin typeface="Calibri" panose="020F0502020204030204" pitchFamily="34" charset="0"/>
+                        </a:rPr>
+                        <a:t>180.125</a:t>
+                      </a:r>
+                    </a:p>
+                  </a:txBody>
+                  <a:tcPr marL="9525" marR="9525" marT="9525" marB="0" anchor="b"/>
+                </a:tc>
+                <a:tc>
+                  <a:txBody>
+                    <a:bodyPr/>
+                    <a:lstStyle/>
+                    <a:p>
+                      <a:pPr algn="r" fontAlgn="b"/>
+                      <a:r>
+                        <a:rPr lang="en-US" sz="1100" b="0" i="0" u="none" strike="noStrike">
+                          <a:solidFill>
+                            <a:srgbClr val="000000"/>
+                          </a:solidFill>
+                          <a:effectLst/>
+                          <a:latin typeface="Calibri" panose="020F0502020204030204" pitchFamily="34" charset="0"/>
+                        </a:rPr>
+                        <a:t>157.198</a:t>
+                      </a:r>
+                    </a:p>
+                  </a:txBody>
+                  <a:tcPr marL="9525" marR="9525" marT="9525" marB="0" anchor="b"/>
+                </a:tc>
+                <a:tc>
+                  <a:txBody>
+                    <a:bodyPr/>
+                    <a:lstStyle/>
+                    <a:p>
+                      <a:pPr algn="r" fontAlgn="b"/>
+                      <a:r>
+                        <a:rPr lang="en-US" sz="1100" b="0" i="0" u="none" strike="noStrike">
+                          <a:solidFill>
+                            <a:srgbClr val="000000"/>
+                          </a:solidFill>
+                          <a:effectLst/>
+                          <a:latin typeface="Calibri" panose="020F0502020204030204" pitchFamily="34" charset="0"/>
+                        </a:rPr>
+                        <a:t>113.365</a:t>
+                      </a:r>
+                    </a:p>
+                  </a:txBody>
+                  <a:tcPr marL="9525" marR="9525" marT="9525" marB="0" anchor="b"/>
+                </a:tc>
+                <a:extLst>
+                  <a:ext uri="{0D108BD9-81ED-4DB2-BD59-A6C34878D82A}">
+                    <a16:rowId xmlns:a16="http://schemas.microsoft.com/office/drawing/2014/main" val="963997415"/>
+                  </a:ext>
+                </a:extLst>
+              </a:tr>
+              <a:tr h="175044">
+                <a:tc>
+                  <a:txBody>
+                    <a:bodyPr/>
+                    <a:lstStyle/>
+                    <a:p>
+                      <a:pPr algn="r" fontAlgn="b"/>
+                      <a:r>
+                        <a:rPr lang="en-US" sz="1100" b="0" i="0" u="none" strike="noStrike">
+                          <a:solidFill>
+                            <a:srgbClr val="000000"/>
+                          </a:solidFill>
+                          <a:effectLst/>
+                          <a:latin typeface="Calibri" panose="020F0502020204030204" pitchFamily="34" charset="0"/>
+                        </a:rPr>
+                        <a:t>5</a:t>
+                      </a:r>
+                    </a:p>
+                  </a:txBody>
+                  <a:tcPr marL="9525" marR="9525" marT="9525" marB="0" anchor="b">
+                    <a:lnB>
+                      <a:noFill/>
+                    </a:lnB>
+                  </a:tcPr>
+                </a:tc>
+                <a:tc>
+                  <a:txBody>
+                    <a:bodyPr/>
+                    <a:lstStyle/>
+                    <a:p>
+                      <a:pPr algn="r" fontAlgn="b"/>
+                      <a:r>
+                        <a:rPr lang="en-US" sz="1100" b="0" i="0" u="none" strike="noStrike">
+                          <a:solidFill>
+                            <a:srgbClr val="000000"/>
+                          </a:solidFill>
+                          <a:effectLst/>
+                          <a:latin typeface="Calibri" panose="020F0502020204030204" pitchFamily="34" charset="0"/>
+                        </a:rPr>
+                        <a:t>402</a:t>
+                      </a:r>
+                    </a:p>
+                  </a:txBody>
+                  <a:tcPr marL="9525" marR="9525" marT="9525" marB="0" anchor="b">
+                    <a:lnB>
+                      <a:noFill/>
+                    </a:lnB>
+                  </a:tcPr>
+                </a:tc>
+                <a:tc>
+                  <a:txBody>
+                    <a:bodyPr/>
+                    <a:lstStyle/>
+                    <a:p>
+                      <a:pPr algn="r" fontAlgn="b"/>
+                      <a:r>
+                        <a:rPr lang="en-US" sz="1100" b="0" i="0" u="none" strike="noStrike">
+                          <a:solidFill>
+                            <a:srgbClr val="000000"/>
+                          </a:solidFill>
+                          <a:effectLst/>
+                          <a:latin typeface="Calibri" panose="020F0502020204030204" pitchFamily="34" charset="0"/>
+                        </a:rPr>
+                        <a:t>91.74</a:t>
+                      </a:r>
+                    </a:p>
+                  </a:txBody>
+                  <a:tcPr marL="9525" marR="9525" marT="9525" marB="0" anchor="b">
+                    <a:lnB>
+                      <a:noFill/>
+                    </a:lnB>
+                  </a:tcPr>
+                </a:tc>
+                <a:tc>
+                  <a:txBody>
+                    <a:bodyPr/>
+                    <a:lstStyle/>
+                    <a:p>
+                      <a:pPr algn="r" fontAlgn="b"/>
+                      <a:r>
+                        <a:rPr lang="en-US" sz="1100" b="0" i="0" u="none" strike="noStrike">
+                          <a:solidFill>
+                            <a:srgbClr val="000000"/>
+                          </a:solidFill>
+                          <a:effectLst/>
+                          <a:latin typeface="Calibri" panose="020F0502020204030204" pitchFamily="34" charset="0"/>
+                        </a:rPr>
+                        <a:t>95.754</a:t>
+                      </a:r>
+                    </a:p>
+                  </a:txBody>
+                  <a:tcPr marL="9525" marR="9525" marT="9525" marB="0" anchor="b">
+                    <a:lnB>
+                      <a:noFill/>
+                    </a:lnB>
+                  </a:tcPr>
+                </a:tc>
+                <a:tc>
+                  <a:txBody>
+                    <a:bodyPr/>
+                    <a:lstStyle/>
+                    <a:p>
+                      <a:pPr algn="r" fontAlgn="b"/>
+                      <a:r>
+                        <a:rPr lang="en-US" sz="1100" b="0" i="0" u="none" strike="noStrike">
+                          <a:solidFill>
+                            <a:srgbClr val="000000"/>
+                          </a:solidFill>
+                          <a:effectLst/>
+                          <a:latin typeface="Calibri" panose="020F0502020204030204" pitchFamily="34" charset="0"/>
+                        </a:rPr>
+                        <a:t>138.192</a:t>
+                      </a:r>
+                    </a:p>
+                  </a:txBody>
+                  <a:tcPr marL="9525" marR="9525" marT="9525" marB="0" anchor="b">
+                    <a:lnB>
+                      <a:noFill/>
+                    </a:lnB>
+                  </a:tcPr>
+                </a:tc>
+                <a:extLst>
+                  <a:ext uri="{0D108BD9-81ED-4DB2-BD59-A6C34878D82A}">
+                    <a16:rowId xmlns:a16="http://schemas.microsoft.com/office/drawing/2014/main" val="3326698686"/>
+                  </a:ext>
+                </a:extLst>
+              </a:tr>
+              <a:tr h="175044">
+                <a:tc>
+                  <a:txBody>
+                    <a:bodyPr/>
+                    <a:lstStyle/>
+                    <a:p>
+                      <a:pPr algn="r" fontAlgn="b"/>
+                      <a:r>
+                        <a:rPr lang="en-US" sz="1100" b="0" i="0" u="none" strike="noStrike">
+                          <a:solidFill>
+                            <a:srgbClr val="000000"/>
+                          </a:solidFill>
+                          <a:effectLst/>
+                          <a:latin typeface="Calibri" panose="020F0502020204030204" pitchFamily="34" charset="0"/>
+                        </a:rPr>
+                        <a:t>6</a:t>
+                      </a:r>
+                    </a:p>
+                  </a:txBody>
+                  <a:tcPr marL="9525" marR="9525" marT="9525" marB="0" anchor="b">
+                    <a:lnL>
+                      <a:noFill/>
+                    </a:lnL>
+                    <a:lnR>
+                      <a:noFill/>
+                    </a:lnR>
+                    <a:lnT>
+                      <a:noFill/>
+                    </a:lnT>
+                    <a:lnB w="12700" cmpd="sng">
+                      <a:noFill/>
+                    </a:lnB>
+                    <a:lnTlToBr w="12700" cmpd="sng">
+                      <a:noFill/>
+                      <a:prstDash val="solid"/>
+                    </a:lnTlToBr>
+                    <a:lnBlToTr w="12700" cmpd="sng">
+                      <a:noFill/>
+                      <a:prstDash val="solid"/>
+                    </a:lnBlToTr>
+                  </a:tcPr>
+                </a:tc>
+                <a:tc>
+                  <a:txBody>
+                    <a:bodyPr/>
+                    <a:lstStyle/>
+                    <a:p>
+                      <a:pPr algn="r" fontAlgn="b"/>
+                      <a:r>
+                        <a:rPr lang="en-US" sz="1100" b="0" i="0" u="none" strike="noStrike">
+                          <a:solidFill>
+                            <a:srgbClr val="000000"/>
+                          </a:solidFill>
+                          <a:effectLst/>
+                          <a:latin typeface="Calibri" panose="020F0502020204030204" pitchFamily="34" charset="0"/>
+                        </a:rPr>
+                        <a:t>778</a:t>
+                      </a:r>
+                    </a:p>
+                  </a:txBody>
+                  <a:tcPr marL="9525" marR="9525" marT="9525" marB="0" anchor="b">
+                    <a:lnL>
+                      <a:noFill/>
+                    </a:lnL>
+                    <a:lnR>
+                      <a:noFill/>
+                    </a:lnR>
+                    <a:lnT>
+                      <a:noFill/>
+                    </a:lnT>
+                    <a:lnB w="12700" cmpd="sng">
+                      <a:noFill/>
+                    </a:lnB>
+                    <a:lnTlToBr w="12700" cmpd="sng">
+                      <a:noFill/>
+                      <a:prstDash val="solid"/>
+                    </a:lnTlToBr>
+                    <a:lnBlToTr w="12700" cmpd="sng">
+                      <a:noFill/>
+                      <a:prstDash val="solid"/>
+                    </a:lnBlToTr>
+                  </a:tcPr>
+                </a:tc>
+                <a:tc>
+                  <a:txBody>
+                    <a:bodyPr/>
+                    <a:lstStyle/>
+                    <a:p>
+                      <a:pPr algn="r" fontAlgn="b"/>
+                      <a:r>
+                        <a:rPr lang="en-US" sz="1100" b="0" i="0" u="none" strike="noStrike">
+                          <a:solidFill>
+                            <a:srgbClr val="000000"/>
+                          </a:solidFill>
+                          <a:effectLst/>
+                          <a:latin typeface="Calibri" panose="020F0502020204030204" pitchFamily="34" charset="0"/>
+                        </a:rPr>
+                        <a:t>142.267</a:t>
+                      </a:r>
+                    </a:p>
+                  </a:txBody>
+                  <a:tcPr marL="9525" marR="9525" marT="9525" marB="0" anchor="b">
+                    <a:lnL>
+                      <a:noFill/>
+                    </a:lnL>
+                    <a:lnR>
+                      <a:noFill/>
+                    </a:lnR>
+                    <a:lnT>
+                      <a:noFill/>
+                    </a:lnT>
+                    <a:lnB w="12700" cmpd="sng">
+                      <a:noFill/>
+                    </a:lnB>
+                    <a:lnTlToBr w="12700" cmpd="sng">
+                      <a:noFill/>
+                      <a:prstDash val="solid"/>
+                    </a:lnTlToBr>
+                    <a:lnBlToTr w="12700" cmpd="sng">
+                      <a:noFill/>
+                      <a:prstDash val="solid"/>
+                    </a:lnBlToTr>
+                  </a:tcPr>
+                </a:tc>
+                <a:tc>
+                  <a:txBody>
+                    <a:bodyPr/>
+                    <a:lstStyle/>
+                    <a:p>
+                      <a:pPr algn="r" fontAlgn="b"/>
+                      <a:r>
+                        <a:rPr lang="en-US" sz="1100" b="0" i="0" u="none" strike="noStrike" dirty="0">
+                          <a:solidFill>
+                            <a:srgbClr val="000000"/>
+                          </a:solidFill>
+                          <a:effectLst/>
+                          <a:latin typeface="Calibri" panose="020F0502020204030204" pitchFamily="34" charset="0"/>
+                        </a:rPr>
+                        <a:t>41.621</a:t>
+                      </a:r>
+                    </a:p>
+                  </a:txBody>
+                  <a:tcPr marL="9525" marR="9525" marT="9525" marB="0" anchor="b">
+                    <a:lnL>
+                      <a:noFill/>
+                    </a:lnL>
+                    <a:lnR>
+                      <a:noFill/>
+                    </a:lnR>
+                    <a:lnT>
+                      <a:noFill/>
+                    </a:lnT>
+                    <a:lnB w="12700" cmpd="sng">
+                      <a:noFill/>
+                    </a:lnB>
+                    <a:lnTlToBr w="12700" cmpd="sng">
+                      <a:noFill/>
+                      <a:prstDash val="solid"/>
+                    </a:lnTlToBr>
+                    <a:lnBlToTr w="12700" cmpd="sng">
+                      <a:noFill/>
+                      <a:prstDash val="solid"/>
+                    </a:lnBlToTr>
+                  </a:tcPr>
+                </a:tc>
+                <a:tc>
+                  <a:txBody>
+                    <a:bodyPr/>
+                    <a:lstStyle/>
+                    <a:p>
+                      <a:pPr algn="r" fontAlgn="b"/>
+                      <a:r>
+                        <a:rPr lang="en-US" sz="1100" b="0" i="0" u="none" strike="noStrike" dirty="0">
+                          <a:solidFill>
+                            <a:srgbClr val="000000"/>
+                          </a:solidFill>
+                          <a:effectLst/>
+                          <a:latin typeface="Calibri" panose="020F0502020204030204" pitchFamily="34" charset="0"/>
+                        </a:rPr>
+                        <a:t>169.522</a:t>
+                      </a:r>
+                    </a:p>
+                  </a:txBody>
+                  <a:tcPr marL="9525" marR="9525" marT="9525" marB="0" anchor="b">
+                    <a:lnL>
+                      <a:noFill/>
+                    </a:lnL>
+                    <a:lnR>
+                      <a:noFill/>
+                    </a:lnR>
+                    <a:lnT>
+                      <a:noFill/>
+                    </a:lnT>
+                    <a:lnB w="12700" cmpd="sng">
+                      <a:noFill/>
+                    </a:lnB>
+                    <a:lnTlToBr w="12700" cmpd="sng">
+                      <a:noFill/>
+                      <a:prstDash val="solid"/>
+                    </a:lnTlToBr>
+                    <a:lnBlToTr w="12700" cmpd="sng">
+                      <a:noFill/>
+                      <a:prstDash val="solid"/>
+                    </a:lnBlToTr>
+                  </a:tcPr>
+                </a:tc>
+                <a:extLst>
+                  <a:ext uri="{0D108BD9-81ED-4DB2-BD59-A6C34878D82A}">
+                    <a16:rowId xmlns:a16="http://schemas.microsoft.com/office/drawing/2014/main" val="3930783488"/>
+                  </a:ext>
+                </a:extLst>
+              </a:tr>
+            </a:tbl>
+          </a:graphicData>
+        </a:graphic>
+      </p:graphicFrame>
+      <p:graphicFrame>
+        <p:nvGraphicFramePr>
+          <p:cNvPr id="10" name="Table 9"/>
+          <p:cNvGraphicFramePr>
+            <a:graphicFrameLocks noGrp="1"/>
+          </p:cNvGraphicFramePr>
+          <p:nvPr>
+            <p:extLst>
+              <p:ext uri="{D42A27DB-BD31-4B8C-83A1-F6EECF244321}">
+                <p14:modId xmlns:p14="http://schemas.microsoft.com/office/powerpoint/2010/main" val="1944288347"/>
+              </p:ext>
+            </p:extLst>
+          </p:nvPr>
+        </p:nvGraphicFramePr>
+        <p:xfrm>
+          <a:off x="8264253" y="1906021"/>
+          <a:ext cx="2180365" cy="1225308"/>
+        </p:xfrm>
+        <a:graphic>
+          <a:graphicData uri="http://schemas.openxmlformats.org/drawingml/2006/table">
+            <a:tbl>
+              <a:tblPr>
+                <a:tableStyleId>{2D5ABB26-0587-4C30-8999-92F81FD0307C}</a:tableStyleId>
+              </a:tblPr>
+              <a:tblGrid>
+                <a:gridCol w="436073">
+                  <a:extLst>
+                    <a:ext uri="{9D8B030D-6E8A-4147-A177-3AD203B41FA5}">
+                      <a16:colId xmlns:a16="http://schemas.microsoft.com/office/drawing/2014/main" val="1289619641"/>
+                    </a:ext>
+                  </a:extLst>
+                </a:gridCol>
+                <a:gridCol w="436073">
+                  <a:extLst>
+                    <a:ext uri="{9D8B030D-6E8A-4147-A177-3AD203B41FA5}">
+                      <a16:colId xmlns:a16="http://schemas.microsoft.com/office/drawing/2014/main" val="1740638582"/>
+                    </a:ext>
+                  </a:extLst>
+                </a:gridCol>
+                <a:gridCol w="436073">
+                  <a:extLst>
+                    <a:ext uri="{9D8B030D-6E8A-4147-A177-3AD203B41FA5}">
+                      <a16:colId xmlns:a16="http://schemas.microsoft.com/office/drawing/2014/main" val="1829621421"/>
+                    </a:ext>
+                  </a:extLst>
+                </a:gridCol>
+                <a:gridCol w="436073">
+                  <a:extLst>
+                    <a:ext uri="{9D8B030D-6E8A-4147-A177-3AD203B41FA5}">
+                      <a16:colId xmlns:a16="http://schemas.microsoft.com/office/drawing/2014/main" val="2978194714"/>
+                    </a:ext>
+                  </a:extLst>
+                </a:gridCol>
+                <a:gridCol w="436073">
+                  <a:extLst>
+                    <a:ext uri="{9D8B030D-6E8A-4147-A177-3AD203B41FA5}">
+                      <a16:colId xmlns:a16="http://schemas.microsoft.com/office/drawing/2014/main" val="2415292314"/>
+                    </a:ext>
+                  </a:extLst>
+                </a:gridCol>
+              </a:tblGrid>
+              <a:tr h="175044">
+                <a:tc>
+                  <a:txBody>
+                    <a:bodyPr/>
+                    <a:lstStyle/>
+                    <a:p>
+                      <a:pPr algn="l" fontAlgn="b"/>
+                      <a:r>
+                        <a:rPr lang="en-US" sz="1000" b="1" u="none" strike="noStrike" dirty="0" smtClean="0">
+                          <a:effectLst/>
+                        </a:rPr>
+                        <a:t>ROI</a:t>
+                      </a:r>
+                      <a:endParaRPr lang="en-US" sz="1000" b="1" i="0" u="none" strike="noStrike" dirty="0">
+                        <a:solidFill>
+                          <a:srgbClr val="000000"/>
+                        </a:solidFill>
+                        <a:effectLst/>
+                        <a:latin typeface="Calibri" panose="020F0502020204030204" pitchFamily="34" charset="0"/>
+                      </a:endParaRPr>
+                    </a:p>
+                  </a:txBody>
+                  <a:tcPr marL="8752" marR="8752" marT="8752" marB="0" anchor="b">
+                    <a:lnT w="3175" cap="flat" cmpd="sng" algn="ctr">
+                      <a:solidFill>
+                        <a:schemeClr val="tx1"/>
+                      </a:solidFill>
+                      <a:prstDash val="solid"/>
+                      <a:round/>
+                      <a:headEnd type="none" w="med" len="med"/>
+                      <a:tailEnd type="none" w="med" len="med"/>
+                    </a:lnT>
+                    <a:lnB w="3175" cap="flat" cmpd="sng" algn="ctr">
+                      <a:solidFill>
+                        <a:schemeClr val="tx1"/>
+                      </a:solidFill>
+                      <a:prstDash val="solid"/>
+                      <a:round/>
+                      <a:headEnd type="none" w="med" len="med"/>
+                      <a:tailEnd type="none" w="med" len="med"/>
+                    </a:lnB>
+                  </a:tcPr>
+                </a:tc>
+                <a:tc>
+                  <a:txBody>
+                    <a:bodyPr/>
+                    <a:lstStyle/>
+                    <a:p>
+                      <a:pPr algn="l" fontAlgn="b"/>
+                      <a:r>
+                        <a:rPr lang="en-US" sz="1000" b="1" u="none" strike="noStrike" dirty="0">
+                          <a:effectLst/>
+                        </a:rPr>
+                        <a:t>X</a:t>
+                      </a:r>
+                      <a:endParaRPr lang="en-US" sz="1000" b="1" i="0" u="none" strike="noStrike" dirty="0">
+                        <a:solidFill>
+                          <a:srgbClr val="000000"/>
+                        </a:solidFill>
+                        <a:effectLst/>
+                        <a:latin typeface="Calibri" panose="020F0502020204030204" pitchFamily="34" charset="0"/>
+                      </a:endParaRPr>
+                    </a:p>
+                  </a:txBody>
+                  <a:tcPr marL="8752" marR="8752" marT="8752" marB="0" anchor="b">
+                    <a:lnT w="3175" cap="flat" cmpd="sng" algn="ctr">
+                      <a:solidFill>
+                        <a:schemeClr val="tx1"/>
+                      </a:solidFill>
+                      <a:prstDash val="solid"/>
+                      <a:round/>
+                      <a:headEnd type="none" w="med" len="med"/>
+                      <a:tailEnd type="none" w="med" len="med"/>
+                    </a:lnT>
+                    <a:lnB w="3175" cap="flat" cmpd="sng" algn="ctr">
+                      <a:solidFill>
+                        <a:schemeClr val="tx1"/>
+                      </a:solidFill>
+                      <a:prstDash val="solid"/>
+                      <a:round/>
+                      <a:headEnd type="none" w="med" len="med"/>
+                      <a:tailEnd type="none" w="med" len="med"/>
+                    </a:lnB>
+                  </a:tcPr>
+                </a:tc>
+                <a:tc>
+                  <a:txBody>
+                    <a:bodyPr/>
+                    <a:lstStyle/>
+                    <a:p>
+                      <a:pPr algn="l" fontAlgn="b"/>
+                      <a:r>
+                        <a:rPr lang="en-US" sz="1000" b="1" u="none" strike="noStrike" dirty="0">
+                          <a:effectLst/>
+                        </a:rPr>
+                        <a:t>Y</a:t>
+                      </a:r>
+                      <a:endParaRPr lang="en-US" sz="1000" b="1" i="0" u="none" strike="noStrike" dirty="0">
+                        <a:solidFill>
+                          <a:srgbClr val="000000"/>
+                        </a:solidFill>
+                        <a:effectLst/>
+                        <a:latin typeface="Calibri" panose="020F0502020204030204" pitchFamily="34" charset="0"/>
+                      </a:endParaRPr>
+                    </a:p>
+                  </a:txBody>
+                  <a:tcPr marL="8752" marR="8752" marT="8752" marB="0" anchor="b">
+                    <a:lnT w="3175" cap="flat" cmpd="sng" algn="ctr">
+                      <a:solidFill>
+                        <a:schemeClr val="tx1"/>
+                      </a:solidFill>
+                      <a:prstDash val="solid"/>
+                      <a:round/>
+                      <a:headEnd type="none" w="med" len="med"/>
+                      <a:tailEnd type="none" w="med" len="med"/>
+                    </a:lnT>
+                    <a:lnB w="3175" cap="flat" cmpd="sng" algn="ctr">
+                      <a:solidFill>
+                        <a:schemeClr val="tx1"/>
+                      </a:solidFill>
+                      <a:prstDash val="solid"/>
+                      <a:round/>
+                      <a:headEnd type="none" w="med" len="med"/>
+                      <a:tailEnd type="none" w="med" len="med"/>
+                    </a:lnB>
+                  </a:tcPr>
+                </a:tc>
+                <a:tc>
+                  <a:txBody>
+                    <a:bodyPr/>
+                    <a:lstStyle/>
+                    <a:p>
+                      <a:pPr algn="l" fontAlgn="b"/>
+                      <a:r>
+                        <a:rPr lang="en-US" sz="1000" b="1" u="none" strike="noStrike" dirty="0">
+                          <a:effectLst/>
+                        </a:rPr>
+                        <a:t>Width</a:t>
+                      </a:r>
+                      <a:endParaRPr lang="en-US" sz="1000" b="1" i="0" u="none" strike="noStrike" dirty="0">
+                        <a:solidFill>
+                          <a:srgbClr val="000000"/>
+                        </a:solidFill>
+                        <a:effectLst/>
+                        <a:latin typeface="Calibri" panose="020F0502020204030204" pitchFamily="34" charset="0"/>
+                      </a:endParaRPr>
+                    </a:p>
+                  </a:txBody>
+                  <a:tcPr marL="8752" marR="8752" marT="8752" marB="0" anchor="b">
+                    <a:lnT w="3175" cap="flat" cmpd="sng" algn="ctr">
+                      <a:solidFill>
+                        <a:schemeClr val="tx1"/>
+                      </a:solidFill>
+                      <a:prstDash val="solid"/>
+                      <a:round/>
+                      <a:headEnd type="none" w="med" len="med"/>
+                      <a:tailEnd type="none" w="med" len="med"/>
+                    </a:lnT>
+                    <a:lnB w="3175" cap="flat" cmpd="sng" algn="ctr">
+                      <a:solidFill>
+                        <a:schemeClr val="tx1"/>
+                      </a:solidFill>
+                      <a:prstDash val="solid"/>
+                      <a:round/>
+                      <a:headEnd type="none" w="med" len="med"/>
+                      <a:tailEnd type="none" w="med" len="med"/>
+                    </a:lnB>
+                  </a:tcPr>
+                </a:tc>
+                <a:tc>
+                  <a:txBody>
+                    <a:bodyPr/>
+                    <a:lstStyle/>
+                    <a:p>
+                      <a:pPr algn="l" fontAlgn="b"/>
+                      <a:r>
+                        <a:rPr lang="en-US" sz="1000" b="1" u="none" strike="noStrike" dirty="0">
+                          <a:effectLst/>
+                        </a:rPr>
+                        <a:t>Height</a:t>
+                      </a:r>
+                      <a:endParaRPr lang="en-US" sz="1000" b="1" i="0" u="none" strike="noStrike" dirty="0">
+                        <a:solidFill>
+                          <a:srgbClr val="000000"/>
+                        </a:solidFill>
+                        <a:effectLst/>
+                        <a:latin typeface="Calibri" panose="020F0502020204030204" pitchFamily="34" charset="0"/>
+                      </a:endParaRPr>
+                    </a:p>
+                  </a:txBody>
+                  <a:tcPr marL="8752" marR="8752" marT="8752" marB="0" anchor="b">
+                    <a:lnT w="3175" cap="flat" cmpd="sng" algn="ctr">
+                      <a:solidFill>
+                        <a:schemeClr val="tx1"/>
+                      </a:solidFill>
+                      <a:prstDash val="solid"/>
+                      <a:round/>
+                      <a:headEnd type="none" w="med" len="med"/>
+                      <a:tailEnd type="none" w="med" len="med"/>
+                    </a:lnT>
+                    <a:lnB w="3175" cap="flat" cmpd="sng" algn="ctr">
+                      <a:solidFill>
+                        <a:schemeClr val="tx1"/>
+                      </a:solidFill>
+                      <a:prstDash val="solid"/>
+                      <a:round/>
+                      <a:headEnd type="none" w="med" len="med"/>
+                      <a:tailEnd type="none" w="med" len="med"/>
+                    </a:lnB>
+                  </a:tcPr>
+                </a:tc>
+                <a:extLst>
+                  <a:ext uri="{0D108BD9-81ED-4DB2-BD59-A6C34878D82A}">
+                    <a16:rowId xmlns:a16="http://schemas.microsoft.com/office/drawing/2014/main" val="3494230729"/>
+                  </a:ext>
+                </a:extLst>
+              </a:tr>
+              <a:tr h="175044">
+                <a:tc>
+                  <a:txBody>
+                    <a:bodyPr/>
+                    <a:lstStyle/>
+                    <a:p>
+                      <a:pPr algn="l" rtl="0" fontAlgn="b"/>
+                      <a:r>
+                        <a:rPr lang="en-US" sz="1000" u="none" strike="noStrike" dirty="0">
+                          <a:effectLst/>
+                        </a:rPr>
+                        <a:t>ROI 1</a:t>
+                      </a:r>
+                      <a:endParaRPr lang="en-US" sz="1000" b="0" i="0" u="none" strike="noStrike" dirty="0">
+                        <a:solidFill>
+                          <a:srgbClr val="000000"/>
+                        </a:solidFill>
+                        <a:effectLst/>
+                        <a:latin typeface="Calibri" panose="020F0502020204030204" pitchFamily="34" charset="0"/>
+                      </a:endParaRPr>
+                    </a:p>
+                  </a:txBody>
+                  <a:tcPr marL="8752" marR="8752" marT="8752" marB="0" anchor="b">
+                    <a:lnT w="3175" cap="flat" cmpd="sng" algn="ctr">
+                      <a:solidFill>
+                        <a:schemeClr val="tx1"/>
+                      </a:solidFill>
+                      <a:prstDash val="solid"/>
+                      <a:round/>
+                      <a:headEnd type="none" w="med" len="med"/>
+                      <a:tailEnd type="none" w="med" len="med"/>
+                    </a:lnT>
+                  </a:tcPr>
+                </a:tc>
+                <a:tc>
+                  <a:txBody>
+                    <a:bodyPr/>
+                    <a:lstStyle/>
+                    <a:p>
+                      <a:pPr algn="r" fontAlgn="b"/>
+                      <a:r>
+                        <a:rPr lang="en-US" sz="1000" u="none" strike="noStrike" dirty="0">
+                          <a:effectLst/>
+                        </a:rPr>
+                        <a:t>10</a:t>
+                      </a:r>
+                      <a:endParaRPr lang="en-US" sz="1000" b="0" i="0" u="none" strike="noStrike" dirty="0">
+                        <a:solidFill>
+                          <a:srgbClr val="000000"/>
+                        </a:solidFill>
+                        <a:effectLst/>
+                        <a:latin typeface="Calibri" panose="020F0502020204030204" pitchFamily="34" charset="0"/>
+                      </a:endParaRPr>
+                    </a:p>
+                  </a:txBody>
+                  <a:tcPr marL="8752" marR="8752" marT="8752" marB="0" anchor="b">
+                    <a:lnT w="3175" cap="flat" cmpd="sng" algn="ctr">
+                      <a:solidFill>
+                        <a:schemeClr val="tx1"/>
+                      </a:solidFill>
+                      <a:prstDash val="solid"/>
+                      <a:round/>
+                      <a:headEnd type="none" w="med" len="med"/>
+                      <a:tailEnd type="none" w="med" len="med"/>
+                    </a:lnT>
+                  </a:tcPr>
+                </a:tc>
+                <a:tc>
+                  <a:txBody>
+                    <a:bodyPr/>
+                    <a:lstStyle/>
+                    <a:p>
+                      <a:pPr algn="r" fontAlgn="b"/>
+                      <a:r>
+                        <a:rPr lang="en-US" sz="1000" u="none" strike="noStrike" dirty="0">
+                          <a:effectLst/>
+                        </a:rPr>
+                        <a:t>0</a:t>
+                      </a:r>
+                      <a:endParaRPr lang="en-US" sz="1000" b="0" i="0" u="none" strike="noStrike" dirty="0">
+                        <a:solidFill>
+                          <a:srgbClr val="000000"/>
+                        </a:solidFill>
+                        <a:effectLst/>
+                        <a:latin typeface="Calibri" panose="020F0502020204030204" pitchFamily="34" charset="0"/>
+                      </a:endParaRPr>
+                    </a:p>
+                  </a:txBody>
+                  <a:tcPr marL="8752" marR="8752" marT="8752" marB="0" anchor="b">
+                    <a:lnT w="3175" cap="flat" cmpd="sng" algn="ctr">
+                      <a:solidFill>
+                        <a:schemeClr val="tx1"/>
+                      </a:solidFill>
+                      <a:prstDash val="solid"/>
+                      <a:round/>
+                      <a:headEnd type="none" w="med" len="med"/>
+                      <a:tailEnd type="none" w="med" len="med"/>
+                    </a:lnT>
+                  </a:tcPr>
+                </a:tc>
+                <a:tc>
+                  <a:txBody>
+                    <a:bodyPr/>
+                    <a:lstStyle/>
+                    <a:p>
+                      <a:pPr algn="r" fontAlgn="b"/>
+                      <a:r>
+                        <a:rPr lang="en-US" sz="1000" u="none" strike="noStrike" dirty="0">
+                          <a:effectLst/>
+                        </a:rPr>
+                        <a:t>26</a:t>
+                      </a:r>
+                      <a:endParaRPr lang="en-US" sz="1000" b="0" i="0" u="none" strike="noStrike" dirty="0">
+                        <a:solidFill>
+                          <a:srgbClr val="000000"/>
+                        </a:solidFill>
+                        <a:effectLst/>
+                        <a:latin typeface="Calibri" panose="020F0502020204030204" pitchFamily="34" charset="0"/>
+                      </a:endParaRPr>
+                    </a:p>
+                  </a:txBody>
+                  <a:tcPr marL="8752" marR="8752" marT="8752" marB="0" anchor="b">
+                    <a:lnT w="3175" cap="flat" cmpd="sng" algn="ctr">
+                      <a:solidFill>
+                        <a:schemeClr val="tx1"/>
+                      </a:solidFill>
+                      <a:prstDash val="solid"/>
+                      <a:round/>
+                      <a:headEnd type="none" w="med" len="med"/>
+                      <a:tailEnd type="none" w="med" len="med"/>
+                    </a:lnT>
+                  </a:tcPr>
+                </a:tc>
+                <a:tc>
+                  <a:txBody>
+                    <a:bodyPr/>
+                    <a:lstStyle/>
+                    <a:p>
+                      <a:pPr algn="r" fontAlgn="b"/>
+                      <a:r>
+                        <a:rPr lang="en-US" sz="1000" u="none" strike="noStrike">
+                          <a:effectLst/>
+                        </a:rPr>
+                        <a:t>30</a:t>
+                      </a:r>
+                      <a:endParaRPr lang="en-US" sz="1000" b="0" i="0" u="none" strike="noStrike">
+                        <a:solidFill>
+                          <a:srgbClr val="000000"/>
+                        </a:solidFill>
+                        <a:effectLst/>
+                        <a:latin typeface="Calibri" panose="020F0502020204030204" pitchFamily="34" charset="0"/>
+                      </a:endParaRPr>
+                    </a:p>
+                  </a:txBody>
+                  <a:tcPr marL="8752" marR="8752" marT="8752" marB="0" anchor="b">
+                    <a:lnT w="3175" cap="flat" cmpd="sng" algn="ctr">
+                      <a:solidFill>
+                        <a:schemeClr val="tx1"/>
+                      </a:solidFill>
+                      <a:prstDash val="solid"/>
+                      <a:round/>
+                      <a:headEnd type="none" w="med" len="med"/>
+                      <a:tailEnd type="none" w="med" len="med"/>
+                    </a:lnT>
+                  </a:tcPr>
+                </a:tc>
+                <a:extLst>
+                  <a:ext uri="{0D108BD9-81ED-4DB2-BD59-A6C34878D82A}">
+                    <a16:rowId xmlns:a16="http://schemas.microsoft.com/office/drawing/2014/main" val="2632691593"/>
+                  </a:ext>
+                </a:extLst>
+              </a:tr>
+              <a:tr h="175044">
+                <a:tc>
+                  <a:txBody>
+                    <a:bodyPr/>
+                    <a:lstStyle/>
+                    <a:p>
+                      <a:pPr algn="l" rtl="0" fontAlgn="b"/>
+                      <a:r>
+                        <a:rPr lang="en-US" sz="1000" u="none" strike="noStrike">
+                          <a:effectLst/>
+                        </a:rPr>
+                        <a:t>ROI 2</a:t>
+                      </a:r>
+                      <a:endParaRPr lang="en-US" sz="1000" b="0" i="0" u="none" strike="noStrike">
+                        <a:solidFill>
+                          <a:srgbClr val="000000"/>
+                        </a:solidFill>
+                        <a:effectLst/>
+                        <a:latin typeface="Calibri" panose="020F0502020204030204" pitchFamily="34" charset="0"/>
+                      </a:endParaRPr>
+                    </a:p>
+                  </a:txBody>
+                  <a:tcPr marL="8752" marR="8752" marT="8752" marB="0" anchor="b"/>
+                </a:tc>
+                <a:tc>
+                  <a:txBody>
+                    <a:bodyPr/>
+                    <a:lstStyle/>
+                    <a:p>
+                      <a:pPr algn="r" fontAlgn="b"/>
+                      <a:r>
+                        <a:rPr lang="en-US" sz="1000" u="none" strike="noStrike" dirty="0">
+                          <a:effectLst/>
+                        </a:rPr>
+                        <a:t>53</a:t>
+                      </a:r>
+                      <a:endParaRPr lang="en-US" sz="1000" b="0" i="0" u="none" strike="noStrike" dirty="0">
+                        <a:solidFill>
+                          <a:srgbClr val="000000"/>
+                        </a:solidFill>
+                        <a:effectLst/>
+                        <a:latin typeface="Calibri" panose="020F0502020204030204" pitchFamily="34" charset="0"/>
+                      </a:endParaRPr>
+                    </a:p>
+                  </a:txBody>
+                  <a:tcPr marL="8752" marR="8752" marT="8752" marB="0" anchor="b"/>
+                </a:tc>
+                <a:tc>
+                  <a:txBody>
+                    <a:bodyPr/>
+                    <a:lstStyle/>
+                    <a:p>
+                      <a:pPr algn="r" fontAlgn="b"/>
+                      <a:r>
+                        <a:rPr lang="en-US" sz="1000" u="none" strike="noStrike">
+                          <a:effectLst/>
+                        </a:rPr>
+                        <a:t>0</a:t>
+                      </a:r>
+                      <a:endParaRPr lang="en-US" sz="1000" b="0" i="0" u="none" strike="noStrike">
+                        <a:solidFill>
+                          <a:srgbClr val="000000"/>
+                        </a:solidFill>
+                        <a:effectLst/>
+                        <a:latin typeface="Calibri" panose="020F0502020204030204" pitchFamily="34" charset="0"/>
+                      </a:endParaRPr>
+                    </a:p>
+                  </a:txBody>
+                  <a:tcPr marL="8752" marR="8752" marT="8752" marB="0" anchor="b"/>
+                </a:tc>
+                <a:tc>
+                  <a:txBody>
+                    <a:bodyPr/>
+                    <a:lstStyle/>
+                    <a:p>
+                      <a:pPr algn="r" fontAlgn="b"/>
+                      <a:r>
+                        <a:rPr lang="en-US" sz="1000" u="none" strike="noStrike">
+                          <a:effectLst/>
+                        </a:rPr>
+                        <a:t>21</a:t>
+                      </a:r>
+                      <a:endParaRPr lang="en-US" sz="1000" b="0" i="0" u="none" strike="noStrike">
+                        <a:solidFill>
+                          <a:srgbClr val="000000"/>
+                        </a:solidFill>
+                        <a:effectLst/>
+                        <a:latin typeface="Calibri" panose="020F0502020204030204" pitchFamily="34" charset="0"/>
+                      </a:endParaRPr>
+                    </a:p>
+                  </a:txBody>
+                  <a:tcPr marL="8752" marR="8752" marT="8752" marB="0" anchor="b"/>
+                </a:tc>
+                <a:tc>
+                  <a:txBody>
+                    <a:bodyPr/>
+                    <a:lstStyle/>
+                    <a:p>
+                      <a:pPr algn="r" fontAlgn="b"/>
+                      <a:r>
+                        <a:rPr lang="en-US" sz="1000" u="none" strike="noStrike">
+                          <a:effectLst/>
+                        </a:rPr>
+                        <a:t>11</a:t>
+                      </a:r>
+                      <a:endParaRPr lang="en-US" sz="1000" b="0" i="0" u="none" strike="noStrike">
+                        <a:solidFill>
+                          <a:srgbClr val="000000"/>
+                        </a:solidFill>
+                        <a:effectLst/>
+                        <a:latin typeface="Calibri" panose="020F0502020204030204" pitchFamily="34" charset="0"/>
+                      </a:endParaRPr>
+                    </a:p>
+                  </a:txBody>
+                  <a:tcPr marL="8752" marR="8752" marT="8752" marB="0" anchor="b"/>
+                </a:tc>
+                <a:extLst>
+                  <a:ext uri="{0D108BD9-81ED-4DB2-BD59-A6C34878D82A}">
+                    <a16:rowId xmlns:a16="http://schemas.microsoft.com/office/drawing/2014/main" val="4264948224"/>
+                  </a:ext>
+                </a:extLst>
+              </a:tr>
+              <a:tr h="175044">
+                <a:tc>
+                  <a:txBody>
+                    <a:bodyPr/>
+                    <a:lstStyle/>
+                    <a:p>
+                      <a:pPr algn="l" rtl="0" fontAlgn="b"/>
+                      <a:r>
+                        <a:rPr lang="en-US" sz="1000" u="none" strike="noStrike">
+                          <a:effectLst/>
+                        </a:rPr>
+                        <a:t>ROI 3</a:t>
+                      </a:r>
+                      <a:endParaRPr lang="en-US" sz="1000" b="0" i="0" u="none" strike="noStrike">
+                        <a:solidFill>
+                          <a:srgbClr val="000000"/>
+                        </a:solidFill>
+                        <a:effectLst/>
+                        <a:latin typeface="Calibri" panose="020F0502020204030204" pitchFamily="34" charset="0"/>
+                      </a:endParaRPr>
+                    </a:p>
+                  </a:txBody>
+                  <a:tcPr marL="8752" marR="8752" marT="8752" marB="0" anchor="b"/>
+                </a:tc>
+                <a:tc>
+                  <a:txBody>
+                    <a:bodyPr/>
+                    <a:lstStyle/>
+                    <a:p>
+                      <a:pPr algn="r" fontAlgn="b"/>
+                      <a:r>
+                        <a:rPr lang="en-US" sz="1000" u="none" strike="noStrike" dirty="0">
+                          <a:effectLst/>
+                        </a:rPr>
+                        <a:t>144</a:t>
+                      </a:r>
+                      <a:endParaRPr lang="en-US" sz="1000" b="0" i="0" u="none" strike="noStrike" dirty="0">
+                        <a:solidFill>
+                          <a:srgbClr val="000000"/>
+                        </a:solidFill>
+                        <a:effectLst/>
+                        <a:latin typeface="Calibri" panose="020F0502020204030204" pitchFamily="34" charset="0"/>
+                      </a:endParaRPr>
+                    </a:p>
+                  </a:txBody>
+                  <a:tcPr marL="8752" marR="8752" marT="8752" marB="0" anchor="b"/>
+                </a:tc>
+                <a:tc>
+                  <a:txBody>
+                    <a:bodyPr/>
+                    <a:lstStyle/>
+                    <a:p>
+                      <a:pPr algn="r" fontAlgn="b"/>
+                      <a:r>
+                        <a:rPr lang="en-US" sz="1000" u="none" strike="noStrike" dirty="0">
+                          <a:effectLst/>
+                        </a:rPr>
+                        <a:t>0</a:t>
+                      </a:r>
+                      <a:endParaRPr lang="en-US" sz="1000" b="0" i="0" u="none" strike="noStrike" dirty="0">
+                        <a:solidFill>
+                          <a:srgbClr val="000000"/>
+                        </a:solidFill>
+                        <a:effectLst/>
+                        <a:latin typeface="Calibri" panose="020F0502020204030204" pitchFamily="34" charset="0"/>
+                      </a:endParaRPr>
+                    </a:p>
+                  </a:txBody>
+                  <a:tcPr marL="8752" marR="8752" marT="8752" marB="0" anchor="b"/>
+                </a:tc>
+                <a:tc>
+                  <a:txBody>
+                    <a:bodyPr/>
+                    <a:lstStyle/>
+                    <a:p>
+                      <a:pPr algn="r" fontAlgn="b"/>
+                      <a:r>
+                        <a:rPr lang="en-US" sz="1000" u="none" strike="noStrike">
+                          <a:effectLst/>
+                        </a:rPr>
+                        <a:t>23</a:t>
+                      </a:r>
+                      <a:endParaRPr lang="en-US" sz="1000" b="0" i="0" u="none" strike="noStrike">
+                        <a:solidFill>
+                          <a:srgbClr val="000000"/>
+                        </a:solidFill>
+                        <a:effectLst/>
+                        <a:latin typeface="Calibri" panose="020F0502020204030204" pitchFamily="34" charset="0"/>
+                      </a:endParaRPr>
+                    </a:p>
+                  </a:txBody>
+                  <a:tcPr marL="8752" marR="8752" marT="8752" marB="0" anchor="b"/>
+                </a:tc>
+                <a:tc>
+                  <a:txBody>
+                    <a:bodyPr/>
+                    <a:lstStyle/>
+                    <a:p>
+                      <a:pPr algn="r" fontAlgn="b"/>
+                      <a:r>
+                        <a:rPr lang="en-US" sz="1000" u="none" strike="noStrike">
+                          <a:effectLst/>
+                        </a:rPr>
+                        <a:t>23</a:t>
+                      </a:r>
+                      <a:endParaRPr lang="en-US" sz="1000" b="0" i="0" u="none" strike="noStrike">
+                        <a:solidFill>
+                          <a:srgbClr val="000000"/>
+                        </a:solidFill>
+                        <a:effectLst/>
+                        <a:latin typeface="Calibri" panose="020F0502020204030204" pitchFamily="34" charset="0"/>
+                      </a:endParaRPr>
+                    </a:p>
+                  </a:txBody>
+                  <a:tcPr marL="8752" marR="8752" marT="8752" marB="0" anchor="b"/>
+                </a:tc>
+                <a:extLst>
+                  <a:ext uri="{0D108BD9-81ED-4DB2-BD59-A6C34878D82A}">
+                    <a16:rowId xmlns:a16="http://schemas.microsoft.com/office/drawing/2014/main" val="3494135564"/>
+                  </a:ext>
+                </a:extLst>
+              </a:tr>
+              <a:tr h="175044">
+                <a:tc>
+                  <a:txBody>
+                    <a:bodyPr/>
+                    <a:lstStyle/>
+                    <a:p>
+                      <a:pPr algn="l" rtl="0" fontAlgn="b"/>
+                      <a:r>
+                        <a:rPr lang="en-US" sz="1000" u="none" strike="noStrike">
+                          <a:effectLst/>
+                        </a:rPr>
+                        <a:t>ROI 4</a:t>
+                      </a:r>
+                      <a:endParaRPr lang="en-US" sz="1000" b="0" i="0" u="none" strike="noStrike">
+                        <a:solidFill>
+                          <a:srgbClr val="000000"/>
+                        </a:solidFill>
+                        <a:effectLst/>
+                        <a:latin typeface="Calibri" panose="020F0502020204030204" pitchFamily="34" charset="0"/>
+                      </a:endParaRPr>
+                    </a:p>
+                  </a:txBody>
+                  <a:tcPr marL="8752" marR="8752" marT="8752" marB="0" anchor="b"/>
+                </a:tc>
+                <a:tc>
+                  <a:txBody>
+                    <a:bodyPr/>
+                    <a:lstStyle/>
+                    <a:p>
+                      <a:pPr algn="r" fontAlgn="b"/>
+                      <a:r>
+                        <a:rPr lang="en-US" sz="1000" u="none" strike="noStrike">
+                          <a:effectLst/>
+                        </a:rPr>
+                        <a:t>237</a:t>
+                      </a:r>
+                      <a:endParaRPr lang="en-US" sz="1000" b="0" i="0" u="none" strike="noStrike">
+                        <a:solidFill>
+                          <a:srgbClr val="000000"/>
+                        </a:solidFill>
+                        <a:effectLst/>
+                        <a:latin typeface="Calibri" panose="020F0502020204030204" pitchFamily="34" charset="0"/>
+                      </a:endParaRPr>
+                    </a:p>
+                  </a:txBody>
+                  <a:tcPr marL="8752" marR="8752" marT="8752" marB="0" anchor="b"/>
+                </a:tc>
+                <a:tc>
+                  <a:txBody>
+                    <a:bodyPr/>
+                    <a:lstStyle/>
+                    <a:p>
+                      <a:pPr algn="r" fontAlgn="b"/>
+                      <a:r>
+                        <a:rPr lang="en-US" sz="1000" u="none" strike="noStrike" dirty="0">
+                          <a:effectLst/>
+                        </a:rPr>
+                        <a:t>0</a:t>
+                      </a:r>
+                      <a:endParaRPr lang="en-US" sz="1000" b="0" i="0" u="none" strike="noStrike" dirty="0">
+                        <a:solidFill>
+                          <a:srgbClr val="000000"/>
+                        </a:solidFill>
+                        <a:effectLst/>
+                        <a:latin typeface="Calibri" panose="020F0502020204030204" pitchFamily="34" charset="0"/>
+                      </a:endParaRPr>
+                    </a:p>
+                  </a:txBody>
+                  <a:tcPr marL="8752" marR="8752" marT="8752" marB="0" anchor="b"/>
+                </a:tc>
+                <a:tc>
+                  <a:txBody>
+                    <a:bodyPr/>
+                    <a:lstStyle/>
+                    <a:p>
+                      <a:pPr algn="r" fontAlgn="b"/>
+                      <a:r>
+                        <a:rPr lang="en-US" sz="1000" u="none" strike="noStrike" dirty="0">
+                          <a:effectLst/>
+                        </a:rPr>
+                        <a:t>19</a:t>
+                      </a:r>
+                      <a:endParaRPr lang="en-US" sz="1000" b="0" i="0" u="none" strike="noStrike" dirty="0">
+                        <a:solidFill>
+                          <a:srgbClr val="000000"/>
+                        </a:solidFill>
+                        <a:effectLst/>
+                        <a:latin typeface="Calibri" panose="020F0502020204030204" pitchFamily="34" charset="0"/>
+                      </a:endParaRPr>
+                    </a:p>
+                  </a:txBody>
+                  <a:tcPr marL="8752" marR="8752" marT="8752" marB="0" anchor="b"/>
+                </a:tc>
+                <a:tc>
+                  <a:txBody>
+                    <a:bodyPr/>
+                    <a:lstStyle/>
+                    <a:p>
+                      <a:pPr algn="r" fontAlgn="b"/>
+                      <a:r>
+                        <a:rPr lang="en-US" sz="1000" u="none" strike="noStrike">
+                          <a:effectLst/>
+                        </a:rPr>
+                        <a:t>29</a:t>
+                      </a:r>
+                      <a:endParaRPr lang="en-US" sz="1000" b="0" i="0" u="none" strike="noStrike">
+                        <a:solidFill>
+                          <a:srgbClr val="000000"/>
+                        </a:solidFill>
+                        <a:effectLst/>
+                        <a:latin typeface="Calibri" panose="020F0502020204030204" pitchFamily="34" charset="0"/>
+                      </a:endParaRPr>
+                    </a:p>
+                  </a:txBody>
+                  <a:tcPr marL="8752" marR="8752" marT="8752" marB="0" anchor="b"/>
+                </a:tc>
+                <a:extLst>
+                  <a:ext uri="{0D108BD9-81ED-4DB2-BD59-A6C34878D82A}">
+                    <a16:rowId xmlns:a16="http://schemas.microsoft.com/office/drawing/2014/main" val="2422990628"/>
+                  </a:ext>
+                </a:extLst>
+              </a:tr>
+              <a:tr h="175044">
+                <a:tc>
+                  <a:txBody>
+                    <a:bodyPr/>
+                    <a:lstStyle/>
+                    <a:p>
+                      <a:pPr algn="l" rtl="0" fontAlgn="b"/>
+                      <a:r>
+                        <a:rPr lang="en-US" sz="1000" u="none" strike="noStrike">
+                          <a:effectLst/>
+                        </a:rPr>
+                        <a:t>ROI 5</a:t>
+                      </a:r>
+                      <a:endParaRPr lang="en-US" sz="1000" b="0" i="0" u="none" strike="noStrike">
+                        <a:solidFill>
+                          <a:srgbClr val="000000"/>
+                        </a:solidFill>
+                        <a:effectLst/>
+                        <a:latin typeface="Calibri" panose="020F0502020204030204" pitchFamily="34" charset="0"/>
+                      </a:endParaRPr>
+                    </a:p>
+                  </a:txBody>
+                  <a:tcPr marL="8752" marR="8752" marT="8752" marB="0" anchor="b"/>
+                </a:tc>
+                <a:tc>
+                  <a:txBody>
+                    <a:bodyPr/>
+                    <a:lstStyle/>
+                    <a:p>
+                      <a:pPr algn="r" fontAlgn="b"/>
+                      <a:r>
+                        <a:rPr lang="en-US" sz="1000" u="none" strike="noStrike">
+                          <a:effectLst/>
+                        </a:rPr>
+                        <a:t>189</a:t>
+                      </a:r>
+                      <a:endParaRPr lang="en-US" sz="1000" b="0" i="0" u="none" strike="noStrike">
+                        <a:solidFill>
+                          <a:srgbClr val="000000"/>
+                        </a:solidFill>
+                        <a:effectLst/>
+                        <a:latin typeface="Calibri" panose="020F0502020204030204" pitchFamily="34" charset="0"/>
+                      </a:endParaRPr>
+                    </a:p>
+                  </a:txBody>
+                  <a:tcPr marL="8752" marR="8752" marT="8752" marB="0" anchor="b"/>
+                </a:tc>
+                <a:tc>
+                  <a:txBody>
+                    <a:bodyPr/>
+                    <a:lstStyle/>
+                    <a:p>
+                      <a:pPr algn="r" fontAlgn="b"/>
+                      <a:r>
+                        <a:rPr lang="en-US" sz="1000" u="none" strike="noStrike" dirty="0">
+                          <a:effectLst/>
+                        </a:rPr>
+                        <a:t>6</a:t>
+                      </a:r>
+                      <a:endParaRPr lang="en-US" sz="1000" b="0" i="0" u="none" strike="noStrike" dirty="0">
+                        <a:solidFill>
+                          <a:srgbClr val="000000"/>
+                        </a:solidFill>
+                        <a:effectLst/>
+                        <a:latin typeface="Calibri" panose="020F0502020204030204" pitchFamily="34" charset="0"/>
+                      </a:endParaRPr>
+                    </a:p>
+                  </a:txBody>
+                  <a:tcPr marL="8752" marR="8752" marT="8752" marB="0" anchor="b"/>
+                </a:tc>
+                <a:tc>
+                  <a:txBody>
+                    <a:bodyPr/>
+                    <a:lstStyle/>
+                    <a:p>
+                      <a:pPr algn="r" fontAlgn="b"/>
+                      <a:r>
+                        <a:rPr lang="en-US" sz="1000" u="none" strike="noStrike" dirty="0">
+                          <a:effectLst/>
+                        </a:rPr>
+                        <a:t>18</a:t>
+                      </a:r>
+                      <a:endParaRPr lang="en-US" sz="1000" b="0" i="0" u="none" strike="noStrike" dirty="0">
+                        <a:solidFill>
+                          <a:srgbClr val="000000"/>
+                        </a:solidFill>
+                        <a:effectLst/>
+                        <a:latin typeface="Calibri" panose="020F0502020204030204" pitchFamily="34" charset="0"/>
+                      </a:endParaRPr>
+                    </a:p>
+                  </a:txBody>
+                  <a:tcPr marL="8752" marR="8752" marT="8752" marB="0" anchor="b"/>
+                </a:tc>
+                <a:tc>
+                  <a:txBody>
+                    <a:bodyPr/>
+                    <a:lstStyle/>
+                    <a:p>
+                      <a:pPr algn="r" fontAlgn="b"/>
+                      <a:r>
+                        <a:rPr lang="en-US" sz="1000" u="none" strike="noStrike" dirty="0">
+                          <a:effectLst/>
+                        </a:rPr>
+                        <a:t>21</a:t>
+                      </a:r>
+                      <a:endParaRPr lang="en-US" sz="1000" b="0" i="0" u="none" strike="noStrike" dirty="0">
+                        <a:solidFill>
+                          <a:srgbClr val="000000"/>
+                        </a:solidFill>
+                        <a:effectLst/>
+                        <a:latin typeface="Calibri" panose="020F0502020204030204" pitchFamily="34" charset="0"/>
+                      </a:endParaRPr>
+                    </a:p>
+                  </a:txBody>
+                  <a:tcPr marL="8752" marR="8752" marT="8752" marB="0" anchor="b"/>
+                </a:tc>
+                <a:extLst>
+                  <a:ext uri="{0D108BD9-81ED-4DB2-BD59-A6C34878D82A}">
+                    <a16:rowId xmlns:a16="http://schemas.microsoft.com/office/drawing/2014/main" val="2386343194"/>
+                  </a:ext>
+                </a:extLst>
+              </a:tr>
+              <a:tr h="175044">
+                <a:tc>
+                  <a:txBody>
+                    <a:bodyPr/>
+                    <a:lstStyle/>
+                    <a:p>
+                      <a:pPr algn="l" rtl="0" fontAlgn="b"/>
+                      <a:r>
+                        <a:rPr lang="en-US" sz="1000" u="none" strike="noStrike">
+                          <a:effectLst/>
+                        </a:rPr>
+                        <a:t>ROI 6</a:t>
+                      </a:r>
+                      <a:endParaRPr lang="en-US" sz="1000" b="0" i="0" u="none" strike="noStrike">
+                        <a:solidFill>
+                          <a:srgbClr val="000000"/>
+                        </a:solidFill>
+                        <a:effectLst/>
+                        <a:latin typeface="Calibri" panose="020F0502020204030204" pitchFamily="34" charset="0"/>
+                      </a:endParaRPr>
+                    </a:p>
+                  </a:txBody>
+                  <a:tcPr marL="8752" marR="8752" marT="8752" marB="0" anchor="b"/>
+                </a:tc>
+                <a:tc>
+                  <a:txBody>
+                    <a:bodyPr/>
+                    <a:lstStyle/>
+                    <a:p>
+                      <a:pPr algn="r" fontAlgn="b"/>
+                      <a:r>
+                        <a:rPr lang="en-US" sz="1000" u="none" strike="noStrike">
+                          <a:effectLst/>
+                        </a:rPr>
+                        <a:t>211</a:t>
+                      </a:r>
+                      <a:endParaRPr lang="en-US" sz="1000" b="0" i="0" u="none" strike="noStrike">
+                        <a:solidFill>
+                          <a:srgbClr val="000000"/>
+                        </a:solidFill>
+                        <a:effectLst/>
+                        <a:latin typeface="Calibri" panose="020F0502020204030204" pitchFamily="34" charset="0"/>
+                      </a:endParaRPr>
+                    </a:p>
+                  </a:txBody>
+                  <a:tcPr marL="8752" marR="8752" marT="8752" marB="0" anchor="b"/>
+                </a:tc>
+                <a:tc>
+                  <a:txBody>
+                    <a:bodyPr/>
+                    <a:lstStyle/>
+                    <a:p>
+                      <a:pPr algn="r" fontAlgn="b"/>
+                      <a:r>
+                        <a:rPr lang="en-US" sz="1000" u="none" strike="noStrike" dirty="0">
+                          <a:effectLst/>
+                        </a:rPr>
+                        <a:t>17</a:t>
+                      </a:r>
+                      <a:endParaRPr lang="en-US" sz="1000" b="0" i="0" u="none" strike="noStrike" dirty="0">
+                        <a:solidFill>
+                          <a:srgbClr val="000000"/>
+                        </a:solidFill>
+                        <a:effectLst/>
+                        <a:latin typeface="Calibri" panose="020F0502020204030204" pitchFamily="34" charset="0"/>
+                      </a:endParaRPr>
+                    </a:p>
+                  </a:txBody>
+                  <a:tcPr marL="8752" marR="8752" marT="8752" marB="0" anchor="b"/>
+                </a:tc>
+                <a:tc>
+                  <a:txBody>
+                    <a:bodyPr/>
+                    <a:lstStyle/>
+                    <a:p>
+                      <a:pPr algn="r" fontAlgn="b"/>
+                      <a:r>
+                        <a:rPr lang="en-US" sz="1000" u="none" strike="noStrike" dirty="0">
+                          <a:effectLst/>
+                        </a:rPr>
+                        <a:t>17</a:t>
+                      </a:r>
+                      <a:endParaRPr lang="en-US" sz="1000" b="0" i="0" u="none" strike="noStrike" dirty="0">
+                        <a:solidFill>
+                          <a:srgbClr val="000000"/>
+                        </a:solidFill>
+                        <a:effectLst/>
+                        <a:latin typeface="Calibri" panose="020F0502020204030204" pitchFamily="34" charset="0"/>
+                      </a:endParaRPr>
+                    </a:p>
+                  </a:txBody>
+                  <a:tcPr marL="8752" marR="8752" marT="8752" marB="0" anchor="b"/>
+                </a:tc>
+                <a:tc>
+                  <a:txBody>
+                    <a:bodyPr/>
+                    <a:lstStyle/>
+                    <a:p>
+                      <a:pPr algn="r" fontAlgn="b"/>
+                      <a:r>
+                        <a:rPr lang="en-US" sz="1000" u="none" strike="noStrike" dirty="0">
+                          <a:effectLst/>
+                        </a:rPr>
+                        <a:t>22</a:t>
+                      </a:r>
+                      <a:endParaRPr lang="en-US" sz="1000" b="0" i="0" u="none" strike="noStrike" dirty="0">
+                        <a:solidFill>
+                          <a:srgbClr val="000000"/>
+                        </a:solidFill>
+                        <a:effectLst/>
+                        <a:latin typeface="Calibri" panose="020F0502020204030204" pitchFamily="34" charset="0"/>
+                      </a:endParaRPr>
+                    </a:p>
+                  </a:txBody>
+                  <a:tcPr marL="8752" marR="8752" marT="8752" marB="0" anchor="b"/>
+                </a:tc>
+                <a:extLst>
+                  <a:ext uri="{0D108BD9-81ED-4DB2-BD59-A6C34878D82A}">
+                    <a16:rowId xmlns:a16="http://schemas.microsoft.com/office/drawing/2014/main" val="3975665249"/>
+                  </a:ext>
+                </a:extLst>
+              </a:tr>
+            </a:tbl>
+          </a:graphicData>
+        </a:graphic>
+      </p:graphicFrame>
+      <p:pic>
+        <p:nvPicPr>
+          <p:cNvPr id="5" name="Picture 4"/>
+          <p:cNvPicPr>
+            <a:picLocks noChangeAspect="1"/>
+          </p:cNvPicPr>
+          <p:nvPr/>
+        </p:nvPicPr>
+        <p:blipFill>
+          <a:blip r:embed="rId3"/>
+          <a:stretch>
+            <a:fillRect/>
+          </a:stretch>
+        </p:blipFill>
+        <p:spPr>
+          <a:xfrm>
+            <a:off x="6382644" y="1810686"/>
+            <a:ext cx="1474560" cy="1463040"/>
+          </a:xfrm>
+          <a:prstGeom prst="rect">
+            <a:avLst/>
+          </a:prstGeom>
+          <a:ln>
+            <a:solidFill>
+              <a:schemeClr val="tx1"/>
+            </a:solidFill>
+          </a:ln>
+        </p:spPr>
+      </p:pic>
+    </p:spTree>
+    <p:extLst>
+      <p:ext uri="{BB962C8B-B14F-4D97-AF65-F5344CB8AC3E}">
+        <p14:creationId xmlns:p14="http://schemas.microsoft.com/office/powerpoint/2010/main" val="3963109631"/>
       </p:ext>
     </p:extLst>
   </p:cSld>

--- a/figures/resources/output_saving.pptx
+++ b/figures/resources/output_saving.pptx
@@ -244,7 +244,7 @@
           <a:p>
             <a:fld id="{F5BBD67F-9228-4D1B-A549-79D3048EE694}" type="datetimeFigureOut">
               <a:rPr lang="en-US" smtClean="0"/>
-              <a:t>3/15/2022</a:t>
+              <a:t>3/18/2022</a:t>
             </a:fld>
             <a:endParaRPr lang="en-US"/>
           </a:p>
@@ -414,7 +414,7 @@
           <a:p>
             <a:fld id="{F5BBD67F-9228-4D1B-A549-79D3048EE694}" type="datetimeFigureOut">
               <a:rPr lang="en-US" smtClean="0"/>
-              <a:t>3/15/2022</a:t>
+              <a:t>3/18/2022</a:t>
             </a:fld>
             <a:endParaRPr lang="en-US"/>
           </a:p>
@@ -594,7 +594,7 @@
           <a:p>
             <a:fld id="{F5BBD67F-9228-4D1B-A549-79D3048EE694}" type="datetimeFigureOut">
               <a:rPr lang="en-US" smtClean="0"/>
-              <a:t>3/15/2022</a:t>
+              <a:t>3/18/2022</a:t>
             </a:fld>
             <a:endParaRPr lang="en-US"/>
           </a:p>
@@ -764,7 +764,7 @@
           <a:p>
             <a:fld id="{F5BBD67F-9228-4D1B-A549-79D3048EE694}" type="datetimeFigureOut">
               <a:rPr lang="en-US" smtClean="0"/>
-              <a:t>3/15/2022</a:t>
+              <a:t>3/18/2022</a:t>
             </a:fld>
             <a:endParaRPr lang="en-US"/>
           </a:p>
@@ -1010,7 +1010,7 @@
           <a:p>
             <a:fld id="{F5BBD67F-9228-4D1B-A549-79D3048EE694}" type="datetimeFigureOut">
               <a:rPr lang="en-US" smtClean="0"/>
-              <a:t>3/15/2022</a:t>
+              <a:t>3/18/2022</a:t>
             </a:fld>
             <a:endParaRPr lang="en-US"/>
           </a:p>
@@ -1242,7 +1242,7 @@
           <a:p>
             <a:fld id="{F5BBD67F-9228-4D1B-A549-79D3048EE694}" type="datetimeFigureOut">
               <a:rPr lang="en-US" smtClean="0"/>
-              <a:t>3/15/2022</a:t>
+              <a:t>3/18/2022</a:t>
             </a:fld>
             <a:endParaRPr lang="en-US"/>
           </a:p>
@@ -1609,7 +1609,7 @@
           <a:p>
             <a:fld id="{F5BBD67F-9228-4D1B-A549-79D3048EE694}" type="datetimeFigureOut">
               <a:rPr lang="en-US" smtClean="0"/>
-              <a:t>3/15/2022</a:t>
+              <a:t>3/18/2022</a:t>
             </a:fld>
             <a:endParaRPr lang="en-US"/>
           </a:p>
@@ -1727,7 +1727,7 @@
           <a:p>
             <a:fld id="{F5BBD67F-9228-4D1B-A549-79D3048EE694}" type="datetimeFigureOut">
               <a:rPr lang="en-US" smtClean="0"/>
-              <a:t>3/15/2022</a:t>
+              <a:t>3/18/2022</a:t>
             </a:fld>
             <a:endParaRPr lang="en-US"/>
           </a:p>
@@ -1822,7 +1822,7 @@
           <a:p>
             <a:fld id="{F5BBD67F-9228-4D1B-A549-79D3048EE694}" type="datetimeFigureOut">
               <a:rPr lang="en-US" smtClean="0"/>
-              <a:t>3/15/2022</a:t>
+              <a:t>3/18/2022</a:t>
             </a:fld>
             <a:endParaRPr lang="en-US"/>
           </a:p>
@@ -2099,7 +2099,7 @@
           <a:p>
             <a:fld id="{F5BBD67F-9228-4D1B-A549-79D3048EE694}" type="datetimeFigureOut">
               <a:rPr lang="en-US" smtClean="0"/>
-              <a:t>3/15/2022</a:t>
+              <a:t>3/18/2022</a:t>
             </a:fld>
             <a:endParaRPr lang="en-US"/>
           </a:p>
@@ -2356,7 +2356,7 @@
           <a:p>
             <a:fld id="{F5BBD67F-9228-4D1B-A549-79D3048EE694}" type="datetimeFigureOut">
               <a:rPr lang="en-US" smtClean="0"/>
-              <a:t>3/15/2022</a:t>
+              <a:t>3/18/2022</a:t>
             </a:fld>
             <a:endParaRPr lang="en-US"/>
           </a:p>
@@ -2569,7 +2569,7 @@
           <a:p>
             <a:fld id="{F5BBD67F-9228-4D1B-A549-79D3048EE694}" type="datetimeFigureOut">
               <a:rPr lang="en-US" smtClean="0"/>
-              <a:t>3/15/2022</a:t>
+              <a:t>3/18/2022</a:t>
             </a:fld>
             <a:endParaRPr lang="en-US"/>
           </a:p>
@@ -5789,7 +5789,7 @@
         </p:nvSpPr>
         <p:spPr>
           <a:xfrm>
-            <a:off x="221793" y="1285315"/>
+            <a:off x="221793" y="1279395"/>
             <a:ext cx="1524457" cy="313932"/>
           </a:xfrm>
           <a:prstGeom prst="rect">
@@ -5819,7 +5819,7 @@
         </p:nvSpPr>
         <p:spPr>
           <a:xfrm>
-            <a:off x="2270696" y="1273476"/>
+            <a:off x="2270696" y="1279395"/>
             <a:ext cx="2182468" cy="313932"/>
           </a:xfrm>
           <a:prstGeom prst="rect">
@@ -5850,7 +5850,7 @@
         </p:nvSpPr>
         <p:spPr>
           <a:xfrm>
-            <a:off x="6321398" y="1285315"/>
+            <a:off x="5978498" y="1279395"/>
             <a:ext cx="1597053" cy="313932"/>
           </a:xfrm>
           <a:prstGeom prst="rect">
@@ -8036,7 +8036,7 @@
         </p:blipFill>
         <p:spPr>
           <a:xfrm>
-            <a:off x="6382644" y="1810686"/>
+            <a:off x="6382644" y="1809787"/>
             <a:ext cx="1474560" cy="1463040"/>
           </a:xfrm>
           <a:prstGeom prst="rect">

--- a/figures/resources/output_saving.pptx
+++ b/figures/resources/output_saving.pptx
@@ -7,6 +7,7 @@
   <p:sldIdLst>
     <p:sldId id="256" r:id="rId2"/>
     <p:sldId id="257" r:id="rId3"/>
+    <p:sldId id="258" r:id="rId4"/>
   </p:sldIdLst>
   <p:sldSz cx="10972800" cy="4572000"/>
   <p:notesSz cx="6858000" cy="9144000"/>
@@ -244,7 +245,7 @@
           <a:p>
             <a:fld id="{F5BBD67F-9228-4D1B-A549-79D3048EE694}" type="datetimeFigureOut">
               <a:rPr lang="en-US" smtClean="0"/>
-              <a:t>3/18/2022</a:t>
+              <a:t>3/22/2022</a:t>
             </a:fld>
             <a:endParaRPr lang="en-US"/>
           </a:p>
@@ -414,7 +415,7 @@
           <a:p>
             <a:fld id="{F5BBD67F-9228-4D1B-A549-79D3048EE694}" type="datetimeFigureOut">
               <a:rPr lang="en-US" smtClean="0"/>
-              <a:t>3/18/2022</a:t>
+              <a:t>3/22/2022</a:t>
             </a:fld>
             <a:endParaRPr lang="en-US"/>
           </a:p>
@@ -594,7 +595,7 @@
           <a:p>
             <a:fld id="{F5BBD67F-9228-4D1B-A549-79D3048EE694}" type="datetimeFigureOut">
               <a:rPr lang="en-US" smtClean="0"/>
-              <a:t>3/18/2022</a:t>
+              <a:t>3/22/2022</a:t>
             </a:fld>
             <a:endParaRPr lang="en-US"/>
           </a:p>
@@ -764,7 +765,7 @@
           <a:p>
             <a:fld id="{F5BBD67F-9228-4D1B-A549-79D3048EE694}" type="datetimeFigureOut">
               <a:rPr lang="en-US" smtClean="0"/>
-              <a:t>3/18/2022</a:t>
+              <a:t>3/22/2022</a:t>
             </a:fld>
             <a:endParaRPr lang="en-US"/>
           </a:p>
@@ -1010,7 +1011,7 @@
           <a:p>
             <a:fld id="{F5BBD67F-9228-4D1B-A549-79D3048EE694}" type="datetimeFigureOut">
               <a:rPr lang="en-US" smtClean="0"/>
-              <a:t>3/18/2022</a:t>
+              <a:t>3/22/2022</a:t>
             </a:fld>
             <a:endParaRPr lang="en-US"/>
           </a:p>
@@ -1242,7 +1243,7 @@
           <a:p>
             <a:fld id="{F5BBD67F-9228-4D1B-A549-79D3048EE694}" type="datetimeFigureOut">
               <a:rPr lang="en-US" smtClean="0"/>
-              <a:t>3/18/2022</a:t>
+              <a:t>3/22/2022</a:t>
             </a:fld>
             <a:endParaRPr lang="en-US"/>
           </a:p>
@@ -1609,7 +1610,7 @@
           <a:p>
             <a:fld id="{F5BBD67F-9228-4D1B-A549-79D3048EE694}" type="datetimeFigureOut">
               <a:rPr lang="en-US" smtClean="0"/>
-              <a:t>3/18/2022</a:t>
+              <a:t>3/22/2022</a:t>
             </a:fld>
             <a:endParaRPr lang="en-US"/>
           </a:p>
@@ -1727,7 +1728,7 @@
           <a:p>
             <a:fld id="{F5BBD67F-9228-4D1B-A549-79D3048EE694}" type="datetimeFigureOut">
               <a:rPr lang="en-US" smtClean="0"/>
-              <a:t>3/18/2022</a:t>
+              <a:t>3/22/2022</a:t>
             </a:fld>
             <a:endParaRPr lang="en-US"/>
           </a:p>
@@ -1822,7 +1823,7 @@
           <a:p>
             <a:fld id="{F5BBD67F-9228-4D1B-A549-79D3048EE694}" type="datetimeFigureOut">
               <a:rPr lang="en-US" smtClean="0"/>
-              <a:t>3/18/2022</a:t>
+              <a:t>3/22/2022</a:t>
             </a:fld>
             <a:endParaRPr lang="en-US"/>
           </a:p>
@@ -2099,7 +2100,7 @@
           <a:p>
             <a:fld id="{F5BBD67F-9228-4D1B-A549-79D3048EE694}" type="datetimeFigureOut">
               <a:rPr lang="en-US" smtClean="0"/>
-              <a:t>3/18/2022</a:t>
+              <a:t>3/22/2022</a:t>
             </a:fld>
             <a:endParaRPr lang="en-US"/>
           </a:p>
@@ -2356,7 +2357,7 @@
           <a:p>
             <a:fld id="{F5BBD67F-9228-4D1B-A549-79D3048EE694}" type="datetimeFigureOut">
               <a:rPr lang="en-US" smtClean="0"/>
-              <a:t>3/18/2022</a:t>
+              <a:t>3/22/2022</a:t>
             </a:fld>
             <a:endParaRPr lang="en-US"/>
           </a:p>
@@ -2569,7 +2570,7 @@
           <a:p>
             <a:fld id="{F5BBD67F-9228-4D1B-A549-79D3048EE694}" type="datetimeFigureOut">
               <a:rPr lang="en-US" smtClean="0"/>
-              <a:t>3/18/2022</a:t>
+              <a:t>3/22/2022</a:t>
             </a:fld>
             <a:endParaRPr lang="en-US"/>
           </a:p>
@@ -8062,6 +8063,1268 @@
 </p:sld>
 </file>
 
+<file path=ppt/slides/slide3.xml><?xml version="1.0" encoding="utf-8"?>
+<p:sld xmlns:a="http://schemas.openxmlformats.org/drawingml/2006/main" xmlns:r="http://schemas.openxmlformats.org/officeDocument/2006/relationships" xmlns:p="http://schemas.openxmlformats.org/presentationml/2006/main">
+  <p:cSld>
+    <p:spTree>
+      <p:nvGrpSpPr>
+        <p:cNvPr id="1" name=""/>
+        <p:cNvGrpSpPr/>
+        <p:nvPr/>
+      </p:nvGrpSpPr>
+      <p:grpSpPr>
+        <a:xfrm>
+          <a:off x="0" y="0"/>
+          <a:ext cx="0" cy="0"/>
+          <a:chOff x="0" y="0"/>
+          <a:chExt cx="0" cy="0"/>
+        </a:xfrm>
+      </p:grpSpPr>
+      <p:pic>
+        <p:nvPicPr>
+          <p:cNvPr id="8" name="Picture 7"/>
+          <p:cNvPicPr>
+            <a:picLocks noChangeAspect="1"/>
+          </p:cNvPicPr>
+          <p:nvPr/>
+        </p:nvPicPr>
+        <p:blipFill rotWithShape="1">
+          <a:blip r:embed="rId2"/>
+          <a:srcRect l="1550" t="15184" r="1809" b="1566"/>
+          <a:stretch/>
+        </p:blipFill>
+        <p:spPr>
+          <a:xfrm>
+            <a:off x="538506" y="1808889"/>
+            <a:ext cx="1470364" cy="1464837"/>
+          </a:xfrm>
+          <a:prstGeom prst="rect">
+            <a:avLst/>
+          </a:prstGeom>
+          <a:ln>
+            <a:solidFill>
+              <a:schemeClr val="tx1"/>
+            </a:solidFill>
+          </a:ln>
+        </p:spPr>
+      </p:pic>
+      <p:sp>
+        <p:nvSpPr>
+          <p:cNvPr id="12" name="TextBox 11"/>
+          <p:cNvSpPr txBox="1"/>
+          <p:nvPr/>
+        </p:nvSpPr>
+        <p:spPr>
+          <a:xfrm>
+            <a:off x="221793" y="1279395"/>
+            <a:ext cx="1524457" cy="313932"/>
+          </a:xfrm>
+          <a:prstGeom prst="rect">
+            <a:avLst/>
+          </a:prstGeom>
+          <a:noFill/>
+        </p:spPr>
+        <p:txBody>
+          <a:bodyPr wrap="square" rtlCol="0">
+            <a:spAutoFit/>
+          </a:bodyPr>
+          <a:lstStyle/>
+          <a:p>
+            <a:r>
+              <a:rPr lang="nl-NL" sz="1440" dirty="0"/>
+              <a:t>a) Label mask</a:t>
+            </a:r>
+            <a:endParaRPr lang="en-US" sz="1440" dirty="0"/>
+          </a:p>
+        </p:txBody>
+      </p:sp>
+      <p:sp>
+        <p:nvSpPr>
+          <p:cNvPr id="13" name="TextBox 12"/>
+          <p:cNvSpPr txBox="1"/>
+          <p:nvPr/>
+        </p:nvSpPr>
+        <p:spPr>
+          <a:xfrm>
+            <a:off x="2270696" y="1279395"/>
+            <a:ext cx="2182468" cy="313932"/>
+          </a:xfrm>
+          <a:prstGeom prst="rect">
+            <a:avLst/>
+          </a:prstGeom>
+          <a:noFill/>
+        </p:spPr>
+        <p:txBody>
+          <a:bodyPr wrap="square" rtlCol="0">
+            <a:spAutoFit/>
+          </a:bodyPr>
+          <a:lstStyle/>
+          <a:p>
+            <a:pPr algn="ctr"/>
+            <a:r>
+              <a:rPr lang="nl-NL" sz="1440" dirty="0"/>
+              <a:t>b) Measurements table</a:t>
+            </a:r>
+            <a:endParaRPr lang="en-US" sz="1440" dirty="0"/>
+          </a:p>
+        </p:txBody>
+      </p:sp>
+      <p:sp>
+        <p:nvSpPr>
+          <p:cNvPr id="14" name="TextBox 13"/>
+          <p:cNvSpPr txBox="1"/>
+          <p:nvPr/>
+        </p:nvSpPr>
+        <p:spPr>
+          <a:xfrm>
+            <a:off x="5978498" y="1279395"/>
+            <a:ext cx="1597053" cy="313932"/>
+          </a:xfrm>
+          <a:prstGeom prst="rect">
+            <a:avLst/>
+          </a:prstGeom>
+          <a:noFill/>
+        </p:spPr>
+        <p:txBody>
+          <a:bodyPr wrap="square" rtlCol="0">
+            <a:spAutoFit/>
+          </a:bodyPr>
+          <a:lstStyle/>
+          <a:p>
+            <a:r>
+              <a:rPr lang="nl-NL" sz="1440" dirty="0"/>
+              <a:t>c) ROI set</a:t>
+            </a:r>
+            <a:endParaRPr lang="en-US" sz="1440" dirty="0"/>
+          </a:p>
+        </p:txBody>
+      </p:sp>
+      <p:graphicFrame>
+        <p:nvGraphicFramePr>
+          <p:cNvPr id="2" name="Table 1"/>
+          <p:cNvGraphicFramePr>
+            <a:graphicFrameLocks noGrp="1"/>
+          </p:cNvGraphicFramePr>
+          <p:nvPr>
+            <p:extLst>
+              <p:ext uri="{D42A27DB-BD31-4B8C-83A1-F6EECF244321}">
+                <p14:modId xmlns:p14="http://schemas.microsoft.com/office/powerpoint/2010/main" val="2417319534"/>
+              </p:ext>
+            </p:extLst>
+          </p:nvPr>
+        </p:nvGraphicFramePr>
+        <p:xfrm>
+          <a:off x="2904489" y="1891174"/>
+          <a:ext cx="2800690" cy="1240155"/>
+        </p:xfrm>
+        <a:graphic>
+          <a:graphicData uri="http://schemas.openxmlformats.org/drawingml/2006/table">
+            <a:tbl>
+              <a:tblPr>
+                <a:tableStyleId>{3B4B98B0-60AC-42C2-AFA5-B58CD77FA1E5}</a:tableStyleId>
+              </a:tblPr>
+              <a:tblGrid>
+                <a:gridCol w="560138">
+                  <a:extLst>
+                    <a:ext uri="{9D8B030D-6E8A-4147-A177-3AD203B41FA5}">
+                      <a16:colId xmlns:a16="http://schemas.microsoft.com/office/drawing/2014/main" val="3083052946"/>
+                    </a:ext>
+                  </a:extLst>
+                </a:gridCol>
+                <a:gridCol w="560138">
+                  <a:extLst>
+                    <a:ext uri="{9D8B030D-6E8A-4147-A177-3AD203B41FA5}">
+                      <a16:colId xmlns:a16="http://schemas.microsoft.com/office/drawing/2014/main" val="2739335031"/>
+                    </a:ext>
+                  </a:extLst>
+                </a:gridCol>
+                <a:gridCol w="560138">
+                  <a:extLst>
+                    <a:ext uri="{9D8B030D-6E8A-4147-A177-3AD203B41FA5}">
+                      <a16:colId xmlns:a16="http://schemas.microsoft.com/office/drawing/2014/main" val="3945957450"/>
+                    </a:ext>
+                  </a:extLst>
+                </a:gridCol>
+                <a:gridCol w="560138">
+                  <a:extLst>
+                    <a:ext uri="{9D8B030D-6E8A-4147-A177-3AD203B41FA5}">
+                      <a16:colId xmlns:a16="http://schemas.microsoft.com/office/drawing/2014/main" val="3313824974"/>
+                    </a:ext>
+                  </a:extLst>
+                </a:gridCol>
+                <a:gridCol w="560138">
+                  <a:extLst>
+                    <a:ext uri="{9D8B030D-6E8A-4147-A177-3AD203B41FA5}">
+                      <a16:colId xmlns:a16="http://schemas.microsoft.com/office/drawing/2014/main" val="2218882774"/>
+                    </a:ext>
+                  </a:extLst>
+                </a:gridCol>
+              </a:tblGrid>
+              <a:tr h="175044">
+                <a:tc>
+                  <a:txBody>
+                    <a:bodyPr/>
+                    <a:lstStyle/>
+                    <a:p>
+                      <a:pPr algn="l" fontAlgn="b"/>
+                      <a:r>
+                        <a:rPr lang="en-US" sz="1100" b="1" i="0" u="none" strike="noStrike">
+                          <a:solidFill>
+                            <a:srgbClr val="000000"/>
+                          </a:solidFill>
+                          <a:effectLst/>
+                          <a:latin typeface="Calibri" panose="020F0502020204030204" pitchFamily="34" charset="0"/>
+                        </a:rPr>
+                        <a:t>Label</a:t>
+                      </a:r>
+                    </a:p>
+                  </a:txBody>
+                  <a:tcPr marL="9525" marR="9525" marT="9525" marB="0" anchor="b">
+                    <a:lnT w="3175" cap="flat" cmpd="sng" algn="ctr">
+                      <a:solidFill>
+                        <a:schemeClr val="tx1"/>
+                      </a:solidFill>
+                      <a:prstDash val="solid"/>
+                      <a:round/>
+                      <a:headEnd type="none" w="med" len="med"/>
+                      <a:tailEnd type="none" w="med" len="med"/>
+                    </a:lnT>
+                    <a:lnB w="3175" cap="flat" cmpd="sng" algn="ctr">
+                      <a:solidFill>
+                        <a:schemeClr val="tx1"/>
+                      </a:solidFill>
+                      <a:prstDash val="solid"/>
+                      <a:round/>
+                      <a:headEnd type="none" w="med" len="med"/>
+                      <a:tailEnd type="none" w="med" len="med"/>
+                    </a:lnB>
+                  </a:tcPr>
+                </a:tc>
+                <a:tc>
+                  <a:txBody>
+                    <a:bodyPr/>
+                    <a:lstStyle/>
+                    <a:p>
+                      <a:pPr algn="l" fontAlgn="b"/>
+                      <a:r>
+                        <a:rPr lang="en-US" sz="1100" b="1" i="0" u="none" strike="noStrike">
+                          <a:solidFill>
+                            <a:srgbClr val="000000"/>
+                          </a:solidFill>
+                          <a:effectLst/>
+                          <a:latin typeface="Calibri" panose="020F0502020204030204" pitchFamily="34" charset="0"/>
+                        </a:rPr>
+                        <a:t>Area</a:t>
+                      </a:r>
+                    </a:p>
+                  </a:txBody>
+                  <a:tcPr marL="9525" marR="9525" marT="9525" marB="0" anchor="b">
+                    <a:lnT w="3175" cap="flat" cmpd="sng" algn="ctr">
+                      <a:solidFill>
+                        <a:schemeClr val="tx1"/>
+                      </a:solidFill>
+                      <a:prstDash val="solid"/>
+                      <a:round/>
+                      <a:headEnd type="none" w="med" len="med"/>
+                      <a:tailEnd type="none" w="med" len="med"/>
+                    </a:lnT>
+                    <a:lnB w="3175" cap="flat" cmpd="sng" algn="ctr">
+                      <a:solidFill>
+                        <a:schemeClr val="tx1"/>
+                      </a:solidFill>
+                      <a:prstDash val="solid"/>
+                      <a:round/>
+                      <a:headEnd type="none" w="med" len="med"/>
+                      <a:tailEnd type="none" w="med" len="med"/>
+                    </a:lnB>
+                  </a:tcPr>
+                </a:tc>
+                <a:tc>
+                  <a:txBody>
+                    <a:bodyPr/>
+                    <a:lstStyle/>
+                    <a:p>
+                      <a:pPr algn="l" fontAlgn="b"/>
+                      <a:r>
+                        <a:rPr lang="en-US" sz="1100" b="1" i="0" u="none" strike="noStrike">
+                          <a:solidFill>
+                            <a:srgbClr val="000000"/>
+                          </a:solidFill>
+                          <a:effectLst/>
+                          <a:latin typeface="Calibri" panose="020F0502020204030204" pitchFamily="34" charset="0"/>
+                        </a:rPr>
+                        <a:t>Perim.</a:t>
+                      </a:r>
+                    </a:p>
+                  </a:txBody>
+                  <a:tcPr marL="9525" marR="9525" marT="9525" marB="0" anchor="b">
+                    <a:lnT w="3175" cap="flat" cmpd="sng" algn="ctr">
+                      <a:solidFill>
+                        <a:schemeClr val="tx1"/>
+                      </a:solidFill>
+                      <a:prstDash val="solid"/>
+                      <a:round/>
+                      <a:headEnd type="none" w="med" len="med"/>
+                      <a:tailEnd type="none" w="med" len="med"/>
+                    </a:lnT>
+                    <a:lnB w="3175" cap="flat" cmpd="sng" algn="ctr">
+                      <a:solidFill>
+                        <a:schemeClr val="tx1"/>
+                      </a:solidFill>
+                      <a:prstDash val="solid"/>
+                      <a:round/>
+                      <a:headEnd type="none" w="med" len="med"/>
+                      <a:tailEnd type="none" w="med" len="med"/>
+                    </a:lnB>
+                  </a:tcPr>
+                </a:tc>
+                <a:tc>
+                  <a:txBody>
+                    <a:bodyPr/>
+                    <a:lstStyle/>
+                    <a:p>
+                      <a:pPr algn="l" fontAlgn="b"/>
+                      <a:r>
+                        <a:rPr lang="en-US" sz="1100" b="1" i="0" u="none" strike="noStrike">
+                          <a:solidFill>
+                            <a:srgbClr val="000000"/>
+                          </a:solidFill>
+                          <a:effectLst/>
+                          <a:latin typeface="Calibri" panose="020F0502020204030204" pitchFamily="34" charset="0"/>
+                        </a:rPr>
+                        <a:t>X</a:t>
+                      </a:r>
+                    </a:p>
+                  </a:txBody>
+                  <a:tcPr marL="9525" marR="9525" marT="9525" marB="0" anchor="b">
+                    <a:lnT w="3175" cap="flat" cmpd="sng" algn="ctr">
+                      <a:solidFill>
+                        <a:schemeClr val="tx1"/>
+                      </a:solidFill>
+                      <a:prstDash val="solid"/>
+                      <a:round/>
+                      <a:headEnd type="none" w="med" len="med"/>
+                      <a:tailEnd type="none" w="med" len="med"/>
+                    </a:lnT>
+                    <a:lnB w="3175" cap="flat" cmpd="sng" algn="ctr">
+                      <a:solidFill>
+                        <a:schemeClr val="tx1"/>
+                      </a:solidFill>
+                      <a:prstDash val="solid"/>
+                      <a:round/>
+                      <a:headEnd type="none" w="med" len="med"/>
+                      <a:tailEnd type="none" w="med" len="med"/>
+                    </a:lnB>
+                  </a:tcPr>
+                </a:tc>
+                <a:tc>
+                  <a:txBody>
+                    <a:bodyPr/>
+                    <a:lstStyle/>
+                    <a:p>
+                      <a:pPr algn="l" fontAlgn="b"/>
+                      <a:r>
+                        <a:rPr lang="en-US" sz="1100" b="1" i="0" u="none" strike="noStrike">
+                          <a:solidFill>
+                            <a:srgbClr val="000000"/>
+                          </a:solidFill>
+                          <a:effectLst/>
+                          <a:latin typeface="Calibri" panose="020F0502020204030204" pitchFamily="34" charset="0"/>
+                        </a:rPr>
+                        <a:t>Y</a:t>
+                      </a:r>
+                    </a:p>
+                  </a:txBody>
+                  <a:tcPr marL="9525" marR="9525" marT="9525" marB="0" anchor="b">
+                    <a:lnT w="3175" cap="flat" cmpd="sng" algn="ctr">
+                      <a:solidFill>
+                        <a:schemeClr val="tx1"/>
+                      </a:solidFill>
+                      <a:prstDash val="solid"/>
+                      <a:round/>
+                      <a:headEnd type="none" w="med" len="med"/>
+                      <a:tailEnd type="none" w="med" len="med"/>
+                    </a:lnT>
+                    <a:lnB w="3175" cap="flat" cmpd="sng" algn="ctr">
+                      <a:solidFill>
+                        <a:schemeClr val="tx1"/>
+                      </a:solidFill>
+                      <a:prstDash val="solid"/>
+                      <a:round/>
+                      <a:headEnd type="none" w="med" len="med"/>
+                      <a:tailEnd type="none" w="med" len="med"/>
+                    </a:lnB>
+                  </a:tcPr>
+                </a:tc>
+                <a:extLst>
+                  <a:ext uri="{0D108BD9-81ED-4DB2-BD59-A6C34878D82A}">
+                    <a16:rowId xmlns:a16="http://schemas.microsoft.com/office/drawing/2014/main" val="2704985016"/>
+                  </a:ext>
+                </a:extLst>
+              </a:tr>
+              <a:tr h="175044">
+                <a:tc>
+                  <a:txBody>
+                    <a:bodyPr/>
+                    <a:lstStyle/>
+                    <a:p>
+                      <a:pPr algn="r" fontAlgn="b"/>
+                      <a:r>
+                        <a:rPr lang="en-US" sz="1100" b="0" i="0" u="none" strike="noStrike">
+                          <a:solidFill>
+                            <a:srgbClr val="000000"/>
+                          </a:solidFill>
+                          <a:effectLst/>
+                          <a:latin typeface="Calibri" panose="020F0502020204030204" pitchFamily="34" charset="0"/>
+                        </a:rPr>
+                        <a:t>1</a:t>
+                      </a:r>
+                    </a:p>
+                  </a:txBody>
+                  <a:tcPr marL="9525" marR="9525" marT="9525" marB="0" anchor="b">
+                    <a:lnT w="3175" cap="flat" cmpd="sng" algn="ctr">
+                      <a:solidFill>
+                        <a:schemeClr val="tx1"/>
+                      </a:solidFill>
+                      <a:prstDash val="solid"/>
+                      <a:round/>
+                      <a:headEnd type="none" w="med" len="med"/>
+                      <a:tailEnd type="none" w="med" len="med"/>
+                    </a:lnT>
+                  </a:tcPr>
+                </a:tc>
+                <a:tc>
+                  <a:txBody>
+                    <a:bodyPr/>
+                    <a:lstStyle/>
+                    <a:p>
+                      <a:pPr algn="r" fontAlgn="b"/>
+                      <a:r>
+                        <a:rPr lang="en-US" sz="1100" b="0" i="0" u="none" strike="noStrike">
+                          <a:solidFill>
+                            <a:srgbClr val="000000"/>
+                          </a:solidFill>
+                          <a:effectLst/>
+                          <a:latin typeface="Calibri" panose="020F0502020204030204" pitchFamily="34" charset="0"/>
+                        </a:rPr>
+                        <a:t>865</a:t>
+                      </a:r>
+                    </a:p>
+                  </a:txBody>
+                  <a:tcPr marL="9525" marR="9525" marT="9525" marB="0" anchor="b">
+                    <a:lnT w="3175" cap="flat" cmpd="sng" algn="ctr">
+                      <a:solidFill>
+                        <a:schemeClr val="tx1"/>
+                      </a:solidFill>
+                      <a:prstDash val="solid"/>
+                      <a:round/>
+                      <a:headEnd type="none" w="med" len="med"/>
+                      <a:tailEnd type="none" w="med" len="med"/>
+                    </a:lnT>
+                  </a:tcPr>
+                </a:tc>
+                <a:tc>
+                  <a:txBody>
+                    <a:bodyPr/>
+                    <a:lstStyle/>
+                    <a:p>
+                      <a:pPr algn="r" fontAlgn="b"/>
+                      <a:r>
+                        <a:rPr lang="en-US" sz="1100" b="0" i="0" u="none" strike="noStrike">
+                          <a:solidFill>
+                            <a:srgbClr val="000000"/>
+                          </a:solidFill>
+                          <a:effectLst/>
+                          <a:latin typeface="Calibri" panose="020F0502020204030204" pitchFamily="34" charset="0"/>
+                        </a:rPr>
+                        <a:t>118.326</a:t>
+                      </a:r>
+                    </a:p>
+                  </a:txBody>
+                  <a:tcPr marL="9525" marR="9525" marT="9525" marB="0" anchor="b">
+                    <a:lnT w="3175" cap="flat" cmpd="sng" algn="ctr">
+                      <a:solidFill>
+                        <a:schemeClr val="tx1"/>
+                      </a:solidFill>
+                      <a:prstDash val="solid"/>
+                      <a:round/>
+                      <a:headEnd type="none" w="med" len="med"/>
+                      <a:tailEnd type="none" w="med" len="med"/>
+                    </a:lnT>
+                  </a:tcPr>
+                </a:tc>
+                <a:tc>
+                  <a:txBody>
+                    <a:bodyPr/>
+                    <a:lstStyle/>
+                    <a:p>
+                      <a:pPr algn="r" fontAlgn="b"/>
+                      <a:r>
+                        <a:rPr lang="en-US" sz="1100" b="0" i="0" u="none" strike="noStrike">
+                          <a:solidFill>
+                            <a:srgbClr val="000000"/>
+                          </a:solidFill>
+                          <a:effectLst/>
+                          <a:latin typeface="Calibri" panose="020F0502020204030204" pitchFamily="34" charset="0"/>
+                        </a:rPr>
+                        <a:t>128.923</a:t>
+                      </a:r>
+                    </a:p>
+                  </a:txBody>
+                  <a:tcPr marL="9525" marR="9525" marT="9525" marB="0" anchor="b">
+                    <a:lnT w="3175" cap="flat" cmpd="sng" algn="ctr">
+                      <a:solidFill>
+                        <a:schemeClr val="tx1"/>
+                      </a:solidFill>
+                      <a:prstDash val="solid"/>
+                      <a:round/>
+                      <a:headEnd type="none" w="med" len="med"/>
+                      <a:tailEnd type="none" w="med" len="med"/>
+                    </a:lnT>
+                  </a:tcPr>
+                </a:tc>
+                <a:tc>
+                  <a:txBody>
+                    <a:bodyPr/>
+                    <a:lstStyle/>
+                    <a:p>
+                      <a:pPr algn="r" fontAlgn="b"/>
+                      <a:r>
+                        <a:rPr lang="en-US" sz="1100" b="0" i="0" u="none" strike="noStrike">
+                          <a:solidFill>
+                            <a:srgbClr val="000000"/>
+                          </a:solidFill>
+                          <a:effectLst/>
+                          <a:latin typeface="Calibri" panose="020F0502020204030204" pitchFamily="34" charset="0"/>
+                        </a:rPr>
+                        <a:t>44.272</a:t>
+                      </a:r>
+                    </a:p>
+                  </a:txBody>
+                  <a:tcPr marL="9525" marR="9525" marT="9525" marB="0" anchor="b">
+                    <a:lnT w="3175" cap="flat" cmpd="sng" algn="ctr">
+                      <a:solidFill>
+                        <a:schemeClr val="tx1"/>
+                      </a:solidFill>
+                      <a:prstDash val="solid"/>
+                      <a:round/>
+                      <a:headEnd type="none" w="med" len="med"/>
+                      <a:tailEnd type="none" w="med" len="med"/>
+                    </a:lnT>
+                  </a:tcPr>
+                </a:tc>
+                <a:extLst>
+                  <a:ext uri="{0D108BD9-81ED-4DB2-BD59-A6C34878D82A}">
+                    <a16:rowId xmlns:a16="http://schemas.microsoft.com/office/drawing/2014/main" val="2738829116"/>
+                  </a:ext>
+                </a:extLst>
+              </a:tr>
+              <a:tr h="175044">
+                <a:tc>
+                  <a:txBody>
+                    <a:bodyPr/>
+                    <a:lstStyle/>
+                    <a:p>
+                      <a:pPr algn="r" fontAlgn="b"/>
+                      <a:r>
+                        <a:rPr lang="en-US" sz="1100" b="0" i="0" u="none" strike="noStrike">
+                          <a:solidFill>
+                            <a:srgbClr val="000000"/>
+                          </a:solidFill>
+                          <a:effectLst/>
+                          <a:latin typeface="Calibri" panose="020F0502020204030204" pitchFamily="34" charset="0"/>
+                        </a:rPr>
+                        <a:t>2</a:t>
+                      </a:r>
+                    </a:p>
+                  </a:txBody>
+                  <a:tcPr marL="9525" marR="9525" marT="9525" marB="0" anchor="b"/>
+                </a:tc>
+                <a:tc>
+                  <a:txBody>
+                    <a:bodyPr/>
+                    <a:lstStyle/>
+                    <a:p>
+                      <a:pPr algn="r" fontAlgn="b"/>
+                      <a:r>
+                        <a:rPr lang="en-US" sz="1100" b="0" i="0" u="none" strike="noStrike">
+                          <a:solidFill>
+                            <a:srgbClr val="000000"/>
+                          </a:solidFill>
+                          <a:effectLst/>
+                          <a:latin typeface="Calibri" panose="020F0502020204030204" pitchFamily="34" charset="0"/>
+                        </a:rPr>
+                        <a:t>793</a:t>
+                      </a:r>
+                    </a:p>
+                  </a:txBody>
+                  <a:tcPr marL="9525" marR="9525" marT="9525" marB="0" anchor="b"/>
+                </a:tc>
+                <a:tc>
+                  <a:txBody>
+                    <a:bodyPr/>
+                    <a:lstStyle/>
+                    <a:p>
+                      <a:pPr algn="r" fontAlgn="b"/>
+                      <a:r>
+                        <a:rPr lang="en-US" sz="1100" b="0" i="0" u="none" strike="noStrike">
+                          <a:solidFill>
+                            <a:srgbClr val="000000"/>
+                          </a:solidFill>
+                          <a:effectLst/>
+                          <a:latin typeface="Calibri" panose="020F0502020204030204" pitchFamily="34" charset="0"/>
+                        </a:rPr>
+                        <a:t>116.811</a:t>
+                      </a:r>
+                    </a:p>
+                  </a:txBody>
+                  <a:tcPr marL="9525" marR="9525" marT="9525" marB="0" anchor="b"/>
+                </a:tc>
+                <a:tc>
+                  <a:txBody>
+                    <a:bodyPr/>
+                    <a:lstStyle/>
+                    <a:p>
+                      <a:pPr algn="r" fontAlgn="b"/>
+                      <a:r>
+                        <a:rPr lang="en-US" sz="1100" b="0" i="0" u="none" strike="noStrike">
+                          <a:solidFill>
+                            <a:srgbClr val="000000"/>
+                          </a:solidFill>
+                          <a:effectLst/>
+                          <a:latin typeface="Calibri" panose="020F0502020204030204" pitchFamily="34" charset="0"/>
+                        </a:rPr>
+                        <a:t>53.4</a:t>
+                      </a:r>
+                    </a:p>
+                  </a:txBody>
+                  <a:tcPr marL="9525" marR="9525" marT="9525" marB="0" anchor="b"/>
+                </a:tc>
+                <a:tc>
+                  <a:txBody>
+                    <a:bodyPr/>
+                    <a:lstStyle/>
+                    <a:p>
+                      <a:pPr algn="r" fontAlgn="b"/>
+                      <a:r>
+                        <a:rPr lang="en-US" sz="1100" b="0" i="0" u="none" strike="noStrike">
+                          <a:solidFill>
+                            <a:srgbClr val="000000"/>
+                          </a:solidFill>
+                          <a:effectLst/>
+                          <a:latin typeface="Calibri" panose="020F0502020204030204" pitchFamily="34" charset="0"/>
+                        </a:rPr>
+                        <a:t>42.165</a:t>
+                      </a:r>
+                    </a:p>
+                  </a:txBody>
+                  <a:tcPr marL="9525" marR="9525" marT="9525" marB="0" anchor="b"/>
+                </a:tc>
+                <a:extLst>
+                  <a:ext uri="{0D108BD9-81ED-4DB2-BD59-A6C34878D82A}">
+                    <a16:rowId xmlns:a16="http://schemas.microsoft.com/office/drawing/2014/main" val="298208192"/>
+                  </a:ext>
+                </a:extLst>
+              </a:tr>
+              <a:tr h="175044">
+                <a:tc>
+                  <a:txBody>
+                    <a:bodyPr/>
+                    <a:lstStyle/>
+                    <a:p>
+                      <a:pPr algn="r" fontAlgn="b"/>
+                      <a:r>
+                        <a:rPr lang="en-US" sz="1100" b="0" i="0" u="none" strike="noStrike">
+                          <a:solidFill>
+                            <a:srgbClr val="000000"/>
+                          </a:solidFill>
+                          <a:effectLst/>
+                          <a:latin typeface="Calibri" panose="020F0502020204030204" pitchFamily="34" charset="0"/>
+                        </a:rPr>
+                        <a:t>3</a:t>
+                      </a:r>
+                    </a:p>
+                  </a:txBody>
+                  <a:tcPr marL="9525" marR="9525" marT="9525" marB="0" anchor="b"/>
+                </a:tc>
+                <a:tc>
+                  <a:txBody>
+                    <a:bodyPr/>
+                    <a:lstStyle/>
+                    <a:p>
+                      <a:pPr algn="r" fontAlgn="b"/>
+                      <a:r>
+                        <a:rPr lang="en-US" sz="1100" b="0" i="0" u="none" strike="noStrike">
+                          <a:solidFill>
+                            <a:srgbClr val="000000"/>
+                          </a:solidFill>
+                          <a:effectLst/>
+                          <a:latin typeface="Calibri" panose="020F0502020204030204" pitchFamily="34" charset="0"/>
+                        </a:rPr>
+                        <a:t>737</a:t>
+                      </a:r>
+                    </a:p>
+                  </a:txBody>
+                  <a:tcPr marL="9525" marR="9525" marT="9525" marB="0" anchor="b"/>
+                </a:tc>
+                <a:tc>
+                  <a:txBody>
+                    <a:bodyPr/>
+                    <a:lstStyle/>
+                    <a:p>
+                      <a:pPr algn="r" fontAlgn="b"/>
+                      <a:r>
+                        <a:rPr lang="en-US" sz="1100" b="0" i="0" u="none" strike="noStrike">
+                          <a:solidFill>
+                            <a:srgbClr val="000000"/>
+                          </a:solidFill>
+                          <a:effectLst/>
+                          <a:latin typeface="Calibri" panose="020F0502020204030204" pitchFamily="34" charset="0"/>
+                        </a:rPr>
+                        <a:t>102.083</a:t>
+                      </a:r>
+                    </a:p>
+                  </a:txBody>
+                  <a:tcPr marL="9525" marR="9525" marT="9525" marB="0" anchor="b"/>
+                </a:tc>
+                <a:tc>
+                  <a:txBody>
+                    <a:bodyPr/>
+                    <a:lstStyle/>
+                    <a:p>
+                      <a:pPr algn="r" fontAlgn="b"/>
+                      <a:r>
+                        <a:rPr lang="en-US" sz="1100" b="0" i="0" u="none" strike="noStrike">
+                          <a:solidFill>
+                            <a:srgbClr val="000000"/>
+                          </a:solidFill>
+                          <a:effectLst/>
+                          <a:latin typeface="Calibri" panose="020F0502020204030204" pitchFamily="34" charset="0"/>
+                        </a:rPr>
+                        <a:t>54.219</a:t>
+                      </a:r>
+                    </a:p>
+                  </a:txBody>
+                  <a:tcPr marL="9525" marR="9525" marT="9525" marB="0" anchor="b"/>
+                </a:tc>
+                <a:tc>
+                  <a:txBody>
+                    <a:bodyPr/>
+                    <a:lstStyle/>
+                    <a:p>
+                      <a:pPr algn="r" fontAlgn="b"/>
+                      <a:r>
+                        <a:rPr lang="en-US" sz="1100" b="0" i="0" u="none" strike="noStrike">
+                          <a:solidFill>
+                            <a:srgbClr val="000000"/>
+                          </a:solidFill>
+                          <a:effectLst/>
+                          <a:latin typeface="Calibri" panose="020F0502020204030204" pitchFamily="34" charset="0"/>
+                        </a:rPr>
+                        <a:t>92.591</a:t>
+                      </a:r>
+                    </a:p>
+                  </a:txBody>
+                  <a:tcPr marL="9525" marR="9525" marT="9525" marB="0" anchor="b"/>
+                </a:tc>
+                <a:extLst>
+                  <a:ext uri="{0D108BD9-81ED-4DB2-BD59-A6C34878D82A}">
+                    <a16:rowId xmlns:a16="http://schemas.microsoft.com/office/drawing/2014/main" val="1638871936"/>
+                  </a:ext>
+                </a:extLst>
+              </a:tr>
+              <a:tr h="175044">
+                <a:tc>
+                  <a:txBody>
+                    <a:bodyPr/>
+                    <a:lstStyle/>
+                    <a:p>
+                      <a:pPr algn="r" fontAlgn="b"/>
+                      <a:r>
+                        <a:rPr lang="en-US" sz="1100" b="0" i="0" u="none" strike="noStrike">
+                          <a:solidFill>
+                            <a:srgbClr val="000000"/>
+                          </a:solidFill>
+                          <a:effectLst/>
+                          <a:latin typeface="Calibri" panose="020F0502020204030204" pitchFamily="34" charset="0"/>
+                        </a:rPr>
+                        <a:t>4</a:t>
+                      </a:r>
+                    </a:p>
+                  </a:txBody>
+                  <a:tcPr marL="9525" marR="9525" marT="9525" marB="0" anchor="b"/>
+                </a:tc>
+                <a:tc>
+                  <a:txBody>
+                    <a:bodyPr/>
+                    <a:lstStyle/>
+                    <a:p>
+                      <a:pPr algn="r" fontAlgn="b"/>
+                      <a:r>
+                        <a:rPr lang="en-US" sz="1100" b="0" i="0" u="none" strike="noStrike">
+                          <a:solidFill>
+                            <a:srgbClr val="000000"/>
+                          </a:solidFill>
+                          <a:effectLst/>
+                          <a:latin typeface="Calibri" panose="020F0502020204030204" pitchFamily="34" charset="0"/>
+                        </a:rPr>
+                        <a:t>961</a:t>
+                      </a:r>
+                    </a:p>
+                  </a:txBody>
+                  <a:tcPr marL="9525" marR="9525" marT="9525" marB="0" anchor="b"/>
+                </a:tc>
+                <a:tc>
+                  <a:txBody>
+                    <a:bodyPr/>
+                    <a:lstStyle/>
+                    <a:p>
+                      <a:pPr algn="r" fontAlgn="b"/>
+                      <a:r>
+                        <a:rPr lang="en-US" sz="1100" b="0" i="0" u="none" strike="noStrike">
+                          <a:solidFill>
+                            <a:srgbClr val="000000"/>
+                          </a:solidFill>
+                          <a:effectLst/>
+                          <a:latin typeface="Calibri" panose="020F0502020204030204" pitchFamily="34" charset="0"/>
+                        </a:rPr>
+                        <a:t>180.125</a:t>
+                      </a:r>
+                    </a:p>
+                  </a:txBody>
+                  <a:tcPr marL="9525" marR="9525" marT="9525" marB="0" anchor="b"/>
+                </a:tc>
+                <a:tc>
+                  <a:txBody>
+                    <a:bodyPr/>
+                    <a:lstStyle/>
+                    <a:p>
+                      <a:pPr algn="r" fontAlgn="b"/>
+                      <a:r>
+                        <a:rPr lang="en-US" sz="1100" b="0" i="0" u="none" strike="noStrike">
+                          <a:solidFill>
+                            <a:srgbClr val="000000"/>
+                          </a:solidFill>
+                          <a:effectLst/>
+                          <a:latin typeface="Calibri" panose="020F0502020204030204" pitchFamily="34" charset="0"/>
+                        </a:rPr>
+                        <a:t>157.198</a:t>
+                      </a:r>
+                    </a:p>
+                  </a:txBody>
+                  <a:tcPr marL="9525" marR="9525" marT="9525" marB="0" anchor="b"/>
+                </a:tc>
+                <a:tc>
+                  <a:txBody>
+                    <a:bodyPr/>
+                    <a:lstStyle/>
+                    <a:p>
+                      <a:pPr algn="r" fontAlgn="b"/>
+                      <a:r>
+                        <a:rPr lang="en-US" sz="1100" b="0" i="0" u="none" strike="noStrike">
+                          <a:solidFill>
+                            <a:srgbClr val="000000"/>
+                          </a:solidFill>
+                          <a:effectLst/>
+                          <a:latin typeface="Calibri" panose="020F0502020204030204" pitchFamily="34" charset="0"/>
+                        </a:rPr>
+                        <a:t>113.365</a:t>
+                      </a:r>
+                    </a:p>
+                  </a:txBody>
+                  <a:tcPr marL="9525" marR="9525" marT="9525" marB="0" anchor="b"/>
+                </a:tc>
+                <a:extLst>
+                  <a:ext uri="{0D108BD9-81ED-4DB2-BD59-A6C34878D82A}">
+                    <a16:rowId xmlns:a16="http://schemas.microsoft.com/office/drawing/2014/main" val="963997415"/>
+                  </a:ext>
+                </a:extLst>
+              </a:tr>
+              <a:tr h="175044">
+                <a:tc>
+                  <a:txBody>
+                    <a:bodyPr/>
+                    <a:lstStyle/>
+                    <a:p>
+                      <a:pPr algn="r" fontAlgn="b"/>
+                      <a:r>
+                        <a:rPr lang="en-US" sz="1100" b="0" i="0" u="none" strike="noStrike">
+                          <a:solidFill>
+                            <a:srgbClr val="000000"/>
+                          </a:solidFill>
+                          <a:effectLst/>
+                          <a:latin typeface="Calibri" panose="020F0502020204030204" pitchFamily="34" charset="0"/>
+                        </a:rPr>
+                        <a:t>5</a:t>
+                      </a:r>
+                    </a:p>
+                  </a:txBody>
+                  <a:tcPr marL="9525" marR="9525" marT="9525" marB="0" anchor="b">
+                    <a:lnB>
+                      <a:noFill/>
+                    </a:lnB>
+                  </a:tcPr>
+                </a:tc>
+                <a:tc>
+                  <a:txBody>
+                    <a:bodyPr/>
+                    <a:lstStyle/>
+                    <a:p>
+                      <a:pPr algn="r" fontAlgn="b"/>
+                      <a:r>
+                        <a:rPr lang="en-US" sz="1100" b="0" i="0" u="none" strike="noStrike">
+                          <a:solidFill>
+                            <a:srgbClr val="000000"/>
+                          </a:solidFill>
+                          <a:effectLst/>
+                          <a:latin typeface="Calibri" panose="020F0502020204030204" pitchFamily="34" charset="0"/>
+                        </a:rPr>
+                        <a:t>402</a:t>
+                      </a:r>
+                    </a:p>
+                  </a:txBody>
+                  <a:tcPr marL="9525" marR="9525" marT="9525" marB="0" anchor="b">
+                    <a:lnB>
+                      <a:noFill/>
+                    </a:lnB>
+                  </a:tcPr>
+                </a:tc>
+                <a:tc>
+                  <a:txBody>
+                    <a:bodyPr/>
+                    <a:lstStyle/>
+                    <a:p>
+                      <a:pPr algn="r" fontAlgn="b"/>
+                      <a:r>
+                        <a:rPr lang="en-US" sz="1100" b="0" i="0" u="none" strike="noStrike">
+                          <a:solidFill>
+                            <a:srgbClr val="000000"/>
+                          </a:solidFill>
+                          <a:effectLst/>
+                          <a:latin typeface="Calibri" panose="020F0502020204030204" pitchFamily="34" charset="0"/>
+                        </a:rPr>
+                        <a:t>91.74</a:t>
+                      </a:r>
+                    </a:p>
+                  </a:txBody>
+                  <a:tcPr marL="9525" marR="9525" marT="9525" marB="0" anchor="b">
+                    <a:lnB>
+                      <a:noFill/>
+                    </a:lnB>
+                  </a:tcPr>
+                </a:tc>
+                <a:tc>
+                  <a:txBody>
+                    <a:bodyPr/>
+                    <a:lstStyle/>
+                    <a:p>
+                      <a:pPr algn="r" fontAlgn="b"/>
+                      <a:r>
+                        <a:rPr lang="en-US" sz="1100" b="0" i="0" u="none" strike="noStrike">
+                          <a:solidFill>
+                            <a:srgbClr val="000000"/>
+                          </a:solidFill>
+                          <a:effectLst/>
+                          <a:latin typeface="Calibri" panose="020F0502020204030204" pitchFamily="34" charset="0"/>
+                        </a:rPr>
+                        <a:t>95.754</a:t>
+                      </a:r>
+                    </a:p>
+                  </a:txBody>
+                  <a:tcPr marL="9525" marR="9525" marT="9525" marB="0" anchor="b">
+                    <a:lnB>
+                      <a:noFill/>
+                    </a:lnB>
+                  </a:tcPr>
+                </a:tc>
+                <a:tc>
+                  <a:txBody>
+                    <a:bodyPr/>
+                    <a:lstStyle/>
+                    <a:p>
+                      <a:pPr algn="r" fontAlgn="b"/>
+                      <a:r>
+                        <a:rPr lang="en-US" sz="1100" b="0" i="0" u="none" strike="noStrike">
+                          <a:solidFill>
+                            <a:srgbClr val="000000"/>
+                          </a:solidFill>
+                          <a:effectLst/>
+                          <a:latin typeface="Calibri" panose="020F0502020204030204" pitchFamily="34" charset="0"/>
+                        </a:rPr>
+                        <a:t>138.192</a:t>
+                      </a:r>
+                    </a:p>
+                  </a:txBody>
+                  <a:tcPr marL="9525" marR="9525" marT="9525" marB="0" anchor="b">
+                    <a:lnB>
+                      <a:noFill/>
+                    </a:lnB>
+                  </a:tcPr>
+                </a:tc>
+                <a:extLst>
+                  <a:ext uri="{0D108BD9-81ED-4DB2-BD59-A6C34878D82A}">
+                    <a16:rowId xmlns:a16="http://schemas.microsoft.com/office/drawing/2014/main" val="3326698686"/>
+                  </a:ext>
+                </a:extLst>
+              </a:tr>
+              <a:tr h="175044">
+                <a:tc>
+                  <a:txBody>
+                    <a:bodyPr/>
+                    <a:lstStyle/>
+                    <a:p>
+                      <a:pPr algn="r" fontAlgn="b"/>
+                      <a:r>
+                        <a:rPr lang="en-US" sz="1100" b="0" i="0" u="none" strike="noStrike">
+                          <a:solidFill>
+                            <a:srgbClr val="000000"/>
+                          </a:solidFill>
+                          <a:effectLst/>
+                          <a:latin typeface="Calibri" panose="020F0502020204030204" pitchFamily="34" charset="0"/>
+                        </a:rPr>
+                        <a:t>6</a:t>
+                      </a:r>
+                    </a:p>
+                  </a:txBody>
+                  <a:tcPr marL="9525" marR="9525" marT="9525" marB="0" anchor="b">
+                    <a:lnL>
+                      <a:noFill/>
+                    </a:lnL>
+                    <a:lnR>
+                      <a:noFill/>
+                    </a:lnR>
+                    <a:lnT>
+                      <a:noFill/>
+                    </a:lnT>
+                    <a:lnB w="12700" cmpd="sng">
+                      <a:noFill/>
+                    </a:lnB>
+                    <a:lnTlToBr w="12700" cmpd="sng">
+                      <a:noFill/>
+                      <a:prstDash val="solid"/>
+                    </a:lnTlToBr>
+                    <a:lnBlToTr w="12700" cmpd="sng">
+                      <a:noFill/>
+                      <a:prstDash val="solid"/>
+                    </a:lnBlToTr>
+                  </a:tcPr>
+                </a:tc>
+                <a:tc>
+                  <a:txBody>
+                    <a:bodyPr/>
+                    <a:lstStyle/>
+                    <a:p>
+                      <a:pPr algn="r" fontAlgn="b"/>
+                      <a:r>
+                        <a:rPr lang="en-US" sz="1100" b="0" i="0" u="none" strike="noStrike">
+                          <a:solidFill>
+                            <a:srgbClr val="000000"/>
+                          </a:solidFill>
+                          <a:effectLst/>
+                          <a:latin typeface="Calibri" panose="020F0502020204030204" pitchFamily="34" charset="0"/>
+                        </a:rPr>
+                        <a:t>778</a:t>
+                      </a:r>
+                    </a:p>
+                  </a:txBody>
+                  <a:tcPr marL="9525" marR="9525" marT="9525" marB="0" anchor="b">
+                    <a:lnL>
+                      <a:noFill/>
+                    </a:lnL>
+                    <a:lnR>
+                      <a:noFill/>
+                    </a:lnR>
+                    <a:lnT>
+                      <a:noFill/>
+                    </a:lnT>
+                    <a:lnB w="12700" cmpd="sng">
+                      <a:noFill/>
+                    </a:lnB>
+                    <a:lnTlToBr w="12700" cmpd="sng">
+                      <a:noFill/>
+                      <a:prstDash val="solid"/>
+                    </a:lnTlToBr>
+                    <a:lnBlToTr w="12700" cmpd="sng">
+                      <a:noFill/>
+                      <a:prstDash val="solid"/>
+                    </a:lnBlToTr>
+                  </a:tcPr>
+                </a:tc>
+                <a:tc>
+                  <a:txBody>
+                    <a:bodyPr/>
+                    <a:lstStyle/>
+                    <a:p>
+                      <a:pPr algn="r" fontAlgn="b"/>
+                      <a:r>
+                        <a:rPr lang="en-US" sz="1100" b="0" i="0" u="none" strike="noStrike">
+                          <a:solidFill>
+                            <a:srgbClr val="000000"/>
+                          </a:solidFill>
+                          <a:effectLst/>
+                          <a:latin typeface="Calibri" panose="020F0502020204030204" pitchFamily="34" charset="0"/>
+                        </a:rPr>
+                        <a:t>142.267</a:t>
+                      </a:r>
+                    </a:p>
+                  </a:txBody>
+                  <a:tcPr marL="9525" marR="9525" marT="9525" marB="0" anchor="b">
+                    <a:lnL>
+                      <a:noFill/>
+                    </a:lnL>
+                    <a:lnR>
+                      <a:noFill/>
+                    </a:lnR>
+                    <a:lnT>
+                      <a:noFill/>
+                    </a:lnT>
+                    <a:lnB w="12700" cmpd="sng">
+                      <a:noFill/>
+                    </a:lnB>
+                    <a:lnTlToBr w="12700" cmpd="sng">
+                      <a:noFill/>
+                      <a:prstDash val="solid"/>
+                    </a:lnTlToBr>
+                    <a:lnBlToTr w="12700" cmpd="sng">
+                      <a:noFill/>
+                      <a:prstDash val="solid"/>
+                    </a:lnBlToTr>
+                  </a:tcPr>
+                </a:tc>
+                <a:tc>
+                  <a:txBody>
+                    <a:bodyPr/>
+                    <a:lstStyle/>
+                    <a:p>
+                      <a:pPr algn="r" fontAlgn="b"/>
+                      <a:r>
+                        <a:rPr lang="en-US" sz="1100" b="0" i="0" u="none" strike="noStrike" dirty="0">
+                          <a:solidFill>
+                            <a:srgbClr val="000000"/>
+                          </a:solidFill>
+                          <a:effectLst/>
+                          <a:latin typeface="Calibri" panose="020F0502020204030204" pitchFamily="34" charset="0"/>
+                        </a:rPr>
+                        <a:t>41.621</a:t>
+                      </a:r>
+                    </a:p>
+                  </a:txBody>
+                  <a:tcPr marL="9525" marR="9525" marT="9525" marB="0" anchor="b">
+                    <a:lnL>
+                      <a:noFill/>
+                    </a:lnL>
+                    <a:lnR>
+                      <a:noFill/>
+                    </a:lnR>
+                    <a:lnT>
+                      <a:noFill/>
+                    </a:lnT>
+                    <a:lnB w="12700" cmpd="sng">
+                      <a:noFill/>
+                    </a:lnB>
+                    <a:lnTlToBr w="12700" cmpd="sng">
+                      <a:noFill/>
+                      <a:prstDash val="solid"/>
+                    </a:lnTlToBr>
+                    <a:lnBlToTr w="12700" cmpd="sng">
+                      <a:noFill/>
+                      <a:prstDash val="solid"/>
+                    </a:lnBlToTr>
+                  </a:tcPr>
+                </a:tc>
+                <a:tc>
+                  <a:txBody>
+                    <a:bodyPr/>
+                    <a:lstStyle/>
+                    <a:p>
+                      <a:pPr algn="r" fontAlgn="b"/>
+                      <a:r>
+                        <a:rPr lang="en-US" sz="1100" b="0" i="0" u="none" strike="noStrike" dirty="0">
+                          <a:solidFill>
+                            <a:srgbClr val="000000"/>
+                          </a:solidFill>
+                          <a:effectLst/>
+                          <a:latin typeface="Calibri" panose="020F0502020204030204" pitchFamily="34" charset="0"/>
+                        </a:rPr>
+                        <a:t>169.522</a:t>
+                      </a:r>
+                    </a:p>
+                  </a:txBody>
+                  <a:tcPr marL="9525" marR="9525" marT="9525" marB="0" anchor="b">
+                    <a:lnL>
+                      <a:noFill/>
+                    </a:lnL>
+                    <a:lnR>
+                      <a:noFill/>
+                    </a:lnR>
+                    <a:lnT>
+                      <a:noFill/>
+                    </a:lnT>
+                    <a:lnB w="12700" cmpd="sng">
+                      <a:noFill/>
+                    </a:lnB>
+                    <a:lnTlToBr w="12700" cmpd="sng">
+                      <a:noFill/>
+                      <a:prstDash val="solid"/>
+                    </a:lnTlToBr>
+                    <a:lnBlToTr w="12700" cmpd="sng">
+                      <a:noFill/>
+                      <a:prstDash val="solid"/>
+                    </a:lnBlToTr>
+                  </a:tcPr>
+                </a:tc>
+                <a:extLst>
+                  <a:ext uri="{0D108BD9-81ED-4DB2-BD59-A6C34878D82A}">
+                    <a16:rowId xmlns:a16="http://schemas.microsoft.com/office/drawing/2014/main" val="3930783488"/>
+                  </a:ext>
+                </a:extLst>
+              </a:tr>
+            </a:tbl>
+          </a:graphicData>
+        </a:graphic>
+      </p:graphicFrame>
+      <p:pic>
+        <p:nvPicPr>
+          <p:cNvPr id="3" name="Picture 2"/>
+          <p:cNvPicPr>
+            <a:picLocks noChangeAspect="1"/>
+          </p:cNvPicPr>
+          <p:nvPr/>
+        </p:nvPicPr>
+        <p:blipFill>
+          <a:blip r:embed="rId3"/>
+          <a:stretch>
+            <a:fillRect/>
+          </a:stretch>
+        </p:blipFill>
+        <p:spPr>
+          <a:xfrm rot="16200000">
+            <a:off x="6531143" y="1613032"/>
+            <a:ext cx="1464837" cy="1796437"/>
+          </a:xfrm>
+          <a:prstGeom prst="rect">
+            <a:avLst/>
+          </a:prstGeom>
+          <a:ln>
+            <a:solidFill>
+              <a:schemeClr val="tx1"/>
+            </a:solidFill>
+          </a:ln>
+        </p:spPr>
+      </p:pic>
+    </p:spTree>
+    <p:extLst>
+      <p:ext uri="{BB962C8B-B14F-4D97-AF65-F5344CB8AC3E}">
+        <p14:creationId xmlns:p14="http://schemas.microsoft.com/office/powerpoint/2010/main" val="651207251"/>
+      </p:ext>
+    </p:extLst>
+  </p:cSld>
+  <p:clrMapOvr>
+    <a:masterClrMapping/>
+  </p:clrMapOvr>
+</p:sld>
+</file>
+
 <file path=ppt/theme/theme1.xml><?xml version="1.0" encoding="utf-8"?>
 <a:theme xmlns:a="http://schemas.openxmlformats.org/drawingml/2006/main" name="Office Theme">
   <a:themeElements>
